--- a/spec/ClassDiagram.pptx
+++ b/spec/ClassDiagram.pptx
@@ -288,7 +288,7 @@
           <a:p>
             <a:fld id="{837CB51B-EB14-4160-B927-04031DCD17B2}" type="datetimeFigureOut">
               <a:rPr lang="en-US" smtClean="0"/>
-              <a:t>8/14/2015</a:t>
+              <a:t>8/18/2015</a:t>
             </a:fld>
             <a:endParaRPr lang="en-US"/>
           </a:p>
@@ -458,7 +458,7 @@
           <a:p>
             <a:fld id="{837CB51B-EB14-4160-B927-04031DCD17B2}" type="datetimeFigureOut">
               <a:rPr lang="en-US" smtClean="0"/>
-              <a:t>8/14/2015</a:t>
+              <a:t>8/18/2015</a:t>
             </a:fld>
             <a:endParaRPr lang="en-US"/>
           </a:p>
@@ -638,7 +638,7 @@
           <a:p>
             <a:fld id="{837CB51B-EB14-4160-B927-04031DCD17B2}" type="datetimeFigureOut">
               <a:rPr lang="en-US" smtClean="0"/>
-              <a:t>8/14/2015</a:t>
+              <a:t>8/18/2015</a:t>
             </a:fld>
             <a:endParaRPr lang="en-US"/>
           </a:p>
@@ -808,7 +808,7 @@
           <a:p>
             <a:fld id="{837CB51B-EB14-4160-B927-04031DCD17B2}" type="datetimeFigureOut">
               <a:rPr lang="en-US" smtClean="0"/>
-              <a:t>8/14/2015</a:t>
+              <a:t>8/18/2015</a:t>
             </a:fld>
             <a:endParaRPr lang="en-US"/>
           </a:p>
@@ -1054,7 +1054,7 @@
           <a:p>
             <a:fld id="{837CB51B-EB14-4160-B927-04031DCD17B2}" type="datetimeFigureOut">
               <a:rPr lang="en-US" smtClean="0"/>
-              <a:t>8/14/2015</a:t>
+              <a:t>8/18/2015</a:t>
             </a:fld>
             <a:endParaRPr lang="en-US"/>
           </a:p>
@@ -1342,7 +1342,7 @@
           <a:p>
             <a:fld id="{837CB51B-EB14-4160-B927-04031DCD17B2}" type="datetimeFigureOut">
               <a:rPr lang="en-US" smtClean="0"/>
-              <a:t>8/14/2015</a:t>
+              <a:t>8/18/2015</a:t>
             </a:fld>
             <a:endParaRPr lang="en-US"/>
           </a:p>
@@ -1764,7 +1764,7 @@
           <a:p>
             <a:fld id="{837CB51B-EB14-4160-B927-04031DCD17B2}" type="datetimeFigureOut">
               <a:rPr lang="en-US" smtClean="0"/>
-              <a:t>8/14/2015</a:t>
+              <a:t>8/18/2015</a:t>
             </a:fld>
             <a:endParaRPr lang="en-US"/>
           </a:p>
@@ -1882,7 +1882,7 @@
           <a:p>
             <a:fld id="{837CB51B-EB14-4160-B927-04031DCD17B2}" type="datetimeFigureOut">
               <a:rPr lang="en-US" smtClean="0"/>
-              <a:t>8/14/2015</a:t>
+              <a:t>8/18/2015</a:t>
             </a:fld>
             <a:endParaRPr lang="en-US"/>
           </a:p>
@@ -1977,7 +1977,7 @@
           <a:p>
             <a:fld id="{837CB51B-EB14-4160-B927-04031DCD17B2}" type="datetimeFigureOut">
               <a:rPr lang="en-US" smtClean="0"/>
-              <a:t>8/14/2015</a:t>
+              <a:t>8/18/2015</a:t>
             </a:fld>
             <a:endParaRPr lang="en-US"/>
           </a:p>
@@ -2254,7 +2254,7 @@
           <a:p>
             <a:fld id="{837CB51B-EB14-4160-B927-04031DCD17B2}" type="datetimeFigureOut">
               <a:rPr lang="en-US" smtClean="0"/>
-              <a:t>8/14/2015</a:t>
+              <a:t>8/18/2015</a:t>
             </a:fld>
             <a:endParaRPr lang="en-US"/>
           </a:p>
@@ -2507,7 +2507,7 @@
           <a:p>
             <a:fld id="{837CB51B-EB14-4160-B927-04031DCD17B2}" type="datetimeFigureOut">
               <a:rPr lang="en-US" smtClean="0"/>
-              <a:t>8/14/2015</a:t>
+              <a:t>8/18/2015</a:t>
             </a:fld>
             <a:endParaRPr lang="en-US"/>
           </a:p>
@@ -2720,7 +2720,7 @@
           <a:p>
             <a:fld id="{837CB51B-EB14-4160-B927-04031DCD17B2}" type="datetimeFigureOut">
               <a:rPr lang="en-US" smtClean="0"/>
-              <a:t>8/14/2015</a:t>
+              <a:t>8/18/2015</a:t>
             </a:fld>
             <a:endParaRPr lang="en-US"/>
           </a:p>
@@ -3145,8 +3145,8 @@
         </p:nvSpPr>
         <p:spPr>
           <a:xfrm>
-            <a:off x="2035629" y="3139782"/>
-            <a:ext cx="4191000" cy="1905000"/>
+            <a:off x="2035628" y="3139782"/>
+            <a:ext cx="4845845" cy="1905000"/>
           </a:xfrm>
           <a:prstGeom prst="roundRect">
             <a:avLst/>
@@ -3228,7 +3228,7 @@
         </p:nvSpPr>
         <p:spPr>
           <a:xfrm>
-            <a:off x="533400" y="3756804"/>
+            <a:off x="458586" y="3744103"/>
             <a:ext cx="1167245" cy="455221"/>
           </a:xfrm>
           <a:prstGeom prst="roundRect">
@@ -3262,42 +3262,6 @@
           </a:p>
         </p:txBody>
       </p:sp>
-      <p:cxnSp>
-        <p:nvCxnSpPr>
-          <p:cNvPr id="12" name="Elbow Connector 11"/>
-          <p:cNvCxnSpPr>
-            <a:stCxn id="10" idx="0"/>
-            <a:endCxn id="8" idx="1"/>
-          </p:cNvCxnSpPr>
-          <p:nvPr/>
-        </p:nvCxnSpPr>
-        <p:spPr>
-          <a:xfrm rot="5400000" flipH="1" flipV="1">
-            <a:off x="1423431" y="2216352"/>
-            <a:ext cx="1234045" cy="1846861"/>
-          </a:xfrm>
-          <a:prstGeom prst="bentConnector2">
-            <a:avLst/>
-          </a:prstGeom>
-          <a:ln w="38100">
-            <a:prstDash val="sysDash"/>
-          </a:ln>
-        </p:spPr>
-        <p:style>
-          <a:lnRef idx="1">
-            <a:schemeClr val="accent1"/>
-          </a:lnRef>
-          <a:fillRef idx="0">
-            <a:schemeClr val="accent1"/>
-          </a:fillRef>
-          <a:effectRef idx="0">
-            <a:schemeClr val="accent1"/>
-          </a:effectRef>
-          <a:fontRef idx="minor">
-            <a:schemeClr val="tx1"/>
-          </a:fontRef>
-        </p:style>
-      </p:cxnSp>
       <p:cxnSp>
         <p:nvCxnSpPr>
           <p:cNvPr id="14" name="Straight Arrow Connector 13"/>
@@ -3451,21 +3415,25 @@
       <p:cxnSp>
         <p:nvCxnSpPr>
           <p:cNvPr id="21" name="Elbow Connector 20"/>
-          <p:cNvCxnSpPr/>
+          <p:cNvCxnSpPr>
+            <a:endCxn id="10" idx="2"/>
+          </p:cNvCxnSpPr>
           <p:nvPr/>
         </p:nvCxnSpPr>
         <p:spPr>
-          <a:xfrm rot="5400000" flipH="1" flipV="1">
-            <a:off x="752228" y="4660443"/>
-            <a:ext cx="1143992" cy="247156"/>
+          <a:xfrm rot="16200000" flipV="1">
+            <a:off x="712218" y="4529315"/>
+            <a:ext cx="1156694" cy="496711"/>
           </a:xfrm>
           <a:prstGeom prst="bentConnector3">
             <a:avLst>
-              <a:gd name="adj1" fmla="val 66609"/>
+              <a:gd name="adj1" fmla="val 64594"/>
             </a:avLst>
           </a:prstGeom>
           <a:ln w="38100">
             <a:prstDash val="sysDash"/>
+            <a:headEnd type="oval" w="med" len="med"/>
+            <a:tailEnd type="oval" w="med" len="med"/>
           </a:ln>
         </p:spPr>
         <p:style>
@@ -3486,21 +3454,23 @@
       <p:cxnSp>
         <p:nvCxnSpPr>
           <p:cNvPr id="26" name="Elbow Connector 25"/>
-          <p:cNvCxnSpPr/>
+          <p:cNvCxnSpPr>
+            <a:stCxn id="10" idx="2"/>
+          </p:cNvCxnSpPr>
           <p:nvPr/>
         </p:nvCxnSpPr>
         <p:spPr>
-          <a:xfrm>
-            <a:off x="1458564" y="4594015"/>
-            <a:ext cx="577065" cy="12700"/>
-          </a:xfrm>
-          <a:prstGeom prst="bentConnector3">
-            <a:avLst>
-              <a:gd name="adj1" fmla="val 50000"/>
-            </a:avLst>
+          <a:xfrm rot="16200000" flipH="1">
+            <a:off x="1335224" y="3906309"/>
+            <a:ext cx="407391" cy="993420"/>
+          </a:xfrm>
+          <a:prstGeom prst="bentConnector2">
+            <a:avLst/>
           </a:prstGeom>
           <a:ln w="38100">
             <a:prstDash val="sysDash"/>
+            <a:headEnd type="oval" w="med" len="med"/>
+            <a:tailEnd type="oval" w="med" len="med"/>
           </a:ln>
         </p:spPr>
         <p:style>
@@ -3526,8 +3496,8 @@
         </p:nvSpPr>
         <p:spPr>
           <a:xfrm>
-            <a:off x="7368639" y="3147204"/>
-            <a:ext cx="1524000" cy="1897577"/>
+            <a:off x="7619999" y="3147204"/>
+            <a:ext cx="1272639" cy="1897577"/>
           </a:xfrm>
           <a:prstGeom prst="roundRect">
             <a:avLst/>
@@ -3616,9 +3586,9 @@
           <p:nvPr/>
         </p:nvCxnSpPr>
         <p:spPr>
-          <a:xfrm>
-            <a:off x="2963884" y="4606715"/>
-            <a:ext cx="84116" cy="1358900"/>
+          <a:xfrm flipH="1">
+            <a:off x="3368065" y="4600365"/>
+            <a:ext cx="1090485" cy="1352938"/>
           </a:xfrm>
           <a:prstGeom prst="straightConnector1">
             <a:avLst/>
@@ -3650,8 +3620,8 @@
         </p:nvCxnSpPr>
         <p:spPr>
           <a:xfrm flipV="1">
-            <a:off x="3547506" y="4606715"/>
-            <a:ext cx="948294" cy="1358900"/>
+            <a:off x="3702319" y="4594015"/>
+            <a:ext cx="1772517" cy="1371600"/>
           </a:xfrm>
           <a:prstGeom prst="straightConnector1">
             <a:avLst/>
@@ -3683,8 +3653,8 @@
         </p:nvCxnSpPr>
         <p:spPr>
           <a:xfrm>
-            <a:off x="5791200" y="4184067"/>
-            <a:ext cx="1577439" cy="1"/>
+            <a:off x="6567919" y="4184067"/>
+            <a:ext cx="1052080" cy="27958"/>
           </a:xfrm>
           <a:prstGeom prst="straightConnector1">
             <a:avLst/>
@@ -3800,7 +3770,7 @@
         </p:nvSpPr>
         <p:spPr>
           <a:xfrm>
-            <a:off x="3048000" y="3756804"/>
+            <a:off x="4609446" y="3756804"/>
             <a:ext cx="217219" cy="214910"/>
           </a:xfrm>
           <a:prstGeom prst="ellipse">
@@ -3842,7 +3812,7 @@
         </p:nvSpPr>
         <p:spPr>
           <a:xfrm>
-            <a:off x="4920589" y="3746657"/>
+            <a:off x="5671024" y="3746657"/>
             <a:ext cx="217219" cy="214910"/>
           </a:xfrm>
           <a:prstGeom prst="ellipse">
@@ -3884,8 +3854,8 @@
         </p:nvSpPr>
         <p:spPr>
           <a:xfrm>
-            <a:off x="2438400" y="3984414"/>
-            <a:ext cx="1524000" cy="622301"/>
+            <a:off x="4234137" y="3984414"/>
+            <a:ext cx="1083402" cy="622301"/>
           </a:xfrm>
           <a:prstGeom prst="roundRect">
             <a:avLst/>
@@ -3906,7 +3876,7 @@
           </a:fontRef>
         </p:style>
         <p:txBody>
-          <a:bodyPr rtlCol="0" anchor="ctr"/>
+          <a:bodyPr lIns="0" tIns="0" rIns="0" bIns="0" rtlCol="0" anchor="ctr"/>
           <a:lstStyle/>
           <a:p>
             <a:pPr algn="ctr"/>
@@ -3933,8 +3903,8 @@
         </p:nvSpPr>
         <p:spPr>
           <a:xfrm>
-            <a:off x="4267200" y="3971714"/>
-            <a:ext cx="1524000" cy="622301"/>
+            <a:off x="5474836" y="3971714"/>
+            <a:ext cx="1093083" cy="622301"/>
           </a:xfrm>
           <a:prstGeom prst="roundRect">
             <a:avLst/>
@@ -3955,19 +3925,19 @@
           </a:fontRef>
         </p:style>
         <p:txBody>
-          <a:bodyPr rtlCol="0" anchor="ctr"/>
+          <a:bodyPr lIns="0" tIns="0" rIns="0" bIns="0" rtlCol="0" anchor="ctr"/>
           <a:lstStyle/>
           <a:p>
             <a:pPr algn="ctr"/>
             <a:r>
-              <a:rPr lang="en-US" dirty="0" smtClean="0"/>
+              <a:rPr lang="en-US" dirty="0"/>
               <a:t>Verify</a:t>
             </a:r>
           </a:p>
           <a:p>
             <a:pPr algn="ctr"/>
             <a:r>
-              <a:rPr lang="en-US" dirty="0" smtClean="0"/>
+              <a:rPr lang="en-US" dirty="0"/>
               <a:t>Token</a:t>
             </a:r>
             <a:endParaRPr lang="en-US" dirty="0"/>
@@ -3982,8 +3952,8 @@
         </p:nvCxnSpPr>
         <p:spPr>
           <a:xfrm flipH="1">
-            <a:off x="4920589" y="4600365"/>
-            <a:ext cx="304430" cy="1355105"/>
+            <a:off x="4920590" y="4612677"/>
+            <a:ext cx="967653" cy="1342793"/>
           </a:xfrm>
           <a:prstGeom prst="straightConnector1">
             <a:avLst/>
@@ -4014,9 +3984,9 @@
           <p:nvPr/>
         </p:nvCxnSpPr>
         <p:spPr>
-          <a:xfrm>
-            <a:off x="5486400" y="4606715"/>
-            <a:ext cx="331085" cy="1358900"/>
+          <a:xfrm flipH="1">
+            <a:off x="5817485" y="4612677"/>
+            <a:ext cx="409144" cy="1352938"/>
           </a:xfrm>
           <a:prstGeom prst="straightConnector1">
             <a:avLst/>
@@ -4048,8 +4018,8 @@
         </p:nvCxnSpPr>
         <p:spPr>
           <a:xfrm flipH="1">
-            <a:off x="5817485" y="4441616"/>
-            <a:ext cx="1551154" cy="0"/>
+            <a:off x="6567919" y="4441616"/>
+            <a:ext cx="1052080" cy="0"/>
           </a:xfrm>
           <a:prstGeom prst="straightConnector1">
             <a:avLst/>
@@ -4081,7 +4051,7 @@
         </p:nvSpPr>
         <p:spPr>
           <a:xfrm>
-            <a:off x="6452660" y="3474577"/>
+            <a:off x="6881474" y="3420937"/>
             <a:ext cx="576825" cy="646331"/>
           </a:xfrm>
           <a:prstGeom prst="rect">
@@ -4199,7 +4169,7 @@
         <p:spPr>
           <a:xfrm>
             <a:off x="4888921" y="559131"/>
-            <a:ext cx="3241718" cy="2588073"/>
+            <a:ext cx="3367398" cy="2588073"/>
           </a:xfrm>
           <a:prstGeom prst="bentConnector2">
             <a:avLst/>
@@ -4284,6 +4254,212 @@
           </a:p>
         </p:txBody>
       </p:sp>
+      <p:sp>
+        <p:nvSpPr>
+          <p:cNvPr id="38" name="Rounded Rectangle 37"/>
+          <p:cNvSpPr/>
+          <p:nvPr/>
+        </p:nvSpPr>
+        <p:spPr>
+          <a:xfrm>
+            <a:off x="3265034" y="3990376"/>
+            <a:ext cx="850321" cy="622301"/>
+          </a:xfrm>
+          <a:prstGeom prst="roundRect">
+            <a:avLst/>
+          </a:prstGeom>
+        </p:spPr>
+        <p:style>
+          <a:lnRef idx="1">
+            <a:schemeClr val="accent4"/>
+          </a:lnRef>
+          <a:fillRef idx="2">
+            <a:schemeClr val="accent4"/>
+          </a:fillRef>
+          <a:effectRef idx="1">
+            <a:schemeClr val="accent4"/>
+          </a:effectRef>
+          <a:fontRef idx="minor">
+            <a:schemeClr val="dk1"/>
+          </a:fontRef>
+        </p:style>
+        <p:txBody>
+          <a:bodyPr lIns="0" tIns="0" rIns="0" bIns="0" rtlCol="0" anchor="ctr"/>
+          <a:lstStyle/>
+          <a:p>
+            <a:pPr algn="ctr"/>
+            <a:r>
+              <a:rPr lang="en-US" dirty="0" smtClean="0"/>
+              <a:t>logout</a:t>
+            </a:r>
+            <a:endParaRPr lang="en-US" dirty="0"/>
+          </a:p>
+        </p:txBody>
+      </p:sp>
+      <p:sp>
+        <p:nvSpPr>
+          <p:cNvPr id="40" name="Oval 39"/>
+          <p:cNvSpPr/>
+          <p:nvPr/>
+        </p:nvSpPr>
+        <p:spPr>
+          <a:xfrm>
+            <a:off x="3605709" y="3768765"/>
+            <a:ext cx="217219" cy="214910"/>
+          </a:xfrm>
+          <a:prstGeom prst="ellipse">
+            <a:avLst/>
+          </a:prstGeom>
+        </p:spPr>
+        <p:style>
+          <a:lnRef idx="1">
+            <a:schemeClr val="accent4"/>
+          </a:lnRef>
+          <a:fillRef idx="2">
+            <a:schemeClr val="accent4"/>
+          </a:fillRef>
+          <a:effectRef idx="1">
+            <a:schemeClr val="accent4"/>
+          </a:effectRef>
+          <a:fontRef idx="minor">
+            <a:schemeClr val="dk1"/>
+          </a:fontRef>
+        </p:style>
+        <p:txBody>
+          <a:bodyPr rtlCol="0" anchor="ctr"/>
+          <a:lstStyle/>
+          <a:p>
+            <a:pPr algn="ctr"/>
+            <a:endParaRPr lang="en-US">
+              <a:solidFill>
+                <a:schemeClr val="dk1"/>
+              </a:solidFill>
+            </a:endParaRPr>
+          </a:p>
+        </p:txBody>
+      </p:sp>
+      <p:sp>
+        <p:nvSpPr>
+          <p:cNvPr id="52" name="Rounded Rectangle 51"/>
+          <p:cNvSpPr/>
+          <p:nvPr/>
+        </p:nvSpPr>
+        <p:spPr>
+          <a:xfrm>
+            <a:off x="2241839" y="3990375"/>
+            <a:ext cx="850321" cy="622301"/>
+          </a:xfrm>
+          <a:prstGeom prst="roundRect">
+            <a:avLst/>
+          </a:prstGeom>
+        </p:spPr>
+        <p:style>
+          <a:lnRef idx="1">
+            <a:schemeClr val="accent4"/>
+          </a:lnRef>
+          <a:fillRef idx="2">
+            <a:schemeClr val="accent4"/>
+          </a:fillRef>
+          <a:effectRef idx="1">
+            <a:schemeClr val="accent4"/>
+          </a:effectRef>
+          <a:fontRef idx="minor">
+            <a:schemeClr val="dk1"/>
+          </a:fontRef>
+        </p:style>
+        <p:txBody>
+          <a:bodyPr lIns="0" tIns="0" rIns="0" bIns="0" rtlCol="0" anchor="ctr"/>
+          <a:lstStyle/>
+          <a:p>
+            <a:pPr algn="ctr"/>
+            <a:r>
+              <a:rPr lang="en-US" dirty="0" smtClean="0"/>
+              <a:t>query</a:t>
+            </a:r>
+            <a:endParaRPr lang="en-US" dirty="0"/>
+          </a:p>
+        </p:txBody>
+      </p:sp>
+      <p:sp>
+        <p:nvSpPr>
+          <p:cNvPr id="54" name="Oval 53"/>
+          <p:cNvSpPr/>
+          <p:nvPr/>
+        </p:nvSpPr>
+        <p:spPr>
+          <a:xfrm>
+            <a:off x="2558389" y="3804902"/>
+            <a:ext cx="217219" cy="214910"/>
+          </a:xfrm>
+          <a:prstGeom prst="ellipse">
+            <a:avLst/>
+          </a:prstGeom>
+        </p:spPr>
+        <p:style>
+          <a:lnRef idx="1">
+            <a:schemeClr val="accent4"/>
+          </a:lnRef>
+          <a:fillRef idx="2">
+            <a:schemeClr val="accent4"/>
+          </a:fillRef>
+          <a:effectRef idx="1">
+            <a:schemeClr val="accent4"/>
+          </a:effectRef>
+          <a:fontRef idx="minor">
+            <a:schemeClr val="dk1"/>
+          </a:fontRef>
+        </p:style>
+        <p:txBody>
+          <a:bodyPr rtlCol="0" anchor="ctr"/>
+          <a:lstStyle/>
+          <a:p>
+            <a:pPr algn="ctr"/>
+            <a:endParaRPr lang="en-US">
+              <a:solidFill>
+                <a:schemeClr val="dk1"/>
+              </a:solidFill>
+            </a:endParaRPr>
+          </a:p>
+        </p:txBody>
+      </p:sp>
+      <p:cxnSp>
+        <p:nvCxnSpPr>
+          <p:cNvPr id="12" name="Elbow Connector 11"/>
+          <p:cNvCxnSpPr>
+            <a:stCxn id="10" idx="0"/>
+            <a:endCxn id="8" idx="1"/>
+          </p:cNvCxnSpPr>
+          <p:nvPr/>
+        </p:nvCxnSpPr>
+        <p:spPr>
+          <a:xfrm rot="5400000" flipH="1" flipV="1">
+            <a:off x="1392374" y="2172594"/>
+            <a:ext cx="1221344" cy="1921675"/>
+          </a:xfrm>
+          <a:prstGeom prst="bentConnector2">
+            <a:avLst/>
+          </a:prstGeom>
+          <a:ln w="38100">
+            <a:prstDash val="sysDash"/>
+            <a:headEnd type="oval" w="med" len="med"/>
+            <a:tailEnd type="oval" w="med" len="med"/>
+          </a:ln>
+        </p:spPr>
+        <p:style>
+          <a:lnRef idx="1">
+            <a:schemeClr val="accent1"/>
+          </a:lnRef>
+          <a:fillRef idx="0">
+            <a:schemeClr val="accent1"/>
+          </a:fillRef>
+          <a:effectRef idx="0">
+            <a:schemeClr val="accent1"/>
+          </a:effectRef>
+          <a:fontRef idx="minor">
+            <a:schemeClr val="tx1"/>
+          </a:fontRef>
+        </p:style>
+      </p:cxnSp>
     </p:spTree>
     <p:extLst>
       <p:ext uri="{BB962C8B-B14F-4D97-AF65-F5344CB8AC3E}">

--- a/spec/ClassDiagram.pptx
+++ b/spec/ClassDiagram.pptx
@@ -6,6 +6,12 @@
   </p:sldMasterIdLst>
   <p:sldIdLst>
     <p:sldId id="256" r:id="rId2"/>
+    <p:sldId id="257" r:id="rId3"/>
+    <p:sldId id="260" r:id="rId4"/>
+    <p:sldId id="261" r:id="rId5"/>
+    <p:sldId id="262" r:id="rId6"/>
+    <p:sldId id="263" r:id="rId7"/>
+    <p:sldId id="264" r:id="rId8"/>
   </p:sldIdLst>
   <p:sldSz cx="9144000" cy="6858000" type="screen4x3"/>
   <p:notesSz cx="6858000" cy="9144000"/>
@@ -288,7 +294,7 @@
           <a:p>
             <a:fld id="{837CB51B-EB14-4160-B927-04031DCD17B2}" type="datetimeFigureOut">
               <a:rPr lang="en-US" smtClean="0"/>
-              <a:t>8/18/2015</a:t>
+              <a:t>10/7/2015</a:t>
             </a:fld>
             <a:endParaRPr lang="en-US"/>
           </a:p>
@@ -458,7 +464,7 @@
           <a:p>
             <a:fld id="{837CB51B-EB14-4160-B927-04031DCD17B2}" type="datetimeFigureOut">
               <a:rPr lang="en-US" smtClean="0"/>
-              <a:t>8/18/2015</a:t>
+              <a:t>10/7/2015</a:t>
             </a:fld>
             <a:endParaRPr lang="en-US"/>
           </a:p>
@@ -638,7 +644,7 @@
           <a:p>
             <a:fld id="{837CB51B-EB14-4160-B927-04031DCD17B2}" type="datetimeFigureOut">
               <a:rPr lang="en-US" smtClean="0"/>
-              <a:t>8/18/2015</a:t>
+              <a:t>10/7/2015</a:t>
             </a:fld>
             <a:endParaRPr lang="en-US"/>
           </a:p>
@@ -808,7 +814,7 @@
           <a:p>
             <a:fld id="{837CB51B-EB14-4160-B927-04031DCD17B2}" type="datetimeFigureOut">
               <a:rPr lang="en-US" smtClean="0"/>
-              <a:t>8/18/2015</a:t>
+              <a:t>10/7/2015</a:t>
             </a:fld>
             <a:endParaRPr lang="en-US"/>
           </a:p>
@@ -1054,7 +1060,7 @@
           <a:p>
             <a:fld id="{837CB51B-EB14-4160-B927-04031DCD17B2}" type="datetimeFigureOut">
               <a:rPr lang="en-US" smtClean="0"/>
-              <a:t>8/18/2015</a:t>
+              <a:t>10/7/2015</a:t>
             </a:fld>
             <a:endParaRPr lang="en-US"/>
           </a:p>
@@ -1342,7 +1348,7 @@
           <a:p>
             <a:fld id="{837CB51B-EB14-4160-B927-04031DCD17B2}" type="datetimeFigureOut">
               <a:rPr lang="en-US" smtClean="0"/>
-              <a:t>8/18/2015</a:t>
+              <a:t>10/7/2015</a:t>
             </a:fld>
             <a:endParaRPr lang="en-US"/>
           </a:p>
@@ -1764,7 +1770,7 @@
           <a:p>
             <a:fld id="{837CB51B-EB14-4160-B927-04031DCD17B2}" type="datetimeFigureOut">
               <a:rPr lang="en-US" smtClean="0"/>
-              <a:t>8/18/2015</a:t>
+              <a:t>10/7/2015</a:t>
             </a:fld>
             <a:endParaRPr lang="en-US"/>
           </a:p>
@@ -1882,7 +1888,7 @@
           <a:p>
             <a:fld id="{837CB51B-EB14-4160-B927-04031DCD17B2}" type="datetimeFigureOut">
               <a:rPr lang="en-US" smtClean="0"/>
-              <a:t>8/18/2015</a:t>
+              <a:t>10/7/2015</a:t>
             </a:fld>
             <a:endParaRPr lang="en-US"/>
           </a:p>
@@ -1977,7 +1983,7 @@
           <a:p>
             <a:fld id="{837CB51B-EB14-4160-B927-04031DCD17B2}" type="datetimeFigureOut">
               <a:rPr lang="en-US" smtClean="0"/>
-              <a:t>8/18/2015</a:t>
+              <a:t>10/7/2015</a:t>
             </a:fld>
             <a:endParaRPr lang="en-US"/>
           </a:p>
@@ -2254,7 +2260,7 @@
           <a:p>
             <a:fld id="{837CB51B-EB14-4160-B927-04031DCD17B2}" type="datetimeFigureOut">
               <a:rPr lang="en-US" smtClean="0"/>
-              <a:t>8/18/2015</a:t>
+              <a:t>10/7/2015</a:t>
             </a:fld>
             <a:endParaRPr lang="en-US"/>
           </a:p>
@@ -2507,7 +2513,7 @@
           <a:p>
             <a:fld id="{837CB51B-EB14-4160-B927-04031DCD17B2}" type="datetimeFigureOut">
               <a:rPr lang="en-US" smtClean="0"/>
-              <a:t>8/18/2015</a:t>
+              <a:t>10/7/2015</a:t>
             </a:fld>
             <a:endParaRPr lang="en-US"/>
           </a:p>
@@ -2720,7 +2726,7 @@
           <a:p>
             <a:fld id="{837CB51B-EB14-4160-B927-04031DCD17B2}" type="datetimeFigureOut">
               <a:rPr lang="en-US" smtClean="0"/>
-              <a:t>8/18/2015</a:t>
+              <a:t>10/7/2015</a:t>
             </a:fld>
             <a:endParaRPr lang="en-US"/>
           </a:p>
@@ -3940,7 +3946,6 @@
               <a:rPr lang="en-US" dirty="0"/>
               <a:t>Token</a:t>
             </a:r>
-            <a:endParaRPr lang="en-US" dirty="0"/>
           </a:p>
         </p:txBody>
       </p:sp>
@@ -4464,6 +4469,1710 @@
     <p:extLst>
       <p:ext uri="{BB962C8B-B14F-4D97-AF65-F5344CB8AC3E}">
         <p14:creationId xmlns:p14="http://schemas.microsoft.com/office/powerpoint/2010/main" val="3936641792"/>
+      </p:ext>
+    </p:extLst>
+  </p:cSld>
+  <p:clrMapOvr>
+    <a:masterClrMapping/>
+  </p:clrMapOvr>
+</p:sld>
+</file>
+
+<file path=ppt/slides/slide2.xml><?xml version="1.0" encoding="utf-8"?>
+<p:sld xmlns:a="http://schemas.openxmlformats.org/drawingml/2006/main" xmlns:r="http://schemas.openxmlformats.org/officeDocument/2006/relationships" xmlns:p="http://schemas.openxmlformats.org/presentationml/2006/main">
+  <p:cSld>
+    <p:spTree>
+      <p:nvGrpSpPr>
+        <p:cNvPr id="1" name=""/>
+        <p:cNvGrpSpPr/>
+        <p:nvPr/>
+      </p:nvGrpSpPr>
+      <p:grpSpPr>
+        <a:xfrm>
+          <a:off x="0" y="0"/>
+          <a:ext cx="0" cy="0"/>
+          <a:chOff x="0" y="0"/>
+          <a:chExt cx="0" cy="0"/>
+        </a:xfrm>
+      </p:grpSpPr>
+      <p:sp>
+        <p:nvSpPr>
+          <p:cNvPr id="2" name="Rounded Rectangle 1"/>
+          <p:cNvSpPr/>
+          <p:nvPr/>
+        </p:nvSpPr>
+        <p:spPr>
+          <a:xfrm>
+            <a:off x="3124200" y="1393371"/>
+            <a:ext cx="2057400" cy="1143000"/>
+          </a:xfrm>
+          <a:prstGeom prst="roundRect">
+            <a:avLst/>
+          </a:prstGeom>
+        </p:spPr>
+        <p:style>
+          <a:lnRef idx="1">
+            <a:schemeClr val="accent5"/>
+          </a:lnRef>
+          <a:fillRef idx="2">
+            <a:schemeClr val="accent5"/>
+          </a:fillRef>
+          <a:effectRef idx="1">
+            <a:schemeClr val="accent5"/>
+          </a:effectRef>
+          <a:fontRef idx="minor">
+            <a:schemeClr val="dk1"/>
+          </a:fontRef>
+        </p:style>
+        <p:txBody>
+          <a:bodyPr rtlCol="0" anchor="ctr"/>
+          <a:lstStyle/>
+          <a:p>
+            <a:pPr algn="ctr"/>
+            <a:r>
+              <a:rPr lang="en-US" dirty="0" smtClean="0"/>
+              <a:t>Identity Provider</a:t>
+            </a:r>
+          </a:p>
+          <a:p>
+            <a:pPr algn="ctr"/>
+            <a:r>
+              <a:rPr lang="en-US" dirty="0" smtClean="0"/>
+              <a:t>(SSOFI)</a:t>
+            </a:r>
+            <a:endParaRPr lang="en-US" dirty="0"/>
+          </a:p>
+        </p:txBody>
+      </p:sp>
+      <p:sp>
+        <p:nvSpPr>
+          <p:cNvPr id="3" name="Rounded Rectangle 2"/>
+          <p:cNvSpPr/>
+          <p:nvPr/>
+        </p:nvSpPr>
+        <p:spPr>
+          <a:xfrm>
+            <a:off x="1368012" y="3733800"/>
+            <a:ext cx="2057400" cy="1143000"/>
+          </a:xfrm>
+          <a:prstGeom prst="roundRect">
+            <a:avLst/>
+          </a:prstGeom>
+        </p:spPr>
+        <p:style>
+          <a:lnRef idx="1">
+            <a:schemeClr val="accent5"/>
+          </a:lnRef>
+          <a:fillRef idx="2">
+            <a:schemeClr val="accent5"/>
+          </a:fillRef>
+          <a:effectRef idx="1">
+            <a:schemeClr val="accent5"/>
+          </a:effectRef>
+          <a:fontRef idx="minor">
+            <a:schemeClr val="dk1"/>
+          </a:fontRef>
+        </p:style>
+        <p:txBody>
+          <a:bodyPr rtlCol="0" anchor="ctr"/>
+          <a:lstStyle/>
+          <a:p>
+            <a:pPr algn="ctr"/>
+            <a:r>
+              <a:rPr lang="en-US" dirty="0" smtClean="0"/>
+              <a:t>Client</a:t>
+            </a:r>
+          </a:p>
+          <a:p>
+            <a:pPr algn="ctr"/>
+            <a:r>
+              <a:rPr lang="en-US" dirty="0" smtClean="0"/>
+              <a:t>(Angular JS)</a:t>
+            </a:r>
+            <a:endParaRPr lang="en-US" dirty="0"/>
+          </a:p>
+        </p:txBody>
+      </p:sp>
+      <p:sp>
+        <p:nvSpPr>
+          <p:cNvPr id="4" name="Rounded Rectangle 3"/>
+          <p:cNvSpPr/>
+          <p:nvPr/>
+        </p:nvSpPr>
+        <p:spPr>
+          <a:xfrm>
+            <a:off x="5148943" y="3733800"/>
+            <a:ext cx="2057400" cy="1143000"/>
+          </a:xfrm>
+          <a:prstGeom prst="roundRect">
+            <a:avLst/>
+          </a:prstGeom>
+        </p:spPr>
+        <p:style>
+          <a:lnRef idx="1">
+            <a:schemeClr val="accent5"/>
+          </a:lnRef>
+          <a:fillRef idx="2">
+            <a:schemeClr val="accent5"/>
+          </a:fillRef>
+          <a:effectRef idx="1">
+            <a:schemeClr val="accent5"/>
+          </a:effectRef>
+          <a:fontRef idx="minor">
+            <a:schemeClr val="dk1"/>
+          </a:fontRef>
+        </p:style>
+        <p:txBody>
+          <a:bodyPr rtlCol="0" anchor="ctr"/>
+          <a:lstStyle/>
+          <a:p>
+            <a:pPr algn="ctr"/>
+            <a:r>
+              <a:rPr lang="en-US" dirty="0" smtClean="0"/>
+              <a:t>Server</a:t>
+            </a:r>
+          </a:p>
+          <a:p>
+            <a:pPr algn="ctr"/>
+            <a:r>
+              <a:rPr lang="en-US" dirty="0" smtClean="0"/>
+              <a:t>(Java, Tomcat)</a:t>
+            </a:r>
+            <a:endParaRPr lang="en-US" dirty="0"/>
+          </a:p>
+        </p:txBody>
+      </p:sp>
+      <p:cxnSp>
+        <p:nvCxnSpPr>
+          <p:cNvPr id="5" name="Straight Arrow Connector 4"/>
+          <p:cNvCxnSpPr/>
+          <p:nvPr/>
+        </p:nvCxnSpPr>
+        <p:spPr>
+          <a:xfrm flipV="1">
+            <a:off x="2396712" y="2536371"/>
+            <a:ext cx="1032288" cy="1197429"/>
+          </a:xfrm>
+          <a:prstGeom prst="straightConnector1">
+            <a:avLst/>
+          </a:prstGeom>
+          <a:ln w="57150">
+            <a:tailEnd type="arrow"/>
+          </a:ln>
+        </p:spPr>
+        <p:style>
+          <a:lnRef idx="1">
+            <a:schemeClr val="accent1"/>
+          </a:lnRef>
+          <a:fillRef idx="0">
+            <a:schemeClr val="accent1"/>
+          </a:fillRef>
+          <a:effectRef idx="0">
+            <a:schemeClr val="accent1"/>
+          </a:effectRef>
+          <a:fontRef idx="minor">
+            <a:schemeClr val="tx1"/>
+          </a:fontRef>
+        </p:style>
+      </p:cxnSp>
+      <p:sp>
+        <p:nvSpPr>
+          <p:cNvPr id="7" name="TextBox 6"/>
+          <p:cNvSpPr txBox="1"/>
+          <p:nvPr/>
+        </p:nvSpPr>
+        <p:spPr>
+          <a:xfrm>
+            <a:off x="1698171" y="2765753"/>
+            <a:ext cx="1114408" cy="369332"/>
+          </a:xfrm>
+          <a:prstGeom prst="rect">
+            <a:avLst/>
+          </a:prstGeom>
+          <a:noFill/>
+        </p:spPr>
+        <p:txBody>
+          <a:bodyPr wrap="none" rtlCol="0">
+            <a:spAutoFit/>
+          </a:bodyPr>
+          <a:lstStyle/>
+          <a:p>
+            <a:r>
+              <a:rPr lang="en-US" dirty="0" smtClean="0"/>
+              <a:t>Who Am I</a:t>
+            </a:r>
+            <a:endParaRPr lang="en-US" dirty="0"/>
+          </a:p>
+        </p:txBody>
+      </p:sp>
+    </p:spTree>
+    <p:extLst>
+      <p:ext uri="{BB962C8B-B14F-4D97-AF65-F5344CB8AC3E}">
+        <p14:creationId xmlns:p14="http://schemas.microsoft.com/office/powerpoint/2010/main" val="2313122781"/>
+      </p:ext>
+    </p:extLst>
+  </p:cSld>
+  <p:clrMapOvr>
+    <a:masterClrMapping/>
+  </p:clrMapOvr>
+</p:sld>
+</file>
+
+<file path=ppt/slides/slide3.xml><?xml version="1.0" encoding="utf-8"?>
+<p:sld xmlns:a="http://schemas.openxmlformats.org/drawingml/2006/main" xmlns:r="http://schemas.openxmlformats.org/officeDocument/2006/relationships" xmlns:p="http://schemas.openxmlformats.org/presentationml/2006/main">
+  <p:cSld>
+    <p:spTree>
+      <p:nvGrpSpPr>
+        <p:cNvPr id="1" name=""/>
+        <p:cNvGrpSpPr/>
+        <p:nvPr/>
+      </p:nvGrpSpPr>
+      <p:grpSpPr>
+        <a:xfrm>
+          <a:off x="0" y="0"/>
+          <a:ext cx="0" cy="0"/>
+          <a:chOff x="0" y="0"/>
+          <a:chExt cx="0" cy="0"/>
+        </a:xfrm>
+      </p:grpSpPr>
+      <p:sp>
+        <p:nvSpPr>
+          <p:cNvPr id="2" name="Rounded Rectangle 1"/>
+          <p:cNvSpPr/>
+          <p:nvPr/>
+        </p:nvSpPr>
+        <p:spPr>
+          <a:xfrm>
+            <a:off x="3124200" y="1393371"/>
+            <a:ext cx="2057400" cy="1143000"/>
+          </a:xfrm>
+          <a:prstGeom prst="roundRect">
+            <a:avLst/>
+          </a:prstGeom>
+        </p:spPr>
+        <p:style>
+          <a:lnRef idx="1">
+            <a:schemeClr val="accent5"/>
+          </a:lnRef>
+          <a:fillRef idx="2">
+            <a:schemeClr val="accent5"/>
+          </a:fillRef>
+          <a:effectRef idx="1">
+            <a:schemeClr val="accent5"/>
+          </a:effectRef>
+          <a:fontRef idx="minor">
+            <a:schemeClr val="dk1"/>
+          </a:fontRef>
+        </p:style>
+        <p:txBody>
+          <a:bodyPr rtlCol="0" anchor="ctr"/>
+          <a:lstStyle/>
+          <a:p>
+            <a:pPr algn="ctr"/>
+            <a:r>
+              <a:rPr lang="en-US" dirty="0" smtClean="0"/>
+              <a:t>Identity Provider</a:t>
+            </a:r>
+          </a:p>
+          <a:p>
+            <a:pPr algn="ctr"/>
+            <a:r>
+              <a:rPr lang="en-US" dirty="0" smtClean="0"/>
+              <a:t>(SSOFI)</a:t>
+            </a:r>
+            <a:endParaRPr lang="en-US" dirty="0"/>
+          </a:p>
+        </p:txBody>
+      </p:sp>
+      <p:sp>
+        <p:nvSpPr>
+          <p:cNvPr id="3" name="Rounded Rectangle 2"/>
+          <p:cNvSpPr/>
+          <p:nvPr/>
+        </p:nvSpPr>
+        <p:spPr>
+          <a:xfrm>
+            <a:off x="1368012" y="3733800"/>
+            <a:ext cx="2057400" cy="1143000"/>
+          </a:xfrm>
+          <a:prstGeom prst="roundRect">
+            <a:avLst/>
+          </a:prstGeom>
+        </p:spPr>
+        <p:style>
+          <a:lnRef idx="1">
+            <a:schemeClr val="accent5"/>
+          </a:lnRef>
+          <a:fillRef idx="2">
+            <a:schemeClr val="accent5"/>
+          </a:fillRef>
+          <a:effectRef idx="1">
+            <a:schemeClr val="accent5"/>
+          </a:effectRef>
+          <a:fontRef idx="minor">
+            <a:schemeClr val="dk1"/>
+          </a:fontRef>
+        </p:style>
+        <p:txBody>
+          <a:bodyPr rtlCol="0" anchor="ctr"/>
+          <a:lstStyle/>
+          <a:p>
+            <a:pPr algn="ctr"/>
+            <a:r>
+              <a:rPr lang="en-US" dirty="0" smtClean="0"/>
+              <a:t>Client</a:t>
+            </a:r>
+          </a:p>
+          <a:p>
+            <a:pPr algn="ctr"/>
+            <a:r>
+              <a:rPr lang="en-US" dirty="0" smtClean="0"/>
+              <a:t>(Angular JS)</a:t>
+            </a:r>
+            <a:endParaRPr lang="en-US" dirty="0"/>
+          </a:p>
+        </p:txBody>
+      </p:sp>
+      <p:sp>
+        <p:nvSpPr>
+          <p:cNvPr id="4" name="Rounded Rectangle 3"/>
+          <p:cNvSpPr/>
+          <p:nvPr/>
+        </p:nvSpPr>
+        <p:spPr>
+          <a:xfrm>
+            <a:off x="5148943" y="3733800"/>
+            <a:ext cx="2057400" cy="1143000"/>
+          </a:xfrm>
+          <a:prstGeom prst="roundRect">
+            <a:avLst/>
+          </a:prstGeom>
+        </p:spPr>
+        <p:style>
+          <a:lnRef idx="1">
+            <a:schemeClr val="accent5"/>
+          </a:lnRef>
+          <a:fillRef idx="2">
+            <a:schemeClr val="accent5"/>
+          </a:fillRef>
+          <a:effectRef idx="1">
+            <a:schemeClr val="accent5"/>
+          </a:effectRef>
+          <a:fontRef idx="minor">
+            <a:schemeClr val="dk1"/>
+          </a:fontRef>
+        </p:style>
+        <p:txBody>
+          <a:bodyPr rtlCol="0" anchor="ctr"/>
+          <a:lstStyle/>
+          <a:p>
+            <a:pPr algn="ctr"/>
+            <a:r>
+              <a:rPr lang="en-US" dirty="0" smtClean="0"/>
+              <a:t>Server</a:t>
+            </a:r>
+          </a:p>
+          <a:p>
+            <a:pPr algn="ctr"/>
+            <a:r>
+              <a:rPr lang="en-US" dirty="0" smtClean="0"/>
+              <a:t>(Java, Tomcat)</a:t>
+            </a:r>
+            <a:endParaRPr lang="en-US" dirty="0"/>
+          </a:p>
+        </p:txBody>
+      </p:sp>
+      <p:cxnSp>
+        <p:nvCxnSpPr>
+          <p:cNvPr id="8" name="Straight Arrow Connector 7"/>
+          <p:cNvCxnSpPr>
+            <a:stCxn id="3" idx="3"/>
+            <a:endCxn id="4" idx="1"/>
+          </p:cNvCxnSpPr>
+          <p:nvPr/>
+        </p:nvCxnSpPr>
+        <p:spPr>
+          <a:xfrm>
+            <a:off x="3425412" y="4305300"/>
+            <a:ext cx="1723531" cy="0"/>
+          </a:xfrm>
+          <a:prstGeom prst="straightConnector1">
+            <a:avLst/>
+          </a:prstGeom>
+          <a:ln w="57150">
+            <a:tailEnd type="arrow"/>
+          </a:ln>
+        </p:spPr>
+        <p:style>
+          <a:lnRef idx="1">
+            <a:schemeClr val="accent1"/>
+          </a:lnRef>
+          <a:fillRef idx="0">
+            <a:schemeClr val="accent1"/>
+          </a:fillRef>
+          <a:effectRef idx="0">
+            <a:schemeClr val="accent1"/>
+          </a:effectRef>
+          <a:fontRef idx="minor">
+            <a:schemeClr val="tx1"/>
+          </a:fontRef>
+        </p:style>
+      </p:cxnSp>
+      <p:sp>
+        <p:nvSpPr>
+          <p:cNvPr id="9" name="TextBox 8"/>
+          <p:cNvSpPr txBox="1"/>
+          <p:nvPr/>
+        </p:nvSpPr>
+        <p:spPr>
+          <a:xfrm>
+            <a:off x="3425412" y="3352800"/>
+            <a:ext cx="1704249" cy="646331"/>
+          </a:xfrm>
+          <a:prstGeom prst="rect">
+            <a:avLst/>
+          </a:prstGeom>
+          <a:noFill/>
+        </p:spPr>
+        <p:txBody>
+          <a:bodyPr wrap="none" rtlCol="0">
+            <a:spAutoFit/>
+          </a:bodyPr>
+          <a:lstStyle/>
+          <a:p>
+            <a:pPr algn="ctr"/>
+            <a:r>
+              <a:rPr lang="en-US" dirty="0" smtClean="0"/>
+              <a:t>Query Whether </a:t>
+            </a:r>
+          </a:p>
+          <a:p>
+            <a:pPr algn="ctr"/>
+            <a:r>
+              <a:rPr lang="en-US" dirty="0" smtClean="0"/>
+              <a:t>Logged In</a:t>
+            </a:r>
+            <a:endParaRPr lang="en-US" dirty="0"/>
+          </a:p>
+        </p:txBody>
+      </p:sp>
+    </p:spTree>
+    <p:extLst>
+      <p:ext uri="{BB962C8B-B14F-4D97-AF65-F5344CB8AC3E}">
+        <p14:creationId xmlns:p14="http://schemas.microsoft.com/office/powerpoint/2010/main" val="2045135783"/>
+      </p:ext>
+    </p:extLst>
+  </p:cSld>
+  <p:clrMapOvr>
+    <a:masterClrMapping/>
+  </p:clrMapOvr>
+</p:sld>
+</file>
+
+<file path=ppt/slides/slide4.xml><?xml version="1.0" encoding="utf-8"?>
+<p:sld xmlns:a="http://schemas.openxmlformats.org/drawingml/2006/main" xmlns:r="http://schemas.openxmlformats.org/officeDocument/2006/relationships" xmlns:p="http://schemas.openxmlformats.org/presentationml/2006/main">
+  <p:cSld>
+    <p:spTree>
+      <p:nvGrpSpPr>
+        <p:cNvPr id="1" name=""/>
+        <p:cNvGrpSpPr/>
+        <p:nvPr/>
+      </p:nvGrpSpPr>
+      <p:grpSpPr>
+        <a:xfrm>
+          <a:off x="0" y="0"/>
+          <a:ext cx="0" cy="0"/>
+          <a:chOff x="0" y="0"/>
+          <a:chExt cx="0" cy="0"/>
+        </a:xfrm>
+      </p:grpSpPr>
+      <p:sp>
+        <p:nvSpPr>
+          <p:cNvPr id="2" name="Rounded Rectangle 1"/>
+          <p:cNvSpPr/>
+          <p:nvPr/>
+        </p:nvSpPr>
+        <p:spPr>
+          <a:xfrm>
+            <a:off x="3124200" y="1393371"/>
+            <a:ext cx="2057400" cy="1143000"/>
+          </a:xfrm>
+          <a:prstGeom prst="roundRect">
+            <a:avLst/>
+          </a:prstGeom>
+        </p:spPr>
+        <p:style>
+          <a:lnRef idx="1">
+            <a:schemeClr val="accent5"/>
+          </a:lnRef>
+          <a:fillRef idx="2">
+            <a:schemeClr val="accent5"/>
+          </a:fillRef>
+          <a:effectRef idx="1">
+            <a:schemeClr val="accent5"/>
+          </a:effectRef>
+          <a:fontRef idx="minor">
+            <a:schemeClr val="dk1"/>
+          </a:fontRef>
+        </p:style>
+        <p:txBody>
+          <a:bodyPr rtlCol="0" anchor="ctr"/>
+          <a:lstStyle/>
+          <a:p>
+            <a:pPr algn="ctr"/>
+            <a:r>
+              <a:rPr lang="en-US" dirty="0" smtClean="0"/>
+              <a:t>Identity Provider</a:t>
+            </a:r>
+          </a:p>
+          <a:p>
+            <a:pPr algn="ctr"/>
+            <a:r>
+              <a:rPr lang="en-US" dirty="0" smtClean="0"/>
+              <a:t>(SSOFI)</a:t>
+            </a:r>
+            <a:endParaRPr lang="en-US" dirty="0"/>
+          </a:p>
+        </p:txBody>
+      </p:sp>
+      <p:sp>
+        <p:nvSpPr>
+          <p:cNvPr id="3" name="Rounded Rectangle 2"/>
+          <p:cNvSpPr/>
+          <p:nvPr/>
+        </p:nvSpPr>
+        <p:spPr>
+          <a:xfrm>
+            <a:off x="1368012" y="3733800"/>
+            <a:ext cx="2057400" cy="1143000"/>
+          </a:xfrm>
+          <a:prstGeom prst="roundRect">
+            <a:avLst/>
+          </a:prstGeom>
+        </p:spPr>
+        <p:style>
+          <a:lnRef idx="1">
+            <a:schemeClr val="accent5"/>
+          </a:lnRef>
+          <a:fillRef idx="2">
+            <a:schemeClr val="accent5"/>
+          </a:fillRef>
+          <a:effectRef idx="1">
+            <a:schemeClr val="accent5"/>
+          </a:effectRef>
+          <a:fontRef idx="minor">
+            <a:schemeClr val="dk1"/>
+          </a:fontRef>
+        </p:style>
+        <p:txBody>
+          <a:bodyPr rtlCol="0" anchor="ctr"/>
+          <a:lstStyle/>
+          <a:p>
+            <a:pPr algn="ctr"/>
+            <a:r>
+              <a:rPr lang="en-US" dirty="0" smtClean="0"/>
+              <a:t>Client</a:t>
+            </a:r>
+          </a:p>
+          <a:p>
+            <a:pPr algn="ctr"/>
+            <a:r>
+              <a:rPr lang="en-US" dirty="0" smtClean="0"/>
+              <a:t>(Angular JS)</a:t>
+            </a:r>
+            <a:endParaRPr lang="en-US" dirty="0"/>
+          </a:p>
+        </p:txBody>
+      </p:sp>
+      <p:sp>
+        <p:nvSpPr>
+          <p:cNvPr id="4" name="Rounded Rectangle 3"/>
+          <p:cNvSpPr/>
+          <p:nvPr/>
+        </p:nvSpPr>
+        <p:spPr>
+          <a:xfrm>
+            <a:off x="5148943" y="3733800"/>
+            <a:ext cx="2057400" cy="1143000"/>
+          </a:xfrm>
+          <a:prstGeom prst="roundRect">
+            <a:avLst/>
+          </a:prstGeom>
+        </p:spPr>
+        <p:style>
+          <a:lnRef idx="1">
+            <a:schemeClr val="accent5"/>
+          </a:lnRef>
+          <a:fillRef idx="2">
+            <a:schemeClr val="accent5"/>
+          </a:fillRef>
+          <a:effectRef idx="1">
+            <a:schemeClr val="accent5"/>
+          </a:effectRef>
+          <a:fontRef idx="minor">
+            <a:schemeClr val="dk1"/>
+          </a:fontRef>
+        </p:style>
+        <p:txBody>
+          <a:bodyPr rtlCol="0" anchor="ctr"/>
+          <a:lstStyle/>
+          <a:p>
+            <a:pPr algn="ctr"/>
+            <a:r>
+              <a:rPr lang="en-US" dirty="0" smtClean="0"/>
+              <a:t>Server</a:t>
+            </a:r>
+          </a:p>
+          <a:p>
+            <a:pPr algn="ctr"/>
+            <a:r>
+              <a:rPr lang="en-US" dirty="0" smtClean="0"/>
+              <a:t>(Java, Tomcat)</a:t>
+            </a:r>
+            <a:endParaRPr lang="en-US" dirty="0"/>
+          </a:p>
+        </p:txBody>
+      </p:sp>
+      <p:cxnSp>
+        <p:nvCxnSpPr>
+          <p:cNvPr id="8" name="Straight Arrow Connector 7"/>
+          <p:cNvCxnSpPr>
+            <a:stCxn id="3" idx="3"/>
+            <a:endCxn id="4" idx="1"/>
+          </p:cNvCxnSpPr>
+          <p:nvPr/>
+        </p:nvCxnSpPr>
+        <p:spPr>
+          <a:xfrm>
+            <a:off x="3425412" y="4305300"/>
+            <a:ext cx="1723531" cy="0"/>
+          </a:xfrm>
+          <a:prstGeom prst="straightConnector1">
+            <a:avLst/>
+          </a:prstGeom>
+          <a:ln w="57150">
+            <a:tailEnd type="arrow"/>
+          </a:ln>
+        </p:spPr>
+        <p:style>
+          <a:lnRef idx="1">
+            <a:schemeClr val="accent1"/>
+          </a:lnRef>
+          <a:fillRef idx="0">
+            <a:schemeClr val="accent1"/>
+          </a:fillRef>
+          <a:effectRef idx="0">
+            <a:schemeClr val="accent1"/>
+          </a:effectRef>
+          <a:fontRef idx="minor">
+            <a:schemeClr val="tx1"/>
+          </a:fontRef>
+        </p:style>
+      </p:cxnSp>
+      <p:sp>
+        <p:nvSpPr>
+          <p:cNvPr id="9" name="TextBox 8"/>
+          <p:cNvSpPr txBox="1"/>
+          <p:nvPr/>
+        </p:nvSpPr>
+        <p:spPr>
+          <a:xfrm>
+            <a:off x="3529547" y="3352800"/>
+            <a:ext cx="1495987" cy="369332"/>
+          </a:xfrm>
+          <a:prstGeom prst="rect">
+            <a:avLst/>
+          </a:prstGeom>
+          <a:noFill/>
+        </p:spPr>
+        <p:txBody>
+          <a:bodyPr wrap="none" rtlCol="0">
+            <a:spAutoFit/>
+          </a:bodyPr>
+          <a:lstStyle/>
+          <a:p>
+            <a:pPr algn="ctr"/>
+            <a:r>
+              <a:rPr lang="en-US" dirty="0" smtClean="0"/>
+              <a:t>Get Challenge</a:t>
+            </a:r>
+            <a:endParaRPr lang="en-US" dirty="0"/>
+          </a:p>
+        </p:txBody>
+      </p:sp>
+    </p:spTree>
+    <p:extLst>
+      <p:ext uri="{BB962C8B-B14F-4D97-AF65-F5344CB8AC3E}">
+        <p14:creationId xmlns:p14="http://schemas.microsoft.com/office/powerpoint/2010/main" val="2191513171"/>
+      </p:ext>
+    </p:extLst>
+  </p:cSld>
+  <p:clrMapOvr>
+    <a:masterClrMapping/>
+  </p:clrMapOvr>
+</p:sld>
+</file>
+
+<file path=ppt/slides/slide5.xml><?xml version="1.0" encoding="utf-8"?>
+<p:sld xmlns:a="http://schemas.openxmlformats.org/drawingml/2006/main" xmlns:r="http://schemas.openxmlformats.org/officeDocument/2006/relationships" xmlns:p="http://schemas.openxmlformats.org/presentationml/2006/main">
+  <p:cSld>
+    <p:spTree>
+      <p:nvGrpSpPr>
+        <p:cNvPr id="1" name=""/>
+        <p:cNvGrpSpPr/>
+        <p:nvPr/>
+      </p:nvGrpSpPr>
+      <p:grpSpPr>
+        <a:xfrm>
+          <a:off x="0" y="0"/>
+          <a:ext cx="0" cy="0"/>
+          <a:chOff x="0" y="0"/>
+          <a:chExt cx="0" cy="0"/>
+        </a:xfrm>
+      </p:grpSpPr>
+      <p:sp>
+        <p:nvSpPr>
+          <p:cNvPr id="2" name="Rounded Rectangle 1"/>
+          <p:cNvSpPr/>
+          <p:nvPr/>
+        </p:nvSpPr>
+        <p:spPr>
+          <a:xfrm>
+            <a:off x="3124200" y="1393371"/>
+            <a:ext cx="2057400" cy="1143000"/>
+          </a:xfrm>
+          <a:prstGeom prst="roundRect">
+            <a:avLst/>
+          </a:prstGeom>
+        </p:spPr>
+        <p:style>
+          <a:lnRef idx="1">
+            <a:schemeClr val="accent5"/>
+          </a:lnRef>
+          <a:fillRef idx="2">
+            <a:schemeClr val="accent5"/>
+          </a:fillRef>
+          <a:effectRef idx="1">
+            <a:schemeClr val="accent5"/>
+          </a:effectRef>
+          <a:fontRef idx="minor">
+            <a:schemeClr val="dk1"/>
+          </a:fontRef>
+        </p:style>
+        <p:txBody>
+          <a:bodyPr rtlCol="0" anchor="ctr"/>
+          <a:lstStyle/>
+          <a:p>
+            <a:pPr algn="ctr"/>
+            <a:r>
+              <a:rPr lang="en-US" dirty="0" smtClean="0"/>
+              <a:t>Identity Provider</a:t>
+            </a:r>
+          </a:p>
+          <a:p>
+            <a:pPr algn="ctr"/>
+            <a:r>
+              <a:rPr lang="en-US" dirty="0" smtClean="0"/>
+              <a:t>(SSOFI)</a:t>
+            </a:r>
+            <a:endParaRPr lang="en-US" dirty="0"/>
+          </a:p>
+        </p:txBody>
+      </p:sp>
+      <p:sp>
+        <p:nvSpPr>
+          <p:cNvPr id="3" name="Rounded Rectangle 2"/>
+          <p:cNvSpPr/>
+          <p:nvPr/>
+        </p:nvSpPr>
+        <p:spPr>
+          <a:xfrm>
+            <a:off x="1368012" y="3733800"/>
+            <a:ext cx="2057400" cy="1143000"/>
+          </a:xfrm>
+          <a:prstGeom prst="roundRect">
+            <a:avLst/>
+          </a:prstGeom>
+        </p:spPr>
+        <p:style>
+          <a:lnRef idx="1">
+            <a:schemeClr val="accent5"/>
+          </a:lnRef>
+          <a:fillRef idx="2">
+            <a:schemeClr val="accent5"/>
+          </a:fillRef>
+          <a:effectRef idx="1">
+            <a:schemeClr val="accent5"/>
+          </a:effectRef>
+          <a:fontRef idx="minor">
+            <a:schemeClr val="dk1"/>
+          </a:fontRef>
+        </p:style>
+        <p:txBody>
+          <a:bodyPr rtlCol="0" anchor="ctr"/>
+          <a:lstStyle/>
+          <a:p>
+            <a:pPr algn="ctr"/>
+            <a:r>
+              <a:rPr lang="en-US" dirty="0" smtClean="0"/>
+              <a:t>Client</a:t>
+            </a:r>
+          </a:p>
+          <a:p>
+            <a:pPr algn="ctr"/>
+            <a:r>
+              <a:rPr lang="en-US" dirty="0" smtClean="0"/>
+              <a:t>(Angular JS)</a:t>
+            </a:r>
+            <a:endParaRPr lang="en-US" dirty="0"/>
+          </a:p>
+        </p:txBody>
+      </p:sp>
+      <p:sp>
+        <p:nvSpPr>
+          <p:cNvPr id="4" name="Rounded Rectangle 3"/>
+          <p:cNvSpPr/>
+          <p:nvPr/>
+        </p:nvSpPr>
+        <p:spPr>
+          <a:xfrm>
+            <a:off x="5148943" y="3733800"/>
+            <a:ext cx="2057400" cy="1143000"/>
+          </a:xfrm>
+          <a:prstGeom prst="roundRect">
+            <a:avLst/>
+          </a:prstGeom>
+        </p:spPr>
+        <p:style>
+          <a:lnRef idx="1">
+            <a:schemeClr val="accent5"/>
+          </a:lnRef>
+          <a:fillRef idx="2">
+            <a:schemeClr val="accent5"/>
+          </a:fillRef>
+          <a:effectRef idx="1">
+            <a:schemeClr val="accent5"/>
+          </a:effectRef>
+          <a:fontRef idx="minor">
+            <a:schemeClr val="dk1"/>
+          </a:fontRef>
+        </p:style>
+        <p:txBody>
+          <a:bodyPr rtlCol="0" anchor="ctr"/>
+          <a:lstStyle/>
+          <a:p>
+            <a:pPr algn="ctr"/>
+            <a:r>
+              <a:rPr lang="en-US" dirty="0" smtClean="0"/>
+              <a:t>Server</a:t>
+            </a:r>
+          </a:p>
+          <a:p>
+            <a:pPr algn="ctr"/>
+            <a:r>
+              <a:rPr lang="en-US" dirty="0" smtClean="0"/>
+              <a:t>(Java, Tomcat)</a:t>
+            </a:r>
+            <a:endParaRPr lang="en-US" dirty="0"/>
+          </a:p>
+        </p:txBody>
+      </p:sp>
+      <p:cxnSp>
+        <p:nvCxnSpPr>
+          <p:cNvPr id="8" name="Straight Arrow Connector 7"/>
+          <p:cNvCxnSpPr>
+            <a:stCxn id="3" idx="0"/>
+          </p:cNvCxnSpPr>
+          <p:nvPr/>
+        </p:nvCxnSpPr>
+        <p:spPr>
+          <a:xfrm flipV="1">
+            <a:off x="2396712" y="2536372"/>
+            <a:ext cx="1028700" cy="1197428"/>
+          </a:xfrm>
+          <a:prstGeom prst="straightConnector1">
+            <a:avLst/>
+          </a:prstGeom>
+          <a:ln w="57150">
+            <a:tailEnd type="arrow"/>
+          </a:ln>
+        </p:spPr>
+        <p:style>
+          <a:lnRef idx="1">
+            <a:schemeClr val="accent1"/>
+          </a:lnRef>
+          <a:fillRef idx="0">
+            <a:schemeClr val="accent1"/>
+          </a:fillRef>
+          <a:effectRef idx="0">
+            <a:schemeClr val="accent1"/>
+          </a:effectRef>
+          <a:fontRef idx="minor">
+            <a:schemeClr val="tx1"/>
+          </a:fontRef>
+        </p:style>
+      </p:cxnSp>
+      <p:sp>
+        <p:nvSpPr>
+          <p:cNvPr id="9" name="TextBox 8"/>
+          <p:cNvSpPr txBox="1"/>
+          <p:nvPr/>
+        </p:nvSpPr>
+        <p:spPr>
+          <a:xfrm>
+            <a:off x="1257421" y="2667000"/>
+            <a:ext cx="1868974" cy="646331"/>
+          </a:xfrm>
+          <a:prstGeom prst="rect">
+            <a:avLst/>
+          </a:prstGeom>
+          <a:noFill/>
+        </p:spPr>
+        <p:txBody>
+          <a:bodyPr wrap="none" rtlCol="0">
+            <a:spAutoFit/>
+          </a:bodyPr>
+          <a:lstStyle/>
+          <a:p>
+            <a:pPr algn="ctr"/>
+            <a:r>
+              <a:rPr lang="en-US" dirty="0" smtClean="0"/>
+              <a:t>Deliver Challenge</a:t>
+            </a:r>
+          </a:p>
+          <a:p>
+            <a:pPr algn="ctr"/>
+            <a:r>
+              <a:rPr lang="en-US" dirty="0" smtClean="0"/>
+              <a:t>Generate Token    </a:t>
+            </a:r>
+            <a:endParaRPr lang="en-US" dirty="0"/>
+          </a:p>
+        </p:txBody>
+      </p:sp>
+      <p:sp>
+        <p:nvSpPr>
+          <p:cNvPr id="7" name="Rounded Rectangle 6"/>
+          <p:cNvSpPr/>
+          <p:nvPr/>
+        </p:nvSpPr>
+        <p:spPr>
+          <a:xfrm>
+            <a:off x="5007428" y="1524000"/>
+            <a:ext cx="914401" cy="517069"/>
+          </a:xfrm>
+          <a:prstGeom prst="roundRect">
+            <a:avLst/>
+          </a:prstGeom>
+        </p:spPr>
+        <p:style>
+          <a:lnRef idx="1">
+            <a:schemeClr val="accent4"/>
+          </a:lnRef>
+          <a:fillRef idx="2">
+            <a:schemeClr val="accent4"/>
+          </a:fillRef>
+          <a:effectRef idx="1">
+            <a:schemeClr val="accent4"/>
+          </a:effectRef>
+          <a:fontRef idx="minor">
+            <a:schemeClr val="dk1"/>
+          </a:fontRef>
+        </p:style>
+        <p:txBody>
+          <a:bodyPr lIns="0" tIns="0" rIns="0" bIns="0" rtlCol="0" anchor="ctr"/>
+          <a:lstStyle/>
+          <a:p>
+            <a:pPr algn="ctr"/>
+            <a:r>
+              <a:rPr lang="en-US" sz="1400" dirty="0" smtClean="0"/>
+              <a:t>stored</a:t>
+            </a:r>
+          </a:p>
+          <a:p>
+            <a:pPr algn="ctr"/>
+            <a:r>
+              <a:rPr lang="en-US" sz="1400" dirty="0" smtClean="0"/>
+              <a:t>challenge</a:t>
+            </a:r>
+          </a:p>
+        </p:txBody>
+      </p:sp>
+    </p:spTree>
+    <p:extLst>
+      <p:ext uri="{BB962C8B-B14F-4D97-AF65-F5344CB8AC3E}">
+        <p14:creationId xmlns:p14="http://schemas.microsoft.com/office/powerpoint/2010/main" val="2874069660"/>
+      </p:ext>
+    </p:extLst>
+  </p:cSld>
+  <p:clrMapOvr>
+    <a:masterClrMapping/>
+  </p:clrMapOvr>
+</p:sld>
+</file>
+
+<file path=ppt/slides/slide6.xml><?xml version="1.0" encoding="utf-8"?>
+<p:sld xmlns:a="http://schemas.openxmlformats.org/drawingml/2006/main" xmlns:r="http://schemas.openxmlformats.org/officeDocument/2006/relationships" xmlns:p="http://schemas.openxmlformats.org/presentationml/2006/main">
+  <p:cSld>
+    <p:spTree>
+      <p:nvGrpSpPr>
+        <p:cNvPr id="1" name=""/>
+        <p:cNvGrpSpPr/>
+        <p:nvPr/>
+      </p:nvGrpSpPr>
+      <p:grpSpPr>
+        <a:xfrm>
+          <a:off x="0" y="0"/>
+          <a:ext cx="0" cy="0"/>
+          <a:chOff x="0" y="0"/>
+          <a:chExt cx="0" cy="0"/>
+        </a:xfrm>
+      </p:grpSpPr>
+      <p:sp>
+        <p:nvSpPr>
+          <p:cNvPr id="2" name="Rounded Rectangle 1"/>
+          <p:cNvSpPr/>
+          <p:nvPr/>
+        </p:nvSpPr>
+        <p:spPr>
+          <a:xfrm>
+            <a:off x="3124200" y="1393371"/>
+            <a:ext cx="2057400" cy="1143000"/>
+          </a:xfrm>
+          <a:prstGeom prst="roundRect">
+            <a:avLst/>
+          </a:prstGeom>
+        </p:spPr>
+        <p:style>
+          <a:lnRef idx="1">
+            <a:schemeClr val="accent5"/>
+          </a:lnRef>
+          <a:fillRef idx="2">
+            <a:schemeClr val="accent5"/>
+          </a:fillRef>
+          <a:effectRef idx="1">
+            <a:schemeClr val="accent5"/>
+          </a:effectRef>
+          <a:fontRef idx="minor">
+            <a:schemeClr val="dk1"/>
+          </a:fontRef>
+        </p:style>
+        <p:txBody>
+          <a:bodyPr rtlCol="0" anchor="ctr"/>
+          <a:lstStyle/>
+          <a:p>
+            <a:pPr algn="ctr"/>
+            <a:r>
+              <a:rPr lang="en-US" dirty="0" smtClean="0"/>
+              <a:t>Identity Provider</a:t>
+            </a:r>
+          </a:p>
+          <a:p>
+            <a:pPr algn="ctr"/>
+            <a:r>
+              <a:rPr lang="en-US" dirty="0" smtClean="0"/>
+              <a:t>(SSOFI)</a:t>
+            </a:r>
+            <a:endParaRPr lang="en-US" dirty="0"/>
+          </a:p>
+        </p:txBody>
+      </p:sp>
+      <p:sp>
+        <p:nvSpPr>
+          <p:cNvPr id="3" name="Rounded Rectangle 2"/>
+          <p:cNvSpPr/>
+          <p:nvPr/>
+        </p:nvSpPr>
+        <p:spPr>
+          <a:xfrm>
+            <a:off x="1368012" y="3733800"/>
+            <a:ext cx="2057400" cy="1143000"/>
+          </a:xfrm>
+          <a:prstGeom prst="roundRect">
+            <a:avLst/>
+          </a:prstGeom>
+        </p:spPr>
+        <p:style>
+          <a:lnRef idx="1">
+            <a:schemeClr val="accent5"/>
+          </a:lnRef>
+          <a:fillRef idx="2">
+            <a:schemeClr val="accent5"/>
+          </a:fillRef>
+          <a:effectRef idx="1">
+            <a:schemeClr val="accent5"/>
+          </a:effectRef>
+          <a:fontRef idx="minor">
+            <a:schemeClr val="dk1"/>
+          </a:fontRef>
+        </p:style>
+        <p:txBody>
+          <a:bodyPr rtlCol="0" anchor="ctr"/>
+          <a:lstStyle/>
+          <a:p>
+            <a:pPr algn="ctr"/>
+            <a:r>
+              <a:rPr lang="en-US" dirty="0" smtClean="0"/>
+              <a:t>Client</a:t>
+            </a:r>
+          </a:p>
+          <a:p>
+            <a:pPr algn="ctr"/>
+            <a:r>
+              <a:rPr lang="en-US" dirty="0" smtClean="0"/>
+              <a:t>(Angular JS)</a:t>
+            </a:r>
+            <a:endParaRPr lang="en-US" dirty="0"/>
+          </a:p>
+        </p:txBody>
+      </p:sp>
+      <p:sp>
+        <p:nvSpPr>
+          <p:cNvPr id="4" name="Rounded Rectangle 3"/>
+          <p:cNvSpPr/>
+          <p:nvPr/>
+        </p:nvSpPr>
+        <p:spPr>
+          <a:xfrm>
+            <a:off x="5148943" y="3733800"/>
+            <a:ext cx="2057400" cy="1143000"/>
+          </a:xfrm>
+          <a:prstGeom prst="roundRect">
+            <a:avLst/>
+          </a:prstGeom>
+        </p:spPr>
+        <p:style>
+          <a:lnRef idx="1">
+            <a:schemeClr val="accent5"/>
+          </a:lnRef>
+          <a:fillRef idx="2">
+            <a:schemeClr val="accent5"/>
+          </a:fillRef>
+          <a:effectRef idx="1">
+            <a:schemeClr val="accent5"/>
+          </a:effectRef>
+          <a:fontRef idx="minor">
+            <a:schemeClr val="dk1"/>
+          </a:fontRef>
+        </p:style>
+        <p:txBody>
+          <a:bodyPr rtlCol="0" anchor="ctr"/>
+          <a:lstStyle/>
+          <a:p>
+            <a:pPr algn="ctr"/>
+            <a:r>
+              <a:rPr lang="en-US" dirty="0" smtClean="0"/>
+              <a:t>Server</a:t>
+            </a:r>
+          </a:p>
+          <a:p>
+            <a:pPr algn="ctr"/>
+            <a:r>
+              <a:rPr lang="en-US" dirty="0" smtClean="0"/>
+              <a:t>(Java, Tomcat)</a:t>
+            </a:r>
+            <a:endParaRPr lang="en-US" dirty="0"/>
+          </a:p>
+        </p:txBody>
+      </p:sp>
+      <p:cxnSp>
+        <p:nvCxnSpPr>
+          <p:cNvPr id="8" name="Straight Arrow Connector 7"/>
+          <p:cNvCxnSpPr>
+            <a:stCxn id="3" idx="3"/>
+            <a:endCxn id="4" idx="1"/>
+          </p:cNvCxnSpPr>
+          <p:nvPr/>
+        </p:nvCxnSpPr>
+        <p:spPr>
+          <a:xfrm>
+            <a:off x="3425412" y="4305300"/>
+            <a:ext cx="1723531" cy="0"/>
+          </a:xfrm>
+          <a:prstGeom prst="straightConnector1">
+            <a:avLst/>
+          </a:prstGeom>
+          <a:ln w="57150">
+            <a:tailEnd type="arrow"/>
+          </a:ln>
+        </p:spPr>
+        <p:style>
+          <a:lnRef idx="1">
+            <a:schemeClr val="accent1"/>
+          </a:lnRef>
+          <a:fillRef idx="0">
+            <a:schemeClr val="accent1"/>
+          </a:fillRef>
+          <a:effectRef idx="0">
+            <a:schemeClr val="accent1"/>
+          </a:effectRef>
+          <a:fontRef idx="minor">
+            <a:schemeClr val="tx1"/>
+          </a:fontRef>
+        </p:style>
+      </p:cxnSp>
+      <p:sp>
+        <p:nvSpPr>
+          <p:cNvPr id="9" name="TextBox 8"/>
+          <p:cNvSpPr txBox="1"/>
+          <p:nvPr/>
+        </p:nvSpPr>
+        <p:spPr>
+          <a:xfrm>
+            <a:off x="3516677" y="3549134"/>
+            <a:ext cx="1540999" cy="369332"/>
+          </a:xfrm>
+          <a:prstGeom prst="rect">
+            <a:avLst/>
+          </a:prstGeom>
+          <a:noFill/>
+        </p:spPr>
+        <p:txBody>
+          <a:bodyPr wrap="none" rtlCol="0">
+            <a:spAutoFit/>
+          </a:bodyPr>
+          <a:lstStyle/>
+          <a:p>
+            <a:pPr algn="ctr"/>
+            <a:r>
+              <a:rPr lang="en-US" dirty="0" smtClean="0"/>
+              <a:t>Verify Token    </a:t>
+            </a:r>
+            <a:endParaRPr lang="en-US" dirty="0"/>
+          </a:p>
+        </p:txBody>
+      </p:sp>
+      <p:sp>
+        <p:nvSpPr>
+          <p:cNvPr id="7" name="Rounded Rectangle 6"/>
+          <p:cNvSpPr/>
+          <p:nvPr/>
+        </p:nvSpPr>
+        <p:spPr>
+          <a:xfrm>
+            <a:off x="5007428" y="1524000"/>
+            <a:ext cx="914401" cy="517069"/>
+          </a:xfrm>
+          <a:prstGeom prst="roundRect">
+            <a:avLst/>
+          </a:prstGeom>
+        </p:spPr>
+        <p:style>
+          <a:lnRef idx="1">
+            <a:schemeClr val="accent4"/>
+          </a:lnRef>
+          <a:fillRef idx="2">
+            <a:schemeClr val="accent4"/>
+          </a:fillRef>
+          <a:effectRef idx="1">
+            <a:schemeClr val="accent4"/>
+          </a:effectRef>
+          <a:fontRef idx="minor">
+            <a:schemeClr val="dk1"/>
+          </a:fontRef>
+        </p:style>
+        <p:txBody>
+          <a:bodyPr lIns="0" tIns="0" rIns="0" bIns="0" rtlCol="0" anchor="ctr"/>
+          <a:lstStyle/>
+          <a:p>
+            <a:pPr algn="ctr"/>
+            <a:r>
+              <a:rPr lang="en-US" sz="1400" dirty="0" smtClean="0"/>
+              <a:t>stored</a:t>
+            </a:r>
+          </a:p>
+          <a:p>
+            <a:pPr algn="ctr"/>
+            <a:r>
+              <a:rPr lang="en-US" sz="1400" dirty="0" smtClean="0"/>
+              <a:t>challenge</a:t>
+            </a:r>
+          </a:p>
+        </p:txBody>
+      </p:sp>
+      <p:cxnSp>
+        <p:nvCxnSpPr>
+          <p:cNvPr id="10" name="Straight Arrow Connector 9"/>
+          <p:cNvCxnSpPr>
+            <a:stCxn id="4" idx="0"/>
+          </p:cNvCxnSpPr>
+          <p:nvPr/>
+        </p:nvCxnSpPr>
+        <p:spPr>
+          <a:xfrm flipH="1" flipV="1">
+            <a:off x="4800600" y="2536371"/>
+            <a:ext cx="1377043" cy="1197429"/>
+          </a:xfrm>
+          <a:prstGeom prst="straightConnector1">
+            <a:avLst/>
+          </a:prstGeom>
+          <a:ln w="57150">
+            <a:tailEnd type="arrow"/>
+          </a:ln>
+        </p:spPr>
+        <p:style>
+          <a:lnRef idx="1">
+            <a:schemeClr val="accent1"/>
+          </a:lnRef>
+          <a:fillRef idx="0">
+            <a:schemeClr val="accent1"/>
+          </a:fillRef>
+          <a:effectRef idx="0">
+            <a:schemeClr val="accent1"/>
+          </a:effectRef>
+          <a:fontRef idx="minor">
+            <a:schemeClr val="tx1"/>
+          </a:fontRef>
+        </p:style>
+      </p:cxnSp>
+      <p:sp>
+        <p:nvSpPr>
+          <p:cNvPr id="13" name="TextBox 12"/>
+          <p:cNvSpPr txBox="1"/>
+          <p:nvPr/>
+        </p:nvSpPr>
+        <p:spPr>
+          <a:xfrm>
+            <a:off x="5431971" y="2645229"/>
+            <a:ext cx="1703287" cy="646331"/>
+          </a:xfrm>
+          <a:prstGeom prst="rect">
+            <a:avLst/>
+          </a:prstGeom>
+          <a:noFill/>
+        </p:spPr>
+        <p:txBody>
+          <a:bodyPr wrap="none" rtlCol="0">
+            <a:spAutoFit/>
+          </a:bodyPr>
+          <a:lstStyle/>
+          <a:p>
+            <a:pPr algn="ctr"/>
+            <a:r>
+              <a:rPr lang="en-US" dirty="0" smtClean="0"/>
+              <a:t>Verify Challenge</a:t>
+            </a:r>
+          </a:p>
+          <a:p>
+            <a:pPr algn="ctr"/>
+            <a:r>
+              <a:rPr lang="en-US" dirty="0" smtClean="0"/>
+              <a:t>&amp; Token    </a:t>
+            </a:r>
+            <a:endParaRPr lang="en-US" dirty="0"/>
+          </a:p>
+        </p:txBody>
+      </p:sp>
+    </p:spTree>
+    <p:extLst>
+      <p:ext uri="{BB962C8B-B14F-4D97-AF65-F5344CB8AC3E}">
+        <p14:creationId xmlns:p14="http://schemas.microsoft.com/office/powerpoint/2010/main" val="91116462"/>
+      </p:ext>
+    </p:extLst>
+  </p:cSld>
+  <p:clrMapOvr>
+    <a:masterClrMapping/>
+  </p:clrMapOvr>
+</p:sld>
+</file>
+
+<file path=ppt/slides/slide7.xml><?xml version="1.0" encoding="utf-8"?>
+<p:sld xmlns:a="http://schemas.openxmlformats.org/drawingml/2006/main" xmlns:r="http://schemas.openxmlformats.org/officeDocument/2006/relationships" xmlns:p="http://schemas.openxmlformats.org/presentationml/2006/main">
+  <p:cSld>
+    <p:spTree>
+      <p:nvGrpSpPr>
+        <p:cNvPr id="1" name=""/>
+        <p:cNvGrpSpPr/>
+        <p:nvPr/>
+      </p:nvGrpSpPr>
+      <p:grpSpPr>
+        <a:xfrm>
+          <a:off x="0" y="0"/>
+          <a:ext cx="0" cy="0"/>
+          <a:chOff x="0" y="0"/>
+          <a:chExt cx="0" cy="0"/>
+        </a:xfrm>
+      </p:grpSpPr>
+      <p:sp>
+        <p:nvSpPr>
+          <p:cNvPr id="2" name="Rounded Rectangle 1"/>
+          <p:cNvSpPr/>
+          <p:nvPr/>
+        </p:nvSpPr>
+        <p:spPr>
+          <a:xfrm>
+            <a:off x="3124200" y="1393371"/>
+            <a:ext cx="2057400" cy="1143000"/>
+          </a:xfrm>
+          <a:prstGeom prst="roundRect">
+            <a:avLst/>
+          </a:prstGeom>
+        </p:spPr>
+        <p:style>
+          <a:lnRef idx="1">
+            <a:schemeClr val="accent5"/>
+          </a:lnRef>
+          <a:fillRef idx="2">
+            <a:schemeClr val="accent5"/>
+          </a:fillRef>
+          <a:effectRef idx="1">
+            <a:schemeClr val="accent5"/>
+          </a:effectRef>
+          <a:fontRef idx="minor">
+            <a:schemeClr val="dk1"/>
+          </a:fontRef>
+        </p:style>
+        <p:txBody>
+          <a:bodyPr rtlCol="0" anchor="ctr"/>
+          <a:lstStyle/>
+          <a:p>
+            <a:pPr algn="ctr"/>
+            <a:r>
+              <a:rPr lang="en-US" dirty="0" smtClean="0"/>
+              <a:t>Identity Provider</a:t>
+            </a:r>
+          </a:p>
+          <a:p>
+            <a:pPr algn="ctr"/>
+            <a:r>
+              <a:rPr lang="en-US" dirty="0" smtClean="0"/>
+              <a:t>(SSOFI)</a:t>
+            </a:r>
+            <a:endParaRPr lang="en-US" dirty="0"/>
+          </a:p>
+        </p:txBody>
+      </p:sp>
+      <p:sp>
+        <p:nvSpPr>
+          <p:cNvPr id="3" name="Rounded Rectangle 2"/>
+          <p:cNvSpPr/>
+          <p:nvPr/>
+        </p:nvSpPr>
+        <p:spPr>
+          <a:xfrm>
+            <a:off x="1368012" y="3733800"/>
+            <a:ext cx="2057400" cy="1143000"/>
+          </a:xfrm>
+          <a:prstGeom prst="roundRect">
+            <a:avLst/>
+          </a:prstGeom>
+        </p:spPr>
+        <p:style>
+          <a:lnRef idx="1">
+            <a:schemeClr val="accent5"/>
+          </a:lnRef>
+          <a:fillRef idx="2">
+            <a:schemeClr val="accent5"/>
+          </a:fillRef>
+          <a:effectRef idx="1">
+            <a:schemeClr val="accent5"/>
+          </a:effectRef>
+          <a:fontRef idx="minor">
+            <a:schemeClr val="dk1"/>
+          </a:fontRef>
+        </p:style>
+        <p:txBody>
+          <a:bodyPr rtlCol="0" anchor="ctr"/>
+          <a:lstStyle/>
+          <a:p>
+            <a:pPr algn="ctr"/>
+            <a:r>
+              <a:rPr lang="en-US" dirty="0" smtClean="0"/>
+              <a:t>Client</a:t>
+            </a:r>
+          </a:p>
+          <a:p>
+            <a:pPr algn="ctr"/>
+            <a:r>
+              <a:rPr lang="en-US" dirty="0" smtClean="0"/>
+              <a:t>(Angular JS)</a:t>
+            </a:r>
+            <a:endParaRPr lang="en-US" dirty="0"/>
+          </a:p>
+        </p:txBody>
+      </p:sp>
+      <p:sp>
+        <p:nvSpPr>
+          <p:cNvPr id="4" name="Rounded Rectangle 3"/>
+          <p:cNvSpPr/>
+          <p:nvPr/>
+        </p:nvSpPr>
+        <p:spPr>
+          <a:xfrm>
+            <a:off x="5148943" y="3733800"/>
+            <a:ext cx="2057400" cy="1143000"/>
+          </a:xfrm>
+          <a:prstGeom prst="roundRect">
+            <a:avLst/>
+          </a:prstGeom>
+        </p:spPr>
+        <p:style>
+          <a:lnRef idx="1">
+            <a:schemeClr val="accent5"/>
+          </a:lnRef>
+          <a:fillRef idx="2">
+            <a:schemeClr val="accent5"/>
+          </a:fillRef>
+          <a:effectRef idx="1">
+            <a:schemeClr val="accent5"/>
+          </a:effectRef>
+          <a:fontRef idx="minor">
+            <a:schemeClr val="dk1"/>
+          </a:fontRef>
+        </p:style>
+        <p:txBody>
+          <a:bodyPr rtlCol="0" anchor="ctr"/>
+          <a:lstStyle/>
+          <a:p>
+            <a:pPr algn="ctr"/>
+            <a:r>
+              <a:rPr lang="en-US" dirty="0" smtClean="0"/>
+              <a:t>Server</a:t>
+            </a:r>
+          </a:p>
+          <a:p>
+            <a:pPr algn="ctr"/>
+            <a:r>
+              <a:rPr lang="en-US" dirty="0" smtClean="0"/>
+              <a:t>(Java, Tomcat)</a:t>
+            </a:r>
+            <a:endParaRPr lang="en-US" dirty="0"/>
+          </a:p>
+        </p:txBody>
+      </p:sp>
+      <p:cxnSp>
+        <p:nvCxnSpPr>
+          <p:cNvPr id="5" name="Straight Arrow Connector 4"/>
+          <p:cNvCxnSpPr/>
+          <p:nvPr/>
+        </p:nvCxnSpPr>
+        <p:spPr>
+          <a:xfrm flipV="1">
+            <a:off x="2396712" y="2536371"/>
+            <a:ext cx="1032288" cy="1197429"/>
+          </a:xfrm>
+          <a:prstGeom prst="straightConnector1">
+            <a:avLst/>
+          </a:prstGeom>
+          <a:ln w="57150">
+            <a:tailEnd type="arrow"/>
+          </a:ln>
+        </p:spPr>
+        <p:style>
+          <a:lnRef idx="1">
+            <a:schemeClr val="accent1"/>
+          </a:lnRef>
+          <a:fillRef idx="0">
+            <a:schemeClr val="accent1"/>
+          </a:fillRef>
+          <a:effectRef idx="0">
+            <a:schemeClr val="accent1"/>
+          </a:effectRef>
+          <a:fontRef idx="minor">
+            <a:schemeClr val="tx1"/>
+          </a:fontRef>
+        </p:style>
+      </p:cxnSp>
+      <p:sp>
+        <p:nvSpPr>
+          <p:cNvPr id="7" name="TextBox 6"/>
+          <p:cNvSpPr txBox="1"/>
+          <p:nvPr/>
+        </p:nvSpPr>
+        <p:spPr>
+          <a:xfrm>
+            <a:off x="1980572" y="2667000"/>
+            <a:ext cx="832279" cy="369332"/>
+          </a:xfrm>
+          <a:prstGeom prst="rect">
+            <a:avLst/>
+          </a:prstGeom>
+          <a:noFill/>
+        </p:spPr>
+        <p:txBody>
+          <a:bodyPr wrap="none" rtlCol="0">
+            <a:spAutoFit/>
+          </a:bodyPr>
+          <a:lstStyle/>
+          <a:p>
+            <a:r>
+              <a:rPr lang="en-US" dirty="0" smtClean="0"/>
+              <a:t>Logout</a:t>
+            </a:r>
+            <a:endParaRPr lang="en-US" dirty="0"/>
+          </a:p>
+        </p:txBody>
+      </p:sp>
+      <p:cxnSp>
+        <p:nvCxnSpPr>
+          <p:cNvPr id="8" name="Straight Arrow Connector 7"/>
+          <p:cNvCxnSpPr>
+            <a:stCxn id="3" idx="3"/>
+            <a:endCxn id="4" idx="1"/>
+          </p:cNvCxnSpPr>
+          <p:nvPr/>
+        </p:nvCxnSpPr>
+        <p:spPr>
+          <a:xfrm>
+            <a:off x="3425412" y="4305300"/>
+            <a:ext cx="1723531" cy="0"/>
+          </a:xfrm>
+          <a:prstGeom prst="straightConnector1">
+            <a:avLst/>
+          </a:prstGeom>
+          <a:ln w="57150">
+            <a:tailEnd type="arrow"/>
+          </a:ln>
+        </p:spPr>
+        <p:style>
+          <a:lnRef idx="1">
+            <a:schemeClr val="accent1"/>
+          </a:lnRef>
+          <a:fillRef idx="0">
+            <a:schemeClr val="accent1"/>
+          </a:fillRef>
+          <a:effectRef idx="0">
+            <a:schemeClr val="accent1"/>
+          </a:effectRef>
+          <a:fontRef idx="minor">
+            <a:schemeClr val="tx1"/>
+          </a:fontRef>
+        </p:style>
+      </p:cxnSp>
+      <p:sp>
+        <p:nvSpPr>
+          <p:cNvPr id="10" name="TextBox 9"/>
+          <p:cNvSpPr txBox="1"/>
+          <p:nvPr/>
+        </p:nvSpPr>
+        <p:spPr>
+          <a:xfrm>
+            <a:off x="3871037" y="3733800"/>
+            <a:ext cx="832279" cy="369332"/>
+          </a:xfrm>
+          <a:prstGeom prst="rect">
+            <a:avLst/>
+          </a:prstGeom>
+          <a:noFill/>
+        </p:spPr>
+        <p:txBody>
+          <a:bodyPr wrap="none" rtlCol="0">
+            <a:spAutoFit/>
+          </a:bodyPr>
+          <a:lstStyle/>
+          <a:p>
+            <a:r>
+              <a:rPr lang="en-US" dirty="0" smtClean="0"/>
+              <a:t>Logout</a:t>
+            </a:r>
+            <a:endParaRPr lang="en-US" dirty="0"/>
+          </a:p>
+        </p:txBody>
+      </p:sp>
+    </p:spTree>
+    <p:extLst>
+      <p:ext uri="{BB962C8B-B14F-4D97-AF65-F5344CB8AC3E}">
+        <p14:creationId xmlns:p14="http://schemas.microsoft.com/office/powerpoint/2010/main" val="3398938763"/>
       </p:ext>
     </p:extLst>
   </p:cSld>

--- a/spec/ClassDiagram.pptx
+++ b/spec/ClassDiagram.pptx
@@ -12,9 +12,10 @@
     <p:sldId id="262" r:id="rId6"/>
     <p:sldId id="263" r:id="rId7"/>
     <p:sldId id="264" r:id="rId8"/>
+    <p:sldId id="265" r:id="rId9"/>
   </p:sldIdLst>
   <p:sldSz cx="9144000" cy="6858000" type="screen4x3"/>
-  <p:notesSz cx="6858000" cy="9144000"/>
+  <p:notesSz cx="7315200" cy="9601200"/>
   <p:defaultTextStyle>
     <a:defPPr>
       <a:defRPr lang="en-US"/>
@@ -294,7 +295,7 @@
           <a:p>
             <a:fld id="{837CB51B-EB14-4160-B927-04031DCD17B2}" type="datetimeFigureOut">
               <a:rPr lang="en-US" smtClean="0"/>
-              <a:t>10/7/2015</a:t>
+              <a:t>5/19/2016</a:t>
             </a:fld>
             <a:endParaRPr lang="en-US"/>
           </a:p>
@@ -464,7 +465,7 @@
           <a:p>
             <a:fld id="{837CB51B-EB14-4160-B927-04031DCD17B2}" type="datetimeFigureOut">
               <a:rPr lang="en-US" smtClean="0"/>
-              <a:t>10/7/2015</a:t>
+              <a:t>5/19/2016</a:t>
             </a:fld>
             <a:endParaRPr lang="en-US"/>
           </a:p>
@@ -644,7 +645,7 @@
           <a:p>
             <a:fld id="{837CB51B-EB14-4160-B927-04031DCD17B2}" type="datetimeFigureOut">
               <a:rPr lang="en-US" smtClean="0"/>
-              <a:t>10/7/2015</a:t>
+              <a:t>5/19/2016</a:t>
             </a:fld>
             <a:endParaRPr lang="en-US"/>
           </a:p>
@@ -814,7 +815,7 @@
           <a:p>
             <a:fld id="{837CB51B-EB14-4160-B927-04031DCD17B2}" type="datetimeFigureOut">
               <a:rPr lang="en-US" smtClean="0"/>
-              <a:t>10/7/2015</a:t>
+              <a:t>5/19/2016</a:t>
             </a:fld>
             <a:endParaRPr lang="en-US"/>
           </a:p>
@@ -1060,7 +1061,7 @@
           <a:p>
             <a:fld id="{837CB51B-EB14-4160-B927-04031DCD17B2}" type="datetimeFigureOut">
               <a:rPr lang="en-US" smtClean="0"/>
-              <a:t>10/7/2015</a:t>
+              <a:t>5/19/2016</a:t>
             </a:fld>
             <a:endParaRPr lang="en-US"/>
           </a:p>
@@ -1348,7 +1349,7 @@
           <a:p>
             <a:fld id="{837CB51B-EB14-4160-B927-04031DCD17B2}" type="datetimeFigureOut">
               <a:rPr lang="en-US" smtClean="0"/>
-              <a:t>10/7/2015</a:t>
+              <a:t>5/19/2016</a:t>
             </a:fld>
             <a:endParaRPr lang="en-US"/>
           </a:p>
@@ -1770,7 +1771,7 @@
           <a:p>
             <a:fld id="{837CB51B-EB14-4160-B927-04031DCD17B2}" type="datetimeFigureOut">
               <a:rPr lang="en-US" smtClean="0"/>
-              <a:t>10/7/2015</a:t>
+              <a:t>5/19/2016</a:t>
             </a:fld>
             <a:endParaRPr lang="en-US"/>
           </a:p>
@@ -1888,7 +1889,7 @@
           <a:p>
             <a:fld id="{837CB51B-EB14-4160-B927-04031DCD17B2}" type="datetimeFigureOut">
               <a:rPr lang="en-US" smtClean="0"/>
-              <a:t>10/7/2015</a:t>
+              <a:t>5/19/2016</a:t>
             </a:fld>
             <a:endParaRPr lang="en-US"/>
           </a:p>
@@ -1983,7 +1984,7 @@
           <a:p>
             <a:fld id="{837CB51B-EB14-4160-B927-04031DCD17B2}" type="datetimeFigureOut">
               <a:rPr lang="en-US" smtClean="0"/>
-              <a:t>10/7/2015</a:t>
+              <a:t>5/19/2016</a:t>
             </a:fld>
             <a:endParaRPr lang="en-US"/>
           </a:p>
@@ -2260,7 +2261,7 @@
           <a:p>
             <a:fld id="{837CB51B-EB14-4160-B927-04031DCD17B2}" type="datetimeFigureOut">
               <a:rPr lang="en-US" smtClean="0"/>
-              <a:t>10/7/2015</a:t>
+              <a:t>5/19/2016</a:t>
             </a:fld>
             <a:endParaRPr lang="en-US"/>
           </a:p>
@@ -2513,7 +2514,7 @@
           <a:p>
             <a:fld id="{837CB51B-EB14-4160-B927-04031DCD17B2}" type="datetimeFigureOut">
               <a:rPr lang="en-US" smtClean="0"/>
-              <a:t>10/7/2015</a:t>
+              <a:t>5/19/2016</a:t>
             </a:fld>
             <a:endParaRPr lang="en-US"/>
           </a:p>
@@ -2726,7 +2727,7 @@
           <a:p>
             <a:fld id="{837CB51B-EB14-4160-B927-04031DCD17B2}" type="datetimeFigureOut">
               <a:rPr lang="en-US" smtClean="0"/>
-              <a:t>10/7/2015</a:t>
+              <a:t>5/19/2016</a:t>
             </a:fld>
             <a:endParaRPr lang="en-US"/>
           </a:p>
@@ -6173,6 +6174,584 @@
     <p:extLst>
       <p:ext uri="{BB962C8B-B14F-4D97-AF65-F5344CB8AC3E}">
         <p14:creationId xmlns:p14="http://schemas.microsoft.com/office/powerpoint/2010/main" val="3398938763"/>
+      </p:ext>
+    </p:extLst>
+  </p:cSld>
+  <p:clrMapOvr>
+    <a:masterClrMapping/>
+  </p:clrMapOvr>
+</p:sld>
+</file>
+
+<file path=ppt/slides/slide8.xml><?xml version="1.0" encoding="utf-8"?>
+<p:sld xmlns:a="http://schemas.openxmlformats.org/drawingml/2006/main" xmlns:r="http://schemas.openxmlformats.org/officeDocument/2006/relationships" xmlns:p="http://schemas.openxmlformats.org/presentationml/2006/main">
+  <p:cSld>
+    <p:spTree>
+      <p:nvGrpSpPr>
+        <p:cNvPr id="1" name=""/>
+        <p:cNvGrpSpPr/>
+        <p:nvPr/>
+      </p:nvGrpSpPr>
+      <p:grpSpPr>
+        <a:xfrm>
+          <a:off x="0" y="0"/>
+          <a:ext cx="0" cy="0"/>
+          <a:chOff x="0" y="0"/>
+          <a:chExt cx="0" cy="0"/>
+        </a:xfrm>
+      </p:grpSpPr>
+      <p:cxnSp>
+        <p:nvCxnSpPr>
+          <p:cNvPr id="5" name="Straight Arrow Connector 4"/>
+          <p:cNvCxnSpPr/>
+          <p:nvPr/>
+        </p:nvCxnSpPr>
+        <p:spPr>
+          <a:xfrm flipV="1">
+            <a:off x="1759001" y="2150662"/>
+            <a:ext cx="1365164" cy="1614447"/>
+          </a:xfrm>
+          <a:prstGeom prst="straightConnector1">
+            <a:avLst/>
+          </a:prstGeom>
+          <a:ln w="57150">
+            <a:tailEnd type="arrow"/>
+          </a:ln>
+        </p:spPr>
+        <p:style>
+          <a:lnRef idx="1">
+            <a:schemeClr val="accent1"/>
+          </a:lnRef>
+          <a:fillRef idx="0">
+            <a:schemeClr val="accent1"/>
+          </a:fillRef>
+          <a:effectRef idx="0">
+            <a:schemeClr val="accent1"/>
+          </a:effectRef>
+          <a:fontRef idx="minor">
+            <a:schemeClr val="tx1"/>
+          </a:fontRef>
+        </p:style>
+      </p:cxnSp>
+      <p:cxnSp>
+        <p:nvCxnSpPr>
+          <p:cNvPr id="16" name="Straight Arrow Connector 15"/>
+          <p:cNvCxnSpPr/>
+          <p:nvPr/>
+        </p:nvCxnSpPr>
+        <p:spPr>
+          <a:xfrm flipH="1">
+            <a:off x="2079757" y="2150662"/>
+            <a:ext cx="1346724" cy="1614447"/>
+          </a:xfrm>
+          <a:prstGeom prst="straightConnector1">
+            <a:avLst/>
+          </a:prstGeom>
+          <a:ln w="57150">
+            <a:tailEnd type="arrow"/>
+          </a:ln>
+        </p:spPr>
+        <p:style>
+          <a:lnRef idx="1">
+            <a:schemeClr val="accent1"/>
+          </a:lnRef>
+          <a:fillRef idx="0">
+            <a:schemeClr val="accent1"/>
+          </a:fillRef>
+          <a:effectRef idx="0">
+            <a:schemeClr val="accent1"/>
+          </a:effectRef>
+          <a:fontRef idx="minor">
+            <a:schemeClr val="tx1"/>
+          </a:fontRef>
+        </p:style>
+      </p:cxnSp>
+      <p:sp>
+        <p:nvSpPr>
+          <p:cNvPr id="2" name="Rounded Rectangle 1"/>
+          <p:cNvSpPr/>
+          <p:nvPr/>
+        </p:nvSpPr>
+        <p:spPr>
+          <a:xfrm>
+            <a:off x="2721078" y="609600"/>
+            <a:ext cx="2720837" cy="1541062"/>
+          </a:xfrm>
+          <a:prstGeom prst="roundRect">
+            <a:avLst/>
+          </a:prstGeom>
+        </p:spPr>
+        <p:style>
+          <a:lnRef idx="2">
+            <a:schemeClr val="dk1"/>
+          </a:lnRef>
+          <a:fillRef idx="1">
+            <a:schemeClr val="lt1"/>
+          </a:fillRef>
+          <a:effectRef idx="0">
+            <a:schemeClr val="dk1"/>
+          </a:effectRef>
+          <a:fontRef idx="minor">
+            <a:schemeClr val="dk1"/>
+          </a:fontRef>
+        </p:style>
+        <p:txBody>
+          <a:bodyPr rtlCol="0" anchor="ctr"/>
+          <a:lstStyle/>
+          <a:p>
+            <a:pPr algn="ctr"/>
+            <a:r>
+              <a:rPr lang="en-US" sz="2400" dirty="0"/>
+              <a:t>Identity Provider</a:t>
+            </a:r>
+          </a:p>
+          <a:p>
+            <a:pPr algn="ctr"/>
+            <a:r>
+              <a:rPr lang="en-US" sz="2400" dirty="0"/>
+              <a:t>(SSOFI)</a:t>
+            </a:r>
+            <a:endParaRPr lang="en-US" sz="2400" dirty="0"/>
+          </a:p>
+        </p:txBody>
+      </p:sp>
+      <p:sp>
+        <p:nvSpPr>
+          <p:cNvPr id="3" name="Rounded Rectangle 2"/>
+          <p:cNvSpPr/>
+          <p:nvPr/>
+        </p:nvSpPr>
+        <p:spPr>
+          <a:xfrm>
+            <a:off x="398583" y="3765109"/>
+            <a:ext cx="2720837" cy="1541062"/>
+          </a:xfrm>
+          <a:prstGeom prst="roundRect">
+            <a:avLst/>
+          </a:prstGeom>
+        </p:spPr>
+        <p:style>
+          <a:lnRef idx="2">
+            <a:schemeClr val="dk1"/>
+          </a:lnRef>
+          <a:fillRef idx="1">
+            <a:schemeClr val="lt1"/>
+          </a:fillRef>
+          <a:effectRef idx="0">
+            <a:schemeClr val="dk1"/>
+          </a:effectRef>
+          <a:fontRef idx="minor">
+            <a:schemeClr val="dk1"/>
+          </a:fontRef>
+        </p:style>
+        <p:txBody>
+          <a:bodyPr rtlCol="0" anchor="ctr"/>
+          <a:lstStyle/>
+          <a:p>
+            <a:pPr algn="ctr"/>
+            <a:r>
+              <a:rPr lang="en-US" sz="2400" dirty="0"/>
+              <a:t>Client</a:t>
+            </a:r>
+          </a:p>
+          <a:p>
+            <a:pPr algn="ctr"/>
+            <a:r>
+              <a:rPr lang="en-US" sz="2400" dirty="0"/>
+              <a:t>(JavaScript)</a:t>
+            </a:r>
+            <a:endParaRPr lang="en-US" sz="2400" dirty="0"/>
+          </a:p>
+        </p:txBody>
+      </p:sp>
+      <p:sp>
+        <p:nvSpPr>
+          <p:cNvPr id="4" name="Rounded Rectangle 3"/>
+          <p:cNvSpPr/>
+          <p:nvPr/>
+        </p:nvSpPr>
+        <p:spPr>
+          <a:xfrm>
+            <a:off x="5398727" y="3765109"/>
+            <a:ext cx="2720837" cy="1541062"/>
+          </a:xfrm>
+          <a:prstGeom prst="roundRect">
+            <a:avLst/>
+          </a:prstGeom>
+        </p:spPr>
+        <p:style>
+          <a:lnRef idx="2">
+            <a:schemeClr val="dk1"/>
+          </a:lnRef>
+          <a:fillRef idx="1">
+            <a:schemeClr val="lt1"/>
+          </a:fillRef>
+          <a:effectRef idx="0">
+            <a:schemeClr val="dk1"/>
+          </a:effectRef>
+          <a:fontRef idx="minor">
+            <a:schemeClr val="dk1"/>
+          </a:fontRef>
+        </p:style>
+        <p:txBody>
+          <a:bodyPr rtlCol="0" anchor="ctr"/>
+          <a:lstStyle/>
+          <a:p>
+            <a:pPr algn="ctr"/>
+            <a:r>
+              <a:rPr lang="en-US" sz="2400" dirty="0" smtClean="0"/>
+              <a:t>Server</a:t>
+            </a:r>
+          </a:p>
+          <a:p>
+            <a:pPr algn="ctr"/>
+            <a:r>
+              <a:rPr lang="en-US" sz="2400" dirty="0" smtClean="0"/>
+              <a:t>(AA)</a:t>
+            </a:r>
+            <a:endParaRPr lang="en-US" sz="2400" dirty="0"/>
+          </a:p>
+        </p:txBody>
+      </p:sp>
+      <p:cxnSp>
+        <p:nvCxnSpPr>
+          <p:cNvPr id="8" name="Straight Arrow Connector 7"/>
+          <p:cNvCxnSpPr/>
+          <p:nvPr/>
+        </p:nvCxnSpPr>
+        <p:spPr>
+          <a:xfrm>
+            <a:off x="3119417" y="4545039"/>
+            <a:ext cx="2279307" cy="0"/>
+          </a:xfrm>
+          <a:prstGeom prst="straightConnector1">
+            <a:avLst/>
+          </a:prstGeom>
+          <a:ln w="57150">
+            <a:tailEnd type="arrow"/>
+          </a:ln>
+        </p:spPr>
+        <p:style>
+          <a:lnRef idx="1">
+            <a:schemeClr val="accent1"/>
+          </a:lnRef>
+          <a:fillRef idx="0">
+            <a:schemeClr val="accent1"/>
+          </a:fillRef>
+          <a:effectRef idx="0">
+            <a:schemeClr val="accent1"/>
+          </a:effectRef>
+          <a:fontRef idx="minor">
+            <a:schemeClr val="tx1"/>
+          </a:fontRef>
+        </p:style>
+      </p:cxnSp>
+      <p:cxnSp>
+        <p:nvCxnSpPr>
+          <p:cNvPr id="9" name="Straight Arrow Connector 8"/>
+          <p:cNvCxnSpPr/>
+          <p:nvPr/>
+        </p:nvCxnSpPr>
+        <p:spPr>
+          <a:xfrm>
+            <a:off x="3094186" y="4114800"/>
+            <a:ext cx="2279307" cy="0"/>
+          </a:xfrm>
+          <a:prstGeom prst="straightConnector1">
+            <a:avLst/>
+          </a:prstGeom>
+          <a:ln w="57150">
+            <a:tailEnd type="arrow"/>
+          </a:ln>
+        </p:spPr>
+        <p:style>
+          <a:lnRef idx="1">
+            <a:schemeClr val="accent1"/>
+          </a:lnRef>
+          <a:fillRef idx="0">
+            <a:schemeClr val="accent1"/>
+          </a:fillRef>
+          <a:effectRef idx="0">
+            <a:schemeClr val="accent1"/>
+          </a:effectRef>
+          <a:fontRef idx="minor">
+            <a:schemeClr val="tx1"/>
+          </a:fontRef>
+        </p:style>
+      </p:cxnSp>
+      <p:sp>
+        <p:nvSpPr>
+          <p:cNvPr id="11" name="TextBox 10"/>
+          <p:cNvSpPr txBox="1"/>
+          <p:nvPr/>
+        </p:nvSpPr>
+        <p:spPr>
+          <a:xfrm>
+            <a:off x="3119417" y="5079711"/>
+            <a:ext cx="2635979" cy="1200328"/>
+          </a:xfrm>
+          <a:prstGeom prst="rect">
+            <a:avLst/>
+          </a:prstGeom>
+          <a:noFill/>
+        </p:spPr>
+        <p:txBody>
+          <a:bodyPr wrap="none" rtlCol="0">
+            <a:spAutoFit/>
+          </a:bodyPr>
+          <a:lstStyle/>
+          <a:p>
+            <a:r>
+              <a:rPr lang="en-US" sz="2400" dirty="0" smtClean="0"/>
+              <a:t>4. Verify Token</a:t>
+            </a:r>
+          </a:p>
+          <a:p>
+            <a:r>
+              <a:rPr lang="en-US" sz="2400" dirty="0" smtClean="0"/>
+              <a:t>7. Acknowledge </a:t>
+            </a:r>
+          </a:p>
+          <a:p>
+            <a:r>
+              <a:rPr lang="en-US" sz="2400" dirty="0" smtClean="0"/>
+              <a:t>    being logged in</a:t>
+            </a:r>
+            <a:r>
+              <a:rPr lang="en-US" sz="2400" dirty="0" smtClean="0"/>
+              <a:t>    </a:t>
+            </a:r>
+            <a:endParaRPr lang="en-US" sz="2400" dirty="0"/>
+          </a:p>
+        </p:txBody>
+      </p:sp>
+      <p:cxnSp>
+        <p:nvCxnSpPr>
+          <p:cNvPr id="12" name="Straight Arrow Connector 11"/>
+          <p:cNvCxnSpPr/>
+          <p:nvPr/>
+        </p:nvCxnSpPr>
+        <p:spPr>
+          <a:xfrm flipH="1" flipV="1">
+            <a:off x="4938056" y="2150662"/>
+            <a:ext cx="1821090" cy="1614447"/>
+          </a:xfrm>
+          <a:prstGeom prst="straightConnector1">
+            <a:avLst/>
+          </a:prstGeom>
+          <a:ln w="57150">
+            <a:tailEnd type="arrow"/>
+          </a:ln>
+        </p:spPr>
+        <p:style>
+          <a:lnRef idx="1">
+            <a:schemeClr val="accent1"/>
+          </a:lnRef>
+          <a:fillRef idx="0">
+            <a:schemeClr val="accent1"/>
+          </a:fillRef>
+          <a:effectRef idx="0">
+            <a:schemeClr val="accent1"/>
+          </a:effectRef>
+          <a:fontRef idx="minor">
+            <a:schemeClr val="tx1"/>
+          </a:fontRef>
+        </p:style>
+      </p:cxnSp>
+      <p:sp>
+        <p:nvSpPr>
+          <p:cNvPr id="13" name="TextBox 12"/>
+          <p:cNvSpPr txBox="1"/>
+          <p:nvPr/>
+        </p:nvSpPr>
+        <p:spPr>
+          <a:xfrm>
+            <a:off x="5655938" y="2255410"/>
+            <a:ext cx="2998194" cy="830997"/>
+          </a:xfrm>
+          <a:prstGeom prst="rect">
+            <a:avLst/>
+          </a:prstGeom>
+          <a:noFill/>
+        </p:spPr>
+        <p:txBody>
+          <a:bodyPr wrap="none" rtlCol="0">
+            <a:spAutoFit/>
+          </a:bodyPr>
+          <a:lstStyle/>
+          <a:p>
+            <a:pPr algn="ctr"/>
+            <a:r>
+              <a:rPr lang="en-US" sz="2400" dirty="0" smtClean="0"/>
+              <a:t>5 Verify Token </a:t>
+            </a:r>
+          </a:p>
+          <a:p>
+            <a:pPr algn="ctr"/>
+            <a:r>
+              <a:rPr lang="en-US" sz="2400" dirty="0" smtClean="0"/>
+              <a:t>            6. Get identity</a:t>
+            </a:r>
+            <a:r>
+              <a:rPr lang="en-US" sz="2400" dirty="0" smtClean="0"/>
+              <a:t>   </a:t>
+            </a:r>
+            <a:endParaRPr lang="en-US" sz="2400" dirty="0"/>
+          </a:p>
+        </p:txBody>
+      </p:sp>
+      <p:sp>
+        <p:nvSpPr>
+          <p:cNvPr id="14" name="TextBox 13"/>
+          <p:cNvSpPr txBox="1"/>
+          <p:nvPr/>
+        </p:nvSpPr>
+        <p:spPr>
+          <a:xfrm>
+            <a:off x="304800" y="1915318"/>
+            <a:ext cx="2132827" cy="1200328"/>
+          </a:xfrm>
+          <a:prstGeom prst="rect">
+            <a:avLst/>
+          </a:prstGeom>
+          <a:noFill/>
+        </p:spPr>
+        <p:txBody>
+          <a:bodyPr wrap="none" rtlCol="0">
+            <a:spAutoFit/>
+          </a:bodyPr>
+          <a:lstStyle/>
+          <a:p>
+            <a:r>
+              <a:rPr lang="en-US" sz="2400" dirty="0" smtClean="0"/>
+              <a:t>2. Get Token  </a:t>
+            </a:r>
+          </a:p>
+          <a:p>
+            <a:r>
+              <a:rPr lang="en-US" sz="2400" dirty="0"/>
+              <a:t> </a:t>
+            </a:r>
+            <a:r>
+              <a:rPr lang="en-US" sz="2400" dirty="0" smtClean="0"/>
+              <a:t>   for Challenge</a:t>
+            </a:r>
+            <a:endParaRPr lang="en-US" sz="2400" dirty="0" smtClean="0"/>
+          </a:p>
+          <a:p>
+            <a:r>
+              <a:rPr lang="en-US" sz="2400" dirty="0" smtClean="0"/>
+              <a:t>3. Return Token</a:t>
+            </a:r>
+            <a:endParaRPr lang="en-US" sz="2400" dirty="0"/>
+          </a:p>
+        </p:txBody>
+      </p:sp>
+      <p:sp>
+        <p:nvSpPr>
+          <p:cNvPr id="15" name="TextBox 14"/>
+          <p:cNvSpPr txBox="1"/>
+          <p:nvPr/>
+        </p:nvSpPr>
+        <p:spPr>
+          <a:xfrm>
+            <a:off x="3094186" y="3517539"/>
+            <a:ext cx="2229072" cy="461665"/>
+          </a:xfrm>
+          <a:prstGeom prst="rect">
+            <a:avLst/>
+          </a:prstGeom>
+          <a:noFill/>
+        </p:spPr>
+        <p:txBody>
+          <a:bodyPr wrap="none" rtlCol="0">
+            <a:spAutoFit/>
+          </a:bodyPr>
+          <a:lstStyle/>
+          <a:p>
+            <a:pPr algn="ctr"/>
+            <a:r>
+              <a:rPr lang="en-US" sz="2400" dirty="0" smtClean="0"/>
+              <a:t>1. Get </a:t>
+            </a:r>
+            <a:r>
+              <a:rPr lang="en-US" sz="2400" dirty="0" smtClean="0"/>
+              <a:t>Challenge</a:t>
+            </a:r>
+            <a:endParaRPr lang="en-US" sz="2400" dirty="0"/>
+          </a:p>
+        </p:txBody>
+      </p:sp>
+      <p:cxnSp>
+        <p:nvCxnSpPr>
+          <p:cNvPr id="19" name="Straight Arrow Connector 18"/>
+          <p:cNvCxnSpPr/>
+          <p:nvPr/>
+        </p:nvCxnSpPr>
+        <p:spPr>
+          <a:xfrm>
+            <a:off x="5348431" y="2150662"/>
+            <a:ext cx="1806603" cy="1615854"/>
+          </a:xfrm>
+          <a:prstGeom prst="straightConnector1">
+            <a:avLst/>
+          </a:prstGeom>
+          <a:ln w="57150">
+            <a:tailEnd type="arrow"/>
+          </a:ln>
+        </p:spPr>
+        <p:style>
+          <a:lnRef idx="1">
+            <a:schemeClr val="accent1"/>
+          </a:lnRef>
+          <a:fillRef idx="0">
+            <a:schemeClr val="accent1"/>
+          </a:fillRef>
+          <a:effectRef idx="0">
+            <a:schemeClr val="accent1"/>
+          </a:effectRef>
+          <a:fontRef idx="minor">
+            <a:schemeClr val="tx1"/>
+          </a:fontRef>
+        </p:style>
+      </p:cxnSp>
+      <p:cxnSp>
+        <p:nvCxnSpPr>
+          <p:cNvPr id="22" name="Straight Arrow Connector 21"/>
+          <p:cNvCxnSpPr/>
+          <p:nvPr/>
+        </p:nvCxnSpPr>
+        <p:spPr>
+          <a:xfrm flipH="1">
+            <a:off x="3124165" y="4895221"/>
+            <a:ext cx="2274560" cy="0"/>
+          </a:xfrm>
+          <a:prstGeom prst="straightConnector1">
+            <a:avLst/>
+          </a:prstGeom>
+          <a:ln w="57150">
+            <a:tailEnd type="arrow"/>
+          </a:ln>
+        </p:spPr>
+        <p:style>
+          <a:lnRef idx="1">
+            <a:schemeClr val="accent1"/>
+          </a:lnRef>
+          <a:fillRef idx="0">
+            <a:schemeClr val="accent1"/>
+          </a:fillRef>
+          <a:effectRef idx="0">
+            <a:schemeClr val="accent1"/>
+          </a:effectRef>
+          <a:fontRef idx="minor">
+            <a:schemeClr val="tx1"/>
+          </a:fontRef>
+        </p:style>
+      </p:cxnSp>
+    </p:spTree>
+    <p:extLst>
+      <p:ext uri="{BB962C8B-B14F-4D97-AF65-F5344CB8AC3E}">
+        <p14:creationId xmlns:p14="http://schemas.microsoft.com/office/powerpoint/2010/main" val="1740827898"/>
       </p:ext>
     </p:extLst>
   </p:cSld>

--- a/spec/ClassDiagram.pptx
+++ b/spec/ClassDiagram.pptx
@@ -4,18 +4,23 @@
   <p:sldMasterIdLst>
     <p:sldMasterId id="2147483648" r:id="rId1"/>
   </p:sldMasterIdLst>
+  <p:notesMasterIdLst>
+    <p:notesMasterId r:id="rId12"/>
+  </p:notesMasterIdLst>
   <p:sldIdLst>
-    <p:sldId id="256" r:id="rId2"/>
-    <p:sldId id="257" r:id="rId3"/>
-    <p:sldId id="260" r:id="rId4"/>
-    <p:sldId id="261" r:id="rId5"/>
-    <p:sldId id="262" r:id="rId6"/>
-    <p:sldId id="263" r:id="rId7"/>
-    <p:sldId id="264" r:id="rId8"/>
-    <p:sldId id="265" r:id="rId9"/>
+    <p:sldId id="266" r:id="rId2"/>
+    <p:sldId id="256" r:id="rId3"/>
+    <p:sldId id="257" r:id="rId4"/>
+    <p:sldId id="260" r:id="rId5"/>
+    <p:sldId id="261" r:id="rId6"/>
+    <p:sldId id="262" r:id="rId7"/>
+    <p:sldId id="263" r:id="rId8"/>
+    <p:sldId id="264" r:id="rId9"/>
+    <p:sldId id="265" r:id="rId10"/>
+    <p:sldId id="267" r:id="rId11"/>
   </p:sldIdLst>
   <p:sldSz cx="9144000" cy="6858000" type="screen4x3"/>
-  <p:notesSz cx="7315200" cy="9601200"/>
+  <p:notesSz cx="7010400" cy="9236075"/>
   <p:defaultTextStyle>
     <a:defPPr>
       <a:defRPr lang="en-US"/>
@@ -111,7 +116,457 @@
       </a:defRPr>
     </a:lvl9pPr>
   </p:defaultTextStyle>
+  <p:extLst>
+    <p:ext uri="{EFAFB233-063F-42B5-8137-9DF3F51BA10A}">
+      <p15:sldGuideLst xmlns:p15="http://schemas.microsoft.com/office/powerpoint/2012/main">
+        <p15:guide id="1" orient="horz" pos="2160">
+          <p15:clr>
+            <a:srgbClr val="A4A3A4"/>
+          </p15:clr>
+        </p15:guide>
+        <p15:guide id="2" pos="2880">
+          <p15:clr>
+            <a:srgbClr val="A4A3A4"/>
+          </p15:clr>
+        </p15:guide>
+      </p15:sldGuideLst>
+    </p:ext>
+  </p:extLst>
 </p:presentation>
+</file>
+
+<file path=ppt/notesMasters/notesMaster1.xml><?xml version="1.0" encoding="utf-8"?>
+<p:notesMaster xmlns:a="http://schemas.openxmlformats.org/drawingml/2006/main" xmlns:r="http://schemas.openxmlformats.org/officeDocument/2006/relationships" xmlns:p="http://schemas.openxmlformats.org/presentationml/2006/main">
+  <p:cSld>
+    <p:bg>
+      <p:bgRef idx="1001">
+        <a:schemeClr val="bg1"/>
+      </p:bgRef>
+    </p:bg>
+    <p:spTree>
+      <p:nvGrpSpPr>
+        <p:cNvPr id="1" name=""/>
+        <p:cNvGrpSpPr/>
+        <p:nvPr/>
+      </p:nvGrpSpPr>
+      <p:grpSpPr>
+        <a:xfrm>
+          <a:off x="0" y="0"/>
+          <a:ext cx="0" cy="0"/>
+          <a:chOff x="0" y="0"/>
+          <a:chExt cx="0" cy="0"/>
+        </a:xfrm>
+      </p:grpSpPr>
+      <p:sp>
+        <p:nvSpPr>
+          <p:cNvPr id="2" name="Header Placeholder 1"/>
+          <p:cNvSpPr>
+            <a:spLocks noGrp="1"/>
+          </p:cNvSpPr>
+          <p:nvPr>
+            <p:ph type="hdr" sz="quarter"/>
+          </p:nvPr>
+        </p:nvSpPr>
+        <p:spPr>
+          <a:xfrm>
+            <a:off x="0" y="0"/>
+            <a:ext cx="3038475" cy="463550"/>
+          </a:xfrm>
+          <a:prstGeom prst="rect">
+            <a:avLst/>
+          </a:prstGeom>
+        </p:spPr>
+        <p:txBody>
+          <a:bodyPr vert="horz" lIns="91440" tIns="45720" rIns="91440" bIns="45720" rtlCol="0"/>
+          <a:lstStyle>
+            <a:lvl1pPr algn="l">
+              <a:defRPr sz="1200"/>
+            </a:lvl1pPr>
+          </a:lstStyle>
+          <a:p>
+            <a:endParaRPr lang="en-US"/>
+          </a:p>
+        </p:txBody>
+      </p:sp>
+      <p:sp>
+        <p:nvSpPr>
+          <p:cNvPr id="3" name="Date Placeholder 2"/>
+          <p:cNvSpPr>
+            <a:spLocks noGrp="1"/>
+          </p:cNvSpPr>
+          <p:nvPr>
+            <p:ph type="dt" idx="1"/>
+          </p:nvPr>
+        </p:nvSpPr>
+        <p:spPr>
+          <a:xfrm>
+            <a:off x="3970338" y="0"/>
+            <a:ext cx="3038475" cy="463550"/>
+          </a:xfrm>
+          <a:prstGeom prst="rect">
+            <a:avLst/>
+          </a:prstGeom>
+        </p:spPr>
+        <p:txBody>
+          <a:bodyPr vert="horz" lIns="91440" tIns="45720" rIns="91440" bIns="45720" rtlCol="0"/>
+          <a:lstStyle>
+            <a:lvl1pPr algn="r">
+              <a:defRPr sz="1200"/>
+            </a:lvl1pPr>
+          </a:lstStyle>
+          <a:p>
+            <a:fld id="{39CC2FD4-7E15-4020-8A74-C5D5E2B64BA9}" type="datetimeFigureOut">
+              <a:rPr lang="en-US" smtClean="0"/>
+              <a:t>7/28/2017</a:t>
+            </a:fld>
+            <a:endParaRPr lang="en-US"/>
+          </a:p>
+        </p:txBody>
+      </p:sp>
+      <p:sp>
+        <p:nvSpPr>
+          <p:cNvPr id="4" name="Slide Image Placeholder 3"/>
+          <p:cNvSpPr>
+            <a:spLocks noGrp="1" noRot="1" noChangeAspect="1"/>
+          </p:cNvSpPr>
+          <p:nvPr>
+            <p:ph type="sldImg" idx="2"/>
+          </p:nvPr>
+        </p:nvSpPr>
+        <p:spPr>
+          <a:xfrm>
+            <a:off x="1427163" y="1154113"/>
+            <a:ext cx="4156075" cy="3117850"/>
+          </a:xfrm>
+          <a:prstGeom prst="rect">
+            <a:avLst/>
+          </a:prstGeom>
+          <a:noFill/>
+          <a:ln w="12700">
+            <a:solidFill>
+              <a:prstClr val="black"/>
+            </a:solidFill>
+          </a:ln>
+        </p:spPr>
+        <p:txBody>
+          <a:bodyPr vert="horz" lIns="91440" tIns="45720" rIns="91440" bIns="45720" rtlCol="0" anchor="ctr"/>
+          <a:lstStyle/>
+          <a:p>
+            <a:endParaRPr lang="en-US"/>
+          </a:p>
+        </p:txBody>
+      </p:sp>
+      <p:sp>
+        <p:nvSpPr>
+          <p:cNvPr id="5" name="Notes Placeholder 4"/>
+          <p:cNvSpPr>
+            <a:spLocks noGrp="1"/>
+          </p:cNvSpPr>
+          <p:nvPr>
+            <p:ph type="body" sz="quarter" idx="3"/>
+          </p:nvPr>
+        </p:nvSpPr>
+        <p:spPr>
+          <a:xfrm>
+            <a:off x="701675" y="4445000"/>
+            <a:ext cx="5607050" cy="3636963"/>
+          </a:xfrm>
+          <a:prstGeom prst="rect">
+            <a:avLst/>
+          </a:prstGeom>
+        </p:spPr>
+        <p:txBody>
+          <a:bodyPr vert="horz" lIns="91440" tIns="45720" rIns="91440" bIns="45720" rtlCol="0"/>
+          <a:lstStyle/>
+          <a:p>
+            <a:pPr lvl="0"/>
+            <a:r>
+              <a:rPr lang="en-US" smtClean="0"/>
+              <a:t>Click to edit Master text styles</a:t>
+            </a:r>
+          </a:p>
+          <a:p>
+            <a:pPr lvl="1"/>
+            <a:r>
+              <a:rPr lang="en-US" smtClean="0"/>
+              <a:t>Second level</a:t>
+            </a:r>
+          </a:p>
+          <a:p>
+            <a:pPr lvl="2"/>
+            <a:r>
+              <a:rPr lang="en-US" smtClean="0"/>
+              <a:t>Third level</a:t>
+            </a:r>
+          </a:p>
+          <a:p>
+            <a:pPr lvl="3"/>
+            <a:r>
+              <a:rPr lang="en-US" smtClean="0"/>
+              <a:t>Fourth level</a:t>
+            </a:r>
+          </a:p>
+          <a:p>
+            <a:pPr lvl="4"/>
+            <a:r>
+              <a:rPr lang="en-US" smtClean="0"/>
+              <a:t>Fifth level</a:t>
+            </a:r>
+            <a:endParaRPr lang="en-US"/>
+          </a:p>
+        </p:txBody>
+      </p:sp>
+      <p:sp>
+        <p:nvSpPr>
+          <p:cNvPr id="6" name="Footer Placeholder 5"/>
+          <p:cNvSpPr>
+            <a:spLocks noGrp="1"/>
+          </p:cNvSpPr>
+          <p:nvPr>
+            <p:ph type="ftr" sz="quarter" idx="4"/>
+          </p:nvPr>
+        </p:nvSpPr>
+        <p:spPr>
+          <a:xfrm>
+            <a:off x="0" y="8772525"/>
+            <a:ext cx="3038475" cy="463550"/>
+          </a:xfrm>
+          <a:prstGeom prst="rect">
+            <a:avLst/>
+          </a:prstGeom>
+        </p:spPr>
+        <p:txBody>
+          <a:bodyPr vert="horz" lIns="91440" tIns="45720" rIns="91440" bIns="45720" rtlCol="0" anchor="b"/>
+          <a:lstStyle>
+            <a:lvl1pPr algn="l">
+              <a:defRPr sz="1200"/>
+            </a:lvl1pPr>
+          </a:lstStyle>
+          <a:p>
+            <a:endParaRPr lang="en-US"/>
+          </a:p>
+        </p:txBody>
+      </p:sp>
+      <p:sp>
+        <p:nvSpPr>
+          <p:cNvPr id="7" name="Slide Number Placeholder 6"/>
+          <p:cNvSpPr>
+            <a:spLocks noGrp="1"/>
+          </p:cNvSpPr>
+          <p:nvPr>
+            <p:ph type="sldNum" sz="quarter" idx="5"/>
+          </p:nvPr>
+        </p:nvSpPr>
+        <p:spPr>
+          <a:xfrm>
+            <a:off x="3970338" y="8772525"/>
+            <a:ext cx="3038475" cy="463550"/>
+          </a:xfrm>
+          <a:prstGeom prst="rect">
+            <a:avLst/>
+          </a:prstGeom>
+        </p:spPr>
+        <p:txBody>
+          <a:bodyPr vert="horz" lIns="91440" tIns="45720" rIns="91440" bIns="45720" rtlCol="0" anchor="b"/>
+          <a:lstStyle>
+            <a:lvl1pPr algn="r">
+              <a:defRPr sz="1200"/>
+            </a:lvl1pPr>
+          </a:lstStyle>
+          <a:p>
+            <a:fld id="{B6E2BA9F-545E-456E-B4F4-72689F07CA3A}" type="slidenum">
+              <a:rPr lang="en-US" smtClean="0"/>
+              <a:t>‹#›</a:t>
+            </a:fld>
+            <a:endParaRPr lang="en-US"/>
+          </a:p>
+        </p:txBody>
+      </p:sp>
+    </p:spTree>
+    <p:extLst>
+      <p:ext uri="{BB962C8B-B14F-4D97-AF65-F5344CB8AC3E}">
+        <p14:creationId xmlns:p14="http://schemas.microsoft.com/office/powerpoint/2010/main" val="3755384898"/>
+      </p:ext>
+    </p:extLst>
+  </p:cSld>
+  <p:clrMap bg1="lt1" tx1="dk1" bg2="lt2" tx2="dk2" accent1="accent1" accent2="accent2" accent3="accent3" accent4="accent4" accent5="accent5" accent6="accent6" hlink="hlink" folHlink="folHlink"/>
+  <p:notesStyle>
+    <a:lvl1pPr marL="0" algn="l" defTabSz="914400" rtl="0" eaLnBrk="1" latinLnBrk="0" hangingPunct="1">
+      <a:defRPr sz="1200" kern="1200">
+        <a:solidFill>
+          <a:schemeClr val="tx1"/>
+        </a:solidFill>
+        <a:latin typeface="+mn-lt"/>
+        <a:ea typeface="+mn-ea"/>
+        <a:cs typeface="+mn-cs"/>
+      </a:defRPr>
+    </a:lvl1pPr>
+    <a:lvl2pPr marL="457200" algn="l" defTabSz="914400" rtl="0" eaLnBrk="1" latinLnBrk="0" hangingPunct="1">
+      <a:defRPr sz="1200" kern="1200">
+        <a:solidFill>
+          <a:schemeClr val="tx1"/>
+        </a:solidFill>
+        <a:latin typeface="+mn-lt"/>
+        <a:ea typeface="+mn-ea"/>
+        <a:cs typeface="+mn-cs"/>
+      </a:defRPr>
+    </a:lvl2pPr>
+    <a:lvl3pPr marL="914400" algn="l" defTabSz="914400" rtl="0" eaLnBrk="1" latinLnBrk="0" hangingPunct="1">
+      <a:defRPr sz="1200" kern="1200">
+        <a:solidFill>
+          <a:schemeClr val="tx1"/>
+        </a:solidFill>
+        <a:latin typeface="+mn-lt"/>
+        <a:ea typeface="+mn-ea"/>
+        <a:cs typeface="+mn-cs"/>
+      </a:defRPr>
+    </a:lvl3pPr>
+    <a:lvl4pPr marL="1371600" algn="l" defTabSz="914400" rtl="0" eaLnBrk="1" latinLnBrk="0" hangingPunct="1">
+      <a:defRPr sz="1200" kern="1200">
+        <a:solidFill>
+          <a:schemeClr val="tx1"/>
+        </a:solidFill>
+        <a:latin typeface="+mn-lt"/>
+        <a:ea typeface="+mn-ea"/>
+        <a:cs typeface="+mn-cs"/>
+      </a:defRPr>
+    </a:lvl4pPr>
+    <a:lvl5pPr marL="1828800" algn="l" defTabSz="914400" rtl="0" eaLnBrk="1" latinLnBrk="0" hangingPunct="1">
+      <a:defRPr sz="1200" kern="1200">
+        <a:solidFill>
+          <a:schemeClr val="tx1"/>
+        </a:solidFill>
+        <a:latin typeface="+mn-lt"/>
+        <a:ea typeface="+mn-ea"/>
+        <a:cs typeface="+mn-cs"/>
+      </a:defRPr>
+    </a:lvl5pPr>
+    <a:lvl6pPr marL="2286000" algn="l" defTabSz="914400" rtl="0" eaLnBrk="1" latinLnBrk="0" hangingPunct="1">
+      <a:defRPr sz="1200" kern="1200">
+        <a:solidFill>
+          <a:schemeClr val="tx1"/>
+        </a:solidFill>
+        <a:latin typeface="+mn-lt"/>
+        <a:ea typeface="+mn-ea"/>
+        <a:cs typeface="+mn-cs"/>
+      </a:defRPr>
+    </a:lvl6pPr>
+    <a:lvl7pPr marL="2743200" algn="l" defTabSz="914400" rtl="0" eaLnBrk="1" latinLnBrk="0" hangingPunct="1">
+      <a:defRPr sz="1200" kern="1200">
+        <a:solidFill>
+          <a:schemeClr val="tx1"/>
+        </a:solidFill>
+        <a:latin typeface="+mn-lt"/>
+        <a:ea typeface="+mn-ea"/>
+        <a:cs typeface="+mn-cs"/>
+      </a:defRPr>
+    </a:lvl7pPr>
+    <a:lvl8pPr marL="3200400" algn="l" defTabSz="914400" rtl="0" eaLnBrk="1" latinLnBrk="0" hangingPunct="1">
+      <a:defRPr sz="1200" kern="1200">
+        <a:solidFill>
+          <a:schemeClr val="tx1"/>
+        </a:solidFill>
+        <a:latin typeface="+mn-lt"/>
+        <a:ea typeface="+mn-ea"/>
+        <a:cs typeface="+mn-cs"/>
+      </a:defRPr>
+    </a:lvl8pPr>
+    <a:lvl9pPr marL="3657600" algn="l" defTabSz="914400" rtl="0" eaLnBrk="1" latinLnBrk="0" hangingPunct="1">
+      <a:defRPr sz="1200" kern="1200">
+        <a:solidFill>
+          <a:schemeClr val="tx1"/>
+        </a:solidFill>
+        <a:latin typeface="+mn-lt"/>
+        <a:ea typeface="+mn-ea"/>
+        <a:cs typeface="+mn-cs"/>
+      </a:defRPr>
+    </a:lvl9pPr>
+  </p:notesStyle>
+</p:notesMaster>
+</file>
+
+<file path=ppt/notesSlides/notesSlide1.xml><?xml version="1.0" encoding="utf-8"?>
+<p:notes xmlns:a="http://schemas.openxmlformats.org/drawingml/2006/main" xmlns:r="http://schemas.openxmlformats.org/officeDocument/2006/relationships" xmlns:p="http://schemas.openxmlformats.org/presentationml/2006/main">
+  <p:cSld>
+    <p:spTree>
+      <p:nvGrpSpPr>
+        <p:cNvPr id="1" name=""/>
+        <p:cNvGrpSpPr/>
+        <p:nvPr/>
+      </p:nvGrpSpPr>
+      <p:grpSpPr>
+        <a:xfrm>
+          <a:off x="0" y="0"/>
+          <a:ext cx="0" cy="0"/>
+          <a:chOff x="0" y="0"/>
+          <a:chExt cx="0" cy="0"/>
+        </a:xfrm>
+      </p:grpSpPr>
+      <p:sp>
+        <p:nvSpPr>
+          <p:cNvPr id="2" name="Slide Image Placeholder 1"/>
+          <p:cNvSpPr>
+            <a:spLocks noGrp="1" noRot="1" noChangeAspect="1"/>
+          </p:cNvSpPr>
+          <p:nvPr>
+            <p:ph type="sldImg"/>
+          </p:nvPr>
+        </p:nvSpPr>
+        <p:spPr/>
+      </p:sp>
+      <p:sp>
+        <p:nvSpPr>
+          <p:cNvPr id="3" name="Notes Placeholder 2"/>
+          <p:cNvSpPr>
+            <a:spLocks noGrp="1"/>
+          </p:cNvSpPr>
+          <p:nvPr>
+            <p:ph type="body" idx="1"/>
+          </p:nvPr>
+        </p:nvSpPr>
+        <p:spPr/>
+        <p:txBody>
+          <a:bodyPr/>
+          <a:lstStyle/>
+          <a:p>
+            <a:endParaRPr lang="en-US" dirty="0"/>
+          </a:p>
+        </p:txBody>
+      </p:sp>
+      <p:sp>
+        <p:nvSpPr>
+          <p:cNvPr id="4" name="Slide Number Placeholder 3"/>
+          <p:cNvSpPr>
+            <a:spLocks noGrp="1"/>
+          </p:cNvSpPr>
+          <p:nvPr>
+            <p:ph type="sldNum" sz="quarter" idx="10"/>
+          </p:nvPr>
+        </p:nvSpPr>
+        <p:spPr/>
+        <p:txBody>
+          <a:bodyPr/>
+          <a:lstStyle/>
+          <a:p>
+            <a:fld id="{B6E2BA9F-545E-456E-B4F4-72689F07CA3A}" type="slidenum">
+              <a:rPr lang="en-US" smtClean="0"/>
+              <a:t>1</a:t>
+            </a:fld>
+            <a:endParaRPr lang="en-US"/>
+          </a:p>
+        </p:txBody>
+      </p:sp>
+    </p:spTree>
+    <p:extLst>
+      <p:ext uri="{BB962C8B-B14F-4D97-AF65-F5344CB8AC3E}">
+        <p14:creationId xmlns:p14="http://schemas.microsoft.com/office/powerpoint/2010/main" val="3586539895"/>
+      </p:ext>
+    </p:extLst>
+  </p:cSld>
+  <p:clrMapOvr>
+    <a:masterClrMapping/>
+  </p:clrMapOvr>
+</p:notes>
 </file>
 
 <file path=ppt/slideLayouts/slideLayout1.xml><?xml version="1.0" encoding="utf-8"?>
@@ -295,7 +750,7 @@
           <a:p>
             <a:fld id="{837CB51B-EB14-4160-B927-04031DCD17B2}" type="datetimeFigureOut">
               <a:rPr lang="en-US" smtClean="0"/>
-              <a:t>5/19/2016</a:t>
+              <a:t>7/27/2017</a:t>
             </a:fld>
             <a:endParaRPr lang="en-US"/>
           </a:p>
@@ -465,7 +920,7 @@
           <a:p>
             <a:fld id="{837CB51B-EB14-4160-B927-04031DCD17B2}" type="datetimeFigureOut">
               <a:rPr lang="en-US" smtClean="0"/>
-              <a:t>5/19/2016</a:t>
+              <a:t>7/27/2017</a:t>
             </a:fld>
             <a:endParaRPr lang="en-US"/>
           </a:p>
@@ -645,7 +1100,7 @@
           <a:p>
             <a:fld id="{837CB51B-EB14-4160-B927-04031DCD17B2}" type="datetimeFigureOut">
               <a:rPr lang="en-US" smtClean="0"/>
-              <a:t>5/19/2016</a:t>
+              <a:t>7/27/2017</a:t>
             </a:fld>
             <a:endParaRPr lang="en-US"/>
           </a:p>
@@ -815,7 +1270,7 @@
           <a:p>
             <a:fld id="{837CB51B-EB14-4160-B927-04031DCD17B2}" type="datetimeFigureOut">
               <a:rPr lang="en-US" smtClean="0"/>
-              <a:t>5/19/2016</a:t>
+              <a:t>7/27/2017</a:t>
             </a:fld>
             <a:endParaRPr lang="en-US"/>
           </a:p>
@@ -1061,7 +1516,7 @@
           <a:p>
             <a:fld id="{837CB51B-EB14-4160-B927-04031DCD17B2}" type="datetimeFigureOut">
               <a:rPr lang="en-US" smtClean="0"/>
-              <a:t>5/19/2016</a:t>
+              <a:t>7/27/2017</a:t>
             </a:fld>
             <a:endParaRPr lang="en-US"/>
           </a:p>
@@ -1349,7 +1804,7 @@
           <a:p>
             <a:fld id="{837CB51B-EB14-4160-B927-04031DCD17B2}" type="datetimeFigureOut">
               <a:rPr lang="en-US" smtClean="0"/>
-              <a:t>5/19/2016</a:t>
+              <a:t>7/27/2017</a:t>
             </a:fld>
             <a:endParaRPr lang="en-US"/>
           </a:p>
@@ -1771,7 +2226,7 @@
           <a:p>
             <a:fld id="{837CB51B-EB14-4160-B927-04031DCD17B2}" type="datetimeFigureOut">
               <a:rPr lang="en-US" smtClean="0"/>
-              <a:t>5/19/2016</a:t>
+              <a:t>7/27/2017</a:t>
             </a:fld>
             <a:endParaRPr lang="en-US"/>
           </a:p>
@@ -1889,7 +2344,7 @@
           <a:p>
             <a:fld id="{837CB51B-EB14-4160-B927-04031DCD17B2}" type="datetimeFigureOut">
               <a:rPr lang="en-US" smtClean="0"/>
-              <a:t>5/19/2016</a:t>
+              <a:t>7/27/2017</a:t>
             </a:fld>
             <a:endParaRPr lang="en-US"/>
           </a:p>
@@ -1984,7 +2439,7 @@
           <a:p>
             <a:fld id="{837CB51B-EB14-4160-B927-04031DCD17B2}" type="datetimeFigureOut">
               <a:rPr lang="en-US" smtClean="0"/>
-              <a:t>5/19/2016</a:t>
+              <a:t>7/27/2017</a:t>
             </a:fld>
             <a:endParaRPr lang="en-US"/>
           </a:p>
@@ -2261,7 +2716,7 @@
           <a:p>
             <a:fld id="{837CB51B-EB14-4160-B927-04031DCD17B2}" type="datetimeFigureOut">
               <a:rPr lang="en-US" smtClean="0"/>
-              <a:t>5/19/2016</a:t>
+              <a:t>7/27/2017</a:t>
             </a:fld>
             <a:endParaRPr lang="en-US"/>
           </a:p>
@@ -2514,7 +2969,7 @@
           <a:p>
             <a:fld id="{837CB51B-EB14-4160-B927-04031DCD17B2}" type="datetimeFigureOut">
               <a:rPr lang="en-US" smtClean="0"/>
-              <a:t>5/19/2016</a:t>
+              <a:t>7/27/2017</a:t>
             </a:fld>
             <a:endParaRPr lang="en-US"/>
           </a:p>
@@ -2727,7 +3182,7 @@
           <a:p>
             <a:fld id="{837CB51B-EB14-4160-B927-04031DCD17B2}" type="datetimeFigureOut">
               <a:rPr lang="en-US" smtClean="0"/>
-              <a:t>5/19/2016</a:t>
+              <a:t>7/27/2017</a:t>
             </a:fld>
             <a:endParaRPr lang="en-US"/>
           </a:p>
@@ -3104,14 +3559,14 @@
       </p:grpSpPr>
       <p:sp>
         <p:nvSpPr>
-          <p:cNvPr id="4" name="Rounded Rectangle 3"/>
+          <p:cNvPr id="2" name="Rounded Rectangle 1"/>
           <p:cNvSpPr/>
           <p:nvPr/>
         </p:nvSpPr>
         <p:spPr>
           <a:xfrm>
-            <a:off x="2035629" y="1393615"/>
-            <a:ext cx="4191000" cy="533400"/>
+            <a:off x="4661352" y="1750357"/>
+            <a:ext cx="2738749" cy="657028"/>
           </a:xfrm>
           <a:prstGeom prst="roundRect">
             <a:avLst/>
@@ -3119,13 +3574,13 @@
         </p:spPr>
         <p:style>
           <a:lnRef idx="1">
-            <a:schemeClr val="accent5"/>
+            <a:schemeClr val="accent3"/>
           </a:lnRef>
           <a:fillRef idx="2">
-            <a:schemeClr val="accent5"/>
+            <a:schemeClr val="accent3"/>
           </a:fillRef>
           <a:effectRef idx="1">
-            <a:schemeClr val="accent5"/>
+            <a:schemeClr val="accent3"/>
           </a:effectRef>
           <a:fontRef idx="minor">
             <a:schemeClr val="dk1"/>
@@ -3138,7 +3593,22 @@
             <a:pPr algn="ctr"/>
             <a:r>
               <a:rPr lang="en-US" dirty="0" smtClean="0"/>
-              <a:t>Servlet Engine</a:t>
+              <a:t>User Display</a:t>
+            </a:r>
+          </a:p>
+          <a:p>
+            <a:pPr algn="ctr"/>
+            <a:r>
+              <a:rPr lang="en-US" dirty="0"/>
+              <a:t>(</a:t>
+            </a:r>
+            <a:r>
+              <a:rPr lang="en-US" dirty="0" err="1"/>
+              <a:t>displayForm</a:t>
+            </a:r>
+            <a:r>
+              <a:rPr lang="en-US" dirty="0"/>
+              <a:t>)</a:t>
             </a:r>
             <a:endParaRPr lang="en-US" dirty="0"/>
           </a:p>
@@ -3146,14 +3616,14 @@
       </p:sp>
       <p:sp>
         <p:nvSpPr>
-          <p:cNvPr id="5" name="Rounded Rectangle 4"/>
+          <p:cNvPr id="3" name="Rounded Rectangle 2"/>
           <p:cNvSpPr/>
           <p:nvPr/>
         </p:nvSpPr>
         <p:spPr>
           <a:xfrm>
-            <a:off x="2035628" y="3139782"/>
-            <a:ext cx="4845845" cy="1905000"/>
+            <a:off x="1487279" y="1733765"/>
+            <a:ext cx="3174073" cy="685800"/>
           </a:xfrm>
           <a:prstGeom prst="roundRect">
             <a:avLst/>
@@ -3161,41 +3631,56 @@
         </p:spPr>
         <p:style>
           <a:lnRef idx="1">
-            <a:schemeClr val="accent5"/>
+            <a:schemeClr val="accent3"/>
           </a:lnRef>
           <a:fillRef idx="2">
-            <a:schemeClr val="accent5"/>
+            <a:schemeClr val="accent3"/>
           </a:fillRef>
           <a:effectRef idx="1">
-            <a:schemeClr val="accent5"/>
+            <a:schemeClr val="accent3"/>
           </a:effectRef>
           <a:fontRef idx="minor">
             <a:schemeClr val="dk1"/>
           </a:fontRef>
         </p:style>
         <p:txBody>
-          <a:bodyPr rtlCol="0" anchor="t" anchorCtr="0"/>
-          <a:lstStyle/>
-          <a:p>
-            <a:pPr algn="ctr"/>
-            <a:r>
-              <a:rPr lang="en-US" sz="2400" b="1" dirty="0" err="1" smtClean="0"/>
-              <a:t>LightweightAuthServlet</a:t>
-            </a:r>
-            <a:endParaRPr lang="en-US" sz="2400" b="1" dirty="0"/>
-          </a:p>
-        </p:txBody>
-      </p:sp>
-      <p:sp>
-        <p:nvSpPr>
-          <p:cNvPr id="7" name="Rounded Rectangle 6"/>
+          <a:bodyPr rtlCol="0" anchor="ctr"/>
+          <a:lstStyle/>
+          <a:p>
+            <a:pPr algn="ctr"/>
+            <a:r>
+              <a:rPr lang="en-US" dirty="0" smtClean="0"/>
+              <a:t>Login Screen</a:t>
+            </a:r>
+          </a:p>
+          <a:p>
+            <a:pPr algn="ctr"/>
+            <a:r>
+              <a:rPr lang="en-US" dirty="0" smtClean="0"/>
+              <a:t>(</a:t>
+            </a:r>
+            <a:r>
+              <a:rPr lang="en-US" dirty="0" err="1" smtClean="0"/>
+              <a:t>displayForm</a:t>
+            </a:r>
+            <a:r>
+              <a:rPr lang="en-US" dirty="0" smtClean="0"/>
+              <a:t>)</a:t>
+            </a:r>
+            <a:endParaRPr lang="en-US" dirty="0"/>
+          </a:p>
+        </p:txBody>
+      </p:sp>
+      <p:sp>
+        <p:nvSpPr>
+          <p:cNvPr id="4" name="Rounded Rectangle 3"/>
           <p:cNvSpPr/>
           <p:nvPr/>
         </p:nvSpPr>
         <p:spPr>
           <a:xfrm>
-            <a:off x="380998" y="5356015"/>
-            <a:ext cx="6400801" cy="1219200"/>
+            <a:off x="5525880" y="3567674"/>
+            <a:ext cx="1905000" cy="685800"/>
           </a:xfrm>
           <a:prstGeom prst="roundRect">
             <a:avLst/>
@@ -3203,40 +3688,258 @@
         </p:spPr>
         <p:style>
           <a:lnRef idx="1">
-            <a:schemeClr val="accent5"/>
+            <a:schemeClr val="accent3"/>
           </a:lnRef>
           <a:fillRef idx="2">
-            <a:schemeClr val="accent5"/>
+            <a:schemeClr val="accent3"/>
           </a:fillRef>
           <a:effectRef idx="1">
-            <a:schemeClr val="accent5"/>
+            <a:schemeClr val="accent3"/>
           </a:effectRef>
           <a:fontRef idx="minor">
             <a:schemeClr val="dk1"/>
           </a:fontRef>
         </p:style>
         <p:txBody>
-          <a:bodyPr rtlCol="0" anchor="t" anchorCtr="0"/>
-          <a:lstStyle/>
-          <a:p>
-            <a:r>
-              <a:rPr lang="en-US" sz="2400" b="1" dirty="0" err="1" smtClean="0"/>
-              <a:t>AuthStatus</a:t>
-            </a:r>
-            <a:endParaRPr lang="en-US" sz="2400" b="1" dirty="0"/>
-          </a:p>
-        </p:txBody>
-      </p:sp>
-      <p:sp>
-        <p:nvSpPr>
-          <p:cNvPr id="10" name="Rounded Rectangle 9"/>
+          <a:bodyPr rtlCol="0" anchor="ctr"/>
+          <a:lstStyle/>
+          <a:p>
+            <a:pPr algn="ctr"/>
+            <a:r>
+              <a:rPr lang="en-US" dirty="0" smtClean="0"/>
+              <a:t>Change Password</a:t>
+            </a:r>
+          </a:p>
+          <a:p>
+            <a:pPr algn="ctr"/>
+            <a:r>
+              <a:rPr lang="en-US" dirty="0" smtClean="0"/>
+              <a:t>(</a:t>
+            </a:r>
+            <a:r>
+              <a:rPr lang="en-US" dirty="0" err="1" smtClean="0"/>
+              <a:t>passwordForm</a:t>
+            </a:r>
+            <a:r>
+              <a:rPr lang="en-US" dirty="0" smtClean="0"/>
+              <a:t>)</a:t>
+            </a:r>
+            <a:endParaRPr lang="en-US" dirty="0"/>
+          </a:p>
+        </p:txBody>
+      </p:sp>
+      <p:sp>
+        <p:nvSpPr>
+          <p:cNvPr id="5" name="Freeform 4"/>
           <p:cNvSpPr/>
           <p:nvPr/>
         </p:nvSpPr>
         <p:spPr>
           <a:xfrm>
-            <a:off x="458586" y="3744103"/>
-            <a:ext cx="1167245" cy="455221"/>
+            <a:off x="3507092" y="1209507"/>
+            <a:ext cx="2052221" cy="405921"/>
+          </a:xfrm>
+          <a:custGeom>
+            <a:avLst/>
+            <a:gdLst>
+              <a:gd name="connsiteX0" fmla="*/ 0 w 1908313"/>
+              <a:gd name="connsiteY0" fmla="*/ 318071 h 357828"/>
+              <a:gd name="connsiteX1" fmla="*/ 185531 w 1908313"/>
+              <a:gd name="connsiteY1" fmla="*/ 238558 h 357828"/>
+              <a:gd name="connsiteX2" fmla="*/ 675861 w 1908313"/>
+              <a:gd name="connsiteY2" fmla="*/ 26524 h 357828"/>
+              <a:gd name="connsiteX3" fmla="*/ 1258957 w 1908313"/>
+              <a:gd name="connsiteY3" fmla="*/ 39776 h 357828"/>
+              <a:gd name="connsiteX4" fmla="*/ 1908313 w 1908313"/>
+              <a:gd name="connsiteY4" fmla="*/ 357828 h 357828"/>
+            </a:gdLst>
+            <a:ahLst/>
+            <a:cxnLst>
+              <a:cxn ang="0">
+                <a:pos x="connsiteX0" y="connsiteY0"/>
+              </a:cxn>
+              <a:cxn ang="0">
+                <a:pos x="connsiteX1" y="connsiteY1"/>
+              </a:cxn>
+              <a:cxn ang="0">
+                <a:pos x="connsiteX2" y="connsiteY2"/>
+              </a:cxn>
+              <a:cxn ang="0">
+                <a:pos x="connsiteX3" y="connsiteY3"/>
+              </a:cxn>
+              <a:cxn ang="0">
+                <a:pos x="connsiteX4" y="connsiteY4"/>
+              </a:cxn>
+            </a:cxnLst>
+            <a:rect l="l" t="t" r="r" b="b"/>
+            <a:pathLst>
+              <a:path w="1908313" h="357828">
+                <a:moveTo>
+                  <a:pt x="0" y="318071"/>
+                </a:moveTo>
+                <a:lnTo>
+                  <a:pt x="185531" y="238558"/>
+                </a:lnTo>
+                <a:cubicBezTo>
+                  <a:pt x="298175" y="189967"/>
+                  <a:pt x="496957" y="59654"/>
+                  <a:pt x="675861" y="26524"/>
+                </a:cubicBezTo>
+                <a:cubicBezTo>
+                  <a:pt x="854765" y="-6606"/>
+                  <a:pt x="1053548" y="-15441"/>
+                  <a:pt x="1258957" y="39776"/>
+                </a:cubicBezTo>
+                <a:cubicBezTo>
+                  <a:pt x="1464366" y="94993"/>
+                  <a:pt x="1686339" y="226410"/>
+                  <a:pt x="1908313" y="357828"/>
+                </a:cubicBezTo>
+              </a:path>
+            </a:pathLst>
+          </a:custGeom>
+          <a:noFill/>
+          <a:ln>
+            <a:headEnd type="none" w="med" len="med"/>
+            <a:tailEnd type="arrow" w="med" len="med"/>
+          </a:ln>
+        </p:spPr>
+        <p:style>
+          <a:lnRef idx="2">
+            <a:schemeClr val="accent1">
+              <a:shade val="50000"/>
+            </a:schemeClr>
+          </a:lnRef>
+          <a:fillRef idx="1">
+            <a:schemeClr val="accent1"/>
+          </a:fillRef>
+          <a:effectRef idx="0">
+            <a:schemeClr val="accent1"/>
+          </a:effectRef>
+          <a:fontRef idx="minor">
+            <a:schemeClr val="lt1"/>
+          </a:fontRef>
+        </p:style>
+        <p:txBody>
+          <a:bodyPr rtlCol="0" anchor="ctr"/>
+          <a:lstStyle/>
+          <a:p>
+            <a:pPr algn="ctr"/>
+            <a:endParaRPr lang="en-US"/>
+          </a:p>
+        </p:txBody>
+      </p:sp>
+      <p:sp>
+        <p:nvSpPr>
+          <p:cNvPr id="6" name="Freeform 5"/>
+          <p:cNvSpPr/>
+          <p:nvPr/>
+        </p:nvSpPr>
+        <p:spPr>
+          <a:xfrm flipH="1" flipV="1">
+            <a:off x="3473092" y="2467614"/>
+            <a:ext cx="2062633" cy="463734"/>
+          </a:xfrm>
+          <a:custGeom>
+            <a:avLst/>
+            <a:gdLst>
+              <a:gd name="connsiteX0" fmla="*/ 0 w 1908313"/>
+              <a:gd name="connsiteY0" fmla="*/ 318071 h 357828"/>
+              <a:gd name="connsiteX1" fmla="*/ 185531 w 1908313"/>
+              <a:gd name="connsiteY1" fmla="*/ 238558 h 357828"/>
+              <a:gd name="connsiteX2" fmla="*/ 675861 w 1908313"/>
+              <a:gd name="connsiteY2" fmla="*/ 26524 h 357828"/>
+              <a:gd name="connsiteX3" fmla="*/ 1258957 w 1908313"/>
+              <a:gd name="connsiteY3" fmla="*/ 39776 h 357828"/>
+              <a:gd name="connsiteX4" fmla="*/ 1908313 w 1908313"/>
+              <a:gd name="connsiteY4" fmla="*/ 357828 h 357828"/>
+            </a:gdLst>
+            <a:ahLst/>
+            <a:cxnLst>
+              <a:cxn ang="0">
+                <a:pos x="connsiteX0" y="connsiteY0"/>
+              </a:cxn>
+              <a:cxn ang="0">
+                <a:pos x="connsiteX1" y="connsiteY1"/>
+              </a:cxn>
+              <a:cxn ang="0">
+                <a:pos x="connsiteX2" y="connsiteY2"/>
+              </a:cxn>
+              <a:cxn ang="0">
+                <a:pos x="connsiteX3" y="connsiteY3"/>
+              </a:cxn>
+              <a:cxn ang="0">
+                <a:pos x="connsiteX4" y="connsiteY4"/>
+              </a:cxn>
+            </a:cxnLst>
+            <a:rect l="l" t="t" r="r" b="b"/>
+            <a:pathLst>
+              <a:path w="1908313" h="357828">
+                <a:moveTo>
+                  <a:pt x="0" y="318071"/>
+                </a:moveTo>
+                <a:lnTo>
+                  <a:pt x="185531" y="238558"/>
+                </a:lnTo>
+                <a:cubicBezTo>
+                  <a:pt x="298175" y="189967"/>
+                  <a:pt x="496957" y="59654"/>
+                  <a:pt x="675861" y="26524"/>
+                </a:cubicBezTo>
+                <a:cubicBezTo>
+                  <a:pt x="854765" y="-6606"/>
+                  <a:pt x="1053548" y="-15441"/>
+                  <a:pt x="1258957" y="39776"/>
+                </a:cubicBezTo>
+                <a:cubicBezTo>
+                  <a:pt x="1464366" y="94993"/>
+                  <a:pt x="1686339" y="226410"/>
+                  <a:pt x="1908313" y="357828"/>
+                </a:cubicBezTo>
+              </a:path>
+            </a:pathLst>
+          </a:custGeom>
+          <a:noFill/>
+          <a:ln>
+            <a:headEnd type="none" w="med" len="med"/>
+            <a:tailEnd type="arrow" w="med" len="med"/>
+          </a:ln>
+        </p:spPr>
+        <p:style>
+          <a:lnRef idx="2">
+            <a:schemeClr val="accent1">
+              <a:shade val="50000"/>
+            </a:schemeClr>
+          </a:lnRef>
+          <a:fillRef idx="1">
+            <a:schemeClr val="accent1"/>
+          </a:fillRef>
+          <a:effectRef idx="0">
+            <a:schemeClr val="accent1"/>
+          </a:effectRef>
+          <a:fontRef idx="minor">
+            <a:schemeClr val="lt1"/>
+          </a:fontRef>
+        </p:style>
+        <p:txBody>
+          <a:bodyPr rtlCol="0" anchor="ctr"/>
+          <a:lstStyle/>
+          <a:p>
+            <a:pPr algn="ctr"/>
+            <a:endParaRPr lang="en-US"/>
+          </a:p>
+        </p:txBody>
+      </p:sp>
+      <p:sp>
+        <p:nvSpPr>
+          <p:cNvPr id="7" name="Rounded Rectangle 6"/>
+          <p:cNvSpPr/>
+          <p:nvPr/>
+        </p:nvSpPr>
+        <p:spPr>
+          <a:xfrm>
+            <a:off x="1535280" y="2818075"/>
+            <a:ext cx="2007702" cy="685800"/>
           </a:xfrm>
           <a:prstGeom prst="roundRect">
             <a:avLst/>
@@ -3244,271 +3947,373 @@
         </p:spPr>
         <p:style>
           <a:lnRef idx="1">
-            <a:schemeClr val="accent6"/>
+            <a:schemeClr val="accent3"/>
           </a:lnRef>
           <a:fillRef idx="2">
-            <a:schemeClr val="accent6"/>
+            <a:schemeClr val="accent3"/>
           </a:fillRef>
           <a:effectRef idx="1">
-            <a:schemeClr val="accent6"/>
+            <a:schemeClr val="accent3"/>
           </a:effectRef>
           <a:fontRef idx="minor">
             <a:schemeClr val="dk1"/>
           </a:fontRef>
         </p:style>
         <p:txBody>
-          <a:bodyPr rtlCol="0" anchor="t" anchorCtr="0"/>
+          <a:bodyPr rtlCol="0" anchor="ctr"/>
           <a:lstStyle/>
           <a:p>
             <a:pPr algn="ctr"/>
             <a:r>
               <a:rPr lang="en-US" dirty="0" smtClean="0"/>
-              <a:t>Session</a:t>
+              <a:t>Request Email</a:t>
+            </a:r>
+          </a:p>
+          <a:p>
+            <a:pPr algn="ctr"/>
+            <a:r>
+              <a:rPr lang="en-US" dirty="0" smtClean="0"/>
+              <a:t>(</a:t>
+            </a:r>
+            <a:r>
+              <a:rPr lang="en-US" dirty="0" err="1" smtClean="0"/>
+              <a:t>requestForm</a:t>
+            </a:r>
+            <a:r>
+              <a:rPr lang="en-US" dirty="0" smtClean="0"/>
+              <a:t>)</a:t>
             </a:r>
             <a:endParaRPr lang="en-US" dirty="0"/>
+          </a:p>
+        </p:txBody>
+      </p:sp>
+      <p:sp>
+        <p:nvSpPr>
+          <p:cNvPr id="8" name="Rounded Rectangle 7"/>
+          <p:cNvSpPr/>
+          <p:nvPr/>
+        </p:nvSpPr>
+        <p:spPr>
+          <a:xfrm>
+            <a:off x="1522543" y="4547104"/>
+            <a:ext cx="2007703" cy="685800"/>
+          </a:xfrm>
+          <a:prstGeom prst="roundRect">
+            <a:avLst/>
+          </a:prstGeom>
+        </p:spPr>
+        <p:style>
+          <a:lnRef idx="1">
+            <a:schemeClr val="accent3"/>
+          </a:lnRef>
+          <a:fillRef idx="2">
+            <a:schemeClr val="accent3"/>
+          </a:fillRef>
+          <a:effectRef idx="1">
+            <a:schemeClr val="accent3"/>
+          </a:effectRef>
+          <a:fontRef idx="minor">
+            <a:schemeClr val="dk1"/>
+          </a:fontRef>
+        </p:style>
+        <p:txBody>
+          <a:bodyPr rtlCol="0" anchor="ctr"/>
+          <a:lstStyle/>
+          <a:p>
+            <a:pPr algn="ctr"/>
+            <a:r>
+              <a:rPr lang="en-US" dirty="0" smtClean="0"/>
+              <a:t>Enter Token</a:t>
+            </a:r>
+          </a:p>
+          <a:p>
+            <a:pPr algn="ctr"/>
+            <a:r>
+              <a:rPr lang="en-US" dirty="0"/>
+              <a:t>(</a:t>
+            </a:r>
+            <a:r>
+              <a:rPr lang="en-US" dirty="0" err="1" smtClean="0"/>
+              <a:t>confirmForm</a:t>
+            </a:r>
+            <a:r>
+              <a:rPr lang="en-US" dirty="0" smtClean="0"/>
+              <a:t>)</a:t>
+            </a:r>
+            <a:endParaRPr lang="en-US" dirty="0"/>
+          </a:p>
+        </p:txBody>
+      </p:sp>
+      <p:sp>
+        <p:nvSpPr>
+          <p:cNvPr id="9" name="Rounded Rectangle 8"/>
+          <p:cNvSpPr/>
+          <p:nvPr/>
+        </p:nvSpPr>
+        <p:spPr>
+          <a:xfrm>
+            <a:off x="5522566" y="4529156"/>
+            <a:ext cx="2023074" cy="685800"/>
+          </a:xfrm>
+          <a:prstGeom prst="roundRect">
+            <a:avLst/>
+          </a:prstGeom>
+        </p:spPr>
+        <p:style>
+          <a:lnRef idx="1">
+            <a:schemeClr val="accent3"/>
+          </a:lnRef>
+          <a:fillRef idx="2">
+            <a:schemeClr val="accent3"/>
+          </a:fillRef>
+          <a:effectRef idx="1">
+            <a:schemeClr val="accent3"/>
+          </a:effectRef>
+          <a:fontRef idx="minor">
+            <a:schemeClr val="dk1"/>
+          </a:fontRef>
+        </p:style>
+        <p:txBody>
+          <a:bodyPr rtlCol="0" anchor="ctr"/>
+          <a:lstStyle/>
+          <a:p>
+            <a:pPr algn="ctr"/>
+            <a:r>
+              <a:rPr lang="en-US" dirty="0" smtClean="0"/>
+              <a:t>Set Name / Pass</a:t>
+            </a:r>
+          </a:p>
+          <a:p>
+            <a:pPr algn="ctr"/>
+            <a:r>
+              <a:rPr lang="en-US" dirty="0"/>
+              <a:t>(</a:t>
+            </a:r>
+            <a:r>
+              <a:rPr lang="en-US" dirty="0" err="1" smtClean="0"/>
+              <a:t>registerForm</a:t>
+            </a:r>
+            <a:r>
+              <a:rPr lang="en-US" dirty="0" smtClean="0"/>
+              <a:t>)</a:t>
+            </a:r>
+            <a:endParaRPr lang="en-US" dirty="0" smtClean="0"/>
           </a:p>
         </p:txBody>
       </p:sp>
       <p:cxnSp>
         <p:nvCxnSpPr>
-          <p:cNvPr id="14" name="Straight Arrow Connector 13"/>
+          <p:cNvPr id="11" name="Straight Arrow Connector 10"/>
           <p:cNvCxnSpPr/>
           <p:nvPr/>
         </p:nvCxnSpPr>
         <p:spPr>
           <a:xfrm>
-            <a:off x="3547506" y="1927015"/>
-            <a:ext cx="0" cy="1212767"/>
+            <a:off x="2173080" y="2525582"/>
+            <a:ext cx="0" cy="274983"/>
           </a:xfrm>
           <a:prstGeom prst="straightConnector1">
             <a:avLst/>
           </a:prstGeom>
-          <a:ln w="57150">
-            <a:tailEnd type="arrow"/>
+          <a:noFill/>
+          <a:ln>
+            <a:headEnd type="none" w="med" len="med"/>
+            <a:tailEnd type="arrow" w="med" len="med"/>
           </a:ln>
         </p:spPr>
         <p:style>
-          <a:lnRef idx="1">
-            <a:schemeClr val="accent1"/>
+          <a:lnRef idx="2">
+            <a:schemeClr val="accent1">
+              <a:shade val="50000"/>
+            </a:schemeClr>
           </a:lnRef>
-          <a:fillRef idx="0">
+          <a:fillRef idx="1">
             <a:schemeClr val="accent1"/>
           </a:fillRef>
           <a:effectRef idx="0">
             <a:schemeClr val="accent1"/>
           </a:effectRef>
           <a:fontRef idx="minor">
-            <a:schemeClr val="tx1"/>
+            <a:schemeClr val="lt1"/>
           </a:fontRef>
         </p:style>
       </p:cxnSp>
       <p:cxnSp>
         <p:nvCxnSpPr>
-          <p:cNvPr id="16" name="Straight Arrow Connector 15"/>
+          <p:cNvPr id="15" name="Straight Arrow Connector 14"/>
           <p:cNvCxnSpPr/>
           <p:nvPr/>
         </p:nvCxnSpPr>
         <p:spPr>
-          <a:xfrm flipH="1" flipV="1">
-            <a:off x="4722667" y="1927015"/>
-            <a:ext cx="1734" cy="1212768"/>
+          <a:xfrm>
+            <a:off x="5782640" y="2573600"/>
+            <a:ext cx="0" cy="965298"/>
           </a:xfrm>
           <a:prstGeom prst="straightConnector1">
             <a:avLst/>
           </a:prstGeom>
-          <a:ln w="57150">
-            <a:tailEnd type="arrow"/>
+          <a:noFill/>
+          <a:ln>
+            <a:headEnd type="none" w="med" len="med"/>
+            <a:tailEnd type="arrow" w="med" len="med"/>
           </a:ln>
         </p:spPr>
         <p:style>
-          <a:lnRef idx="1">
-            <a:schemeClr val="accent1"/>
+          <a:lnRef idx="2">
+            <a:schemeClr val="accent1">
+              <a:shade val="50000"/>
+            </a:schemeClr>
           </a:lnRef>
-          <a:fillRef idx="0">
+          <a:fillRef idx="1">
             <a:schemeClr val="accent1"/>
           </a:fillRef>
           <a:effectRef idx="0">
             <a:schemeClr val="accent1"/>
           </a:effectRef>
           <a:fontRef idx="minor">
-            <a:schemeClr val="tx1"/>
-          </a:fontRef>
-        </p:style>
-      </p:cxnSp>
-      <p:sp>
-        <p:nvSpPr>
-          <p:cNvPr id="8" name="Rounded Rectangle 7"/>
-          <p:cNvSpPr/>
-          <p:nvPr/>
-        </p:nvSpPr>
-        <p:spPr>
-          <a:xfrm>
-            <a:off x="2963884" y="2295148"/>
-            <a:ext cx="1167245" cy="455221"/>
-          </a:xfrm>
-          <a:prstGeom prst="roundRect">
-            <a:avLst/>
-          </a:prstGeom>
-        </p:spPr>
-        <p:style>
-          <a:lnRef idx="1">
-            <a:schemeClr val="accent6"/>
-          </a:lnRef>
-          <a:fillRef idx="2">
-            <a:schemeClr val="accent6"/>
-          </a:fillRef>
-          <a:effectRef idx="1">
-            <a:schemeClr val="accent6"/>
-          </a:effectRef>
-          <a:fontRef idx="minor">
-            <a:schemeClr val="dk1"/>
-          </a:fontRef>
-        </p:style>
-        <p:txBody>
-          <a:bodyPr rtlCol="0" anchor="t" anchorCtr="0"/>
-          <a:lstStyle/>
-          <a:p>
-            <a:pPr algn="ctr"/>
-            <a:r>
-              <a:rPr lang="en-US" dirty="0" smtClean="0"/>
-              <a:t>Request</a:t>
-            </a:r>
-            <a:endParaRPr lang="en-US" dirty="0"/>
-          </a:p>
-        </p:txBody>
-      </p:sp>
-      <p:sp>
-        <p:nvSpPr>
-          <p:cNvPr id="9" name="Rounded Rectangle 8"/>
-          <p:cNvSpPr/>
-          <p:nvPr/>
-        </p:nvSpPr>
-        <p:spPr>
-          <a:xfrm>
-            <a:off x="4139045" y="2295149"/>
-            <a:ext cx="1167245" cy="455221"/>
-          </a:xfrm>
-          <a:prstGeom prst="roundRect">
-            <a:avLst/>
-          </a:prstGeom>
-        </p:spPr>
-        <p:style>
-          <a:lnRef idx="1">
-            <a:schemeClr val="accent6"/>
-          </a:lnRef>
-          <a:fillRef idx="2">
-            <a:schemeClr val="accent6"/>
-          </a:fillRef>
-          <a:effectRef idx="1">
-            <a:schemeClr val="accent6"/>
-          </a:effectRef>
-          <a:fontRef idx="minor">
-            <a:schemeClr val="dk1"/>
-          </a:fontRef>
-        </p:style>
-        <p:txBody>
-          <a:bodyPr rtlCol="0" anchor="t" anchorCtr="0"/>
-          <a:lstStyle/>
-          <a:p>
-            <a:pPr algn="ctr"/>
-            <a:r>
-              <a:rPr lang="en-US" dirty="0" smtClean="0"/>
-              <a:t>Response</a:t>
-            </a:r>
-            <a:endParaRPr lang="en-US" dirty="0"/>
-          </a:p>
-        </p:txBody>
-      </p:sp>
-      <p:cxnSp>
-        <p:nvCxnSpPr>
-          <p:cNvPr id="21" name="Elbow Connector 20"/>
-          <p:cNvCxnSpPr>
-            <a:endCxn id="10" idx="2"/>
-          </p:cNvCxnSpPr>
-          <p:nvPr/>
-        </p:nvCxnSpPr>
-        <p:spPr>
-          <a:xfrm rot="16200000" flipV="1">
-            <a:off x="712218" y="4529315"/>
-            <a:ext cx="1156694" cy="496711"/>
-          </a:xfrm>
-          <a:prstGeom prst="bentConnector3">
-            <a:avLst>
-              <a:gd name="adj1" fmla="val 64594"/>
-            </a:avLst>
-          </a:prstGeom>
-          <a:ln w="38100">
-            <a:prstDash val="sysDash"/>
-            <a:headEnd type="oval" w="med" len="med"/>
-            <a:tailEnd type="oval" w="med" len="med"/>
-          </a:ln>
-        </p:spPr>
-        <p:style>
-          <a:lnRef idx="1">
-            <a:schemeClr val="accent1"/>
-          </a:lnRef>
-          <a:fillRef idx="0">
-            <a:schemeClr val="accent1"/>
-          </a:fillRef>
-          <a:effectRef idx="0">
-            <a:schemeClr val="accent1"/>
-          </a:effectRef>
-          <a:fontRef idx="minor">
-            <a:schemeClr val="tx1"/>
+            <a:schemeClr val="lt1"/>
           </a:fontRef>
         </p:style>
       </p:cxnSp>
       <p:cxnSp>
         <p:nvCxnSpPr>
-          <p:cNvPr id="26" name="Elbow Connector 25"/>
-          <p:cNvCxnSpPr>
-            <a:stCxn id="10" idx="2"/>
-          </p:cNvCxnSpPr>
+          <p:cNvPr id="17" name="Straight Arrow Connector 16"/>
+          <p:cNvCxnSpPr/>
           <p:nvPr/>
         </p:nvCxnSpPr>
         <p:spPr>
-          <a:xfrm rot="16200000" flipH="1">
-            <a:off x="1335224" y="3906309"/>
-            <a:ext cx="407391" cy="993420"/>
-          </a:xfrm>
-          <a:prstGeom prst="bentConnector2">
-            <a:avLst/>
-          </a:prstGeom>
-          <a:ln w="38100">
-            <a:prstDash val="sysDash"/>
-            <a:headEnd type="oval" w="med" len="med"/>
-            <a:tailEnd type="oval" w="med" len="med"/>
+          <a:xfrm flipV="1">
+            <a:off x="6602149" y="3287162"/>
+            <a:ext cx="245547" cy="251736"/>
+          </a:xfrm>
+          <a:prstGeom prst="straightConnector1">
+            <a:avLst/>
+          </a:prstGeom>
+          <a:noFill/>
+          <a:ln>
+            <a:headEnd type="none" w="med" len="med"/>
+            <a:tailEnd type="arrow" w="med" len="med"/>
           </a:ln>
         </p:spPr>
         <p:style>
-          <a:lnRef idx="1">
-            <a:schemeClr val="accent1"/>
+          <a:lnRef idx="2">
+            <a:schemeClr val="accent1">
+              <a:shade val="50000"/>
+            </a:schemeClr>
           </a:lnRef>
-          <a:fillRef idx="0">
+          <a:fillRef idx="1">
             <a:schemeClr val="accent1"/>
           </a:fillRef>
           <a:effectRef idx="0">
             <a:schemeClr val="accent1"/>
           </a:effectRef>
           <a:fontRef idx="minor">
-            <a:schemeClr val="tx1"/>
+            <a:schemeClr val="lt1"/>
           </a:fontRef>
         </p:style>
       </p:cxnSp>
       <p:sp>
         <p:nvSpPr>
-          <p:cNvPr id="35" name="Rounded Rectangle 34"/>
+          <p:cNvPr id="24" name="TextBox 23"/>
+          <p:cNvSpPr txBox="1"/>
+          <p:nvPr/>
+        </p:nvSpPr>
+        <p:spPr>
+          <a:xfrm>
+            <a:off x="378659" y="1151057"/>
+            <a:ext cx="2171172" cy="584775"/>
+          </a:xfrm>
+          <a:prstGeom prst="rect">
+            <a:avLst/>
+          </a:prstGeom>
+          <a:noFill/>
+        </p:spPr>
+        <p:txBody>
+          <a:bodyPr wrap="none" rtlCol="0">
+            <a:spAutoFit/>
+          </a:bodyPr>
+          <a:lstStyle>
+            <a:defPPr>
+              <a:defRPr lang="en-US"/>
+            </a:defPPr>
+            <a:lvl1pPr>
+              <a:defRPr sz="3200">
+                <a:solidFill>
+                  <a:schemeClr val="bg1">
+                    <a:lumMod val="50000"/>
+                  </a:schemeClr>
+                </a:solidFill>
+              </a:defRPr>
+            </a:lvl1pPr>
+          </a:lstStyle>
+          <a:p>
+            <a:r>
+              <a:rPr lang="en-US" dirty="0"/>
+              <a:t>Anonymous</a:t>
+            </a:r>
+            <a:endParaRPr lang="en-US" dirty="0"/>
+          </a:p>
+        </p:txBody>
+      </p:sp>
+      <p:sp>
+        <p:nvSpPr>
+          <p:cNvPr id="25" name="TextBox 24"/>
+          <p:cNvSpPr txBox="1"/>
+          <p:nvPr/>
+        </p:nvSpPr>
+        <p:spPr>
+          <a:xfrm>
+            <a:off x="6752208" y="1151056"/>
+            <a:ext cx="1796069" cy="584775"/>
+          </a:xfrm>
+          <a:prstGeom prst="rect">
+            <a:avLst/>
+          </a:prstGeom>
+          <a:noFill/>
+        </p:spPr>
+        <p:txBody>
+          <a:bodyPr wrap="none" rtlCol="0">
+            <a:spAutoFit/>
+          </a:bodyPr>
+          <a:lstStyle/>
+          <a:p>
+            <a:r>
+              <a:rPr lang="en-US" sz="3200" dirty="0" smtClean="0">
+                <a:solidFill>
+                  <a:schemeClr val="bg1">
+                    <a:lumMod val="50000"/>
+                  </a:schemeClr>
+                </a:solidFill>
+              </a:rPr>
+              <a:t>Logged In</a:t>
+            </a:r>
+            <a:endParaRPr lang="en-US" sz="3200" dirty="0">
+              <a:solidFill>
+                <a:schemeClr val="bg1">
+                  <a:lumMod val="50000"/>
+                </a:schemeClr>
+              </a:solidFill>
+            </a:endParaRPr>
+          </a:p>
+        </p:txBody>
+      </p:sp>
+      <p:sp>
+        <p:nvSpPr>
+          <p:cNvPr id="26" name="Rounded Rectangle 25"/>
           <p:cNvSpPr/>
           <p:nvPr/>
         </p:nvSpPr>
         <p:spPr>
           <a:xfrm>
-            <a:off x="7619999" y="3147204"/>
-            <a:ext cx="1272639" cy="1897577"/>
+            <a:off x="2864358" y="598825"/>
+            <a:ext cx="1293742" cy="326871"/>
           </a:xfrm>
           <a:prstGeom prst="roundRect">
             <a:avLst/>
           </a:prstGeom>
+          <a:ln w="28575">
+            <a:prstDash val="solid"/>
+          </a:ln>
         </p:spPr>
         <p:style>
           <a:lnRef idx="1">
@@ -3525,39 +4330,151 @@
           </a:fontRef>
         </p:style>
         <p:txBody>
-          <a:bodyPr rtlCol="0" anchor="t" anchorCtr="0"/>
-          <a:lstStyle/>
-          <a:p>
-            <a:pPr algn="ctr"/>
-            <a:r>
-              <a:rPr lang="en-US" dirty="0" smtClean="0"/>
-              <a:t>Identity</a:t>
-            </a:r>
-          </a:p>
-          <a:p>
-            <a:pPr algn="ctr"/>
-            <a:r>
-              <a:rPr lang="en-US" dirty="0" smtClean="0"/>
-              <a:t>Provider</a:t>
-            </a:r>
-            <a:endParaRPr lang="en-US" dirty="0"/>
-          </a:p>
-        </p:txBody>
-      </p:sp>
-      <p:sp>
-        <p:nvSpPr>
-          <p:cNvPr id="36" name="Rounded Rectangle 35"/>
+          <a:bodyPr rtlCol="0" anchor="ctr"/>
+          <a:lstStyle/>
+          <a:p>
+            <a:pPr algn="ctr"/>
+            <a:r>
+              <a:rPr lang="en-US" dirty="0"/>
+              <a:t>(quick)</a:t>
+            </a:r>
+          </a:p>
+        </p:txBody>
+      </p:sp>
+      <p:sp>
+        <p:nvSpPr>
+          <p:cNvPr id="30" name="Freeform 29"/>
           <p:cNvSpPr/>
           <p:nvPr/>
         </p:nvSpPr>
         <p:spPr>
           <a:xfrm>
-            <a:off x="2667000" y="5965615"/>
-            <a:ext cx="1196438" cy="413160"/>
+            <a:off x="657639" y="382078"/>
+            <a:ext cx="2209239" cy="706766"/>
+          </a:xfrm>
+          <a:custGeom>
+            <a:avLst/>
+            <a:gdLst>
+              <a:gd name="connsiteX0" fmla="*/ 0 w 1868556"/>
+              <a:gd name="connsiteY0" fmla="*/ 3458818 h 3458818"/>
+              <a:gd name="connsiteX1" fmla="*/ 172278 w 1868556"/>
+              <a:gd name="connsiteY1" fmla="*/ 3326296 h 3458818"/>
+              <a:gd name="connsiteX2" fmla="*/ 662609 w 1868556"/>
+              <a:gd name="connsiteY2" fmla="*/ 2756452 h 3458818"/>
+              <a:gd name="connsiteX3" fmla="*/ 874643 w 1868556"/>
+              <a:gd name="connsiteY3" fmla="*/ 1152939 h 3458818"/>
+              <a:gd name="connsiteX4" fmla="*/ 1152939 w 1868556"/>
+              <a:gd name="connsiteY4" fmla="*/ 477079 h 3458818"/>
+              <a:gd name="connsiteX5" fmla="*/ 1868556 w 1868556"/>
+              <a:gd name="connsiteY5" fmla="*/ 0 h 3458818"/>
+            </a:gdLst>
+            <a:ahLst/>
+            <a:cxnLst>
+              <a:cxn ang="0">
+                <a:pos x="connsiteX0" y="connsiteY0"/>
+              </a:cxn>
+              <a:cxn ang="0">
+                <a:pos x="connsiteX1" y="connsiteY1"/>
+              </a:cxn>
+              <a:cxn ang="0">
+                <a:pos x="connsiteX2" y="connsiteY2"/>
+              </a:cxn>
+              <a:cxn ang="0">
+                <a:pos x="connsiteX3" y="connsiteY3"/>
+              </a:cxn>
+              <a:cxn ang="0">
+                <a:pos x="connsiteX4" y="connsiteY4"/>
+              </a:cxn>
+              <a:cxn ang="0">
+                <a:pos x="connsiteX5" y="connsiteY5"/>
+              </a:cxn>
+            </a:cxnLst>
+            <a:rect l="l" t="t" r="r" b="b"/>
+            <a:pathLst>
+              <a:path w="1868556" h="3458818">
+                <a:moveTo>
+                  <a:pt x="0" y="3458818"/>
+                </a:moveTo>
+                <a:cubicBezTo>
+                  <a:pt x="30921" y="3451087"/>
+                  <a:pt x="61843" y="3443357"/>
+                  <a:pt x="172278" y="3326296"/>
+                </a:cubicBezTo>
+                <a:cubicBezTo>
+                  <a:pt x="282713" y="3209235"/>
+                  <a:pt x="545548" y="3118678"/>
+                  <a:pt x="662609" y="2756452"/>
+                </a:cubicBezTo>
+                <a:cubicBezTo>
+                  <a:pt x="779670" y="2394226"/>
+                  <a:pt x="792921" y="1532834"/>
+                  <a:pt x="874643" y="1152939"/>
+                </a:cubicBezTo>
+                <a:cubicBezTo>
+                  <a:pt x="956365" y="773043"/>
+                  <a:pt x="987287" y="669235"/>
+                  <a:pt x="1152939" y="477079"/>
+                </a:cubicBezTo>
+                <a:cubicBezTo>
+                  <a:pt x="1318591" y="284923"/>
+                  <a:pt x="1593573" y="142461"/>
+                  <a:pt x="1868556" y="0"/>
+                </a:cubicBezTo>
+              </a:path>
+            </a:pathLst>
+          </a:custGeom>
+          <a:noFill/>
+          <a:ln>
+            <a:solidFill>
+              <a:srgbClr val="C00000"/>
+            </a:solidFill>
+            <a:prstDash val="dash"/>
+            <a:headEnd type="none" w="med" len="med"/>
+            <a:tailEnd type="arrow" w="med" len="med"/>
+          </a:ln>
+        </p:spPr>
+        <p:style>
+          <a:lnRef idx="2">
+            <a:schemeClr val="accent1">
+              <a:shade val="50000"/>
+            </a:schemeClr>
+          </a:lnRef>
+          <a:fillRef idx="1">
+            <a:schemeClr val="accent1"/>
+          </a:fillRef>
+          <a:effectRef idx="0">
+            <a:schemeClr val="accent1"/>
+          </a:effectRef>
+          <a:fontRef idx="minor">
+            <a:schemeClr val="lt1"/>
+          </a:fontRef>
+        </p:style>
+        <p:txBody>
+          <a:bodyPr rtlCol="0" anchor="ctr"/>
+          <a:lstStyle/>
+          <a:p>
+            <a:pPr algn="ctr"/>
+            <a:endParaRPr lang="en-US"/>
+          </a:p>
+        </p:txBody>
+      </p:sp>
+      <p:sp>
+        <p:nvSpPr>
+          <p:cNvPr id="31" name="Rounded Rectangle 30"/>
+          <p:cNvSpPr/>
+          <p:nvPr/>
+        </p:nvSpPr>
+        <p:spPr>
+          <a:xfrm>
+            <a:off x="1535280" y="5454675"/>
+            <a:ext cx="1994966" cy="687435"/>
           </a:xfrm>
           <a:prstGeom prst="roundRect">
             <a:avLst/>
           </a:prstGeom>
+          <a:ln w="28575">
+            <a:prstDash val="dash"/>
+          </a:ln>
         </p:spPr>
         <p:style>
           <a:lnRef idx="1">
@@ -3574,131 +4491,360 @@
           </a:fontRef>
         </p:style>
         <p:txBody>
-          <a:bodyPr rtlCol="0" anchor="t" anchorCtr="0"/>
-          <a:lstStyle/>
-          <a:p>
-            <a:pPr algn="ctr"/>
-            <a:r>
-              <a:rPr lang="en-US" dirty="0" smtClean="0"/>
-              <a:t>challenge</a:t>
-            </a:r>
-            <a:endParaRPr lang="en-US" dirty="0"/>
-          </a:p>
-        </p:txBody>
-      </p:sp>
-      <p:cxnSp>
-        <p:nvCxnSpPr>
-          <p:cNvPr id="37" name="Straight Arrow Connector 36"/>
-          <p:cNvCxnSpPr/>
-          <p:nvPr/>
-        </p:nvCxnSpPr>
-        <p:spPr>
-          <a:xfrm flipH="1">
-            <a:off x="3368065" y="4600365"/>
-            <a:ext cx="1090485" cy="1352938"/>
-          </a:xfrm>
-          <a:prstGeom prst="straightConnector1">
-            <a:avLst/>
-          </a:prstGeom>
-          <a:ln w="57150">
-            <a:tailEnd type="arrow"/>
+          <a:bodyPr rtlCol="0" anchor="ctr"/>
+          <a:lstStyle/>
+          <a:p>
+            <a:pPr algn="ctr"/>
+            <a:r>
+              <a:rPr lang="en-US" dirty="0"/>
+              <a:t>(</a:t>
+            </a:r>
+            <a:r>
+              <a:rPr lang="en-US" dirty="0" err="1"/>
+              <a:t>validateKey</a:t>
+            </a:r>
+            <a:r>
+              <a:rPr lang="en-US" dirty="0"/>
+              <a:t/>
+            </a:r>
+            <a:br>
+              <a:rPr lang="en-US" dirty="0"/>
+            </a:br>
+            <a:r>
+              <a:rPr lang="en-US" dirty="0"/>
+              <a:t>Action)</a:t>
+            </a:r>
+          </a:p>
+        </p:txBody>
+      </p:sp>
+      <p:sp>
+        <p:nvSpPr>
+          <p:cNvPr id="32" name="Freeform 31"/>
+          <p:cNvSpPr/>
+          <p:nvPr/>
+        </p:nvSpPr>
+        <p:spPr>
+          <a:xfrm>
+            <a:off x="3587988" y="4922515"/>
+            <a:ext cx="1876600" cy="875661"/>
+          </a:xfrm>
+          <a:custGeom>
+            <a:avLst/>
+            <a:gdLst>
+              <a:gd name="connsiteX0" fmla="*/ 0 w 1868556"/>
+              <a:gd name="connsiteY0" fmla="*/ 3458818 h 3458818"/>
+              <a:gd name="connsiteX1" fmla="*/ 172278 w 1868556"/>
+              <a:gd name="connsiteY1" fmla="*/ 3326296 h 3458818"/>
+              <a:gd name="connsiteX2" fmla="*/ 662609 w 1868556"/>
+              <a:gd name="connsiteY2" fmla="*/ 2756452 h 3458818"/>
+              <a:gd name="connsiteX3" fmla="*/ 874643 w 1868556"/>
+              <a:gd name="connsiteY3" fmla="*/ 1152939 h 3458818"/>
+              <a:gd name="connsiteX4" fmla="*/ 1152939 w 1868556"/>
+              <a:gd name="connsiteY4" fmla="*/ 477079 h 3458818"/>
+              <a:gd name="connsiteX5" fmla="*/ 1868556 w 1868556"/>
+              <a:gd name="connsiteY5" fmla="*/ 0 h 3458818"/>
+            </a:gdLst>
+            <a:ahLst/>
+            <a:cxnLst>
+              <a:cxn ang="0">
+                <a:pos x="connsiteX0" y="connsiteY0"/>
+              </a:cxn>
+              <a:cxn ang="0">
+                <a:pos x="connsiteX1" y="connsiteY1"/>
+              </a:cxn>
+              <a:cxn ang="0">
+                <a:pos x="connsiteX2" y="connsiteY2"/>
+              </a:cxn>
+              <a:cxn ang="0">
+                <a:pos x="connsiteX3" y="connsiteY3"/>
+              </a:cxn>
+              <a:cxn ang="0">
+                <a:pos x="connsiteX4" y="connsiteY4"/>
+              </a:cxn>
+              <a:cxn ang="0">
+                <a:pos x="connsiteX5" y="connsiteY5"/>
+              </a:cxn>
+            </a:cxnLst>
+            <a:rect l="l" t="t" r="r" b="b"/>
+            <a:pathLst>
+              <a:path w="1868556" h="3458818">
+                <a:moveTo>
+                  <a:pt x="0" y="3458818"/>
+                </a:moveTo>
+                <a:cubicBezTo>
+                  <a:pt x="30921" y="3451087"/>
+                  <a:pt x="61843" y="3443357"/>
+                  <a:pt x="172278" y="3326296"/>
+                </a:cubicBezTo>
+                <a:cubicBezTo>
+                  <a:pt x="282713" y="3209235"/>
+                  <a:pt x="545548" y="3118678"/>
+                  <a:pt x="662609" y="2756452"/>
+                </a:cubicBezTo>
+                <a:cubicBezTo>
+                  <a:pt x="779670" y="2394226"/>
+                  <a:pt x="792921" y="1532834"/>
+                  <a:pt x="874643" y="1152939"/>
+                </a:cubicBezTo>
+                <a:cubicBezTo>
+                  <a:pt x="956365" y="773043"/>
+                  <a:pt x="987287" y="669235"/>
+                  <a:pt x="1152939" y="477079"/>
+                </a:cubicBezTo>
+                <a:cubicBezTo>
+                  <a:pt x="1318591" y="284923"/>
+                  <a:pt x="1593573" y="142461"/>
+                  <a:pt x="1868556" y="0"/>
+                </a:cubicBezTo>
+              </a:path>
+            </a:pathLst>
+          </a:custGeom>
+          <a:noFill/>
+          <a:ln>
+            <a:headEnd type="none" w="med" len="med"/>
+            <a:tailEnd type="arrow" w="med" len="med"/>
           </a:ln>
         </p:spPr>
         <p:style>
-          <a:lnRef idx="1">
-            <a:schemeClr val="accent1"/>
+          <a:lnRef idx="2">
+            <a:schemeClr val="accent1">
+              <a:shade val="50000"/>
+            </a:schemeClr>
           </a:lnRef>
-          <a:fillRef idx="0">
+          <a:fillRef idx="1">
             <a:schemeClr val="accent1"/>
           </a:fillRef>
           <a:effectRef idx="0">
             <a:schemeClr val="accent1"/>
           </a:effectRef>
           <a:fontRef idx="minor">
-            <a:schemeClr val="tx1"/>
+            <a:schemeClr val="lt1"/>
           </a:fontRef>
         </p:style>
-      </p:cxnSp>
-      <p:cxnSp>
-        <p:nvCxnSpPr>
-          <p:cNvPr id="39" name="Straight Arrow Connector 38"/>
-          <p:cNvCxnSpPr/>
-          <p:nvPr/>
-        </p:nvCxnSpPr>
-        <p:spPr>
-          <a:xfrm flipV="1">
-            <a:off x="3702319" y="4594015"/>
-            <a:ext cx="1772517" cy="1371600"/>
-          </a:xfrm>
-          <a:prstGeom prst="straightConnector1">
-            <a:avLst/>
-          </a:prstGeom>
-          <a:ln w="57150">
-            <a:tailEnd type="arrow"/>
+        <p:txBody>
+          <a:bodyPr rtlCol="0" anchor="ctr"/>
+          <a:lstStyle/>
+          <a:p>
+            <a:pPr algn="ctr"/>
+            <a:endParaRPr lang="en-US"/>
+          </a:p>
+        </p:txBody>
+      </p:sp>
+      <p:sp>
+        <p:nvSpPr>
+          <p:cNvPr id="35" name="Freeform 34"/>
+          <p:cNvSpPr/>
+          <p:nvPr/>
+        </p:nvSpPr>
+        <p:spPr>
+          <a:xfrm flipH="1" flipV="1">
+            <a:off x="7690997" y="5892498"/>
+            <a:ext cx="1012891" cy="57633"/>
+          </a:xfrm>
+          <a:custGeom>
+            <a:avLst/>
+            <a:gdLst>
+              <a:gd name="connsiteX0" fmla="*/ 0 w 596348"/>
+              <a:gd name="connsiteY0" fmla="*/ 5926 h 761300"/>
+              <a:gd name="connsiteX1" fmla="*/ 238539 w 596348"/>
+              <a:gd name="connsiteY1" fmla="*/ 19178 h 761300"/>
+              <a:gd name="connsiteX2" fmla="*/ 450574 w 596348"/>
+              <a:gd name="connsiteY2" fmla="*/ 164952 h 761300"/>
+              <a:gd name="connsiteX3" fmla="*/ 596348 w 596348"/>
+              <a:gd name="connsiteY3" fmla="*/ 761300 h 761300"/>
+            </a:gdLst>
+            <a:ahLst/>
+            <a:cxnLst>
+              <a:cxn ang="0">
+                <a:pos x="connsiteX0" y="connsiteY0"/>
+              </a:cxn>
+              <a:cxn ang="0">
+                <a:pos x="connsiteX1" y="connsiteY1"/>
+              </a:cxn>
+              <a:cxn ang="0">
+                <a:pos x="connsiteX2" y="connsiteY2"/>
+              </a:cxn>
+              <a:cxn ang="0">
+                <a:pos x="connsiteX3" y="connsiteY3"/>
+              </a:cxn>
+            </a:cxnLst>
+            <a:rect l="l" t="t" r="r" b="b"/>
+            <a:pathLst>
+              <a:path w="596348" h="761300">
+                <a:moveTo>
+                  <a:pt x="0" y="5926"/>
+                </a:moveTo>
+                <a:cubicBezTo>
+                  <a:pt x="81721" y="-700"/>
+                  <a:pt x="163443" y="-7326"/>
+                  <a:pt x="238539" y="19178"/>
+                </a:cubicBezTo>
+                <a:cubicBezTo>
+                  <a:pt x="313635" y="45682"/>
+                  <a:pt x="390939" y="41265"/>
+                  <a:pt x="450574" y="164952"/>
+                </a:cubicBezTo>
+                <a:cubicBezTo>
+                  <a:pt x="510209" y="288639"/>
+                  <a:pt x="553278" y="524969"/>
+                  <a:pt x="596348" y="761300"/>
+                </a:cubicBezTo>
+              </a:path>
+            </a:pathLst>
+          </a:custGeom>
+          <a:noFill/>
+          <a:ln>
+            <a:solidFill>
+              <a:srgbClr val="C00000"/>
+            </a:solidFill>
+            <a:prstDash val="dash"/>
+            <a:headEnd type="arrow" w="med" len="med"/>
+            <a:tailEnd type="none" w="med" len="med"/>
           </a:ln>
         </p:spPr>
         <p:style>
-          <a:lnRef idx="1">
-            <a:schemeClr val="accent1"/>
+          <a:lnRef idx="2">
+            <a:schemeClr val="accent1">
+              <a:shade val="50000"/>
+            </a:schemeClr>
           </a:lnRef>
-          <a:fillRef idx="0">
+          <a:fillRef idx="1">
             <a:schemeClr val="accent1"/>
           </a:fillRef>
           <a:effectRef idx="0">
             <a:schemeClr val="accent1"/>
           </a:effectRef>
           <a:fontRef idx="minor">
-            <a:schemeClr val="tx1"/>
+            <a:schemeClr val="lt1"/>
           </a:fontRef>
         </p:style>
-      </p:cxnSp>
-      <p:cxnSp>
-        <p:nvCxnSpPr>
-          <p:cNvPr id="42" name="Straight Arrow Connector 41"/>
-          <p:cNvCxnSpPr/>
-          <p:nvPr/>
-        </p:nvCxnSpPr>
-        <p:spPr>
-          <a:xfrm>
-            <a:off x="6567919" y="4184067"/>
-            <a:ext cx="1052080" cy="27958"/>
-          </a:xfrm>
-          <a:prstGeom prst="straightConnector1">
-            <a:avLst/>
-          </a:prstGeom>
-          <a:ln w="57150">
-            <a:tailEnd type="arrow"/>
+        <p:txBody>
+          <a:bodyPr rtlCol="0" anchor="ctr"/>
+          <a:lstStyle/>
+          <a:p>
+            <a:pPr algn="ctr"/>
+            <a:endParaRPr lang="en-US"/>
+          </a:p>
+        </p:txBody>
+      </p:sp>
+      <p:sp>
+        <p:nvSpPr>
+          <p:cNvPr id="36" name="Freeform 35"/>
+          <p:cNvSpPr/>
+          <p:nvPr/>
+        </p:nvSpPr>
+        <p:spPr>
+          <a:xfrm rot="16200000" flipH="1" flipV="1">
+            <a:off x="2846893" y="1234460"/>
+            <a:ext cx="670283" cy="142120"/>
+          </a:xfrm>
+          <a:custGeom>
+            <a:avLst/>
+            <a:gdLst>
+              <a:gd name="connsiteX0" fmla="*/ 0 w 1908313"/>
+              <a:gd name="connsiteY0" fmla="*/ 318071 h 357828"/>
+              <a:gd name="connsiteX1" fmla="*/ 185531 w 1908313"/>
+              <a:gd name="connsiteY1" fmla="*/ 238558 h 357828"/>
+              <a:gd name="connsiteX2" fmla="*/ 675861 w 1908313"/>
+              <a:gd name="connsiteY2" fmla="*/ 26524 h 357828"/>
+              <a:gd name="connsiteX3" fmla="*/ 1258957 w 1908313"/>
+              <a:gd name="connsiteY3" fmla="*/ 39776 h 357828"/>
+              <a:gd name="connsiteX4" fmla="*/ 1908313 w 1908313"/>
+              <a:gd name="connsiteY4" fmla="*/ 357828 h 357828"/>
+            </a:gdLst>
+            <a:ahLst/>
+            <a:cxnLst>
+              <a:cxn ang="0">
+                <a:pos x="connsiteX0" y="connsiteY0"/>
+              </a:cxn>
+              <a:cxn ang="0">
+                <a:pos x="connsiteX1" y="connsiteY1"/>
+              </a:cxn>
+              <a:cxn ang="0">
+                <a:pos x="connsiteX2" y="connsiteY2"/>
+              </a:cxn>
+              <a:cxn ang="0">
+                <a:pos x="connsiteX3" y="connsiteY3"/>
+              </a:cxn>
+              <a:cxn ang="0">
+                <a:pos x="connsiteX4" y="connsiteY4"/>
+              </a:cxn>
+            </a:cxnLst>
+            <a:rect l="l" t="t" r="r" b="b"/>
+            <a:pathLst>
+              <a:path w="1908313" h="357828">
+                <a:moveTo>
+                  <a:pt x="0" y="318071"/>
+                </a:moveTo>
+                <a:lnTo>
+                  <a:pt x="185531" y="238558"/>
+                </a:lnTo>
+                <a:cubicBezTo>
+                  <a:pt x="298175" y="189967"/>
+                  <a:pt x="496957" y="59654"/>
+                  <a:pt x="675861" y="26524"/>
+                </a:cubicBezTo>
+                <a:cubicBezTo>
+                  <a:pt x="854765" y="-6606"/>
+                  <a:pt x="1053548" y="-15441"/>
+                  <a:pt x="1258957" y="39776"/>
+                </a:cubicBezTo>
+                <a:cubicBezTo>
+                  <a:pt x="1464366" y="94993"/>
+                  <a:pt x="1686339" y="226410"/>
+                  <a:pt x="1908313" y="357828"/>
+                </a:cubicBezTo>
+              </a:path>
+            </a:pathLst>
+          </a:custGeom>
+          <a:noFill/>
+          <a:ln>
+            <a:headEnd type="none" w="med" len="med"/>
+            <a:tailEnd type="arrow" w="med" len="med"/>
           </a:ln>
         </p:spPr>
         <p:style>
-          <a:lnRef idx="1">
-            <a:schemeClr val="accent1"/>
+          <a:lnRef idx="2">
+            <a:schemeClr val="accent1">
+              <a:shade val="50000"/>
+            </a:schemeClr>
           </a:lnRef>
-          <a:fillRef idx="0">
+          <a:fillRef idx="1">
             <a:schemeClr val="accent1"/>
           </a:fillRef>
           <a:effectRef idx="0">
             <a:schemeClr val="accent1"/>
           </a:effectRef>
           <a:fontRef idx="minor">
-            <a:schemeClr val="tx1"/>
+            <a:schemeClr val="lt1"/>
           </a:fontRef>
         </p:style>
-      </p:cxnSp>
-      <p:sp>
-        <p:nvSpPr>
-          <p:cNvPr id="47" name="Rounded Rectangle 46"/>
+        <p:txBody>
+          <a:bodyPr rtlCol="0" anchor="ctr"/>
+          <a:lstStyle/>
+          <a:p>
+            <a:pPr algn="ctr"/>
+            <a:endParaRPr lang="en-US"/>
+          </a:p>
+        </p:txBody>
+      </p:sp>
+      <p:sp>
+        <p:nvSpPr>
+          <p:cNvPr id="39" name="Rounded Rectangle 38"/>
           <p:cNvSpPr/>
           <p:nvPr/>
         </p:nvSpPr>
         <p:spPr>
           <a:xfrm>
-            <a:off x="4028581" y="5955470"/>
-            <a:ext cx="1196438" cy="413160"/>
+            <a:off x="1535280" y="3654801"/>
+            <a:ext cx="1975949" cy="670532"/>
           </a:xfrm>
           <a:prstGeom prst="roundRect">
             <a:avLst/>
           </a:prstGeom>
+          <a:ln w="28575">
+            <a:prstDash val="sysDot"/>
+          </a:ln>
         </p:spPr>
         <p:style>
           <a:lnRef idx="1">
@@ -3715,32 +4861,574 @@
           </a:fontRef>
         </p:style>
         <p:txBody>
-          <a:bodyPr rtlCol="0" anchor="t" anchorCtr="0"/>
-          <a:lstStyle/>
-          <a:p>
-            <a:pPr algn="ctr"/>
+          <a:bodyPr rtlCol="0" anchor="ctr"/>
+          <a:lstStyle/>
+          <a:p>
+            <a:pPr algn="ctr"/>
+            <a:r>
+              <a:rPr lang="en-US" dirty="0"/>
+              <a:t>(</a:t>
+            </a:r>
             <a:r>
               <a:rPr lang="en-US" dirty="0" err="1" smtClean="0"/>
-              <a:t>userName</a:t>
-            </a:r>
-            <a:endParaRPr lang="en-US" dirty="0"/>
-          </a:p>
-        </p:txBody>
-      </p:sp>
-      <p:sp>
-        <p:nvSpPr>
-          <p:cNvPr id="48" name="Rounded Rectangle 47"/>
+              <a:t>registerNew</a:t>
+            </a:r>
+            <a:r>
+              <a:rPr lang="en-US" dirty="0" smtClean="0"/>
+              <a:t/>
+            </a:r>
+            <a:br>
+              <a:rPr lang="en-US" dirty="0" smtClean="0"/>
+            </a:br>
+            <a:r>
+              <a:rPr lang="en-US" dirty="0" smtClean="0"/>
+              <a:t>Action</a:t>
+            </a:r>
+            <a:r>
+              <a:rPr lang="en-US" dirty="0"/>
+              <a:t>)</a:t>
+            </a:r>
+          </a:p>
+        </p:txBody>
+      </p:sp>
+      <p:sp>
+        <p:nvSpPr>
+          <p:cNvPr id="45" name="Freeform 44"/>
           <p:cNvSpPr/>
           <p:nvPr/>
         </p:nvSpPr>
         <p:spPr>
-          <a:xfrm>
-            <a:off x="5371481" y="5955470"/>
-            <a:ext cx="1196438" cy="413160"/>
+          <a:xfrm rot="16200000" flipH="1">
+            <a:off x="1114223" y="3389583"/>
+            <a:ext cx="260669" cy="356182"/>
+          </a:xfrm>
+          <a:custGeom>
+            <a:avLst/>
+            <a:gdLst>
+              <a:gd name="connsiteX0" fmla="*/ 0 w 1908313"/>
+              <a:gd name="connsiteY0" fmla="*/ 318071 h 357828"/>
+              <a:gd name="connsiteX1" fmla="*/ 185531 w 1908313"/>
+              <a:gd name="connsiteY1" fmla="*/ 238558 h 357828"/>
+              <a:gd name="connsiteX2" fmla="*/ 675861 w 1908313"/>
+              <a:gd name="connsiteY2" fmla="*/ 26524 h 357828"/>
+              <a:gd name="connsiteX3" fmla="*/ 1258957 w 1908313"/>
+              <a:gd name="connsiteY3" fmla="*/ 39776 h 357828"/>
+              <a:gd name="connsiteX4" fmla="*/ 1908313 w 1908313"/>
+              <a:gd name="connsiteY4" fmla="*/ 357828 h 357828"/>
+            </a:gdLst>
+            <a:ahLst/>
+            <a:cxnLst>
+              <a:cxn ang="0">
+                <a:pos x="connsiteX0" y="connsiteY0"/>
+              </a:cxn>
+              <a:cxn ang="0">
+                <a:pos x="connsiteX1" y="connsiteY1"/>
+              </a:cxn>
+              <a:cxn ang="0">
+                <a:pos x="connsiteX2" y="connsiteY2"/>
+              </a:cxn>
+              <a:cxn ang="0">
+                <a:pos x="connsiteX3" y="connsiteY3"/>
+              </a:cxn>
+              <a:cxn ang="0">
+                <a:pos x="connsiteX4" y="connsiteY4"/>
+              </a:cxn>
+            </a:cxnLst>
+            <a:rect l="l" t="t" r="r" b="b"/>
+            <a:pathLst>
+              <a:path w="1908313" h="357828">
+                <a:moveTo>
+                  <a:pt x="0" y="318071"/>
+                </a:moveTo>
+                <a:lnTo>
+                  <a:pt x="185531" y="238558"/>
+                </a:lnTo>
+                <a:cubicBezTo>
+                  <a:pt x="298175" y="189967"/>
+                  <a:pt x="496957" y="59654"/>
+                  <a:pt x="675861" y="26524"/>
+                </a:cubicBezTo>
+                <a:cubicBezTo>
+                  <a:pt x="854765" y="-6606"/>
+                  <a:pt x="1053548" y="-15441"/>
+                  <a:pt x="1258957" y="39776"/>
+                </a:cubicBezTo>
+                <a:cubicBezTo>
+                  <a:pt x="1464366" y="94993"/>
+                  <a:pt x="1686339" y="226410"/>
+                  <a:pt x="1908313" y="357828"/>
+                </a:cubicBezTo>
+              </a:path>
+            </a:pathLst>
+          </a:custGeom>
+          <a:noFill/>
+          <a:ln>
+            <a:headEnd type="none" w="med" len="med"/>
+            <a:tailEnd type="arrow" w="med" len="med"/>
+          </a:ln>
+        </p:spPr>
+        <p:style>
+          <a:lnRef idx="2">
+            <a:schemeClr val="accent1">
+              <a:shade val="50000"/>
+            </a:schemeClr>
+          </a:lnRef>
+          <a:fillRef idx="1">
+            <a:schemeClr val="accent1"/>
+          </a:fillRef>
+          <a:effectRef idx="0">
+            <a:schemeClr val="accent1"/>
+          </a:effectRef>
+          <a:fontRef idx="minor">
+            <a:schemeClr val="lt1"/>
+          </a:fontRef>
+        </p:style>
+        <p:txBody>
+          <a:bodyPr rtlCol="0" anchor="ctr"/>
+          <a:lstStyle/>
+          <a:p>
+            <a:pPr algn="ctr"/>
+            <a:endParaRPr lang="en-US"/>
+          </a:p>
+        </p:txBody>
+      </p:sp>
+      <p:sp>
+        <p:nvSpPr>
+          <p:cNvPr id="46" name="Freeform 45"/>
+          <p:cNvSpPr/>
+          <p:nvPr/>
+        </p:nvSpPr>
+        <p:spPr>
+          <a:xfrm rot="16200000" flipH="1">
+            <a:off x="1159685" y="4284804"/>
+            <a:ext cx="221036" cy="356182"/>
+          </a:xfrm>
+          <a:custGeom>
+            <a:avLst/>
+            <a:gdLst>
+              <a:gd name="connsiteX0" fmla="*/ 0 w 1908313"/>
+              <a:gd name="connsiteY0" fmla="*/ 318071 h 357828"/>
+              <a:gd name="connsiteX1" fmla="*/ 185531 w 1908313"/>
+              <a:gd name="connsiteY1" fmla="*/ 238558 h 357828"/>
+              <a:gd name="connsiteX2" fmla="*/ 675861 w 1908313"/>
+              <a:gd name="connsiteY2" fmla="*/ 26524 h 357828"/>
+              <a:gd name="connsiteX3" fmla="*/ 1258957 w 1908313"/>
+              <a:gd name="connsiteY3" fmla="*/ 39776 h 357828"/>
+              <a:gd name="connsiteX4" fmla="*/ 1908313 w 1908313"/>
+              <a:gd name="connsiteY4" fmla="*/ 357828 h 357828"/>
+            </a:gdLst>
+            <a:ahLst/>
+            <a:cxnLst>
+              <a:cxn ang="0">
+                <a:pos x="connsiteX0" y="connsiteY0"/>
+              </a:cxn>
+              <a:cxn ang="0">
+                <a:pos x="connsiteX1" y="connsiteY1"/>
+              </a:cxn>
+              <a:cxn ang="0">
+                <a:pos x="connsiteX2" y="connsiteY2"/>
+              </a:cxn>
+              <a:cxn ang="0">
+                <a:pos x="connsiteX3" y="connsiteY3"/>
+              </a:cxn>
+              <a:cxn ang="0">
+                <a:pos x="connsiteX4" y="connsiteY4"/>
+              </a:cxn>
+            </a:cxnLst>
+            <a:rect l="l" t="t" r="r" b="b"/>
+            <a:pathLst>
+              <a:path w="1908313" h="357828">
+                <a:moveTo>
+                  <a:pt x="0" y="318071"/>
+                </a:moveTo>
+                <a:lnTo>
+                  <a:pt x="185531" y="238558"/>
+                </a:lnTo>
+                <a:cubicBezTo>
+                  <a:pt x="298175" y="189967"/>
+                  <a:pt x="496957" y="59654"/>
+                  <a:pt x="675861" y="26524"/>
+                </a:cubicBezTo>
+                <a:cubicBezTo>
+                  <a:pt x="854765" y="-6606"/>
+                  <a:pt x="1053548" y="-15441"/>
+                  <a:pt x="1258957" y="39776"/>
+                </a:cubicBezTo>
+                <a:cubicBezTo>
+                  <a:pt x="1464366" y="94993"/>
+                  <a:pt x="1686339" y="226410"/>
+                  <a:pt x="1908313" y="357828"/>
+                </a:cubicBezTo>
+              </a:path>
+            </a:pathLst>
+          </a:custGeom>
+          <a:noFill/>
+          <a:ln>
+            <a:headEnd type="none" w="med" len="med"/>
+            <a:tailEnd type="arrow" w="med" len="med"/>
+          </a:ln>
+        </p:spPr>
+        <p:style>
+          <a:lnRef idx="2">
+            <a:schemeClr val="accent1">
+              <a:shade val="50000"/>
+            </a:schemeClr>
+          </a:lnRef>
+          <a:fillRef idx="1">
+            <a:schemeClr val="accent1"/>
+          </a:fillRef>
+          <a:effectRef idx="0">
+            <a:schemeClr val="accent1"/>
+          </a:effectRef>
+          <a:fontRef idx="minor">
+            <a:schemeClr val="lt1"/>
+          </a:fontRef>
+        </p:style>
+        <p:txBody>
+          <a:bodyPr rtlCol="0" anchor="ctr"/>
+          <a:lstStyle/>
+          <a:p>
+            <a:pPr algn="ctr"/>
+            <a:endParaRPr lang="en-US"/>
+          </a:p>
+        </p:txBody>
+      </p:sp>
+      <p:sp>
+        <p:nvSpPr>
+          <p:cNvPr id="47" name="Freeform 46"/>
+          <p:cNvSpPr/>
+          <p:nvPr/>
+        </p:nvSpPr>
+        <p:spPr>
+          <a:xfrm rot="16200000" flipV="1">
+            <a:off x="3560106" y="4255217"/>
+            <a:ext cx="394726" cy="391238"/>
+          </a:xfrm>
+          <a:custGeom>
+            <a:avLst/>
+            <a:gdLst>
+              <a:gd name="connsiteX0" fmla="*/ 0 w 1908313"/>
+              <a:gd name="connsiteY0" fmla="*/ 318071 h 357828"/>
+              <a:gd name="connsiteX1" fmla="*/ 185531 w 1908313"/>
+              <a:gd name="connsiteY1" fmla="*/ 238558 h 357828"/>
+              <a:gd name="connsiteX2" fmla="*/ 675861 w 1908313"/>
+              <a:gd name="connsiteY2" fmla="*/ 26524 h 357828"/>
+              <a:gd name="connsiteX3" fmla="*/ 1258957 w 1908313"/>
+              <a:gd name="connsiteY3" fmla="*/ 39776 h 357828"/>
+              <a:gd name="connsiteX4" fmla="*/ 1908313 w 1908313"/>
+              <a:gd name="connsiteY4" fmla="*/ 357828 h 357828"/>
+            </a:gdLst>
+            <a:ahLst/>
+            <a:cxnLst>
+              <a:cxn ang="0">
+                <a:pos x="connsiteX0" y="connsiteY0"/>
+              </a:cxn>
+              <a:cxn ang="0">
+                <a:pos x="connsiteX1" y="connsiteY1"/>
+              </a:cxn>
+              <a:cxn ang="0">
+                <a:pos x="connsiteX2" y="connsiteY2"/>
+              </a:cxn>
+              <a:cxn ang="0">
+                <a:pos x="connsiteX3" y="connsiteY3"/>
+              </a:cxn>
+              <a:cxn ang="0">
+                <a:pos x="connsiteX4" y="connsiteY4"/>
+              </a:cxn>
+            </a:cxnLst>
+            <a:rect l="l" t="t" r="r" b="b"/>
+            <a:pathLst>
+              <a:path w="1908313" h="357828">
+                <a:moveTo>
+                  <a:pt x="0" y="318071"/>
+                </a:moveTo>
+                <a:lnTo>
+                  <a:pt x="185531" y="238558"/>
+                </a:lnTo>
+                <a:cubicBezTo>
+                  <a:pt x="298175" y="189967"/>
+                  <a:pt x="496957" y="59654"/>
+                  <a:pt x="675861" y="26524"/>
+                </a:cubicBezTo>
+                <a:cubicBezTo>
+                  <a:pt x="854765" y="-6606"/>
+                  <a:pt x="1053548" y="-15441"/>
+                  <a:pt x="1258957" y="39776"/>
+                </a:cubicBezTo>
+                <a:cubicBezTo>
+                  <a:pt x="1464366" y="94993"/>
+                  <a:pt x="1686339" y="226410"/>
+                  <a:pt x="1908313" y="357828"/>
+                </a:cubicBezTo>
+              </a:path>
+            </a:pathLst>
+          </a:custGeom>
+          <a:noFill/>
+          <a:ln>
+            <a:headEnd type="none" w="med" len="med"/>
+            <a:tailEnd type="arrow" w="med" len="med"/>
+          </a:ln>
+        </p:spPr>
+        <p:style>
+          <a:lnRef idx="2">
+            <a:schemeClr val="accent1">
+              <a:shade val="50000"/>
+            </a:schemeClr>
+          </a:lnRef>
+          <a:fillRef idx="1">
+            <a:schemeClr val="accent1"/>
+          </a:fillRef>
+          <a:effectRef idx="0">
+            <a:schemeClr val="accent1"/>
+          </a:effectRef>
+          <a:fontRef idx="minor">
+            <a:schemeClr val="lt1"/>
+          </a:fontRef>
+        </p:style>
+        <p:txBody>
+          <a:bodyPr rtlCol="0" anchor="ctr"/>
+          <a:lstStyle/>
+          <a:p>
+            <a:pPr algn="ctr"/>
+            <a:endParaRPr lang="en-US"/>
+          </a:p>
+        </p:txBody>
+      </p:sp>
+      <p:sp>
+        <p:nvSpPr>
+          <p:cNvPr id="48" name="Freeform 47"/>
+          <p:cNvSpPr/>
+          <p:nvPr/>
+        </p:nvSpPr>
+        <p:spPr>
+          <a:xfrm flipV="1">
+            <a:off x="496680" y="5227781"/>
+            <a:ext cx="967565" cy="547327"/>
+          </a:xfrm>
+          <a:custGeom>
+            <a:avLst/>
+            <a:gdLst>
+              <a:gd name="connsiteX0" fmla="*/ 0 w 1868556"/>
+              <a:gd name="connsiteY0" fmla="*/ 3458818 h 3458818"/>
+              <a:gd name="connsiteX1" fmla="*/ 172278 w 1868556"/>
+              <a:gd name="connsiteY1" fmla="*/ 3326296 h 3458818"/>
+              <a:gd name="connsiteX2" fmla="*/ 662609 w 1868556"/>
+              <a:gd name="connsiteY2" fmla="*/ 2756452 h 3458818"/>
+              <a:gd name="connsiteX3" fmla="*/ 874643 w 1868556"/>
+              <a:gd name="connsiteY3" fmla="*/ 1152939 h 3458818"/>
+              <a:gd name="connsiteX4" fmla="*/ 1152939 w 1868556"/>
+              <a:gd name="connsiteY4" fmla="*/ 477079 h 3458818"/>
+              <a:gd name="connsiteX5" fmla="*/ 1868556 w 1868556"/>
+              <a:gd name="connsiteY5" fmla="*/ 0 h 3458818"/>
+            </a:gdLst>
+            <a:ahLst/>
+            <a:cxnLst>
+              <a:cxn ang="0">
+                <a:pos x="connsiteX0" y="connsiteY0"/>
+              </a:cxn>
+              <a:cxn ang="0">
+                <a:pos x="connsiteX1" y="connsiteY1"/>
+              </a:cxn>
+              <a:cxn ang="0">
+                <a:pos x="connsiteX2" y="connsiteY2"/>
+              </a:cxn>
+              <a:cxn ang="0">
+                <a:pos x="connsiteX3" y="connsiteY3"/>
+              </a:cxn>
+              <a:cxn ang="0">
+                <a:pos x="connsiteX4" y="connsiteY4"/>
+              </a:cxn>
+              <a:cxn ang="0">
+                <a:pos x="connsiteX5" y="connsiteY5"/>
+              </a:cxn>
+            </a:cxnLst>
+            <a:rect l="l" t="t" r="r" b="b"/>
+            <a:pathLst>
+              <a:path w="1868556" h="3458818">
+                <a:moveTo>
+                  <a:pt x="0" y="3458818"/>
+                </a:moveTo>
+                <a:cubicBezTo>
+                  <a:pt x="30921" y="3451087"/>
+                  <a:pt x="61843" y="3443357"/>
+                  <a:pt x="172278" y="3326296"/>
+                </a:cubicBezTo>
+                <a:cubicBezTo>
+                  <a:pt x="282713" y="3209235"/>
+                  <a:pt x="545548" y="3118678"/>
+                  <a:pt x="662609" y="2756452"/>
+                </a:cubicBezTo>
+                <a:cubicBezTo>
+                  <a:pt x="779670" y="2394226"/>
+                  <a:pt x="792921" y="1532834"/>
+                  <a:pt x="874643" y="1152939"/>
+                </a:cubicBezTo>
+                <a:cubicBezTo>
+                  <a:pt x="956365" y="773043"/>
+                  <a:pt x="987287" y="669235"/>
+                  <a:pt x="1152939" y="477079"/>
+                </a:cubicBezTo>
+                <a:cubicBezTo>
+                  <a:pt x="1318591" y="284923"/>
+                  <a:pt x="1593573" y="142461"/>
+                  <a:pt x="1868556" y="0"/>
+                </a:cubicBezTo>
+              </a:path>
+            </a:pathLst>
+          </a:custGeom>
+          <a:noFill/>
+          <a:ln>
+            <a:solidFill>
+              <a:srgbClr val="C00000"/>
+            </a:solidFill>
+            <a:prstDash val="dash"/>
+            <a:headEnd type="none" w="med" len="med"/>
+            <a:tailEnd type="arrow" w="med" len="med"/>
+          </a:ln>
+        </p:spPr>
+        <p:style>
+          <a:lnRef idx="2">
+            <a:schemeClr val="accent1">
+              <a:shade val="50000"/>
+            </a:schemeClr>
+          </a:lnRef>
+          <a:fillRef idx="1">
+            <a:schemeClr val="accent1"/>
+          </a:fillRef>
+          <a:effectRef idx="0">
+            <a:schemeClr val="accent1"/>
+          </a:effectRef>
+          <a:fontRef idx="minor">
+            <a:schemeClr val="lt1"/>
+          </a:fontRef>
+        </p:style>
+        <p:txBody>
+          <a:bodyPr rtlCol="0" anchor="ctr"/>
+          <a:lstStyle/>
+          <a:p>
+            <a:pPr algn="ctr"/>
+            <a:endParaRPr lang="en-US"/>
+          </a:p>
+        </p:txBody>
+      </p:sp>
+      <p:sp>
+        <p:nvSpPr>
+          <p:cNvPr id="49" name="Freeform 48"/>
+          <p:cNvSpPr/>
+          <p:nvPr/>
+        </p:nvSpPr>
+        <p:spPr>
+          <a:xfrm rot="16200000" flipH="1">
+            <a:off x="1205829" y="5147383"/>
+            <a:ext cx="221036" cy="356182"/>
+          </a:xfrm>
+          <a:custGeom>
+            <a:avLst/>
+            <a:gdLst>
+              <a:gd name="connsiteX0" fmla="*/ 0 w 1908313"/>
+              <a:gd name="connsiteY0" fmla="*/ 318071 h 357828"/>
+              <a:gd name="connsiteX1" fmla="*/ 185531 w 1908313"/>
+              <a:gd name="connsiteY1" fmla="*/ 238558 h 357828"/>
+              <a:gd name="connsiteX2" fmla="*/ 675861 w 1908313"/>
+              <a:gd name="connsiteY2" fmla="*/ 26524 h 357828"/>
+              <a:gd name="connsiteX3" fmla="*/ 1258957 w 1908313"/>
+              <a:gd name="connsiteY3" fmla="*/ 39776 h 357828"/>
+              <a:gd name="connsiteX4" fmla="*/ 1908313 w 1908313"/>
+              <a:gd name="connsiteY4" fmla="*/ 357828 h 357828"/>
+            </a:gdLst>
+            <a:ahLst/>
+            <a:cxnLst>
+              <a:cxn ang="0">
+                <a:pos x="connsiteX0" y="connsiteY0"/>
+              </a:cxn>
+              <a:cxn ang="0">
+                <a:pos x="connsiteX1" y="connsiteY1"/>
+              </a:cxn>
+              <a:cxn ang="0">
+                <a:pos x="connsiteX2" y="connsiteY2"/>
+              </a:cxn>
+              <a:cxn ang="0">
+                <a:pos x="connsiteX3" y="connsiteY3"/>
+              </a:cxn>
+              <a:cxn ang="0">
+                <a:pos x="connsiteX4" y="connsiteY4"/>
+              </a:cxn>
+            </a:cxnLst>
+            <a:rect l="l" t="t" r="r" b="b"/>
+            <a:pathLst>
+              <a:path w="1908313" h="357828">
+                <a:moveTo>
+                  <a:pt x="0" y="318071"/>
+                </a:moveTo>
+                <a:lnTo>
+                  <a:pt x="185531" y="238558"/>
+                </a:lnTo>
+                <a:cubicBezTo>
+                  <a:pt x="298175" y="189967"/>
+                  <a:pt x="496957" y="59654"/>
+                  <a:pt x="675861" y="26524"/>
+                </a:cubicBezTo>
+                <a:cubicBezTo>
+                  <a:pt x="854765" y="-6606"/>
+                  <a:pt x="1053548" y="-15441"/>
+                  <a:pt x="1258957" y="39776"/>
+                </a:cubicBezTo>
+                <a:cubicBezTo>
+                  <a:pt x="1464366" y="94993"/>
+                  <a:pt x="1686339" y="226410"/>
+                  <a:pt x="1908313" y="357828"/>
+                </a:cubicBezTo>
+              </a:path>
+            </a:pathLst>
+          </a:custGeom>
+          <a:noFill/>
+          <a:ln>
+            <a:headEnd type="none" w="med" len="med"/>
+            <a:tailEnd type="arrow" w="med" len="med"/>
+          </a:ln>
+        </p:spPr>
+        <p:style>
+          <a:lnRef idx="2">
+            <a:schemeClr val="accent1">
+              <a:shade val="50000"/>
+            </a:schemeClr>
+          </a:lnRef>
+          <a:fillRef idx="1">
+            <a:schemeClr val="accent1"/>
+          </a:fillRef>
+          <a:effectRef idx="0">
+            <a:schemeClr val="accent1"/>
+          </a:effectRef>
+          <a:fontRef idx="minor">
+            <a:schemeClr val="lt1"/>
+          </a:fontRef>
+        </p:style>
+        <p:txBody>
+          <a:bodyPr rtlCol="0" anchor="ctr"/>
+          <a:lstStyle/>
+          <a:p>
+            <a:pPr algn="ctr"/>
+            <a:endParaRPr lang="en-US"/>
+          </a:p>
+        </p:txBody>
+      </p:sp>
+      <p:sp>
+        <p:nvSpPr>
+          <p:cNvPr id="50" name="Rounded Rectangle 49"/>
+          <p:cNvSpPr/>
+          <p:nvPr/>
+        </p:nvSpPr>
+        <p:spPr>
+          <a:xfrm>
+            <a:off x="5580310" y="5431390"/>
+            <a:ext cx="1994966" cy="687435"/>
           </a:xfrm>
           <a:prstGeom prst="roundRect">
             <a:avLst/>
           </a:prstGeom>
+          <a:ln w="28575">
+            <a:prstDash val="sysDot"/>
+          </a:ln>
         </p:spPr>
         <p:style>
           <a:lnRef idx="1">
@@ -3757,45 +5445,122 @@
           </a:fontRef>
         </p:style>
         <p:txBody>
-          <a:bodyPr rtlCol="0" anchor="t" anchorCtr="0"/>
-          <a:lstStyle/>
-          <a:p>
-            <a:pPr algn="ctr"/>
-            <a:r>
-              <a:rPr lang="en-US" dirty="0" err="1" smtClean="0"/>
-              <a:t>userId</a:t>
-            </a:r>
-            <a:endParaRPr lang="en-US" dirty="0"/>
-          </a:p>
-        </p:txBody>
-      </p:sp>
-      <p:sp>
-        <p:nvSpPr>
-          <p:cNvPr id="49" name="Oval 48"/>
+          <a:bodyPr rtlCol="0" anchor="ctr"/>
+          <a:lstStyle/>
+          <a:p>
+            <a:pPr algn="ctr"/>
+            <a:r>
+              <a:rPr lang="en-US" dirty="0"/>
+              <a:t>(</a:t>
+            </a:r>
+            <a:r>
+              <a:rPr lang="en-US" dirty="0" err="1"/>
+              <a:t>createNewUser</a:t>
+            </a:r>
+            <a:r>
+              <a:rPr lang="en-US" dirty="0"/>
+              <a:t/>
+            </a:r>
+            <a:br>
+              <a:rPr lang="en-US" dirty="0"/>
+            </a:br>
+            <a:r>
+              <a:rPr lang="en-US" dirty="0"/>
+              <a:t>Action)</a:t>
+            </a:r>
+          </a:p>
+        </p:txBody>
+      </p:sp>
+      <p:sp>
+        <p:nvSpPr>
+          <p:cNvPr id="51" name="Freeform 50"/>
           <p:cNvSpPr/>
           <p:nvPr/>
         </p:nvSpPr>
         <p:spPr>
-          <a:xfrm>
-            <a:off x="4609446" y="3756804"/>
-            <a:ext cx="217219" cy="214910"/>
-          </a:xfrm>
-          <a:prstGeom prst="ellipse">
-            <a:avLst/>
-          </a:prstGeom>
+          <a:xfrm rot="16200000" flipH="1">
+            <a:off x="5251965" y="5184074"/>
+            <a:ext cx="239719" cy="301486"/>
+          </a:xfrm>
+          <a:custGeom>
+            <a:avLst/>
+            <a:gdLst>
+              <a:gd name="connsiteX0" fmla="*/ 0 w 1908313"/>
+              <a:gd name="connsiteY0" fmla="*/ 318071 h 357828"/>
+              <a:gd name="connsiteX1" fmla="*/ 185531 w 1908313"/>
+              <a:gd name="connsiteY1" fmla="*/ 238558 h 357828"/>
+              <a:gd name="connsiteX2" fmla="*/ 675861 w 1908313"/>
+              <a:gd name="connsiteY2" fmla="*/ 26524 h 357828"/>
+              <a:gd name="connsiteX3" fmla="*/ 1258957 w 1908313"/>
+              <a:gd name="connsiteY3" fmla="*/ 39776 h 357828"/>
+              <a:gd name="connsiteX4" fmla="*/ 1908313 w 1908313"/>
+              <a:gd name="connsiteY4" fmla="*/ 357828 h 357828"/>
+            </a:gdLst>
+            <a:ahLst/>
+            <a:cxnLst>
+              <a:cxn ang="0">
+                <a:pos x="connsiteX0" y="connsiteY0"/>
+              </a:cxn>
+              <a:cxn ang="0">
+                <a:pos x="connsiteX1" y="connsiteY1"/>
+              </a:cxn>
+              <a:cxn ang="0">
+                <a:pos x="connsiteX2" y="connsiteY2"/>
+              </a:cxn>
+              <a:cxn ang="0">
+                <a:pos x="connsiteX3" y="connsiteY3"/>
+              </a:cxn>
+              <a:cxn ang="0">
+                <a:pos x="connsiteX4" y="connsiteY4"/>
+              </a:cxn>
+            </a:cxnLst>
+            <a:rect l="l" t="t" r="r" b="b"/>
+            <a:pathLst>
+              <a:path w="1908313" h="357828">
+                <a:moveTo>
+                  <a:pt x="0" y="318071"/>
+                </a:moveTo>
+                <a:lnTo>
+                  <a:pt x="185531" y="238558"/>
+                </a:lnTo>
+                <a:cubicBezTo>
+                  <a:pt x="298175" y="189967"/>
+                  <a:pt x="496957" y="59654"/>
+                  <a:pt x="675861" y="26524"/>
+                </a:cubicBezTo>
+                <a:cubicBezTo>
+                  <a:pt x="854765" y="-6606"/>
+                  <a:pt x="1053548" y="-15441"/>
+                  <a:pt x="1258957" y="39776"/>
+                </a:cubicBezTo>
+                <a:cubicBezTo>
+                  <a:pt x="1464366" y="94993"/>
+                  <a:pt x="1686339" y="226410"/>
+                  <a:pt x="1908313" y="357828"/>
+                </a:cubicBezTo>
+              </a:path>
+            </a:pathLst>
+          </a:custGeom>
+          <a:noFill/>
+          <a:ln>
+            <a:headEnd type="none" w="med" len="med"/>
+            <a:tailEnd type="arrow" w="med" len="med"/>
+          </a:ln>
         </p:spPr>
         <p:style>
-          <a:lnRef idx="1">
-            <a:schemeClr val="accent4"/>
+          <a:lnRef idx="2">
+            <a:schemeClr val="accent1">
+              <a:shade val="50000"/>
+            </a:schemeClr>
           </a:lnRef>
-          <a:fillRef idx="2">
-            <a:schemeClr val="accent4"/>
+          <a:fillRef idx="1">
+            <a:schemeClr val="accent1"/>
           </a:fillRef>
-          <a:effectRef idx="1">
-            <a:schemeClr val="accent4"/>
+          <a:effectRef idx="0">
+            <a:schemeClr val="accent1"/>
           </a:effectRef>
           <a:fontRef idx="minor">
-            <a:schemeClr val="dk1"/>
+            <a:schemeClr val="lt1"/>
           </a:fontRef>
         </p:style>
         <p:txBody>
@@ -3803,302 +5568,27 @@
           <a:lstStyle/>
           <a:p>
             <a:pPr algn="ctr"/>
-            <a:endParaRPr lang="en-US">
-              <a:solidFill>
-                <a:schemeClr val="dk1"/>
-              </a:solidFill>
-            </a:endParaRPr>
-          </a:p>
-        </p:txBody>
-      </p:sp>
-      <p:sp>
-        <p:nvSpPr>
-          <p:cNvPr id="50" name="Oval 49"/>
+            <a:endParaRPr lang="en-US"/>
+          </a:p>
+        </p:txBody>
+      </p:sp>
+      <p:sp>
+        <p:nvSpPr>
+          <p:cNvPr id="52" name="Rounded Rectangle 51"/>
           <p:cNvSpPr/>
           <p:nvPr/>
         </p:nvSpPr>
         <p:spPr>
           <a:xfrm>
-            <a:off x="5671024" y="3746657"/>
-            <a:ext cx="217219" cy="214910"/>
-          </a:xfrm>
-          <a:prstGeom prst="ellipse">
-            <a:avLst/>
-          </a:prstGeom>
-        </p:spPr>
-        <p:style>
-          <a:lnRef idx="1">
-            <a:schemeClr val="accent4"/>
-          </a:lnRef>
-          <a:fillRef idx="2">
-            <a:schemeClr val="accent4"/>
-          </a:fillRef>
-          <a:effectRef idx="1">
-            <a:schemeClr val="accent4"/>
-          </a:effectRef>
-          <a:fontRef idx="minor">
-            <a:schemeClr val="dk1"/>
-          </a:fontRef>
-        </p:style>
-        <p:txBody>
-          <a:bodyPr rtlCol="0" anchor="ctr"/>
-          <a:lstStyle/>
-          <a:p>
-            <a:pPr algn="ctr"/>
-            <a:endParaRPr lang="en-US">
-              <a:solidFill>
-                <a:schemeClr val="dk1"/>
-              </a:solidFill>
-            </a:endParaRPr>
-          </a:p>
-        </p:txBody>
-      </p:sp>
-      <p:sp>
-        <p:nvSpPr>
-          <p:cNvPr id="33" name="Rounded Rectangle 32"/>
-          <p:cNvSpPr/>
-          <p:nvPr/>
-        </p:nvSpPr>
-        <p:spPr>
-          <a:xfrm>
-            <a:off x="4234137" y="3984414"/>
-            <a:ext cx="1083402" cy="622301"/>
+            <a:off x="6021402" y="2859136"/>
+            <a:ext cx="1862245" cy="369332"/>
           </a:xfrm>
           <a:prstGeom prst="roundRect">
             <a:avLst/>
           </a:prstGeom>
-        </p:spPr>
-        <p:style>
-          <a:lnRef idx="1">
-            <a:schemeClr val="accent4"/>
-          </a:lnRef>
-          <a:fillRef idx="2">
-            <a:schemeClr val="accent4"/>
-          </a:fillRef>
-          <a:effectRef idx="1">
-            <a:schemeClr val="accent4"/>
-          </a:effectRef>
-          <a:fontRef idx="minor">
-            <a:schemeClr val="dk1"/>
-          </a:fontRef>
-        </p:style>
-        <p:txBody>
-          <a:bodyPr lIns="0" tIns="0" rIns="0" bIns="0" rtlCol="0" anchor="ctr"/>
-          <a:lstStyle/>
-          <a:p>
-            <a:pPr algn="ctr"/>
-            <a:r>
-              <a:rPr lang="en-US" dirty="0" smtClean="0"/>
-              <a:t>Gen</a:t>
-            </a:r>
-          </a:p>
-          <a:p>
-            <a:pPr algn="ctr"/>
-            <a:r>
-              <a:rPr lang="en-US" dirty="0" smtClean="0"/>
-              <a:t>Challenge</a:t>
-            </a:r>
-            <a:endParaRPr lang="en-US" dirty="0"/>
-          </a:p>
-        </p:txBody>
-      </p:sp>
-      <p:sp>
-        <p:nvSpPr>
-          <p:cNvPr id="34" name="Rounded Rectangle 33"/>
-          <p:cNvSpPr/>
-          <p:nvPr/>
-        </p:nvSpPr>
-        <p:spPr>
-          <a:xfrm>
-            <a:off x="5474836" y="3971714"/>
-            <a:ext cx="1093083" cy="622301"/>
-          </a:xfrm>
-          <a:prstGeom prst="roundRect">
-            <a:avLst/>
-          </a:prstGeom>
-        </p:spPr>
-        <p:style>
-          <a:lnRef idx="1">
-            <a:schemeClr val="accent4"/>
-          </a:lnRef>
-          <a:fillRef idx="2">
-            <a:schemeClr val="accent4"/>
-          </a:fillRef>
-          <a:effectRef idx="1">
-            <a:schemeClr val="accent4"/>
-          </a:effectRef>
-          <a:fontRef idx="minor">
-            <a:schemeClr val="dk1"/>
-          </a:fontRef>
-        </p:style>
-        <p:txBody>
-          <a:bodyPr lIns="0" tIns="0" rIns="0" bIns="0" rtlCol="0" anchor="ctr"/>
-          <a:lstStyle/>
-          <a:p>
-            <a:pPr algn="ctr"/>
-            <a:r>
-              <a:rPr lang="en-US" dirty="0"/>
-              <a:t>Verify</a:t>
-            </a:r>
-          </a:p>
-          <a:p>
-            <a:pPr algn="ctr"/>
-            <a:r>
-              <a:rPr lang="en-US" dirty="0"/>
-              <a:t>Token</a:t>
-            </a:r>
-          </a:p>
-        </p:txBody>
-      </p:sp>
-      <p:cxnSp>
-        <p:nvCxnSpPr>
-          <p:cNvPr id="51" name="Straight Arrow Connector 50"/>
-          <p:cNvCxnSpPr/>
-          <p:nvPr/>
-        </p:nvCxnSpPr>
-        <p:spPr>
-          <a:xfrm flipH="1">
-            <a:off x="4920590" y="4612677"/>
-            <a:ext cx="967653" cy="1342793"/>
-          </a:xfrm>
-          <a:prstGeom prst="straightConnector1">
-            <a:avLst/>
-          </a:prstGeom>
-          <a:ln w="57150">
-            <a:tailEnd type="arrow"/>
+          <a:ln w="28575">
+            <a:prstDash val="sysDot"/>
           </a:ln>
-        </p:spPr>
-        <p:style>
-          <a:lnRef idx="1">
-            <a:schemeClr val="accent1"/>
-          </a:lnRef>
-          <a:fillRef idx="0">
-            <a:schemeClr val="accent1"/>
-          </a:fillRef>
-          <a:effectRef idx="0">
-            <a:schemeClr val="accent1"/>
-          </a:effectRef>
-          <a:fontRef idx="minor">
-            <a:schemeClr val="tx1"/>
-          </a:fontRef>
-        </p:style>
-      </p:cxnSp>
-      <p:cxnSp>
-        <p:nvCxnSpPr>
-          <p:cNvPr id="53" name="Straight Arrow Connector 52"/>
-          <p:cNvCxnSpPr/>
-          <p:nvPr/>
-        </p:nvCxnSpPr>
-        <p:spPr>
-          <a:xfrm flipH="1">
-            <a:off x="5817485" y="4612677"/>
-            <a:ext cx="409144" cy="1352938"/>
-          </a:xfrm>
-          <a:prstGeom prst="straightConnector1">
-            <a:avLst/>
-          </a:prstGeom>
-          <a:ln w="57150">
-            <a:tailEnd type="arrow"/>
-          </a:ln>
-        </p:spPr>
-        <p:style>
-          <a:lnRef idx="1">
-            <a:schemeClr val="accent1"/>
-          </a:lnRef>
-          <a:fillRef idx="0">
-            <a:schemeClr val="accent1"/>
-          </a:fillRef>
-          <a:effectRef idx="0">
-            <a:schemeClr val="accent1"/>
-          </a:effectRef>
-          <a:fontRef idx="minor">
-            <a:schemeClr val="tx1"/>
-          </a:fontRef>
-        </p:style>
-      </p:cxnSp>
-      <p:cxnSp>
-        <p:nvCxnSpPr>
-          <p:cNvPr id="58" name="Straight Arrow Connector 57"/>
-          <p:cNvCxnSpPr/>
-          <p:nvPr/>
-        </p:nvCxnSpPr>
-        <p:spPr>
-          <a:xfrm flipH="1">
-            <a:off x="6567919" y="4441616"/>
-            <a:ext cx="1052080" cy="0"/>
-          </a:xfrm>
-          <a:prstGeom prst="straightConnector1">
-            <a:avLst/>
-          </a:prstGeom>
-          <a:ln w="57150">
-            <a:tailEnd type="arrow"/>
-          </a:ln>
-        </p:spPr>
-        <p:style>
-          <a:lnRef idx="1">
-            <a:schemeClr val="accent1"/>
-          </a:lnRef>
-          <a:fillRef idx="0">
-            <a:schemeClr val="accent1"/>
-          </a:fillRef>
-          <a:effectRef idx="0">
-            <a:schemeClr val="accent1"/>
-          </a:effectRef>
-          <a:fontRef idx="minor">
-            <a:schemeClr val="tx1"/>
-          </a:fontRef>
-        </p:style>
-      </p:cxnSp>
-      <p:sp>
-        <p:nvSpPr>
-          <p:cNvPr id="61" name="TextBox 60"/>
-          <p:cNvSpPr txBox="1"/>
-          <p:nvPr/>
-        </p:nvSpPr>
-        <p:spPr>
-          <a:xfrm>
-            <a:off x="6881474" y="3420937"/>
-            <a:ext cx="576825" cy="646331"/>
-          </a:xfrm>
-          <a:prstGeom prst="rect">
-            <a:avLst/>
-          </a:prstGeom>
-          <a:noFill/>
-        </p:spPr>
-        <p:txBody>
-          <a:bodyPr wrap="none" rtlCol="0">
-            <a:spAutoFit/>
-          </a:bodyPr>
-          <a:lstStyle/>
-          <a:p>
-            <a:r>
-              <a:rPr lang="en-US" dirty="0" smtClean="0"/>
-              <a:t>http</a:t>
-            </a:r>
-          </a:p>
-          <a:p>
-            <a:r>
-              <a:rPr lang="en-US" dirty="0" err="1" smtClean="0"/>
-              <a:t>json</a:t>
-            </a:r>
-            <a:endParaRPr lang="en-US" dirty="0"/>
-          </a:p>
-        </p:txBody>
-      </p:sp>
-      <p:sp>
-        <p:nvSpPr>
-          <p:cNvPr id="62" name="Rounded Rectangle 61"/>
-          <p:cNvSpPr/>
-          <p:nvPr/>
-        </p:nvSpPr>
-        <p:spPr>
-          <a:xfrm>
-            <a:off x="3364921" y="330531"/>
-            <a:ext cx="1524000" cy="457199"/>
-          </a:xfrm>
-          <a:prstGeom prst="roundRect">
-            <a:avLst/>
-          </a:prstGeom>
         </p:spPr>
         <p:style>
           <a:lnRef idx="1">
@@ -4115,37 +5605,2507 @@
           </a:fontRef>
         </p:style>
         <p:txBody>
-          <a:bodyPr rtlCol="0" anchor="t" anchorCtr="0"/>
-          <a:lstStyle/>
-          <a:p>
-            <a:pPr algn="ctr"/>
-            <a:r>
-              <a:rPr lang="en-US" dirty="0" smtClean="0"/>
-              <a:t>Client</a:t>
-            </a:r>
-            <a:endParaRPr lang="en-US" dirty="0"/>
+          <a:bodyPr rtlCol="0" anchor="ctr"/>
+          <a:lstStyle/>
+          <a:p>
+            <a:pPr algn="ctr"/>
+            <a:r>
+              <a:rPr lang="en-US" dirty="0"/>
+              <a:t>(</a:t>
+            </a:r>
+            <a:r>
+              <a:rPr lang="en-US" dirty="0" err="1"/>
+              <a:t>passwordAction</a:t>
+            </a:r>
+            <a:r>
+              <a:rPr lang="en-US" dirty="0"/>
+              <a:t>)</a:t>
+            </a:r>
           </a:p>
         </p:txBody>
       </p:sp>
       <p:cxnSp>
         <p:nvCxnSpPr>
-          <p:cNvPr id="63" name="Straight Arrow Connector 62"/>
-          <p:cNvCxnSpPr>
-            <a:stCxn id="4" idx="0"/>
-          </p:cNvCxnSpPr>
+          <p:cNvPr id="55" name="Straight Arrow Connector 54"/>
+          <p:cNvCxnSpPr/>
           <p:nvPr/>
         </p:nvCxnSpPr>
         <p:spPr>
           <a:xfrm flipH="1" flipV="1">
-            <a:off x="4125187" y="787231"/>
-            <a:ext cx="5942" cy="606384"/>
+            <a:off x="6602149" y="2573600"/>
+            <a:ext cx="245548" cy="226966"/>
           </a:xfrm>
           <a:prstGeom prst="straightConnector1">
             <a:avLst/>
           </a:prstGeom>
+          <a:noFill/>
+          <a:ln>
+            <a:headEnd type="none" w="med" len="med"/>
+            <a:tailEnd type="arrow" w="med" len="med"/>
+          </a:ln>
+        </p:spPr>
+        <p:style>
+          <a:lnRef idx="2">
+            <a:schemeClr val="accent1">
+              <a:shade val="50000"/>
+            </a:schemeClr>
+          </a:lnRef>
+          <a:fillRef idx="1">
+            <a:schemeClr val="accent1"/>
+          </a:fillRef>
+          <a:effectRef idx="0">
+            <a:schemeClr val="accent1"/>
+          </a:effectRef>
+          <a:fontRef idx="minor">
+            <a:schemeClr val="lt1"/>
+          </a:fontRef>
+        </p:style>
+      </p:cxnSp>
+      <p:sp>
+        <p:nvSpPr>
+          <p:cNvPr id="59" name="Freeform 58"/>
+          <p:cNvSpPr/>
+          <p:nvPr/>
+        </p:nvSpPr>
+        <p:spPr>
+          <a:xfrm>
+            <a:off x="7615855" y="2081193"/>
+            <a:ext cx="914668" cy="3693916"/>
+          </a:xfrm>
+          <a:custGeom>
+            <a:avLst/>
+            <a:gdLst>
+              <a:gd name="connsiteX0" fmla="*/ 119270 w 914521"/>
+              <a:gd name="connsiteY0" fmla="*/ 3964491 h 3990524"/>
+              <a:gd name="connsiteX1" fmla="*/ 251792 w 914521"/>
+              <a:gd name="connsiteY1" fmla="*/ 3951239 h 3990524"/>
+              <a:gd name="connsiteX2" fmla="*/ 543340 w 914521"/>
+              <a:gd name="connsiteY2" fmla="*/ 3818717 h 3990524"/>
+              <a:gd name="connsiteX3" fmla="*/ 914400 w 914521"/>
+              <a:gd name="connsiteY3" fmla="*/ 2135691 h 3990524"/>
+              <a:gd name="connsiteX4" fmla="*/ 503583 w 914521"/>
+              <a:gd name="connsiteY4" fmla="*/ 227378 h 3990524"/>
+              <a:gd name="connsiteX5" fmla="*/ 0 w 914521"/>
+              <a:gd name="connsiteY5" fmla="*/ 108109 h 3990524"/>
+              <a:gd name="connsiteX0" fmla="*/ 119270 w 923344"/>
+              <a:gd name="connsiteY0" fmla="*/ 3872158 h 3898191"/>
+              <a:gd name="connsiteX1" fmla="*/ 251792 w 923344"/>
+              <a:gd name="connsiteY1" fmla="*/ 3858906 h 3898191"/>
+              <a:gd name="connsiteX2" fmla="*/ 543340 w 923344"/>
+              <a:gd name="connsiteY2" fmla="*/ 3726384 h 3898191"/>
+              <a:gd name="connsiteX3" fmla="*/ 914400 w 923344"/>
+              <a:gd name="connsiteY3" fmla="*/ 2043358 h 3898191"/>
+              <a:gd name="connsiteX4" fmla="*/ 738714 w 923344"/>
+              <a:gd name="connsiteY4" fmla="*/ 727228 h 3898191"/>
+              <a:gd name="connsiteX5" fmla="*/ 0 w 923344"/>
+              <a:gd name="connsiteY5" fmla="*/ 15776 h 3898191"/>
+              <a:gd name="connsiteX0" fmla="*/ 119270 w 923344"/>
+              <a:gd name="connsiteY0" fmla="*/ 3856428 h 3882461"/>
+              <a:gd name="connsiteX1" fmla="*/ 251792 w 923344"/>
+              <a:gd name="connsiteY1" fmla="*/ 3843176 h 3882461"/>
+              <a:gd name="connsiteX2" fmla="*/ 543340 w 923344"/>
+              <a:gd name="connsiteY2" fmla="*/ 3710654 h 3882461"/>
+              <a:gd name="connsiteX3" fmla="*/ 914400 w 923344"/>
+              <a:gd name="connsiteY3" fmla="*/ 2027628 h 3882461"/>
+              <a:gd name="connsiteX4" fmla="*/ 738714 w 923344"/>
+              <a:gd name="connsiteY4" fmla="*/ 711498 h 3882461"/>
+              <a:gd name="connsiteX5" fmla="*/ 0 w 923344"/>
+              <a:gd name="connsiteY5" fmla="*/ 46 h 3882461"/>
+              <a:gd name="connsiteX0" fmla="*/ 119270 w 914513"/>
+              <a:gd name="connsiteY0" fmla="*/ 3856428 h 3889486"/>
+              <a:gd name="connsiteX1" fmla="*/ 251792 w 914513"/>
+              <a:gd name="connsiteY1" fmla="*/ 3843176 h 3889486"/>
+              <a:gd name="connsiteX2" fmla="*/ 726220 w 914513"/>
+              <a:gd name="connsiteY2" fmla="*/ 3301351 h 3889486"/>
+              <a:gd name="connsiteX3" fmla="*/ 914400 w 914513"/>
+              <a:gd name="connsiteY3" fmla="*/ 2027628 h 3889486"/>
+              <a:gd name="connsiteX4" fmla="*/ 738714 w 914513"/>
+              <a:gd name="connsiteY4" fmla="*/ 711498 h 3889486"/>
+              <a:gd name="connsiteX5" fmla="*/ 0 w 914513"/>
+              <a:gd name="connsiteY5" fmla="*/ 46 h 3889486"/>
+              <a:gd name="connsiteX0" fmla="*/ 119270 w 914513"/>
+              <a:gd name="connsiteY0" fmla="*/ 3856428 h 3857047"/>
+              <a:gd name="connsiteX1" fmla="*/ 495632 w 914513"/>
+              <a:gd name="connsiteY1" fmla="*/ 3738673 h 3857047"/>
+              <a:gd name="connsiteX2" fmla="*/ 726220 w 914513"/>
+              <a:gd name="connsiteY2" fmla="*/ 3301351 h 3857047"/>
+              <a:gd name="connsiteX3" fmla="*/ 914400 w 914513"/>
+              <a:gd name="connsiteY3" fmla="*/ 2027628 h 3857047"/>
+              <a:gd name="connsiteX4" fmla="*/ 738714 w 914513"/>
+              <a:gd name="connsiteY4" fmla="*/ 711498 h 3857047"/>
+              <a:gd name="connsiteX5" fmla="*/ 0 w 914513"/>
+              <a:gd name="connsiteY5" fmla="*/ 46 h 3857047"/>
+              <a:gd name="connsiteX0" fmla="*/ 119270 w 914513"/>
+              <a:gd name="connsiteY0" fmla="*/ 3856428 h 3857047"/>
+              <a:gd name="connsiteX1" fmla="*/ 495632 w 914513"/>
+              <a:gd name="connsiteY1" fmla="*/ 3738673 h 3857047"/>
+              <a:gd name="connsiteX2" fmla="*/ 726220 w 914513"/>
+              <a:gd name="connsiteY2" fmla="*/ 3301351 h 3857047"/>
+              <a:gd name="connsiteX3" fmla="*/ 914400 w 914513"/>
+              <a:gd name="connsiteY3" fmla="*/ 2027628 h 3857047"/>
+              <a:gd name="connsiteX4" fmla="*/ 738714 w 914513"/>
+              <a:gd name="connsiteY4" fmla="*/ 711498 h 3857047"/>
+              <a:gd name="connsiteX5" fmla="*/ 0 w 914513"/>
+              <a:gd name="connsiteY5" fmla="*/ 46 h 3857047"/>
+              <a:gd name="connsiteX0" fmla="*/ 119270 w 914513"/>
+              <a:gd name="connsiteY0" fmla="*/ 3856428 h 3856428"/>
+              <a:gd name="connsiteX1" fmla="*/ 495632 w 914513"/>
+              <a:gd name="connsiteY1" fmla="*/ 3738673 h 3856428"/>
+              <a:gd name="connsiteX2" fmla="*/ 726220 w 914513"/>
+              <a:gd name="connsiteY2" fmla="*/ 3301351 h 3856428"/>
+              <a:gd name="connsiteX3" fmla="*/ 914400 w 914513"/>
+              <a:gd name="connsiteY3" fmla="*/ 2027628 h 3856428"/>
+              <a:gd name="connsiteX4" fmla="*/ 738714 w 914513"/>
+              <a:gd name="connsiteY4" fmla="*/ 711498 h 3856428"/>
+              <a:gd name="connsiteX5" fmla="*/ 0 w 914513"/>
+              <a:gd name="connsiteY5" fmla="*/ 46 h 3856428"/>
+              <a:gd name="connsiteX0" fmla="*/ 119270 w 914513"/>
+              <a:gd name="connsiteY0" fmla="*/ 3856428 h 3856428"/>
+              <a:gd name="connsiteX1" fmla="*/ 608843 w 914513"/>
+              <a:gd name="connsiteY1" fmla="*/ 3651587 h 3856428"/>
+              <a:gd name="connsiteX2" fmla="*/ 726220 w 914513"/>
+              <a:gd name="connsiteY2" fmla="*/ 3301351 h 3856428"/>
+              <a:gd name="connsiteX3" fmla="*/ 914400 w 914513"/>
+              <a:gd name="connsiteY3" fmla="*/ 2027628 h 3856428"/>
+              <a:gd name="connsiteX4" fmla="*/ 738714 w 914513"/>
+              <a:gd name="connsiteY4" fmla="*/ 711498 h 3856428"/>
+              <a:gd name="connsiteX5" fmla="*/ 0 w 914513"/>
+              <a:gd name="connsiteY5" fmla="*/ 46 h 3856428"/>
+              <a:gd name="connsiteX0" fmla="*/ 119270 w 914513"/>
+              <a:gd name="connsiteY0" fmla="*/ 3856428 h 3856428"/>
+              <a:gd name="connsiteX1" fmla="*/ 608843 w 914513"/>
+              <a:gd name="connsiteY1" fmla="*/ 3651587 h 3856428"/>
+              <a:gd name="connsiteX2" fmla="*/ 726220 w 914513"/>
+              <a:gd name="connsiteY2" fmla="*/ 3301351 h 3856428"/>
+              <a:gd name="connsiteX3" fmla="*/ 914400 w 914513"/>
+              <a:gd name="connsiteY3" fmla="*/ 2027628 h 3856428"/>
+              <a:gd name="connsiteX4" fmla="*/ 738714 w 914513"/>
+              <a:gd name="connsiteY4" fmla="*/ 711498 h 3856428"/>
+              <a:gd name="connsiteX5" fmla="*/ 0 w 914513"/>
+              <a:gd name="connsiteY5" fmla="*/ 46 h 3856428"/>
+              <a:gd name="connsiteX0" fmla="*/ 119270 w 916569"/>
+              <a:gd name="connsiteY0" fmla="*/ 3856428 h 3856428"/>
+              <a:gd name="connsiteX1" fmla="*/ 608843 w 916569"/>
+              <a:gd name="connsiteY1" fmla="*/ 3651587 h 3856428"/>
+              <a:gd name="connsiteX2" fmla="*/ 822014 w 916569"/>
+              <a:gd name="connsiteY2" fmla="*/ 3066220 h 3856428"/>
+              <a:gd name="connsiteX3" fmla="*/ 914400 w 916569"/>
+              <a:gd name="connsiteY3" fmla="*/ 2027628 h 3856428"/>
+              <a:gd name="connsiteX4" fmla="*/ 738714 w 916569"/>
+              <a:gd name="connsiteY4" fmla="*/ 711498 h 3856428"/>
+              <a:gd name="connsiteX5" fmla="*/ 0 w 916569"/>
+              <a:gd name="connsiteY5" fmla="*/ 46 h 3856428"/>
+              <a:gd name="connsiteX0" fmla="*/ 119270 w 914400"/>
+              <a:gd name="connsiteY0" fmla="*/ 3856428 h 3866970"/>
+              <a:gd name="connsiteX1" fmla="*/ 608843 w 914400"/>
+              <a:gd name="connsiteY1" fmla="*/ 3651587 h 3866970"/>
+              <a:gd name="connsiteX2" fmla="*/ 914400 w 914400"/>
+              <a:gd name="connsiteY2" fmla="*/ 2027628 h 3866970"/>
+              <a:gd name="connsiteX3" fmla="*/ 738714 w 914400"/>
+              <a:gd name="connsiteY3" fmla="*/ 711498 h 3866970"/>
+              <a:gd name="connsiteX4" fmla="*/ 0 w 914400"/>
+              <a:gd name="connsiteY4" fmla="*/ 46 h 3866970"/>
+              <a:gd name="connsiteX0" fmla="*/ 119270 w 915353"/>
+              <a:gd name="connsiteY0" fmla="*/ 3856428 h 3856428"/>
+              <a:gd name="connsiteX1" fmla="*/ 695929 w 915353"/>
+              <a:gd name="connsiteY1" fmla="*/ 3329370 h 3856428"/>
+              <a:gd name="connsiteX2" fmla="*/ 914400 w 915353"/>
+              <a:gd name="connsiteY2" fmla="*/ 2027628 h 3856428"/>
+              <a:gd name="connsiteX3" fmla="*/ 738714 w 915353"/>
+              <a:gd name="connsiteY3" fmla="*/ 711498 h 3856428"/>
+              <a:gd name="connsiteX4" fmla="*/ 0 w 915353"/>
+              <a:gd name="connsiteY4" fmla="*/ 46 h 3856428"/>
+              <a:gd name="connsiteX0" fmla="*/ 119270 w 914668"/>
+              <a:gd name="connsiteY0" fmla="*/ 3856437 h 3856437"/>
+              <a:gd name="connsiteX1" fmla="*/ 695929 w 914668"/>
+              <a:gd name="connsiteY1" fmla="*/ 3329379 h 3856437"/>
+              <a:gd name="connsiteX2" fmla="*/ 914400 w 914668"/>
+              <a:gd name="connsiteY2" fmla="*/ 2027637 h 3856437"/>
+              <a:gd name="connsiteX3" fmla="*/ 721297 w 914668"/>
+              <a:gd name="connsiteY3" fmla="*/ 641838 h 3856437"/>
+              <a:gd name="connsiteX4" fmla="*/ 0 w 914668"/>
+              <a:gd name="connsiteY4" fmla="*/ 55 h 3856437"/>
+            </a:gdLst>
+            <a:ahLst/>
+            <a:cxnLst>
+              <a:cxn ang="0">
+                <a:pos x="connsiteX0" y="connsiteY0"/>
+              </a:cxn>
+              <a:cxn ang="0">
+                <a:pos x="connsiteX1" y="connsiteY1"/>
+              </a:cxn>
+              <a:cxn ang="0">
+                <a:pos x="connsiteX2" y="connsiteY2"/>
+              </a:cxn>
+              <a:cxn ang="0">
+                <a:pos x="connsiteX3" y="connsiteY3"/>
+              </a:cxn>
+              <a:cxn ang="0">
+                <a:pos x="connsiteX4" y="connsiteY4"/>
+              </a:cxn>
+            </a:cxnLst>
+            <a:rect l="l" t="t" r="r" b="b"/>
+            <a:pathLst>
+              <a:path w="914668" h="3856437">
+                <a:moveTo>
+                  <a:pt x="119270" y="3856437"/>
+                </a:moveTo>
+                <a:cubicBezTo>
+                  <a:pt x="454992" y="3844541"/>
+                  <a:pt x="563407" y="3634179"/>
+                  <a:pt x="695929" y="3329379"/>
+                </a:cubicBezTo>
+                <a:cubicBezTo>
+                  <a:pt x="828451" y="3024579"/>
+                  <a:pt x="910172" y="2475560"/>
+                  <a:pt x="914400" y="2027637"/>
+                </a:cubicBezTo>
+                <a:cubicBezTo>
+                  <a:pt x="918628" y="1579714"/>
+                  <a:pt x="873697" y="979768"/>
+                  <a:pt x="721297" y="641838"/>
+                </a:cubicBezTo>
+                <a:cubicBezTo>
+                  <a:pt x="568897" y="303908"/>
+                  <a:pt x="341054" y="-4773"/>
+                  <a:pt x="0" y="55"/>
+                </a:cubicBezTo>
+              </a:path>
+            </a:pathLst>
+          </a:custGeom>
+          <a:noFill/>
+          <a:ln>
+            <a:headEnd type="none" w="med" len="med"/>
+            <a:tailEnd type="arrow" w="med" len="med"/>
+          </a:ln>
+        </p:spPr>
+        <p:style>
+          <a:lnRef idx="2">
+            <a:schemeClr val="accent1">
+              <a:shade val="50000"/>
+            </a:schemeClr>
+          </a:lnRef>
+          <a:fillRef idx="1">
+            <a:schemeClr val="accent1"/>
+          </a:fillRef>
+          <a:effectRef idx="0">
+            <a:schemeClr val="accent1"/>
+          </a:effectRef>
+          <a:fontRef idx="minor">
+            <a:schemeClr val="lt1"/>
+          </a:fontRef>
+        </p:style>
+        <p:txBody>
+          <a:bodyPr rtlCol="0" anchor="ctr"/>
+          <a:lstStyle/>
+          <a:p>
+            <a:pPr algn="ctr"/>
+            <a:endParaRPr lang="en-US"/>
+          </a:p>
+        </p:txBody>
+      </p:sp>
+      <p:sp>
+        <p:nvSpPr>
+          <p:cNvPr id="64" name="Rounded Rectangle 63"/>
+          <p:cNvSpPr/>
+          <p:nvPr/>
+        </p:nvSpPr>
+        <p:spPr>
+          <a:xfrm>
+            <a:off x="2866879" y="189592"/>
+            <a:ext cx="1264543" cy="314886"/>
+          </a:xfrm>
+          <a:prstGeom prst="roundRect">
+            <a:avLst/>
+          </a:prstGeom>
+          <a:ln w="28575">
+            <a:prstDash val="solid"/>
+          </a:ln>
+        </p:spPr>
+        <p:style>
+          <a:lnRef idx="1">
+            <a:schemeClr val="accent2"/>
+          </a:lnRef>
+          <a:fillRef idx="2">
+            <a:schemeClr val="accent2"/>
+          </a:fillRef>
+          <a:effectRef idx="1">
+            <a:schemeClr val="accent2"/>
+          </a:effectRef>
+          <a:fontRef idx="minor">
+            <a:schemeClr val="dk1"/>
+          </a:fontRef>
+        </p:style>
+        <p:txBody>
+          <a:bodyPr rtlCol="0" anchor="ctr"/>
+          <a:lstStyle/>
+          <a:p>
+            <a:pPr algn="ctr"/>
+            <a:r>
+              <a:rPr lang="en-US" dirty="0"/>
+              <a:t>(logout)</a:t>
+            </a:r>
+          </a:p>
+        </p:txBody>
+      </p:sp>
+      <p:sp>
+        <p:nvSpPr>
+          <p:cNvPr id="65" name="Rounded Rectangle 64"/>
+          <p:cNvSpPr/>
+          <p:nvPr/>
+        </p:nvSpPr>
+        <p:spPr>
+          <a:xfrm>
+            <a:off x="3808915" y="1055166"/>
+            <a:ext cx="1474308" cy="333055"/>
+          </a:xfrm>
+          <a:prstGeom prst="roundRect">
+            <a:avLst/>
+          </a:prstGeom>
+          <a:ln w="28575">
+            <a:prstDash val="sysDot"/>
+          </a:ln>
+        </p:spPr>
+        <p:style>
+          <a:lnRef idx="1">
+            <a:schemeClr val="accent2"/>
+          </a:lnRef>
+          <a:fillRef idx="2">
+            <a:schemeClr val="accent2"/>
+          </a:fillRef>
+          <a:effectRef idx="1">
+            <a:schemeClr val="accent2"/>
+          </a:effectRef>
+          <a:fontRef idx="minor">
+            <a:schemeClr val="dk1"/>
+          </a:fontRef>
+        </p:style>
+        <p:txBody>
+          <a:bodyPr rtlCol="0" anchor="ctr"/>
+          <a:lstStyle/>
+          <a:p>
+            <a:pPr algn="ctr"/>
+            <a:r>
+              <a:rPr lang="en-US" dirty="0"/>
+              <a:t>(</a:t>
+            </a:r>
+            <a:r>
+              <a:rPr lang="en-US" dirty="0" err="1" smtClean="0"/>
+              <a:t>loginAction</a:t>
+            </a:r>
+            <a:r>
+              <a:rPr lang="en-US" dirty="0"/>
+              <a:t>)</a:t>
+            </a:r>
+          </a:p>
+        </p:txBody>
+      </p:sp>
+      <p:sp>
+        <p:nvSpPr>
+          <p:cNvPr id="66" name="Freeform 65"/>
+          <p:cNvSpPr/>
+          <p:nvPr/>
+        </p:nvSpPr>
+        <p:spPr>
+          <a:xfrm flipH="1" flipV="1">
+            <a:off x="4209998" y="664278"/>
+            <a:ext cx="4320522" cy="133055"/>
+          </a:xfrm>
+          <a:custGeom>
+            <a:avLst/>
+            <a:gdLst>
+              <a:gd name="connsiteX0" fmla="*/ 0 w 1868556"/>
+              <a:gd name="connsiteY0" fmla="*/ 3458818 h 3458818"/>
+              <a:gd name="connsiteX1" fmla="*/ 172278 w 1868556"/>
+              <a:gd name="connsiteY1" fmla="*/ 3326296 h 3458818"/>
+              <a:gd name="connsiteX2" fmla="*/ 662609 w 1868556"/>
+              <a:gd name="connsiteY2" fmla="*/ 2756452 h 3458818"/>
+              <a:gd name="connsiteX3" fmla="*/ 874643 w 1868556"/>
+              <a:gd name="connsiteY3" fmla="*/ 1152939 h 3458818"/>
+              <a:gd name="connsiteX4" fmla="*/ 1152939 w 1868556"/>
+              <a:gd name="connsiteY4" fmla="*/ 477079 h 3458818"/>
+              <a:gd name="connsiteX5" fmla="*/ 1868556 w 1868556"/>
+              <a:gd name="connsiteY5" fmla="*/ 0 h 3458818"/>
+            </a:gdLst>
+            <a:ahLst/>
+            <a:cxnLst>
+              <a:cxn ang="0">
+                <a:pos x="connsiteX0" y="connsiteY0"/>
+              </a:cxn>
+              <a:cxn ang="0">
+                <a:pos x="connsiteX1" y="connsiteY1"/>
+              </a:cxn>
+              <a:cxn ang="0">
+                <a:pos x="connsiteX2" y="connsiteY2"/>
+              </a:cxn>
+              <a:cxn ang="0">
+                <a:pos x="connsiteX3" y="connsiteY3"/>
+              </a:cxn>
+              <a:cxn ang="0">
+                <a:pos x="connsiteX4" y="connsiteY4"/>
+              </a:cxn>
+              <a:cxn ang="0">
+                <a:pos x="connsiteX5" y="connsiteY5"/>
+              </a:cxn>
+            </a:cxnLst>
+            <a:rect l="l" t="t" r="r" b="b"/>
+            <a:pathLst>
+              <a:path w="1868556" h="3458818">
+                <a:moveTo>
+                  <a:pt x="0" y="3458818"/>
+                </a:moveTo>
+                <a:cubicBezTo>
+                  <a:pt x="30921" y="3451087"/>
+                  <a:pt x="61843" y="3443357"/>
+                  <a:pt x="172278" y="3326296"/>
+                </a:cubicBezTo>
+                <a:cubicBezTo>
+                  <a:pt x="282713" y="3209235"/>
+                  <a:pt x="545548" y="3118678"/>
+                  <a:pt x="662609" y="2756452"/>
+                </a:cubicBezTo>
+                <a:cubicBezTo>
+                  <a:pt x="779670" y="2394226"/>
+                  <a:pt x="792921" y="1532834"/>
+                  <a:pt x="874643" y="1152939"/>
+                </a:cubicBezTo>
+                <a:cubicBezTo>
+                  <a:pt x="956365" y="773043"/>
+                  <a:pt x="987287" y="669235"/>
+                  <a:pt x="1152939" y="477079"/>
+                </a:cubicBezTo>
+                <a:cubicBezTo>
+                  <a:pt x="1318591" y="284923"/>
+                  <a:pt x="1593573" y="142461"/>
+                  <a:pt x="1868556" y="0"/>
+                </a:cubicBezTo>
+              </a:path>
+            </a:pathLst>
+          </a:custGeom>
+          <a:noFill/>
+          <a:ln>
+            <a:solidFill>
+              <a:srgbClr val="C00000"/>
+            </a:solidFill>
+            <a:prstDash val="dash"/>
+            <a:headEnd type="arrow" w="med" len="med"/>
+            <a:tailEnd type="none" w="med" len="med"/>
+          </a:ln>
+        </p:spPr>
+        <p:style>
+          <a:lnRef idx="2">
+            <a:schemeClr val="accent1">
+              <a:shade val="50000"/>
+            </a:schemeClr>
+          </a:lnRef>
+          <a:fillRef idx="1">
+            <a:schemeClr val="accent1"/>
+          </a:fillRef>
+          <a:effectRef idx="0">
+            <a:schemeClr val="accent1"/>
+          </a:effectRef>
+          <a:fontRef idx="minor">
+            <a:schemeClr val="lt1"/>
+          </a:fontRef>
+        </p:style>
+        <p:txBody>
+          <a:bodyPr rtlCol="0" anchor="ctr"/>
+          <a:lstStyle/>
+          <a:p>
+            <a:pPr algn="ctr"/>
+            <a:endParaRPr lang="en-US"/>
+          </a:p>
+        </p:txBody>
+      </p:sp>
+      <p:sp>
+        <p:nvSpPr>
+          <p:cNvPr id="67" name="TextBox 66"/>
+          <p:cNvSpPr txBox="1"/>
+          <p:nvPr/>
+        </p:nvSpPr>
+        <p:spPr>
+          <a:xfrm>
+            <a:off x="4292814" y="430003"/>
+            <a:ext cx="1520160" cy="338554"/>
+          </a:xfrm>
+          <a:prstGeom prst="rect">
+            <a:avLst/>
+          </a:prstGeom>
+          <a:noFill/>
+        </p:spPr>
+        <p:txBody>
+          <a:bodyPr wrap="none" rtlCol="0">
+            <a:spAutoFit/>
+          </a:bodyPr>
+          <a:lstStyle/>
+          <a:p>
+            <a:r>
+              <a:rPr lang="en-US" sz="1600" dirty="0" smtClean="0">
+                <a:solidFill>
+                  <a:srgbClr val="00B0F0"/>
+                </a:solidFill>
+              </a:rPr>
+              <a:t>logged </a:t>
+            </a:r>
+            <a:r>
+              <a:rPr lang="en-US" sz="1600" dirty="0" smtClean="0">
+                <a:solidFill>
+                  <a:srgbClr val="00B0F0"/>
+                </a:solidFill>
+              </a:rPr>
+              <a:t>in &amp;  </a:t>
+            </a:r>
+            <a:r>
+              <a:rPr lang="en-US" sz="1600" dirty="0" smtClean="0">
+                <a:solidFill>
+                  <a:srgbClr val="00B0F0"/>
+                </a:solidFill>
+              </a:rPr>
+              <a:t>‘go’</a:t>
+            </a:r>
+            <a:endParaRPr lang="en-US" sz="1600" dirty="0">
+              <a:solidFill>
+                <a:srgbClr val="00B0F0"/>
+              </a:solidFill>
+            </a:endParaRPr>
+          </a:p>
+        </p:txBody>
+      </p:sp>
+      <p:sp>
+        <p:nvSpPr>
+          <p:cNvPr id="68" name="TextBox 67"/>
+          <p:cNvSpPr txBox="1"/>
+          <p:nvPr/>
+        </p:nvSpPr>
+        <p:spPr>
+          <a:xfrm>
+            <a:off x="2503239" y="970378"/>
+            <a:ext cx="1311000" cy="338554"/>
+          </a:xfrm>
+          <a:prstGeom prst="rect">
+            <a:avLst/>
+          </a:prstGeom>
+          <a:noFill/>
+        </p:spPr>
+        <p:txBody>
+          <a:bodyPr wrap="none" rtlCol="0">
+            <a:spAutoFit/>
+          </a:bodyPr>
+          <a:lstStyle/>
+          <a:p>
+            <a:pPr algn="ctr"/>
+            <a:r>
+              <a:rPr lang="en-US" sz="1600" dirty="0" smtClean="0">
+                <a:solidFill>
+                  <a:srgbClr val="00B0F0"/>
+                </a:solidFill>
+              </a:rPr>
+              <a:t>If anonymous</a:t>
+            </a:r>
+            <a:endParaRPr lang="en-US" sz="1600" dirty="0">
+              <a:solidFill>
+                <a:srgbClr val="00B0F0"/>
+              </a:solidFill>
+            </a:endParaRPr>
+          </a:p>
+        </p:txBody>
+      </p:sp>
+      <p:sp>
+        <p:nvSpPr>
+          <p:cNvPr id="69" name="TextBox 68"/>
+          <p:cNvSpPr txBox="1"/>
+          <p:nvPr/>
+        </p:nvSpPr>
+        <p:spPr>
+          <a:xfrm>
+            <a:off x="7986591" y="5972833"/>
+            <a:ext cx="638316" cy="338554"/>
+          </a:xfrm>
+          <a:prstGeom prst="rect">
+            <a:avLst/>
+          </a:prstGeom>
+          <a:noFill/>
+        </p:spPr>
+        <p:txBody>
+          <a:bodyPr wrap="none" rtlCol="0">
+            <a:spAutoFit/>
+          </a:bodyPr>
+          <a:lstStyle/>
+          <a:p>
+            <a:r>
+              <a:rPr lang="en-US" sz="1600" dirty="0" smtClean="0">
+                <a:solidFill>
+                  <a:srgbClr val="00B0F0"/>
+                </a:solidFill>
+              </a:rPr>
+              <a:t>if ‘go’</a:t>
+            </a:r>
+            <a:endParaRPr lang="en-US" sz="1600" dirty="0">
+              <a:solidFill>
+                <a:srgbClr val="00B0F0"/>
+              </a:solidFill>
+            </a:endParaRPr>
+          </a:p>
+        </p:txBody>
+      </p:sp>
+      <p:sp>
+        <p:nvSpPr>
+          <p:cNvPr id="70" name="TextBox 69"/>
+          <p:cNvSpPr txBox="1"/>
+          <p:nvPr/>
+        </p:nvSpPr>
+        <p:spPr>
+          <a:xfrm>
+            <a:off x="162438" y="5319264"/>
+            <a:ext cx="641522" cy="584775"/>
+          </a:xfrm>
+          <a:prstGeom prst="rect">
+            <a:avLst/>
+          </a:prstGeom>
+          <a:noFill/>
+        </p:spPr>
+        <p:txBody>
+          <a:bodyPr wrap="none" rtlCol="0">
+            <a:spAutoFit/>
+          </a:bodyPr>
+          <a:lstStyle/>
+          <a:p>
+            <a:r>
+              <a:rPr lang="en-US" sz="1600" dirty="0" smtClean="0">
+                <a:solidFill>
+                  <a:srgbClr val="C00000"/>
+                </a:solidFill>
+              </a:rPr>
+              <a:t>from</a:t>
+            </a:r>
+          </a:p>
+          <a:p>
+            <a:r>
+              <a:rPr lang="en-US" sz="1600" dirty="0" smtClean="0">
+                <a:solidFill>
+                  <a:srgbClr val="C00000"/>
+                </a:solidFill>
+              </a:rPr>
+              <a:t>email</a:t>
+            </a:r>
+          </a:p>
+        </p:txBody>
+      </p:sp>
+      <p:sp>
+        <p:nvSpPr>
+          <p:cNvPr id="71" name="TextBox 70"/>
+          <p:cNvSpPr txBox="1"/>
+          <p:nvPr/>
+        </p:nvSpPr>
+        <p:spPr>
+          <a:xfrm>
+            <a:off x="388052" y="439405"/>
+            <a:ext cx="588494" cy="584775"/>
+          </a:xfrm>
+          <a:prstGeom prst="rect">
+            <a:avLst/>
+          </a:prstGeom>
+          <a:noFill/>
+        </p:spPr>
+        <p:txBody>
+          <a:bodyPr wrap="none" rtlCol="0">
+            <a:spAutoFit/>
+          </a:bodyPr>
+          <a:lstStyle/>
+          <a:p>
+            <a:r>
+              <a:rPr lang="en-US" sz="1600" dirty="0" smtClean="0">
+                <a:solidFill>
+                  <a:srgbClr val="C00000"/>
+                </a:solidFill>
+              </a:rPr>
+              <a:t>from</a:t>
+            </a:r>
+          </a:p>
+          <a:p>
+            <a:r>
+              <a:rPr lang="en-US" sz="1600" dirty="0" smtClean="0">
+                <a:solidFill>
+                  <a:srgbClr val="C00000"/>
+                </a:solidFill>
+              </a:rPr>
+              <a:t>app</a:t>
+            </a:r>
+          </a:p>
+        </p:txBody>
+      </p:sp>
+      <p:sp>
+        <p:nvSpPr>
+          <p:cNvPr id="73" name="TextBox 72"/>
+          <p:cNvSpPr txBox="1"/>
+          <p:nvPr/>
+        </p:nvSpPr>
+        <p:spPr>
+          <a:xfrm>
+            <a:off x="3862857" y="5665350"/>
+            <a:ext cx="859915" cy="338554"/>
+          </a:xfrm>
+          <a:prstGeom prst="rect">
+            <a:avLst/>
+          </a:prstGeom>
+          <a:noFill/>
+        </p:spPr>
+        <p:txBody>
+          <a:bodyPr wrap="none" rtlCol="0">
+            <a:spAutoFit/>
+          </a:bodyPr>
+          <a:lstStyle/>
+          <a:p>
+            <a:r>
+              <a:rPr lang="en-US" sz="1600" dirty="0" smtClean="0">
+                <a:solidFill>
+                  <a:srgbClr val="00B0F0"/>
+                </a:solidFill>
+              </a:rPr>
+              <a:t>if match</a:t>
+            </a:r>
+            <a:endParaRPr lang="en-US" sz="1600" dirty="0">
+              <a:solidFill>
+                <a:srgbClr val="00B0F0"/>
+              </a:solidFill>
+            </a:endParaRPr>
+          </a:p>
+        </p:txBody>
+      </p:sp>
+      <p:sp>
+        <p:nvSpPr>
+          <p:cNvPr id="76" name="TextBox 75"/>
+          <p:cNvSpPr txBox="1"/>
+          <p:nvPr/>
+        </p:nvSpPr>
+        <p:spPr>
+          <a:xfrm>
+            <a:off x="3288391" y="4879342"/>
+            <a:ext cx="704424" cy="584775"/>
+          </a:xfrm>
+          <a:prstGeom prst="rect">
+            <a:avLst/>
+          </a:prstGeom>
+          <a:noFill/>
+        </p:spPr>
+        <p:txBody>
+          <a:bodyPr wrap="none" rtlCol="0">
+            <a:spAutoFit/>
+          </a:bodyPr>
+          <a:lstStyle/>
+          <a:p>
+            <a:r>
+              <a:rPr lang="en-US" sz="1600" dirty="0" smtClean="0">
+                <a:solidFill>
+                  <a:srgbClr val="00B0F0"/>
+                </a:solidFill>
+              </a:rPr>
+              <a:t>     no</a:t>
+            </a:r>
+          </a:p>
+          <a:p>
+            <a:r>
+              <a:rPr lang="en-US" sz="1600" dirty="0" smtClean="0">
+                <a:solidFill>
+                  <a:srgbClr val="00B0F0"/>
+                </a:solidFill>
+              </a:rPr>
+              <a:t>match</a:t>
+            </a:r>
+            <a:endParaRPr lang="en-US" sz="1600" dirty="0">
+              <a:solidFill>
+                <a:srgbClr val="00B0F0"/>
+              </a:solidFill>
+            </a:endParaRPr>
+          </a:p>
+        </p:txBody>
+      </p:sp>
+      <p:sp>
+        <p:nvSpPr>
+          <p:cNvPr id="53" name="Freeform 52"/>
+          <p:cNvSpPr/>
+          <p:nvPr/>
+        </p:nvSpPr>
+        <p:spPr>
+          <a:xfrm>
+            <a:off x="3500673" y="4855562"/>
+            <a:ext cx="518053" cy="698829"/>
+          </a:xfrm>
+          <a:custGeom>
+            <a:avLst/>
+            <a:gdLst>
+              <a:gd name="connsiteX0" fmla="*/ 119270 w 914521"/>
+              <a:gd name="connsiteY0" fmla="*/ 3964491 h 3990524"/>
+              <a:gd name="connsiteX1" fmla="*/ 251792 w 914521"/>
+              <a:gd name="connsiteY1" fmla="*/ 3951239 h 3990524"/>
+              <a:gd name="connsiteX2" fmla="*/ 543340 w 914521"/>
+              <a:gd name="connsiteY2" fmla="*/ 3818717 h 3990524"/>
+              <a:gd name="connsiteX3" fmla="*/ 914400 w 914521"/>
+              <a:gd name="connsiteY3" fmla="*/ 2135691 h 3990524"/>
+              <a:gd name="connsiteX4" fmla="*/ 503583 w 914521"/>
+              <a:gd name="connsiteY4" fmla="*/ 227378 h 3990524"/>
+              <a:gd name="connsiteX5" fmla="*/ 0 w 914521"/>
+              <a:gd name="connsiteY5" fmla="*/ 108109 h 3990524"/>
+              <a:gd name="connsiteX0" fmla="*/ 119270 w 923344"/>
+              <a:gd name="connsiteY0" fmla="*/ 3872158 h 3898191"/>
+              <a:gd name="connsiteX1" fmla="*/ 251792 w 923344"/>
+              <a:gd name="connsiteY1" fmla="*/ 3858906 h 3898191"/>
+              <a:gd name="connsiteX2" fmla="*/ 543340 w 923344"/>
+              <a:gd name="connsiteY2" fmla="*/ 3726384 h 3898191"/>
+              <a:gd name="connsiteX3" fmla="*/ 914400 w 923344"/>
+              <a:gd name="connsiteY3" fmla="*/ 2043358 h 3898191"/>
+              <a:gd name="connsiteX4" fmla="*/ 738714 w 923344"/>
+              <a:gd name="connsiteY4" fmla="*/ 727228 h 3898191"/>
+              <a:gd name="connsiteX5" fmla="*/ 0 w 923344"/>
+              <a:gd name="connsiteY5" fmla="*/ 15776 h 3898191"/>
+              <a:gd name="connsiteX0" fmla="*/ 119270 w 923344"/>
+              <a:gd name="connsiteY0" fmla="*/ 3856428 h 3882461"/>
+              <a:gd name="connsiteX1" fmla="*/ 251792 w 923344"/>
+              <a:gd name="connsiteY1" fmla="*/ 3843176 h 3882461"/>
+              <a:gd name="connsiteX2" fmla="*/ 543340 w 923344"/>
+              <a:gd name="connsiteY2" fmla="*/ 3710654 h 3882461"/>
+              <a:gd name="connsiteX3" fmla="*/ 914400 w 923344"/>
+              <a:gd name="connsiteY3" fmla="*/ 2027628 h 3882461"/>
+              <a:gd name="connsiteX4" fmla="*/ 738714 w 923344"/>
+              <a:gd name="connsiteY4" fmla="*/ 711498 h 3882461"/>
+              <a:gd name="connsiteX5" fmla="*/ 0 w 923344"/>
+              <a:gd name="connsiteY5" fmla="*/ 46 h 3882461"/>
+              <a:gd name="connsiteX0" fmla="*/ 119270 w 914513"/>
+              <a:gd name="connsiteY0" fmla="*/ 3856428 h 3889486"/>
+              <a:gd name="connsiteX1" fmla="*/ 251792 w 914513"/>
+              <a:gd name="connsiteY1" fmla="*/ 3843176 h 3889486"/>
+              <a:gd name="connsiteX2" fmla="*/ 726220 w 914513"/>
+              <a:gd name="connsiteY2" fmla="*/ 3301351 h 3889486"/>
+              <a:gd name="connsiteX3" fmla="*/ 914400 w 914513"/>
+              <a:gd name="connsiteY3" fmla="*/ 2027628 h 3889486"/>
+              <a:gd name="connsiteX4" fmla="*/ 738714 w 914513"/>
+              <a:gd name="connsiteY4" fmla="*/ 711498 h 3889486"/>
+              <a:gd name="connsiteX5" fmla="*/ 0 w 914513"/>
+              <a:gd name="connsiteY5" fmla="*/ 46 h 3889486"/>
+              <a:gd name="connsiteX0" fmla="*/ 119270 w 914513"/>
+              <a:gd name="connsiteY0" fmla="*/ 3856428 h 3857047"/>
+              <a:gd name="connsiteX1" fmla="*/ 495632 w 914513"/>
+              <a:gd name="connsiteY1" fmla="*/ 3738673 h 3857047"/>
+              <a:gd name="connsiteX2" fmla="*/ 726220 w 914513"/>
+              <a:gd name="connsiteY2" fmla="*/ 3301351 h 3857047"/>
+              <a:gd name="connsiteX3" fmla="*/ 914400 w 914513"/>
+              <a:gd name="connsiteY3" fmla="*/ 2027628 h 3857047"/>
+              <a:gd name="connsiteX4" fmla="*/ 738714 w 914513"/>
+              <a:gd name="connsiteY4" fmla="*/ 711498 h 3857047"/>
+              <a:gd name="connsiteX5" fmla="*/ 0 w 914513"/>
+              <a:gd name="connsiteY5" fmla="*/ 46 h 3857047"/>
+              <a:gd name="connsiteX0" fmla="*/ 119270 w 914513"/>
+              <a:gd name="connsiteY0" fmla="*/ 3856428 h 3857047"/>
+              <a:gd name="connsiteX1" fmla="*/ 495632 w 914513"/>
+              <a:gd name="connsiteY1" fmla="*/ 3738673 h 3857047"/>
+              <a:gd name="connsiteX2" fmla="*/ 726220 w 914513"/>
+              <a:gd name="connsiteY2" fmla="*/ 3301351 h 3857047"/>
+              <a:gd name="connsiteX3" fmla="*/ 914400 w 914513"/>
+              <a:gd name="connsiteY3" fmla="*/ 2027628 h 3857047"/>
+              <a:gd name="connsiteX4" fmla="*/ 738714 w 914513"/>
+              <a:gd name="connsiteY4" fmla="*/ 711498 h 3857047"/>
+              <a:gd name="connsiteX5" fmla="*/ 0 w 914513"/>
+              <a:gd name="connsiteY5" fmla="*/ 46 h 3857047"/>
+              <a:gd name="connsiteX0" fmla="*/ 119270 w 914513"/>
+              <a:gd name="connsiteY0" fmla="*/ 3856428 h 3856428"/>
+              <a:gd name="connsiteX1" fmla="*/ 495632 w 914513"/>
+              <a:gd name="connsiteY1" fmla="*/ 3738673 h 3856428"/>
+              <a:gd name="connsiteX2" fmla="*/ 726220 w 914513"/>
+              <a:gd name="connsiteY2" fmla="*/ 3301351 h 3856428"/>
+              <a:gd name="connsiteX3" fmla="*/ 914400 w 914513"/>
+              <a:gd name="connsiteY3" fmla="*/ 2027628 h 3856428"/>
+              <a:gd name="connsiteX4" fmla="*/ 738714 w 914513"/>
+              <a:gd name="connsiteY4" fmla="*/ 711498 h 3856428"/>
+              <a:gd name="connsiteX5" fmla="*/ 0 w 914513"/>
+              <a:gd name="connsiteY5" fmla="*/ 46 h 3856428"/>
+              <a:gd name="connsiteX0" fmla="*/ 119270 w 914513"/>
+              <a:gd name="connsiteY0" fmla="*/ 3856428 h 3856428"/>
+              <a:gd name="connsiteX1" fmla="*/ 608843 w 914513"/>
+              <a:gd name="connsiteY1" fmla="*/ 3651587 h 3856428"/>
+              <a:gd name="connsiteX2" fmla="*/ 726220 w 914513"/>
+              <a:gd name="connsiteY2" fmla="*/ 3301351 h 3856428"/>
+              <a:gd name="connsiteX3" fmla="*/ 914400 w 914513"/>
+              <a:gd name="connsiteY3" fmla="*/ 2027628 h 3856428"/>
+              <a:gd name="connsiteX4" fmla="*/ 738714 w 914513"/>
+              <a:gd name="connsiteY4" fmla="*/ 711498 h 3856428"/>
+              <a:gd name="connsiteX5" fmla="*/ 0 w 914513"/>
+              <a:gd name="connsiteY5" fmla="*/ 46 h 3856428"/>
+              <a:gd name="connsiteX0" fmla="*/ 119270 w 914513"/>
+              <a:gd name="connsiteY0" fmla="*/ 3856428 h 3856428"/>
+              <a:gd name="connsiteX1" fmla="*/ 608843 w 914513"/>
+              <a:gd name="connsiteY1" fmla="*/ 3651587 h 3856428"/>
+              <a:gd name="connsiteX2" fmla="*/ 726220 w 914513"/>
+              <a:gd name="connsiteY2" fmla="*/ 3301351 h 3856428"/>
+              <a:gd name="connsiteX3" fmla="*/ 914400 w 914513"/>
+              <a:gd name="connsiteY3" fmla="*/ 2027628 h 3856428"/>
+              <a:gd name="connsiteX4" fmla="*/ 738714 w 914513"/>
+              <a:gd name="connsiteY4" fmla="*/ 711498 h 3856428"/>
+              <a:gd name="connsiteX5" fmla="*/ 0 w 914513"/>
+              <a:gd name="connsiteY5" fmla="*/ 46 h 3856428"/>
+              <a:gd name="connsiteX0" fmla="*/ 119270 w 916569"/>
+              <a:gd name="connsiteY0" fmla="*/ 3856428 h 3856428"/>
+              <a:gd name="connsiteX1" fmla="*/ 608843 w 916569"/>
+              <a:gd name="connsiteY1" fmla="*/ 3651587 h 3856428"/>
+              <a:gd name="connsiteX2" fmla="*/ 822014 w 916569"/>
+              <a:gd name="connsiteY2" fmla="*/ 3066220 h 3856428"/>
+              <a:gd name="connsiteX3" fmla="*/ 914400 w 916569"/>
+              <a:gd name="connsiteY3" fmla="*/ 2027628 h 3856428"/>
+              <a:gd name="connsiteX4" fmla="*/ 738714 w 916569"/>
+              <a:gd name="connsiteY4" fmla="*/ 711498 h 3856428"/>
+              <a:gd name="connsiteX5" fmla="*/ 0 w 916569"/>
+              <a:gd name="connsiteY5" fmla="*/ 46 h 3856428"/>
+              <a:gd name="connsiteX0" fmla="*/ 119270 w 914400"/>
+              <a:gd name="connsiteY0" fmla="*/ 3856428 h 3866970"/>
+              <a:gd name="connsiteX1" fmla="*/ 608843 w 914400"/>
+              <a:gd name="connsiteY1" fmla="*/ 3651587 h 3866970"/>
+              <a:gd name="connsiteX2" fmla="*/ 914400 w 914400"/>
+              <a:gd name="connsiteY2" fmla="*/ 2027628 h 3866970"/>
+              <a:gd name="connsiteX3" fmla="*/ 738714 w 914400"/>
+              <a:gd name="connsiteY3" fmla="*/ 711498 h 3866970"/>
+              <a:gd name="connsiteX4" fmla="*/ 0 w 914400"/>
+              <a:gd name="connsiteY4" fmla="*/ 46 h 3866970"/>
+              <a:gd name="connsiteX0" fmla="*/ 119270 w 915353"/>
+              <a:gd name="connsiteY0" fmla="*/ 3856428 h 3856428"/>
+              <a:gd name="connsiteX1" fmla="*/ 695929 w 915353"/>
+              <a:gd name="connsiteY1" fmla="*/ 3329370 h 3856428"/>
+              <a:gd name="connsiteX2" fmla="*/ 914400 w 915353"/>
+              <a:gd name="connsiteY2" fmla="*/ 2027628 h 3856428"/>
+              <a:gd name="connsiteX3" fmla="*/ 738714 w 915353"/>
+              <a:gd name="connsiteY3" fmla="*/ 711498 h 3856428"/>
+              <a:gd name="connsiteX4" fmla="*/ 0 w 915353"/>
+              <a:gd name="connsiteY4" fmla="*/ 46 h 3856428"/>
+              <a:gd name="connsiteX0" fmla="*/ 119270 w 914668"/>
+              <a:gd name="connsiteY0" fmla="*/ 3856437 h 3856437"/>
+              <a:gd name="connsiteX1" fmla="*/ 695929 w 914668"/>
+              <a:gd name="connsiteY1" fmla="*/ 3329379 h 3856437"/>
+              <a:gd name="connsiteX2" fmla="*/ 914400 w 914668"/>
+              <a:gd name="connsiteY2" fmla="*/ 2027637 h 3856437"/>
+              <a:gd name="connsiteX3" fmla="*/ 721297 w 914668"/>
+              <a:gd name="connsiteY3" fmla="*/ 641838 h 3856437"/>
+              <a:gd name="connsiteX4" fmla="*/ 0 w 914668"/>
+              <a:gd name="connsiteY4" fmla="*/ 55 h 3856437"/>
+            </a:gdLst>
+            <a:ahLst/>
+            <a:cxnLst>
+              <a:cxn ang="0">
+                <a:pos x="connsiteX0" y="connsiteY0"/>
+              </a:cxn>
+              <a:cxn ang="0">
+                <a:pos x="connsiteX1" y="connsiteY1"/>
+              </a:cxn>
+              <a:cxn ang="0">
+                <a:pos x="connsiteX2" y="connsiteY2"/>
+              </a:cxn>
+              <a:cxn ang="0">
+                <a:pos x="connsiteX3" y="connsiteY3"/>
+              </a:cxn>
+              <a:cxn ang="0">
+                <a:pos x="connsiteX4" y="connsiteY4"/>
+              </a:cxn>
+            </a:cxnLst>
+            <a:rect l="l" t="t" r="r" b="b"/>
+            <a:pathLst>
+              <a:path w="914668" h="3856437">
+                <a:moveTo>
+                  <a:pt x="119270" y="3856437"/>
+                </a:moveTo>
+                <a:cubicBezTo>
+                  <a:pt x="454992" y="3844541"/>
+                  <a:pt x="563407" y="3634179"/>
+                  <a:pt x="695929" y="3329379"/>
+                </a:cubicBezTo>
+                <a:cubicBezTo>
+                  <a:pt x="828451" y="3024579"/>
+                  <a:pt x="910172" y="2475560"/>
+                  <a:pt x="914400" y="2027637"/>
+                </a:cubicBezTo>
+                <a:cubicBezTo>
+                  <a:pt x="918628" y="1579714"/>
+                  <a:pt x="873697" y="979768"/>
+                  <a:pt x="721297" y="641838"/>
+                </a:cubicBezTo>
+                <a:cubicBezTo>
+                  <a:pt x="568897" y="303908"/>
+                  <a:pt x="341054" y="-4773"/>
+                  <a:pt x="0" y="55"/>
+                </a:cubicBezTo>
+              </a:path>
+            </a:pathLst>
+          </a:custGeom>
+          <a:noFill/>
+          <a:ln>
+            <a:solidFill>
+              <a:schemeClr val="accent5">
+                <a:lumMod val="60000"/>
+                <a:lumOff val="40000"/>
+              </a:schemeClr>
+            </a:solidFill>
+            <a:headEnd type="none" w="med" len="med"/>
+            <a:tailEnd type="arrow" w="med" len="med"/>
+          </a:ln>
+        </p:spPr>
+        <p:style>
+          <a:lnRef idx="2">
+            <a:schemeClr val="accent1">
+              <a:shade val="50000"/>
+            </a:schemeClr>
+          </a:lnRef>
+          <a:fillRef idx="1">
+            <a:schemeClr val="accent1"/>
+          </a:fillRef>
+          <a:effectRef idx="0">
+            <a:schemeClr val="accent1"/>
+          </a:effectRef>
+          <a:fontRef idx="minor">
+            <a:schemeClr val="lt1"/>
+          </a:fontRef>
+        </p:style>
+        <p:txBody>
+          <a:bodyPr rtlCol="0" anchor="ctr"/>
+          <a:lstStyle/>
+          <a:p>
+            <a:pPr algn="ctr"/>
+            <a:endParaRPr lang="en-US"/>
+          </a:p>
+        </p:txBody>
+      </p:sp>
+      <p:sp>
+        <p:nvSpPr>
+          <p:cNvPr id="54" name="TextBox 53"/>
+          <p:cNvSpPr txBox="1"/>
+          <p:nvPr/>
+        </p:nvSpPr>
+        <p:spPr>
+          <a:xfrm>
+            <a:off x="7476267" y="5126266"/>
+            <a:ext cx="609334" cy="338554"/>
+          </a:xfrm>
+          <a:prstGeom prst="rect">
+            <a:avLst/>
+          </a:prstGeom>
+          <a:noFill/>
+        </p:spPr>
+        <p:txBody>
+          <a:bodyPr wrap="none" rtlCol="0">
+            <a:spAutoFit/>
+          </a:bodyPr>
+          <a:lstStyle/>
+          <a:p>
+            <a:r>
+              <a:rPr lang="en-US" sz="1600" dirty="0" smtClean="0">
+                <a:solidFill>
+                  <a:srgbClr val="00B0F0"/>
+                </a:solidFill>
+              </a:rPr>
+              <a:t>error</a:t>
+            </a:r>
+            <a:endParaRPr lang="en-US" sz="1600" dirty="0">
+              <a:solidFill>
+                <a:srgbClr val="00B0F0"/>
+              </a:solidFill>
+            </a:endParaRPr>
+          </a:p>
+        </p:txBody>
+      </p:sp>
+      <p:sp>
+        <p:nvSpPr>
+          <p:cNvPr id="56" name="Freeform 55"/>
+          <p:cNvSpPr/>
+          <p:nvPr/>
+        </p:nvSpPr>
+        <p:spPr>
+          <a:xfrm>
+            <a:off x="7578629" y="5032678"/>
+            <a:ext cx="547552" cy="511051"/>
+          </a:xfrm>
+          <a:custGeom>
+            <a:avLst/>
+            <a:gdLst>
+              <a:gd name="connsiteX0" fmla="*/ 119270 w 914521"/>
+              <a:gd name="connsiteY0" fmla="*/ 3964491 h 3990524"/>
+              <a:gd name="connsiteX1" fmla="*/ 251792 w 914521"/>
+              <a:gd name="connsiteY1" fmla="*/ 3951239 h 3990524"/>
+              <a:gd name="connsiteX2" fmla="*/ 543340 w 914521"/>
+              <a:gd name="connsiteY2" fmla="*/ 3818717 h 3990524"/>
+              <a:gd name="connsiteX3" fmla="*/ 914400 w 914521"/>
+              <a:gd name="connsiteY3" fmla="*/ 2135691 h 3990524"/>
+              <a:gd name="connsiteX4" fmla="*/ 503583 w 914521"/>
+              <a:gd name="connsiteY4" fmla="*/ 227378 h 3990524"/>
+              <a:gd name="connsiteX5" fmla="*/ 0 w 914521"/>
+              <a:gd name="connsiteY5" fmla="*/ 108109 h 3990524"/>
+              <a:gd name="connsiteX0" fmla="*/ 119270 w 923344"/>
+              <a:gd name="connsiteY0" fmla="*/ 3872158 h 3898191"/>
+              <a:gd name="connsiteX1" fmla="*/ 251792 w 923344"/>
+              <a:gd name="connsiteY1" fmla="*/ 3858906 h 3898191"/>
+              <a:gd name="connsiteX2" fmla="*/ 543340 w 923344"/>
+              <a:gd name="connsiteY2" fmla="*/ 3726384 h 3898191"/>
+              <a:gd name="connsiteX3" fmla="*/ 914400 w 923344"/>
+              <a:gd name="connsiteY3" fmla="*/ 2043358 h 3898191"/>
+              <a:gd name="connsiteX4" fmla="*/ 738714 w 923344"/>
+              <a:gd name="connsiteY4" fmla="*/ 727228 h 3898191"/>
+              <a:gd name="connsiteX5" fmla="*/ 0 w 923344"/>
+              <a:gd name="connsiteY5" fmla="*/ 15776 h 3898191"/>
+              <a:gd name="connsiteX0" fmla="*/ 119270 w 923344"/>
+              <a:gd name="connsiteY0" fmla="*/ 3856428 h 3882461"/>
+              <a:gd name="connsiteX1" fmla="*/ 251792 w 923344"/>
+              <a:gd name="connsiteY1" fmla="*/ 3843176 h 3882461"/>
+              <a:gd name="connsiteX2" fmla="*/ 543340 w 923344"/>
+              <a:gd name="connsiteY2" fmla="*/ 3710654 h 3882461"/>
+              <a:gd name="connsiteX3" fmla="*/ 914400 w 923344"/>
+              <a:gd name="connsiteY3" fmla="*/ 2027628 h 3882461"/>
+              <a:gd name="connsiteX4" fmla="*/ 738714 w 923344"/>
+              <a:gd name="connsiteY4" fmla="*/ 711498 h 3882461"/>
+              <a:gd name="connsiteX5" fmla="*/ 0 w 923344"/>
+              <a:gd name="connsiteY5" fmla="*/ 46 h 3882461"/>
+              <a:gd name="connsiteX0" fmla="*/ 119270 w 914513"/>
+              <a:gd name="connsiteY0" fmla="*/ 3856428 h 3889486"/>
+              <a:gd name="connsiteX1" fmla="*/ 251792 w 914513"/>
+              <a:gd name="connsiteY1" fmla="*/ 3843176 h 3889486"/>
+              <a:gd name="connsiteX2" fmla="*/ 726220 w 914513"/>
+              <a:gd name="connsiteY2" fmla="*/ 3301351 h 3889486"/>
+              <a:gd name="connsiteX3" fmla="*/ 914400 w 914513"/>
+              <a:gd name="connsiteY3" fmla="*/ 2027628 h 3889486"/>
+              <a:gd name="connsiteX4" fmla="*/ 738714 w 914513"/>
+              <a:gd name="connsiteY4" fmla="*/ 711498 h 3889486"/>
+              <a:gd name="connsiteX5" fmla="*/ 0 w 914513"/>
+              <a:gd name="connsiteY5" fmla="*/ 46 h 3889486"/>
+              <a:gd name="connsiteX0" fmla="*/ 119270 w 914513"/>
+              <a:gd name="connsiteY0" fmla="*/ 3856428 h 3857047"/>
+              <a:gd name="connsiteX1" fmla="*/ 495632 w 914513"/>
+              <a:gd name="connsiteY1" fmla="*/ 3738673 h 3857047"/>
+              <a:gd name="connsiteX2" fmla="*/ 726220 w 914513"/>
+              <a:gd name="connsiteY2" fmla="*/ 3301351 h 3857047"/>
+              <a:gd name="connsiteX3" fmla="*/ 914400 w 914513"/>
+              <a:gd name="connsiteY3" fmla="*/ 2027628 h 3857047"/>
+              <a:gd name="connsiteX4" fmla="*/ 738714 w 914513"/>
+              <a:gd name="connsiteY4" fmla="*/ 711498 h 3857047"/>
+              <a:gd name="connsiteX5" fmla="*/ 0 w 914513"/>
+              <a:gd name="connsiteY5" fmla="*/ 46 h 3857047"/>
+              <a:gd name="connsiteX0" fmla="*/ 119270 w 914513"/>
+              <a:gd name="connsiteY0" fmla="*/ 3856428 h 3857047"/>
+              <a:gd name="connsiteX1" fmla="*/ 495632 w 914513"/>
+              <a:gd name="connsiteY1" fmla="*/ 3738673 h 3857047"/>
+              <a:gd name="connsiteX2" fmla="*/ 726220 w 914513"/>
+              <a:gd name="connsiteY2" fmla="*/ 3301351 h 3857047"/>
+              <a:gd name="connsiteX3" fmla="*/ 914400 w 914513"/>
+              <a:gd name="connsiteY3" fmla="*/ 2027628 h 3857047"/>
+              <a:gd name="connsiteX4" fmla="*/ 738714 w 914513"/>
+              <a:gd name="connsiteY4" fmla="*/ 711498 h 3857047"/>
+              <a:gd name="connsiteX5" fmla="*/ 0 w 914513"/>
+              <a:gd name="connsiteY5" fmla="*/ 46 h 3857047"/>
+              <a:gd name="connsiteX0" fmla="*/ 119270 w 914513"/>
+              <a:gd name="connsiteY0" fmla="*/ 3856428 h 3856428"/>
+              <a:gd name="connsiteX1" fmla="*/ 495632 w 914513"/>
+              <a:gd name="connsiteY1" fmla="*/ 3738673 h 3856428"/>
+              <a:gd name="connsiteX2" fmla="*/ 726220 w 914513"/>
+              <a:gd name="connsiteY2" fmla="*/ 3301351 h 3856428"/>
+              <a:gd name="connsiteX3" fmla="*/ 914400 w 914513"/>
+              <a:gd name="connsiteY3" fmla="*/ 2027628 h 3856428"/>
+              <a:gd name="connsiteX4" fmla="*/ 738714 w 914513"/>
+              <a:gd name="connsiteY4" fmla="*/ 711498 h 3856428"/>
+              <a:gd name="connsiteX5" fmla="*/ 0 w 914513"/>
+              <a:gd name="connsiteY5" fmla="*/ 46 h 3856428"/>
+              <a:gd name="connsiteX0" fmla="*/ 119270 w 914513"/>
+              <a:gd name="connsiteY0" fmla="*/ 3856428 h 3856428"/>
+              <a:gd name="connsiteX1" fmla="*/ 608843 w 914513"/>
+              <a:gd name="connsiteY1" fmla="*/ 3651587 h 3856428"/>
+              <a:gd name="connsiteX2" fmla="*/ 726220 w 914513"/>
+              <a:gd name="connsiteY2" fmla="*/ 3301351 h 3856428"/>
+              <a:gd name="connsiteX3" fmla="*/ 914400 w 914513"/>
+              <a:gd name="connsiteY3" fmla="*/ 2027628 h 3856428"/>
+              <a:gd name="connsiteX4" fmla="*/ 738714 w 914513"/>
+              <a:gd name="connsiteY4" fmla="*/ 711498 h 3856428"/>
+              <a:gd name="connsiteX5" fmla="*/ 0 w 914513"/>
+              <a:gd name="connsiteY5" fmla="*/ 46 h 3856428"/>
+              <a:gd name="connsiteX0" fmla="*/ 119270 w 914513"/>
+              <a:gd name="connsiteY0" fmla="*/ 3856428 h 3856428"/>
+              <a:gd name="connsiteX1" fmla="*/ 608843 w 914513"/>
+              <a:gd name="connsiteY1" fmla="*/ 3651587 h 3856428"/>
+              <a:gd name="connsiteX2" fmla="*/ 726220 w 914513"/>
+              <a:gd name="connsiteY2" fmla="*/ 3301351 h 3856428"/>
+              <a:gd name="connsiteX3" fmla="*/ 914400 w 914513"/>
+              <a:gd name="connsiteY3" fmla="*/ 2027628 h 3856428"/>
+              <a:gd name="connsiteX4" fmla="*/ 738714 w 914513"/>
+              <a:gd name="connsiteY4" fmla="*/ 711498 h 3856428"/>
+              <a:gd name="connsiteX5" fmla="*/ 0 w 914513"/>
+              <a:gd name="connsiteY5" fmla="*/ 46 h 3856428"/>
+              <a:gd name="connsiteX0" fmla="*/ 119270 w 916569"/>
+              <a:gd name="connsiteY0" fmla="*/ 3856428 h 3856428"/>
+              <a:gd name="connsiteX1" fmla="*/ 608843 w 916569"/>
+              <a:gd name="connsiteY1" fmla="*/ 3651587 h 3856428"/>
+              <a:gd name="connsiteX2" fmla="*/ 822014 w 916569"/>
+              <a:gd name="connsiteY2" fmla="*/ 3066220 h 3856428"/>
+              <a:gd name="connsiteX3" fmla="*/ 914400 w 916569"/>
+              <a:gd name="connsiteY3" fmla="*/ 2027628 h 3856428"/>
+              <a:gd name="connsiteX4" fmla="*/ 738714 w 916569"/>
+              <a:gd name="connsiteY4" fmla="*/ 711498 h 3856428"/>
+              <a:gd name="connsiteX5" fmla="*/ 0 w 916569"/>
+              <a:gd name="connsiteY5" fmla="*/ 46 h 3856428"/>
+              <a:gd name="connsiteX0" fmla="*/ 119270 w 914400"/>
+              <a:gd name="connsiteY0" fmla="*/ 3856428 h 3866970"/>
+              <a:gd name="connsiteX1" fmla="*/ 608843 w 914400"/>
+              <a:gd name="connsiteY1" fmla="*/ 3651587 h 3866970"/>
+              <a:gd name="connsiteX2" fmla="*/ 914400 w 914400"/>
+              <a:gd name="connsiteY2" fmla="*/ 2027628 h 3866970"/>
+              <a:gd name="connsiteX3" fmla="*/ 738714 w 914400"/>
+              <a:gd name="connsiteY3" fmla="*/ 711498 h 3866970"/>
+              <a:gd name="connsiteX4" fmla="*/ 0 w 914400"/>
+              <a:gd name="connsiteY4" fmla="*/ 46 h 3866970"/>
+              <a:gd name="connsiteX0" fmla="*/ 119270 w 915353"/>
+              <a:gd name="connsiteY0" fmla="*/ 3856428 h 3856428"/>
+              <a:gd name="connsiteX1" fmla="*/ 695929 w 915353"/>
+              <a:gd name="connsiteY1" fmla="*/ 3329370 h 3856428"/>
+              <a:gd name="connsiteX2" fmla="*/ 914400 w 915353"/>
+              <a:gd name="connsiteY2" fmla="*/ 2027628 h 3856428"/>
+              <a:gd name="connsiteX3" fmla="*/ 738714 w 915353"/>
+              <a:gd name="connsiteY3" fmla="*/ 711498 h 3856428"/>
+              <a:gd name="connsiteX4" fmla="*/ 0 w 915353"/>
+              <a:gd name="connsiteY4" fmla="*/ 46 h 3856428"/>
+              <a:gd name="connsiteX0" fmla="*/ 119270 w 914668"/>
+              <a:gd name="connsiteY0" fmla="*/ 3856437 h 3856437"/>
+              <a:gd name="connsiteX1" fmla="*/ 695929 w 914668"/>
+              <a:gd name="connsiteY1" fmla="*/ 3329379 h 3856437"/>
+              <a:gd name="connsiteX2" fmla="*/ 914400 w 914668"/>
+              <a:gd name="connsiteY2" fmla="*/ 2027637 h 3856437"/>
+              <a:gd name="connsiteX3" fmla="*/ 721297 w 914668"/>
+              <a:gd name="connsiteY3" fmla="*/ 641838 h 3856437"/>
+              <a:gd name="connsiteX4" fmla="*/ 0 w 914668"/>
+              <a:gd name="connsiteY4" fmla="*/ 55 h 3856437"/>
+            </a:gdLst>
+            <a:ahLst/>
+            <a:cxnLst>
+              <a:cxn ang="0">
+                <a:pos x="connsiteX0" y="connsiteY0"/>
+              </a:cxn>
+              <a:cxn ang="0">
+                <a:pos x="connsiteX1" y="connsiteY1"/>
+              </a:cxn>
+              <a:cxn ang="0">
+                <a:pos x="connsiteX2" y="connsiteY2"/>
+              </a:cxn>
+              <a:cxn ang="0">
+                <a:pos x="connsiteX3" y="connsiteY3"/>
+              </a:cxn>
+              <a:cxn ang="0">
+                <a:pos x="connsiteX4" y="connsiteY4"/>
+              </a:cxn>
+            </a:cxnLst>
+            <a:rect l="l" t="t" r="r" b="b"/>
+            <a:pathLst>
+              <a:path w="914668" h="3856437">
+                <a:moveTo>
+                  <a:pt x="119270" y="3856437"/>
+                </a:moveTo>
+                <a:cubicBezTo>
+                  <a:pt x="454992" y="3844541"/>
+                  <a:pt x="563407" y="3634179"/>
+                  <a:pt x="695929" y="3329379"/>
+                </a:cubicBezTo>
+                <a:cubicBezTo>
+                  <a:pt x="828451" y="3024579"/>
+                  <a:pt x="910172" y="2475560"/>
+                  <a:pt x="914400" y="2027637"/>
+                </a:cubicBezTo>
+                <a:cubicBezTo>
+                  <a:pt x="918628" y="1579714"/>
+                  <a:pt x="873697" y="979768"/>
+                  <a:pt x="721297" y="641838"/>
+                </a:cubicBezTo>
+                <a:cubicBezTo>
+                  <a:pt x="568897" y="303908"/>
+                  <a:pt x="341054" y="-4773"/>
+                  <a:pt x="0" y="55"/>
+                </a:cubicBezTo>
+              </a:path>
+            </a:pathLst>
+          </a:custGeom>
+          <a:noFill/>
+          <a:ln>
+            <a:solidFill>
+              <a:schemeClr val="accent5">
+                <a:lumMod val="60000"/>
+                <a:lumOff val="40000"/>
+              </a:schemeClr>
+            </a:solidFill>
+            <a:headEnd type="none" w="med" len="med"/>
+            <a:tailEnd type="arrow" w="med" len="med"/>
+          </a:ln>
+        </p:spPr>
+        <p:style>
+          <a:lnRef idx="2">
+            <a:schemeClr val="accent1">
+              <a:shade val="50000"/>
+            </a:schemeClr>
+          </a:lnRef>
+          <a:fillRef idx="1">
+            <a:schemeClr val="accent1"/>
+          </a:fillRef>
+          <a:effectRef idx="0">
+            <a:schemeClr val="accent1"/>
+          </a:effectRef>
+          <a:fontRef idx="minor">
+            <a:schemeClr val="lt1"/>
+          </a:fontRef>
+        </p:style>
+        <p:txBody>
+          <a:bodyPr rtlCol="0" anchor="ctr"/>
+          <a:lstStyle/>
+          <a:p>
+            <a:pPr algn="ctr"/>
+            <a:endParaRPr lang="en-US"/>
+          </a:p>
+        </p:txBody>
+      </p:sp>
+      <p:sp>
+        <p:nvSpPr>
+          <p:cNvPr id="57" name="Freeform 56"/>
+          <p:cNvSpPr/>
+          <p:nvPr/>
+        </p:nvSpPr>
+        <p:spPr>
+          <a:xfrm flipH="1" flipV="1">
+            <a:off x="3525346" y="6095241"/>
+            <a:ext cx="5178541" cy="204466"/>
+          </a:xfrm>
+          <a:custGeom>
+            <a:avLst/>
+            <a:gdLst>
+              <a:gd name="connsiteX0" fmla="*/ 0 w 596348"/>
+              <a:gd name="connsiteY0" fmla="*/ 5926 h 761300"/>
+              <a:gd name="connsiteX1" fmla="*/ 238539 w 596348"/>
+              <a:gd name="connsiteY1" fmla="*/ 19178 h 761300"/>
+              <a:gd name="connsiteX2" fmla="*/ 450574 w 596348"/>
+              <a:gd name="connsiteY2" fmla="*/ 164952 h 761300"/>
+              <a:gd name="connsiteX3" fmla="*/ 596348 w 596348"/>
+              <a:gd name="connsiteY3" fmla="*/ 761300 h 761300"/>
+            </a:gdLst>
+            <a:ahLst/>
+            <a:cxnLst>
+              <a:cxn ang="0">
+                <a:pos x="connsiteX0" y="connsiteY0"/>
+              </a:cxn>
+              <a:cxn ang="0">
+                <a:pos x="connsiteX1" y="connsiteY1"/>
+              </a:cxn>
+              <a:cxn ang="0">
+                <a:pos x="connsiteX2" y="connsiteY2"/>
+              </a:cxn>
+              <a:cxn ang="0">
+                <a:pos x="connsiteX3" y="connsiteY3"/>
+              </a:cxn>
+            </a:cxnLst>
+            <a:rect l="l" t="t" r="r" b="b"/>
+            <a:pathLst>
+              <a:path w="596348" h="761300">
+                <a:moveTo>
+                  <a:pt x="0" y="5926"/>
+                </a:moveTo>
+                <a:cubicBezTo>
+                  <a:pt x="81721" y="-700"/>
+                  <a:pt x="163443" y="-7326"/>
+                  <a:pt x="238539" y="19178"/>
+                </a:cubicBezTo>
+                <a:cubicBezTo>
+                  <a:pt x="313635" y="45682"/>
+                  <a:pt x="390939" y="41265"/>
+                  <a:pt x="450574" y="164952"/>
+                </a:cubicBezTo>
+                <a:cubicBezTo>
+                  <a:pt x="510209" y="288639"/>
+                  <a:pt x="553278" y="524969"/>
+                  <a:pt x="596348" y="761300"/>
+                </a:cubicBezTo>
+              </a:path>
+            </a:pathLst>
+          </a:custGeom>
+          <a:noFill/>
+          <a:ln>
+            <a:solidFill>
+              <a:srgbClr val="C00000"/>
+            </a:solidFill>
+            <a:prstDash val="dash"/>
+            <a:headEnd type="arrow" w="med" len="med"/>
+            <a:tailEnd type="none" w="med" len="med"/>
+          </a:ln>
+        </p:spPr>
+        <p:style>
+          <a:lnRef idx="2">
+            <a:schemeClr val="accent1">
+              <a:shade val="50000"/>
+            </a:schemeClr>
+          </a:lnRef>
+          <a:fillRef idx="1">
+            <a:schemeClr val="accent1"/>
+          </a:fillRef>
+          <a:effectRef idx="0">
+            <a:schemeClr val="accent1"/>
+          </a:effectRef>
+          <a:fontRef idx="minor">
+            <a:schemeClr val="lt1"/>
+          </a:fontRef>
+        </p:style>
+        <p:txBody>
+          <a:bodyPr rtlCol="0" anchor="ctr"/>
+          <a:lstStyle/>
+          <a:p>
+            <a:pPr algn="ctr"/>
+            <a:endParaRPr lang="en-US"/>
+          </a:p>
+        </p:txBody>
+      </p:sp>
+      <p:sp>
+        <p:nvSpPr>
+          <p:cNvPr id="58" name="TextBox 57"/>
+          <p:cNvSpPr txBox="1"/>
+          <p:nvPr/>
+        </p:nvSpPr>
+        <p:spPr>
+          <a:xfrm>
+            <a:off x="2055922" y="6258218"/>
+            <a:ext cx="4482637" cy="338554"/>
+          </a:xfrm>
+          <a:prstGeom prst="rect">
+            <a:avLst/>
+          </a:prstGeom>
+          <a:noFill/>
+        </p:spPr>
+        <p:txBody>
+          <a:bodyPr wrap="none" rtlCol="0">
+            <a:spAutoFit/>
+          </a:bodyPr>
+          <a:lstStyle/>
+          <a:p>
+            <a:r>
+              <a:rPr lang="en-US" sz="1600" dirty="0" smtClean="0">
+                <a:solidFill>
+                  <a:srgbClr val="00B0F0"/>
+                </a:solidFill>
+              </a:rPr>
+              <a:t>if </a:t>
+            </a:r>
+            <a:r>
+              <a:rPr lang="en-US" sz="1600" dirty="0" smtClean="0">
+                <a:solidFill>
+                  <a:srgbClr val="00B0F0"/>
+                </a:solidFill>
+              </a:rPr>
+              <a:t>previously logged in, same user, and has password</a:t>
+            </a:r>
+            <a:endParaRPr lang="en-US" sz="1600" dirty="0">
+              <a:solidFill>
+                <a:srgbClr val="00B0F0"/>
+              </a:solidFill>
+            </a:endParaRPr>
+          </a:p>
+        </p:txBody>
+      </p:sp>
+      <p:sp>
+        <p:nvSpPr>
+          <p:cNvPr id="16" name="Freeform 15"/>
+          <p:cNvSpPr/>
+          <p:nvPr/>
+        </p:nvSpPr>
+        <p:spPr>
+          <a:xfrm>
+            <a:off x="3551583" y="2573600"/>
+            <a:ext cx="2058504" cy="3124835"/>
+          </a:xfrm>
+          <a:custGeom>
+            <a:avLst/>
+            <a:gdLst>
+              <a:gd name="connsiteX0" fmla="*/ 0 w 2014330"/>
+              <a:gd name="connsiteY0" fmla="*/ 3048000 h 3048000"/>
+              <a:gd name="connsiteX1" fmla="*/ 291547 w 2014330"/>
+              <a:gd name="connsiteY1" fmla="*/ 2981739 h 3048000"/>
+              <a:gd name="connsiteX2" fmla="*/ 556591 w 2014330"/>
+              <a:gd name="connsiteY2" fmla="*/ 2822713 h 3048000"/>
+              <a:gd name="connsiteX3" fmla="*/ 768626 w 2014330"/>
+              <a:gd name="connsiteY3" fmla="*/ 2292626 h 3048000"/>
+              <a:gd name="connsiteX4" fmla="*/ 1179443 w 2014330"/>
+              <a:gd name="connsiteY4" fmla="*/ 1139687 h 3048000"/>
+              <a:gd name="connsiteX5" fmla="*/ 1616765 w 2014330"/>
+              <a:gd name="connsiteY5" fmla="*/ 689113 h 3048000"/>
+              <a:gd name="connsiteX6" fmla="*/ 2014330 w 2014330"/>
+              <a:gd name="connsiteY6" fmla="*/ 0 h 3048000"/>
+            </a:gdLst>
+            <a:ahLst/>
+            <a:cxnLst>
+              <a:cxn ang="0">
+                <a:pos x="connsiteX0" y="connsiteY0"/>
+              </a:cxn>
+              <a:cxn ang="0">
+                <a:pos x="connsiteX1" y="connsiteY1"/>
+              </a:cxn>
+              <a:cxn ang="0">
+                <a:pos x="connsiteX2" y="connsiteY2"/>
+              </a:cxn>
+              <a:cxn ang="0">
+                <a:pos x="connsiteX3" y="connsiteY3"/>
+              </a:cxn>
+              <a:cxn ang="0">
+                <a:pos x="connsiteX4" y="connsiteY4"/>
+              </a:cxn>
+              <a:cxn ang="0">
+                <a:pos x="connsiteX5" y="connsiteY5"/>
+              </a:cxn>
+              <a:cxn ang="0">
+                <a:pos x="connsiteX6" y="connsiteY6"/>
+              </a:cxn>
+            </a:cxnLst>
+            <a:rect l="l" t="t" r="r" b="b"/>
+            <a:pathLst>
+              <a:path w="2014330" h="3048000">
+                <a:moveTo>
+                  <a:pt x="0" y="3048000"/>
+                </a:moveTo>
+                <a:cubicBezTo>
+                  <a:pt x="99391" y="3033643"/>
+                  <a:pt x="198782" y="3019287"/>
+                  <a:pt x="291547" y="2981739"/>
+                </a:cubicBezTo>
+                <a:cubicBezTo>
+                  <a:pt x="384312" y="2944191"/>
+                  <a:pt x="477078" y="2937565"/>
+                  <a:pt x="556591" y="2822713"/>
+                </a:cubicBezTo>
+                <a:cubicBezTo>
+                  <a:pt x="636104" y="2707861"/>
+                  <a:pt x="664817" y="2573130"/>
+                  <a:pt x="768626" y="2292626"/>
+                </a:cubicBezTo>
+                <a:cubicBezTo>
+                  <a:pt x="872435" y="2012122"/>
+                  <a:pt x="1038087" y="1406939"/>
+                  <a:pt x="1179443" y="1139687"/>
+                </a:cubicBezTo>
+                <a:cubicBezTo>
+                  <a:pt x="1320799" y="872435"/>
+                  <a:pt x="1477617" y="879061"/>
+                  <a:pt x="1616765" y="689113"/>
+                </a:cubicBezTo>
+                <a:cubicBezTo>
+                  <a:pt x="1755913" y="499165"/>
+                  <a:pt x="1885121" y="249582"/>
+                  <a:pt x="2014330" y="0"/>
+                </a:cubicBezTo>
+              </a:path>
+            </a:pathLst>
+          </a:custGeom>
+          <a:noFill/>
+          <a:ln>
+            <a:solidFill>
+              <a:schemeClr val="accent5">
+                <a:lumMod val="60000"/>
+                <a:lumOff val="40000"/>
+              </a:schemeClr>
+            </a:solidFill>
+            <a:headEnd type="none" w="med" len="med"/>
+            <a:tailEnd type="arrow" w="med" len="med"/>
+          </a:ln>
+        </p:spPr>
+        <p:style>
+          <a:lnRef idx="2">
+            <a:schemeClr val="accent1">
+              <a:shade val="50000"/>
+            </a:schemeClr>
+          </a:lnRef>
+          <a:fillRef idx="1">
+            <a:schemeClr val="accent1"/>
+          </a:fillRef>
+          <a:effectRef idx="0">
+            <a:schemeClr val="accent1"/>
+          </a:effectRef>
+          <a:fontRef idx="minor">
+            <a:schemeClr val="lt1"/>
+          </a:fontRef>
+        </p:style>
+        <p:txBody>
+          <a:bodyPr rtlCol="0" anchor="ctr"/>
+          <a:lstStyle/>
+          <a:p>
+            <a:pPr algn="ctr"/>
+            <a:endParaRPr lang="en-US"/>
+          </a:p>
+        </p:txBody>
+      </p:sp>
+      <p:sp>
+        <p:nvSpPr>
+          <p:cNvPr id="61" name="TextBox 60"/>
+          <p:cNvSpPr txBox="1"/>
+          <p:nvPr/>
+        </p:nvSpPr>
+        <p:spPr>
+          <a:xfrm>
+            <a:off x="4209999" y="3643956"/>
+            <a:ext cx="1098570" cy="830997"/>
+          </a:xfrm>
+          <a:prstGeom prst="rect">
+            <a:avLst/>
+          </a:prstGeom>
+          <a:solidFill>
+            <a:srgbClr val="FFFFFF">
+              <a:alpha val="50980"/>
+            </a:srgbClr>
+          </a:solidFill>
+        </p:spPr>
+        <p:txBody>
+          <a:bodyPr wrap="none" rtlCol="0">
+            <a:spAutoFit/>
+          </a:bodyPr>
+          <a:lstStyle/>
+          <a:p>
+            <a:r>
+              <a:rPr lang="en-US" sz="1600" dirty="0" smtClean="0">
+                <a:solidFill>
+                  <a:srgbClr val="00B0F0"/>
+                </a:solidFill>
+              </a:rPr>
+              <a:t>if </a:t>
+            </a:r>
+            <a:r>
+              <a:rPr lang="en-US" sz="1600" dirty="0" smtClean="0">
+                <a:solidFill>
+                  <a:srgbClr val="00B0F0"/>
+                </a:solidFill>
+              </a:rPr>
+              <a:t>logged in</a:t>
+            </a:r>
+          </a:p>
+          <a:p>
+            <a:r>
+              <a:rPr lang="en-US" sz="1600" dirty="0" smtClean="0">
+                <a:solidFill>
+                  <a:srgbClr val="00B0F0"/>
+                </a:solidFill>
+              </a:rPr>
+              <a:t>different</a:t>
+            </a:r>
+          </a:p>
+          <a:p>
+            <a:r>
+              <a:rPr lang="en-US" sz="1600" dirty="0" smtClean="0">
+                <a:solidFill>
+                  <a:srgbClr val="00B0F0"/>
+                </a:solidFill>
+              </a:rPr>
+              <a:t>user</a:t>
+            </a:r>
+            <a:endParaRPr lang="en-US" sz="1600" dirty="0">
+              <a:solidFill>
+                <a:srgbClr val="00B0F0"/>
+              </a:solidFill>
+            </a:endParaRPr>
+          </a:p>
+        </p:txBody>
+      </p:sp>
+      <p:sp>
+        <p:nvSpPr>
+          <p:cNvPr id="63" name="Freeform 62"/>
+          <p:cNvSpPr/>
+          <p:nvPr/>
+        </p:nvSpPr>
+        <p:spPr>
+          <a:xfrm>
+            <a:off x="657641" y="778376"/>
+            <a:ext cx="2180908" cy="323290"/>
+          </a:xfrm>
+          <a:custGeom>
+            <a:avLst/>
+            <a:gdLst>
+              <a:gd name="connsiteX0" fmla="*/ 0 w 1868556"/>
+              <a:gd name="connsiteY0" fmla="*/ 3458818 h 3458818"/>
+              <a:gd name="connsiteX1" fmla="*/ 172278 w 1868556"/>
+              <a:gd name="connsiteY1" fmla="*/ 3326296 h 3458818"/>
+              <a:gd name="connsiteX2" fmla="*/ 662609 w 1868556"/>
+              <a:gd name="connsiteY2" fmla="*/ 2756452 h 3458818"/>
+              <a:gd name="connsiteX3" fmla="*/ 874643 w 1868556"/>
+              <a:gd name="connsiteY3" fmla="*/ 1152939 h 3458818"/>
+              <a:gd name="connsiteX4" fmla="*/ 1152939 w 1868556"/>
+              <a:gd name="connsiteY4" fmla="*/ 477079 h 3458818"/>
+              <a:gd name="connsiteX5" fmla="*/ 1868556 w 1868556"/>
+              <a:gd name="connsiteY5" fmla="*/ 0 h 3458818"/>
+            </a:gdLst>
+            <a:ahLst/>
+            <a:cxnLst>
+              <a:cxn ang="0">
+                <a:pos x="connsiteX0" y="connsiteY0"/>
+              </a:cxn>
+              <a:cxn ang="0">
+                <a:pos x="connsiteX1" y="connsiteY1"/>
+              </a:cxn>
+              <a:cxn ang="0">
+                <a:pos x="connsiteX2" y="connsiteY2"/>
+              </a:cxn>
+              <a:cxn ang="0">
+                <a:pos x="connsiteX3" y="connsiteY3"/>
+              </a:cxn>
+              <a:cxn ang="0">
+                <a:pos x="connsiteX4" y="connsiteY4"/>
+              </a:cxn>
+              <a:cxn ang="0">
+                <a:pos x="connsiteX5" y="connsiteY5"/>
+              </a:cxn>
+            </a:cxnLst>
+            <a:rect l="l" t="t" r="r" b="b"/>
+            <a:pathLst>
+              <a:path w="1868556" h="3458818">
+                <a:moveTo>
+                  <a:pt x="0" y="3458818"/>
+                </a:moveTo>
+                <a:cubicBezTo>
+                  <a:pt x="30921" y="3451087"/>
+                  <a:pt x="61843" y="3443357"/>
+                  <a:pt x="172278" y="3326296"/>
+                </a:cubicBezTo>
+                <a:cubicBezTo>
+                  <a:pt x="282713" y="3209235"/>
+                  <a:pt x="545548" y="3118678"/>
+                  <a:pt x="662609" y="2756452"/>
+                </a:cubicBezTo>
+                <a:cubicBezTo>
+                  <a:pt x="779670" y="2394226"/>
+                  <a:pt x="792921" y="1532834"/>
+                  <a:pt x="874643" y="1152939"/>
+                </a:cubicBezTo>
+                <a:cubicBezTo>
+                  <a:pt x="956365" y="773043"/>
+                  <a:pt x="987287" y="669235"/>
+                  <a:pt x="1152939" y="477079"/>
+                </a:cubicBezTo>
+                <a:cubicBezTo>
+                  <a:pt x="1318591" y="284923"/>
+                  <a:pt x="1593573" y="142461"/>
+                  <a:pt x="1868556" y="0"/>
+                </a:cubicBezTo>
+              </a:path>
+            </a:pathLst>
+          </a:custGeom>
+          <a:noFill/>
+          <a:ln>
+            <a:solidFill>
+              <a:srgbClr val="C00000"/>
+            </a:solidFill>
+            <a:prstDash val="dash"/>
+            <a:headEnd type="none" w="med" len="med"/>
+            <a:tailEnd type="arrow" w="med" len="med"/>
+          </a:ln>
+        </p:spPr>
+        <p:style>
+          <a:lnRef idx="2">
+            <a:schemeClr val="accent1">
+              <a:shade val="50000"/>
+            </a:schemeClr>
+          </a:lnRef>
+          <a:fillRef idx="1">
+            <a:schemeClr val="accent1"/>
+          </a:fillRef>
+          <a:effectRef idx="0">
+            <a:schemeClr val="accent1"/>
+          </a:effectRef>
+          <a:fontRef idx="minor">
+            <a:schemeClr val="lt1"/>
+          </a:fontRef>
+        </p:style>
+        <p:txBody>
+          <a:bodyPr rtlCol="0" anchor="ctr"/>
+          <a:lstStyle/>
+          <a:p>
+            <a:pPr algn="ctr"/>
+            <a:endParaRPr lang="en-US"/>
+          </a:p>
+        </p:txBody>
+      </p:sp>
+      <p:sp>
+        <p:nvSpPr>
+          <p:cNvPr id="74" name="Rounded Rectangle 73"/>
+          <p:cNvSpPr/>
+          <p:nvPr/>
+        </p:nvSpPr>
+        <p:spPr>
+          <a:xfrm>
+            <a:off x="3862857" y="2620470"/>
+            <a:ext cx="1225307" cy="338427"/>
+          </a:xfrm>
+          <a:prstGeom prst="roundRect">
+            <a:avLst/>
+          </a:prstGeom>
+          <a:ln w="28575">
+            <a:prstDash val="sysDot"/>
+          </a:ln>
+        </p:spPr>
+        <p:style>
+          <a:lnRef idx="1">
+            <a:schemeClr val="accent2"/>
+          </a:lnRef>
+          <a:fillRef idx="2">
+            <a:schemeClr val="accent2"/>
+          </a:fillRef>
+          <a:effectRef idx="1">
+            <a:schemeClr val="accent2"/>
+          </a:effectRef>
+          <a:fontRef idx="minor">
+            <a:schemeClr val="dk1"/>
+          </a:fontRef>
+        </p:style>
+        <p:txBody>
+          <a:bodyPr rtlCol="0" anchor="ctr"/>
+          <a:lstStyle/>
+          <a:p>
+            <a:pPr algn="ctr"/>
+            <a:r>
+              <a:rPr lang="en-US" dirty="0"/>
+              <a:t>(</a:t>
+            </a:r>
+            <a:r>
+              <a:rPr lang="en-US" dirty="0" smtClean="0"/>
+              <a:t>logout)</a:t>
+            </a:r>
+            <a:endParaRPr lang="en-US" dirty="0"/>
+          </a:p>
+        </p:txBody>
+      </p:sp>
+      <p:sp>
+        <p:nvSpPr>
+          <p:cNvPr id="78" name="Freeform 77"/>
+          <p:cNvSpPr/>
+          <p:nvPr/>
+        </p:nvSpPr>
+        <p:spPr>
+          <a:xfrm flipH="1">
+            <a:off x="4131422" y="315817"/>
+            <a:ext cx="4399098" cy="268771"/>
+          </a:xfrm>
+          <a:custGeom>
+            <a:avLst/>
+            <a:gdLst>
+              <a:gd name="connsiteX0" fmla="*/ 0 w 1868556"/>
+              <a:gd name="connsiteY0" fmla="*/ 3458818 h 3458818"/>
+              <a:gd name="connsiteX1" fmla="*/ 172278 w 1868556"/>
+              <a:gd name="connsiteY1" fmla="*/ 3326296 h 3458818"/>
+              <a:gd name="connsiteX2" fmla="*/ 662609 w 1868556"/>
+              <a:gd name="connsiteY2" fmla="*/ 2756452 h 3458818"/>
+              <a:gd name="connsiteX3" fmla="*/ 874643 w 1868556"/>
+              <a:gd name="connsiteY3" fmla="*/ 1152939 h 3458818"/>
+              <a:gd name="connsiteX4" fmla="*/ 1152939 w 1868556"/>
+              <a:gd name="connsiteY4" fmla="*/ 477079 h 3458818"/>
+              <a:gd name="connsiteX5" fmla="*/ 1868556 w 1868556"/>
+              <a:gd name="connsiteY5" fmla="*/ 0 h 3458818"/>
+            </a:gdLst>
+            <a:ahLst/>
+            <a:cxnLst>
+              <a:cxn ang="0">
+                <a:pos x="connsiteX0" y="connsiteY0"/>
+              </a:cxn>
+              <a:cxn ang="0">
+                <a:pos x="connsiteX1" y="connsiteY1"/>
+              </a:cxn>
+              <a:cxn ang="0">
+                <a:pos x="connsiteX2" y="connsiteY2"/>
+              </a:cxn>
+              <a:cxn ang="0">
+                <a:pos x="connsiteX3" y="connsiteY3"/>
+              </a:cxn>
+              <a:cxn ang="0">
+                <a:pos x="connsiteX4" y="connsiteY4"/>
+              </a:cxn>
+              <a:cxn ang="0">
+                <a:pos x="connsiteX5" y="connsiteY5"/>
+              </a:cxn>
+            </a:cxnLst>
+            <a:rect l="l" t="t" r="r" b="b"/>
+            <a:pathLst>
+              <a:path w="1868556" h="3458818">
+                <a:moveTo>
+                  <a:pt x="0" y="3458818"/>
+                </a:moveTo>
+                <a:cubicBezTo>
+                  <a:pt x="30921" y="3451087"/>
+                  <a:pt x="61843" y="3443357"/>
+                  <a:pt x="172278" y="3326296"/>
+                </a:cubicBezTo>
+                <a:cubicBezTo>
+                  <a:pt x="282713" y="3209235"/>
+                  <a:pt x="545548" y="3118678"/>
+                  <a:pt x="662609" y="2756452"/>
+                </a:cubicBezTo>
+                <a:cubicBezTo>
+                  <a:pt x="779670" y="2394226"/>
+                  <a:pt x="792921" y="1532834"/>
+                  <a:pt x="874643" y="1152939"/>
+                </a:cubicBezTo>
+                <a:cubicBezTo>
+                  <a:pt x="956365" y="773043"/>
+                  <a:pt x="987287" y="669235"/>
+                  <a:pt x="1152939" y="477079"/>
+                </a:cubicBezTo>
+                <a:cubicBezTo>
+                  <a:pt x="1318591" y="284923"/>
+                  <a:pt x="1593573" y="142461"/>
+                  <a:pt x="1868556" y="0"/>
+                </a:cubicBezTo>
+              </a:path>
+            </a:pathLst>
+          </a:custGeom>
+          <a:noFill/>
+          <a:ln>
+            <a:solidFill>
+              <a:srgbClr val="C00000"/>
+            </a:solidFill>
+            <a:prstDash val="dash"/>
+            <a:headEnd type="arrow" w="med" len="med"/>
+            <a:tailEnd type="none" w="med" len="med"/>
+          </a:ln>
+        </p:spPr>
+        <p:style>
+          <a:lnRef idx="2">
+            <a:schemeClr val="accent1">
+              <a:shade val="50000"/>
+            </a:schemeClr>
+          </a:lnRef>
+          <a:fillRef idx="1">
+            <a:schemeClr val="accent1"/>
+          </a:fillRef>
+          <a:effectRef idx="0">
+            <a:schemeClr val="accent1"/>
+          </a:effectRef>
+          <a:fontRef idx="minor">
+            <a:schemeClr val="lt1"/>
+          </a:fontRef>
+        </p:style>
+        <p:txBody>
+          <a:bodyPr rtlCol="0" anchor="ctr"/>
+          <a:lstStyle/>
+          <a:p>
+            <a:pPr algn="ctr"/>
+            <a:endParaRPr lang="en-US"/>
+          </a:p>
+        </p:txBody>
+      </p:sp>
+      <p:sp>
+        <p:nvSpPr>
+          <p:cNvPr id="80" name="Freeform 79"/>
+          <p:cNvSpPr/>
+          <p:nvPr/>
+        </p:nvSpPr>
+        <p:spPr>
+          <a:xfrm flipH="1" flipV="1">
+            <a:off x="5283222" y="723980"/>
+            <a:ext cx="3247298" cy="492137"/>
+          </a:xfrm>
+          <a:custGeom>
+            <a:avLst/>
+            <a:gdLst>
+              <a:gd name="connsiteX0" fmla="*/ 0 w 1868556"/>
+              <a:gd name="connsiteY0" fmla="*/ 3458818 h 3458818"/>
+              <a:gd name="connsiteX1" fmla="*/ 172278 w 1868556"/>
+              <a:gd name="connsiteY1" fmla="*/ 3326296 h 3458818"/>
+              <a:gd name="connsiteX2" fmla="*/ 662609 w 1868556"/>
+              <a:gd name="connsiteY2" fmla="*/ 2756452 h 3458818"/>
+              <a:gd name="connsiteX3" fmla="*/ 874643 w 1868556"/>
+              <a:gd name="connsiteY3" fmla="*/ 1152939 h 3458818"/>
+              <a:gd name="connsiteX4" fmla="*/ 1152939 w 1868556"/>
+              <a:gd name="connsiteY4" fmla="*/ 477079 h 3458818"/>
+              <a:gd name="connsiteX5" fmla="*/ 1868556 w 1868556"/>
+              <a:gd name="connsiteY5" fmla="*/ 0 h 3458818"/>
+            </a:gdLst>
+            <a:ahLst/>
+            <a:cxnLst>
+              <a:cxn ang="0">
+                <a:pos x="connsiteX0" y="connsiteY0"/>
+              </a:cxn>
+              <a:cxn ang="0">
+                <a:pos x="connsiteX1" y="connsiteY1"/>
+              </a:cxn>
+              <a:cxn ang="0">
+                <a:pos x="connsiteX2" y="connsiteY2"/>
+              </a:cxn>
+              <a:cxn ang="0">
+                <a:pos x="connsiteX3" y="connsiteY3"/>
+              </a:cxn>
+              <a:cxn ang="0">
+                <a:pos x="connsiteX4" y="connsiteY4"/>
+              </a:cxn>
+              <a:cxn ang="0">
+                <a:pos x="connsiteX5" y="connsiteY5"/>
+              </a:cxn>
+            </a:cxnLst>
+            <a:rect l="l" t="t" r="r" b="b"/>
+            <a:pathLst>
+              <a:path w="1868556" h="3458818">
+                <a:moveTo>
+                  <a:pt x="0" y="3458818"/>
+                </a:moveTo>
+                <a:cubicBezTo>
+                  <a:pt x="30921" y="3451087"/>
+                  <a:pt x="61843" y="3443357"/>
+                  <a:pt x="172278" y="3326296"/>
+                </a:cubicBezTo>
+                <a:cubicBezTo>
+                  <a:pt x="282713" y="3209235"/>
+                  <a:pt x="545548" y="3118678"/>
+                  <a:pt x="662609" y="2756452"/>
+                </a:cubicBezTo>
+                <a:cubicBezTo>
+                  <a:pt x="779670" y="2394226"/>
+                  <a:pt x="792921" y="1532834"/>
+                  <a:pt x="874643" y="1152939"/>
+                </a:cubicBezTo>
+                <a:cubicBezTo>
+                  <a:pt x="956365" y="773043"/>
+                  <a:pt x="987287" y="669235"/>
+                  <a:pt x="1152939" y="477079"/>
+                </a:cubicBezTo>
+                <a:cubicBezTo>
+                  <a:pt x="1318591" y="284923"/>
+                  <a:pt x="1593573" y="142461"/>
+                  <a:pt x="1868556" y="0"/>
+                </a:cubicBezTo>
+              </a:path>
+            </a:pathLst>
+          </a:custGeom>
+          <a:noFill/>
+          <a:ln>
+            <a:solidFill>
+              <a:srgbClr val="C00000"/>
+            </a:solidFill>
+            <a:prstDash val="dash"/>
+            <a:headEnd type="arrow" w="med" len="med"/>
+            <a:tailEnd type="none" w="med" len="med"/>
+          </a:ln>
+        </p:spPr>
+        <p:style>
+          <a:lnRef idx="2">
+            <a:schemeClr val="accent1">
+              <a:shade val="50000"/>
+            </a:schemeClr>
+          </a:lnRef>
+          <a:fillRef idx="1">
+            <a:schemeClr val="accent1"/>
+          </a:fillRef>
+          <a:effectRef idx="0">
+            <a:schemeClr val="accent1"/>
+          </a:effectRef>
+          <a:fontRef idx="minor">
+            <a:schemeClr val="lt1"/>
+          </a:fontRef>
+        </p:style>
+        <p:txBody>
+          <a:bodyPr rtlCol="0" anchor="ctr"/>
+          <a:lstStyle/>
+          <a:p>
+            <a:pPr algn="ctr"/>
+            <a:endParaRPr lang="en-US"/>
+          </a:p>
+        </p:txBody>
+      </p:sp>
+    </p:spTree>
+    <p:extLst>
+      <p:ext uri="{BB962C8B-B14F-4D97-AF65-F5344CB8AC3E}">
+        <p14:creationId xmlns:p14="http://schemas.microsoft.com/office/powerpoint/2010/main" val="2450814613"/>
+      </p:ext>
+    </p:extLst>
+  </p:cSld>
+  <p:clrMapOvr>
+    <a:masterClrMapping/>
+  </p:clrMapOvr>
+</p:sld>
+</file>
+
+<file path=ppt/slides/slide10.xml><?xml version="1.0" encoding="utf-8"?>
+<p:sld xmlns:a="http://schemas.openxmlformats.org/drawingml/2006/main" xmlns:r="http://schemas.openxmlformats.org/officeDocument/2006/relationships" xmlns:p="http://schemas.openxmlformats.org/presentationml/2006/main">
+  <p:cSld>
+    <p:spTree>
+      <p:nvGrpSpPr>
+        <p:cNvPr id="1" name=""/>
+        <p:cNvGrpSpPr/>
+        <p:nvPr/>
+      </p:nvGrpSpPr>
+      <p:grpSpPr>
+        <a:xfrm>
+          <a:off x="0" y="0"/>
+          <a:ext cx="0" cy="0"/>
+          <a:chOff x="0" y="0"/>
+          <a:chExt cx="0" cy="0"/>
+        </a:xfrm>
+      </p:grpSpPr>
+      <p:cxnSp>
+        <p:nvCxnSpPr>
+          <p:cNvPr id="5" name="Straight Arrow Connector 4"/>
+          <p:cNvCxnSpPr/>
+          <p:nvPr/>
+        </p:nvCxnSpPr>
+        <p:spPr>
+          <a:xfrm flipV="1">
+            <a:off x="1781123" y="3217462"/>
+            <a:ext cx="1365164" cy="1614447"/>
+          </a:xfrm>
+          <a:prstGeom prst="straightConnector1">
+            <a:avLst/>
+          </a:prstGeom>
           <a:ln w="57150">
-            <a:headEnd type="arrow" w="med" len="med"/>
-            <a:tailEnd type="arrow" w="med" len="med"/>
+            <a:tailEnd type="arrow"/>
+          </a:ln>
+        </p:spPr>
+        <p:style>
+          <a:lnRef idx="1">
+            <a:schemeClr val="accent1"/>
+          </a:lnRef>
+          <a:fillRef idx="0">
+            <a:schemeClr val="accent1"/>
+          </a:fillRef>
+          <a:effectRef idx="0">
+            <a:schemeClr val="accent1"/>
+          </a:effectRef>
+          <a:fontRef idx="minor">
+            <a:schemeClr val="tx1"/>
+          </a:fontRef>
+        </p:style>
+      </p:cxnSp>
+      <p:sp>
+        <p:nvSpPr>
+          <p:cNvPr id="2" name="Rounded Rectangle 1"/>
+          <p:cNvSpPr/>
+          <p:nvPr/>
+        </p:nvSpPr>
+        <p:spPr>
+          <a:xfrm>
+            <a:off x="2743200" y="1676400"/>
+            <a:ext cx="2720837" cy="1541062"/>
+          </a:xfrm>
+          <a:prstGeom prst="roundRect">
+            <a:avLst/>
+          </a:prstGeom>
+        </p:spPr>
+        <p:style>
+          <a:lnRef idx="2">
+            <a:schemeClr val="dk1"/>
+          </a:lnRef>
+          <a:fillRef idx="1">
+            <a:schemeClr val="lt1"/>
+          </a:fillRef>
+          <a:effectRef idx="0">
+            <a:schemeClr val="dk1"/>
+          </a:effectRef>
+          <a:fontRef idx="minor">
+            <a:schemeClr val="dk1"/>
+          </a:fontRef>
+        </p:style>
+        <p:txBody>
+          <a:bodyPr rtlCol="0" anchor="ctr"/>
+          <a:lstStyle/>
+          <a:p>
+            <a:pPr algn="ctr"/>
+            <a:r>
+              <a:rPr lang="en-US" sz="2400" dirty="0"/>
+              <a:t>Identity Provider</a:t>
+            </a:r>
+          </a:p>
+          <a:p>
+            <a:pPr algn="ctr"/>
+            <a:r>
+              <a:rPr lang="en-US" sz="2400" dirty="0"/>
+              <a:t>(SSOFI)</a:t>
+            </a:r>
+          </a:p>
+        </p:txBody>
+      </p:sp>
+      <p:sp>
+        <p:nvSpPr>
+          <p:cNvPr id="3" name="Rounded Rectangle 2"/>
+          <p:cNvSpPr/>
+          <p:nvPr/>
+        </p:nvSpPr>
+        <p:spPr>
+          <a:xfrm>
+            <a:off x="420705" y="4831909"/>
+            <a:ext cx="2720837" cy="1541062"/>
+          </a:xfrm>
+          <a:prstGeom prst="roundRect">
+            <a:avLst/>
+          </a:prstGeom>
+        </p:spPr>
+        <p:style>
+          <a:lnRef idx="2">
+            <a:schemeClr val="dk1"/>
+          </a:lnRef>
+          <a:fillRef idx="1">
+            <a:schemeClr val="lt1"/>
+          </a:fillRef>
+          <a:effectRef idx="0">
+            <a:schemeClr val="dk1"/>
+          </a:effectRef>
+          <a:fontRef idx="minor">
+            <a:schemeClr val="dk1"/>
+          </a:fontRef>
+        </p:style>
+        <p:txBody>
+          <a:bodyPr rtlCol="0" anchor="ctr"/>
+          <a:lstStyle/>
+          <a:p>
+            <a:pPr algn="ctr"/>
+            <a:r>
+              <a:rPr lang="en-US" sz="2400" dirty="0"/>
+              <a:t>Client</a:t>
+            </a:r>
+          </a:p>
+          <a:p>
+            <a:pPr algn="ctr"/>
+            <a:r>
+              <a:rPr lang="en-US" sz="2400" dirty="0"/>
+              <a:t>(JavaScript)</a:t>
+            </a:r>
+          </a:p>
+        </p:txBody>
+      </p:sp>
+      <p:sp>
+        <p:nvSpPr>
+          <p:cNvPr id="4" name="Rounded Rectangle 3"/>
+          <p:cNvSpPr/>
+          <p:nvPr/>
+        </p:nvSpPr>
+        <p:spPr>
+          <a:xfrm>
+            <a:off x="5420849" y="4831909"/>
+            <a:ext cx="2720837" cy="1541062"/>
+          </a:xfrm>
+          <a:prstGeom prst="roundRect">
+            <a:avLst/>
+          </a:prstGeom>
+        </p:spPr>
+        <p:style>
+          <a:lnRef idx="2">
+            <a:schemeClr val="dk1"/>
+          </a:lnRef>
+          <a:fillRef idx="1">
+            <a:schemeClr val="lt1"/>
+          </a:fillRef>
+          <a:effectRef idx="0">
+            <a:schemeClr val="dk1"/>
+          </a:effectRef>
+          <a:fontRef idx="minor">
+            <a:schemeClr val="dk1"/>
+          </a:fontRef>
+        </p:style>
+        <p:txBody>
+          <a:bodyPr rtlCol="0" anchor="ctr"/>
+          <a:lstStyle/>
+          <a:p>
+            <a:pPr algn="ctr"/>
+            <a:r>
+              <a:rPr lang="en-US" sz="2400" dirty="0" smtClean="0"/>
+              <a:t>Server</a:t>
+            </a:r>
+          </a:p>
+          <a:p>
+            <a:pPr algn="ctr"/>
+            <a:r>
+              <a:rPr lang="en-US" sz="2400" dirty="0" smtClean="0"/>
+              <a:t>(AA)</a:t>
+            </a:r>
+            <a:endParaRPr lang="en-US" sz="2400" dirty="0"/>
+          </a:p>
+        </p:txBody>
+      </p:sp>
+      <p:cxnSp>
+        <p:nvCxnSpPr>
+          <p:cNvPr id="12" name="Straight Arrow Connector 11"/>
+          <p:cNvCxnSpPr/>
+          <p:nvPr/>
+        </p:nvCxnSpPr>
+        <p:spPr>
+          <a:xfrm flipH="1" flipV="1">
+            <a:off x="4960178" y="3217462"/>
+            <a:ext cx="1821090" cy="1614447"/>
+          </a:xfrm>
+          <a:prstGeom prst="straightConnector1">
+            <a:avLst/>
+          </a:prstGeom>
+          <a:ln w="57150">
+            <a:tailEnd type="arrow"/>
+          </a:ln>
+        </p:spPr>
+        <p:style>
+          <a:lnRef idx="1">
+            <a:schemeClr val="accent1"/>
+          </a:lnRef>
+          <a:fillRef idx="0">
+            <a:schemeClr val="accent1"/>
+          </a:fillRef>
+          <a:effectRef idx="0">
+            <a:schemeClr val="accent1"/>
+          </a:effectRef>
+          <a:fontRef idx="minor">
+            <a:schemeClr val="tx1"/>
+          </a:fontRef>
+        </p:style>
+      </p:cxnSp>
+      <p:sp>
+        <p:nvSpPr>
+          <p:cNvPr id="13" name="TextBox 12"/>
+          <p:cNvSpPr txBox="1"/>
+          <p:nvPr/>
+        </p:nvSpPr>
+        <p:spPr>
+          <a:xfrm>
+            <a:off x="6270522" y="3166783"/>
+            <a:ext cx="1779782" cy="830997"/>
+          </a:xfrm>
+          <a:prstGeom prst="rect">
+            <a:avLst/>
+          </a:prstGeom>
+          <a:noFill/>
+        </p:spPr>
+        <p:txBody>
+          <a:bodyPr wrap="none" rtlCol="0">
+            <a:spAutoFit/>
+          </a:bodyPr>
+          <a:lstStyle/>
+          <a:p>
+            <a:pPr algn="ctr"/>
+            <a:r>
+              <a:rPr lang="en-US" sz="2400" dirty="0" smtClean="0"/>
+              <a:t>Verify Token </a:t>
+            </a:r>
+          </a:p>
+          <a:p>
+            <a:pPr algn="ctr"/>
+            <a:r>
+              <a:rPr lang="en-US" sz="2400" dirty="0" smtClean="0"/>
+              <a:t>(</a:t>
+            </a:r>
+            <a:r>
+              <a:rPr lang="en-US" sz="2400" dirty="0" err="1" smtClean="0"/>
+              <a:t>apiVerify</a:t>
+            </a:r>
+            <a:r>
+              <a:rPr lang="en-US" sz="2400" dirty="0" smtClean="0"/>
+              <a:t>)</a:t>
+            </a:r>
+          </a:p>
+        </p:txBody>
+      </p:sp>
+      <p:sp>
+        <p:nvSpPr>
+          <p:cNvPr id="14" name="TextBox 13"/>
+          <p:cNvSpPr txBox="1"/>
+          <p:nvPr/>
+        </p:nvSpPr>
+        <p:spPr>
+          <a:xfrm>
+            <a:off x="274964" y="2801963"/>
+            <a:ext cx="1913024" cy="1569660"/>
+          </a:xfrm>
+          <a:prstGeom prst="rect">
+            <a:avLst/>
+          </a:prstGeom>
+          <a:noFill/>
+        </p:spPr>
+        <p:txBody>
+          <a:bodyPr wrap="none" rtlCol="0">
+            <a:spAutoFit/>
+          </a:bodyPr>
+          <a:lstStyle/>
+          <a:p>
+            <a:r>
+              <a:rPr lang="en-US" sz="2400" dirty="0" smtClean="0"/>
+              <a:t>Get Token  </a:t>
+            </a:r>
+          </a:p>
+          <a:p>
+            <a:r>
+              <a:rPr lang="en-US" sz="2400" dirty="0" smtClean="0"/>
+              <a:t>(</a:t>
+            </a:r>
+            <a:r>
+              <a:rPr lang="en-US" sz="2400" dirty="0" err="1" smtClean="0"/>
+              <a:t>apiGenerate</a:t>
+            </a:r>
+            <a:r>
+              <a:rPr lang="en-US" sz="2400" dirty="0" smtClean="0"/>
+              <a:t>)</a:t>
+            </a:r>
+          </a:p>
+          <a:p>
+            <a:r>
+              <a:rPr lang="en-US" sz="2400" dirty="0" smtClean="0"/>
+              <a:t>Logout</a:t>
+            </a:r>
+          </a:p>
+          <a:p>
+            <a:r>
+              <a:rPr lang="en-US" sz="2400" dirty="0"/>
+              <a:t>(</a:t>
+            </a:r>
+            <a:r>
+              <a:rPr lang="en-US" sz="2400" dirty="0" err="1" smtClean="0"/>
+              <a:t>apiLogout</a:t>
+            </a:r>
+            <a:r>
+              <a:rPr lang="en-US" sz="2400" dirty="0" smtClean="0"/>
+              <a:t>)</a:t>
+            </a:r>
+          </a:p>
+        </p:txBody>
+      </p:sp>
+      <p:sp>
+        <p:nvSpPr>
+          <p:cNvPr id="17" name="TextBox 16"/>
+          <p:cNvSpPr txBox="1"/>
+          <p:nvPr/>
+        </p:nvSpPr>
+        <p:spPr>
+          <a:xfrm>
+            <a:off x="274514" y="2031432"/>
+            <a:ext cx="1420582" cy="830997"/>
+          </a:xfrm>
+          <a:prstGeom prst="rect">
+            <a:avLst/>
+          </a:prstGeom>
+          <a:noFill/>
+        </p:spPr>
+        <p:txBody>
+          <a:bodyPr wrap="none" rtlCol="0">
+            <a:spAutoFit/>
+          </a:bodyPr>
+          <a:lstStyle/>
+          <a:p>
+            <a:r>
+              <a:rPr lang="en-US" sz="2400" dirty="0" smtClean="0"/>
+              <a:t>Who Am I</a:t>
+            </a:r>
+          </a:p>
+          <a:p>
+            <a:r>
+              <a:rPr lang="en-US" sz="2400" dirty="0" smtClean="0"/>
+              <a:t>(</a:t>
+            </a:r>
+            <a:r>
+              <a:rPr lang="en-US" sz="2400" dirty="0" err="1" smtClean="0"/>
+              <a:t>apiWho</a:t>
+            </a:r>
+            <a:r>
+              <a:rPr lang="en-US" sz="2400" dirty="0" smtClean="0"/>
+              <a:t>)</a:t>
+            </a:r>
+          </a:p>
+        </p:txBody>
+      </p:sp>
+      <p:cxnSp>
+        <p:nvCxnSpPr>
+          <p:cNvPr id="18" name="Straight Arrow Connector 17"/>
+          <p:cNvCxnSpPr/>
+          <p:nvPr/>
+        </p:nvCxnSpPr>
+        <p:spPr>
+          <a:xfrm flipV="1">
+            <a:off x="2037859" y="3237217"/>
+            <a:ext cx="1365164" cy="1614447"/>
+          </a:xfrm>
+          <a:prstGeom prst="straightConnector1">
+            <a:avLst/>
+          </a:prstGeom>
+          <a:ln w="57150">
+            <a:tailEnd type="arrow"/>
           </a:ln>
         </p:spPr>
         <p:style>
@@ -4165,24 +8125,20 @@
       </p:cxnSp>
       <p:cxnSp>
         <p:nvCxnSpPr>
-          <p:cNvPr id="65" name="Elbow Connector 64"/>
-          <p:cNvCxnSpPr>
-            <a:stCxn id="62" idx="3"/>
-            <a:endCxn id="35" idx="0"/>
-          </p:cNvCxnSpPr>
+          <p:cNvPr id="20" name="Straight Arrow Connector 19"/>
+          <p:cNvCxnSpPr/>
           <p:nvPr/>
         </p:nvCxnSpPr>
         <p:spPr>
-          <a:xfrm>
-            <a:off x="4888921" y="559131"/>
-            <a:ext cx="3367398" cy="2588073"/>
-          </a:xfrm>
-          <a:prstGeom prst="bentConnector2">
+          <a:xfrm flipV="1">
+            <a:off x="1565909" y="3192430"/>
+            <a:ext cx="1295400" cy="1594692"/>
+          </a:xfrm>
+          <a:prstGeom prst="straightConnector1">
             <a:avLst/>
           </a:prstGeom>
           <a:ln w="57150">
-            <a:headEnd type="arrow" w="med" len="med"/>
-            <a:tailEnd type="arrow" w="med" len="med"/>
+            <a:tailEnd type="arrow"/>
           </a:ln>
         </p:spPr>
         <p:style>
@@ -4202,14 +8158,14 @@
       </p:cxnSp>
       <p:sp>
         <p:nvSpPr>
-          <p:cNvPr id="68" name="TextBox 67"/>
+          <p:cNvPr id="21" name="TextBox 20"/>
           <p:cNvSpPr txBox="1"/>
           <p:nvPr/>
         </p:nvSpPr>
         <p:spPr>
           <a:xfrm>
-            <a:off x="4340503" y="905757"/>
-            <a:ext cx="572593" cy="369332"/>
+            <a:off x="3409966" y="685961"/>
+            <a:ext cx="1387303" cy="830997"/>
           </a:xfrm>
           <a:prstGeom prst="rect">
             <a:avLst/>
@@ -4222,24 +8178,39 @@
           </a:bodyPr>
           <a:lstStyle/>
           <a:p>
-            <a:r>
-              <a:rPr lang="en-US" dirty="0" err="1" smtClean="0"/>
-              <a:t>json</a:t>
-            </a:r>
-            <a:endParaRPr lang="en-US" dirty="0"/>
-          </a:p>
-        </p:txBody>
-      </p:sp>
-      <p:sp>
-        <p:nvSpPr>
-          <p:cNvPr id="69" name="TextBox 68"/>
+            <a:pPr algn="ctr"/>
+            <a:r>
+              <a:rPr lang="en-US" sz="2400" dirty="0" smtClean="0"/>
+              <a:t>Unknown</a:t>
+            </a:r>
+          </a:p>
+          <a:p>
+            <a:pPr algn="ctr"/>
+            <a:r>
+              <a:rPr lang="en-US" sz="2400" dirty="0" smtClean="0"/>
+              <a:t>(</a:t>
+            </a:r>
+            <a:r>
+              <a:rPr lang="en-US" sz="2400" dirty="0" err="1" smtClean="0"/>
+              <a:t>api</a:t>
+            </a:r>
+            <a:r>
+              <a:rPr lang="en-US" sz="2400" dirty="0" smtClean="0"/>
+              <a:t>***)</a:t>
+            </a:r>
+          </a:p>
+        </p:txBody>
+      </p:sp>
+      <p:sp>
+        <p:nvSpPr>
+          <p:cNvPr id="23" name="TextBox 22"/>
           <p:cNvSpPr txBox="1"/>
           <p:nvPr/>
         </p:nvSpPr>
         <p:spPr>
           <a:xfrm>
-            <a:off x="3312343" y="905757"/>
-            <a:ext cx="576825" cy="369332"/>
+            <a:off x="274514" y="1542952"/>
+            <a:ext cx="1406988" cy="461665"/>
           </a:xfrm>
           <a:prstGeom prst="rect">
             <a:avLst/>
@@ -4253,223 +8224,92 @@
           <a:lstStyle/>
           <a:p>
             <a:r>
-              <a:rPr lang="en-US" dirty="0" smtClean="0"/>
-              <a:t>http</a:t>
-            </a:r>
-            <a:endParaRPr lang="en-US" dirty="0"/>
-          </a:p>
-        </p:txBody>
-      </p:sp>
-      <p:sp>
-        <p:nvSpPr>
-          <p:cNvPr id="38" name="Rounded Rectangle 37"/>
-          <p:cNvSpPr/>
-          <p:nvPr/>
-        </p:nvSpPr>
-        <p:spPr>
-          <a:xfrm>
-            <a:off x="3265034" y="3990376"/>
-            <a:ext cx="850321" cy="622301"/>
-          </a:xfrm>
-          <a:prstGeom prst="roundRect">
-            <a:avLst/>
-          </a:prstGeom>
-        </p:spPr>
-        <p:style>
-          <a:lnRef idx="1">
-            <a:schemeClr val="accent4"/>
-          </a:lnRef>
-          <a:fillRef idx="2">
-            <a:schemeClr val="accent4"/>
-          </a:fillRef>
-          <a:effectRef idx="1">
-            <a:schemeClr val="accent4"/>
-          </a:effectRef>
-          <a:fontRef idx="minor">
-            <a:schemeClr val="dk1"/>
-          </a:fontRef>
-        </p:style>
-        <p:txBody>
-          <a:bodyPr lIns="0" tIns="0" rIns="0" bIns="0" rtlCol="0" anchor="ctr"/>
-          <a:lstStyle/>
-          <a:p>
-            <a:pPr algn="ctr"/>
-            <a:r>
-              <a:rPr lang="en-US" dirty="0" smtClean="0"/>
-              <a:t>logout</a:t>
-            </a:r>
-            <a:endParaRPr lang="en-US" dirty="0"/>
-          </a:p>
-        </p:txBody>
-      </p:sp>
-      <p:sp>
-        <p:nvSpPr>
-          <p:cNvPr id="40" name="Oval 39"/>
-          <p:cNvSpPr/>
-          <p:nvPr/>
-        </p:nvSpPr>
-        <p:spPr>
-          <a:xfrm>
-            <a:off x="3605709" y="3768765"/>
-            <a:ext cx="217219" cy="214910"/>
-          </a:xfrm>
-          <a:prstGeom prst="ellipse">
-            <a:avLst/>
-          </a:prstGeom>
-        </p:spPr>
-        <p:style>
-          <a:lnRef idx="1">
-            <a:schemeClr val="accent4"/>
-          </a:lnRef>
-          <a:fillRef idx="2">
-            <a:schemeClr val="accent4"/>
-          </a:fillRef>
-          <a:effectRef idx="1">
-            <a:schemeClr val="accent4"/>
-          </a:effectRef>
-          <a:fontRef idx="minor">
-            <a:schemeClr val="dk1"/>
-          </a:fontRef>
-        </p:style>
-        <p:txBody>
-          <a:bodyPr rtlCol="0" anchor="ctr"/>
-          <a:lstStyle/>
-          <a:p>
-            <a:pPr algn="ctr"/>
-            <a:endParaRPr lang="en-US">
-              <a:solidFill>
-                <a:schemeClr val="dk1"/>
-              </a:solidFill>
-            </a:endParaRPr>
-          </a:p>
-        </p:txBody>
-      </p:sp>
-      <p:sp>
-        <p:nvSpPr>
-          <p:cNvPr id="52" name="Rounded Rectangle 51"/>
-          <p:cNvSpPr/>
-          <p:nvPr/>
-        </p:nvSpPr>
-        <p:spPr>
-          <a:xfrm>
-            <a:off x="2241839" y="3990375"/>
-            <a:ext cx="850321" cy="622301"/>
-          </a:xfrm>
-          <a:prstGeom prst="roundRect">
-            <a:avLst/>
-          </a:prstGeom>
-        </p:spPr>
-        <p:style>
-          <a:lnRef idx="1">
-            <a:schemeClr val="accent4"/>
-          </a:lnRef>
-          <a:fillRef idx="2">
-            <a:schemeClr val="accent4"/>
-          </a:fillRef>
-          <a:effectRef idx="1">
-            <a:schemeClr val="accent4"/>
-          </a:effectRef>
-          <a:fontRef idx="minor">
-            <a:schemeClr val="dk1"/>
-          </a:fontRef>
-        </p:style>
-        <p:txBody>
-          <a:bodyPr lIns="0" tIns="0" rIns="0" bIns="0" rtlCol="0" anchor="ctr"/>
-          <a:lstStyle/>
-          <a:p>
-            <a:pPr algn="ctr"/>
-            <a:r>
-              <a:rPr lang="en-US" dirty="0" smtClean="0"/>
-              <a:t>query</a:t>
-            </a:r>
-            <a:endParaRPr lang="en-US" dirty="0"/>
-          </a:p>
-        </p:txBody>
-      </p:sp>
-      <p:sp>
-        <p:nvSpPr>
-          <p:cNvPr id="54" name="Oval 53"/>
-          <p:cNvSpPr/>
-          <p:nvPr/>
-        </p:nvSpPr>
-        <p:spPr>
-          <a:xfrm>
-            <a:off x="2558389" y="3804902"/>
-            <a:ext cx="217219" cy="214910"/>
-          </a:xfrm>
-          <a:prstGeom prst="ellipse">
-            <a:avLst/>
-          </a:prstGeom>
-        </p:spPr>
-        <p:style>
-          <a:lnRef idx="1">
-            <a:schemeClr val="accent4"/>
-          </a:lnRef>
-          <a:fillRef idx="2">
-            <a:schemeClr val="accent4"/>
-          </a:fillRef>
-          <a:effectRef idx="1">
-            <a:schemeClr val="accent4"/>
-          </a:effectRef>
-          <a:fontRef idx="minor">
-            <a:schemeClr val="dk1"/>
-          </a:fontRef>
-        </p:style>
-        <p:txBody>
-          <a:bodyPr rtlCol="0" anchor="ctr"/>
-          <a:lstStyle/>
-          <a:p>
-            <a:pPr algn="ctr"/>
-            <a:endParaRPr lang="en-US">
-              <a:solidFill>
-                <a:schemeClr val="dk1"/>
-              </a:solidFill>
-            </a:endParaRPr>
-          </a:p>
-        </p:txBody>
-      </p:sp>
-      <p:cxnSp>
-        <p:nvCxnSpPr>
-          <p:cNvPr id="12" name="Elbow Connector 11"/>
-          <p:cNvCxnSpPr>
-            <a:stCxn id="10" idx="0"/>
-            <a:endCxn id="8" idx="1"/>
-          </p:cNvCxnSpPr>
-          <p:nvPr/>
-        </p:nvCxnSpPr>
-        <p:spPr>
-          <a:xfrm rot="5400000" flipH="1" flipV="1">
-            <a:off x="1392374" y="2172594"/>
-            <a:ext cx="1221344" cy="1921675"/>
-          </a:xfrm>
-          <a:prstGeom prst="bentConnector2">
-            <a:avLst/>
-          </a:prstGeom>
-          <a:ln w="38100">
-            <a:prstDash val="sysDash"/>
-            <a:headEnd type="oval" w="med" len="med"/>
-            <a:tailEnd type="oval" w="med" len="med"/>
-          </a:ln>
-        </p:spPr>
-        <p:style>
-          <a:lnRef idx="1">
-            <a:schemeClr val="accent1"/>
-          </a:lnRef>
-          <a:fillRef idx="0">
-            <a:schemeClr val="accent1"/>
-          </a:fillRef>
-          <a:effectRef idx="0">
-            <a:schemeClr val="accent1"/>
-          </a:effectRef>
-          <a:fontRef idx="minor">
-            <a:schemeClr val="tx1"/>
-          </a:fontRef>
-        </p:style>
-      </p:cxnSp>
+              <a:rPr lang="en-US" sz="2400" b="1" dirty="0" smtClean="0">
+                <a:solidFill>
+                  <a:schemeClr val="bg1">
+                    <a:lumMod val="65000"/>
+                  </a:schemeClr>
+                </a:solidFill>
+              </a:rPr>
+              <a:t>Logged In</a:t>
+            </a:r>
+          </a:p>
+        </p:txBody>
+      </p:sp>
+      <p:sp>
+        <p:nvSpPr>
+          <p:cNvPr id="24" name="TextBox 23"/>
+          <p:cNvSpPr txBox="1"/>
+          <p:nvPr/>
+        </p:nvSpPr>
+        <p:spPr>
+          <a:xfrm>
+            <a:off x="6233308" y="2722150"/>
+            <a:ext cx="1709955" cy="461665"/>
+          </a:xfrm>
+          <a:prstGeom prst="rect">
+            <a:avLst/>
+          </a:prstGeom>
+          <a:noFill/>
+        </p:spPr>
+        <p:txBody>
+          <a:bodyPr wrap="none" rtlCol="0">
+            <a:spAutoFit/>
+          </a:bodyPr>
+          <a:lstStyle/>
+          <a:p>
+            <a:r>
+              <a:rPr lang="en-US" sz="2400" b="1" dirty="0" smtClean="0">
+                <a:solidFill>
+                  <a:schemeClr val="bg1">
+                    <a:lumMod val="65000"/>
+                  </a:schemeClr>
+                </a:solidFill>
+              </a:rPr>
+              <a:t>Anonymous</a:t>
+            </a:r>
+          </a:p>
+        </p:txBody>
+      </p:sp>
+      <p:sp>
+        <p:nvSpPr>
+          <p:cNvPr id="25" name="TextBox 24"/>
+          <p:cNvSpPr txBox="1"/>
+          <p:nvPr/>
+        </p:nvSpPr>
+        <p:spPr>
+          <a:xfrm>
+            <a:off x="3250223" y="181674"/>
+            <a:ext cx="1709955" cy="461665"/>
+          </a:xfrm>
+          <a:prstGeom prst="rect">
+            <a:avLst/>
+          </a:prstGeom>
+          <a:noFill/>
+        </p:spPr>
+        <p:txBody>
+          <a:bodyPr wrap="none" rtlCol="0">
+            <a:spAutoFit/>
+          </a:bodyPr>
+          <a:lstStyle/>
+          <a:p>
+            <a:r>
+              <a:rPr lang="en-US" sz="2400" b="1" dirty="0" smtClean="0">
+                <a:solidFill>
+                  <a:schemeClr val="bg1">
+                    <a:lumMod val="65000"/>
+                  </a:schemeClr>
+                </a:solidFill>
+              </a:rPr>
+              <a:t>Anonymous</a:t>
+            </a:r>
+          </a:p>
+        </p:txBody>
+      </p:sp>
     </p:spTree>
     <p:extLst>
       <p:ext uri="{BB962C8B-B14F-4D97-AF65-F5344CB8AC3E}">
-        <p14:creationId xmlns:p14="http://schemas.microsoft.com/office/powerpoint/2010/main" val="3936641792"/>
+        <p14:creationId xmlns:p14="http://schemas.microsoft.com/office/powerpoint/2010/main" val="1070829234"/>
       </p:ext>
     </p:extLst>
   </p:cSld>
@@ -4498,14 +8338,14 @@
       </p:grpSpPr>
       <p:sp>
         <p:nvSpPr>
-          <p:cNvPr id="2" name="Rounded Rectangle 1"/>
+          <p:cNvPr id="4" name="Rounded Rectangle 3"/>
           <p:cNvSpPr/>
           <p:nvPr/>
         </p:nvSpPr>
         <p:spPr>
           <a:xfrm>
-            <a:off x="3124200" y="1393371"/>
-            <a:ext cx="2057400" cy="1143000"/>
+            <a:off x="2035629" y="1393615"/>
+            <a:ext cx="4191000" cy="533400"/>
           </a:xfrm>
           <a:prstGeom prst="roundRect">
             <a:avLst/>
@@ -4532,14 +8372,7 @@
             <a:pPr algn="ctr"/>
             <a:r>
               <a:rPr lang="en-US" dirty="0" smtClean="0"/>
-              <a:t>Identity Provider</a:t>
-            </a:r>
-          </a:p>
-          <a:p>
-            <a:pPr algn="ctr"/>
-            <a:r>
-              <a:rPr lang="en-US" dirty="0" smtClean="0"/>
-              <a:t>(SSOFI)</a:t>
+              <a:t>Servlet Engine</a:t>
             </a:r>
             <a:endParaRPr lang="en-US" dirty="0"/>
           </a:p>
@@ -4547,14 +8380,14 @@
       </p:sp>
       <p:sp>
         <p:nvSpPr>
-          <p:cNvPr id="3" name="Rounded Rectangle 2"/>
+          <p:cNvPr id="5" name="Rounded Rectangle 4"/>
           <p:cNvSpPr/>
           <p:nvPr/>
         </p:nvSpPr>
         <p:spPr>
           <a:xfrm>
-            <a:off x="1368012" y="3733800"/>
-            <a:ext cx="2057400" cy="1143000"/>
+            <a:off x="2035628" y="3139782"/>
+            <a:ext cx="4845845" cy="1905000"/>
           </a:xfrm>
           <a:prstGeom prst="roundRect">
             <a:avLst/>
@@ -4575,35 +8408,28 @@
           </a:fontRef>
         </p:style>
         <p:txBody>
-          <a:bodyPr rtlCol="0" anchor="ctr"/>
-          <a:lstStyle/>
-          <a:p>
-            <a:pPr algn="ctr"/>
-            <a:r>
-              <a:rPr lang="en-US" dirty="0" smtClean="0"/>
-              <a:t>Client</a:t>
-            </a:r>
-          </a:p>
-          <a:p>
-            <a:pPr algn="ctr"/>
-            <a:r>
-              <a:rPr lang="en-US" dirty="0" smtClean="0"/>
-              <a:t>(Angular JS)</a:t>
-            </a:r>
-            <a:endParaRPr lang="en-US" dirty="0"/>
-          </a:p>
-        </p:txBody>
-      </p:sp>
-      <p:sp>
-        <p:nvSpPr>
-          <p:cNvPr id="4" name="Rounded Rectangle 3"/>
+          <a:bodyPr rtlCol="0" anchor="t" anchorCtr="0"/>
+          <a:lstStyle/>
+          <a:p>
+            <a:pPr algn="ctr"/>
+            <a:r>
+              <a:rPr lang="en-US" sz="2400" b="1" dirty="0" err="1" smtClean="0"/>
+              <a:t>LightweightAuthServlet</a:t>
+            </a:r>
+            <a:endParaRPr lang="en-US" sz="2400" b="1" dirty="0"/>
+          </a:p>
+        </p:txBody>
+      </p:sp>
+      <p:sp>
+        <p:nvSpPr>
+          <p:cNvPr id="7" name="Rounded Rectangle 6"/>
           <p:cNvSpPr/>
           <p:nvPr/>
         </p:nvSpPr>
         <p:spPr>
           <a:xfrm>
-            <a:off x="5148943" y="3733800"/>
-            <a:ext cx="2057400" cy="1143000"/>
+            <a:off x="380998" y="5356015"/>
+            <a:ext cx="6400801" cy="1219200"/>
           </a:xfrm>
           <a:prstGeom prst="roundRect">
             <a:avLst/>
@@ -4624,20 +8450,54 @@
           </a:fontRef>
         </p:style>
         <p:txBody>
-          <a:bodyPr rtlCol="0" anchor="ctr"/>
+          <a:bodyPr rtlCol="0" anchor="t" anchorCtr="0"/>
+          <a:lstStyle/>
+          <a:p>
+            <a:r>
+              <a:rPr lang="en-US" sz="2400" b="1" dirty="0" err="1" smtClean="0"/>
+              <a:t>AuthStatus</a:t>
+            </a:r>
+            <a:endParaRPr lang="en-US" sz="2400" b="1" dirty="0"/>
+          </a:p>
+        </p:txBody>
+      </p:sp>
+      <p:sp>
+        <p:nvSpPr>
+          <p:cNvPr id="10" name="Rounded Rectangle 9"/>
+          <p:cNvSpPr/>
+          <p:nvPr/>
+        </p:nvSpPr>
+        <p:spPr>
+          <a:xfrm>
+            <a:off x="458586" y="3744103"/>
+            <a:ext cx="1167245" cy="455221"/>
+          </a:xfrm>
+          <a:prstGeom prst="roundRect">
+            <a:avLst/>
+          </a:prstGeom>
+        </p:spPr>
+        <p:style>
+          <a:lnRef idx="1">
+            <a:schemeClr val="accent6"/>
+          </a:lnRef>
+          <a:fillRef idx="2">
+            <a:schemeClr val="accent6"/>
+          </a:fillRef>
+          <a:effectRef idx="1">
+            <a:schemeClr val="accent6"/>
+          </a:effectRef>
+          <a:fontRef idx="minor">
+            <a:schemeClr val="dk1"/>
+          </a:fontRef>
+        </p:style>
+        <p:txBody>
+          <a:bodyPr rtlCol="0" anchor="t" anchorCtr="0"/>
           <a:lstStyle/>
           <a:p>
             <a:pPr algn="ctr"/>
             <a:r>
               <a:rPr lang="en-US" dirty="0" smtClean="0"/>
-              <a:t>Server</a:t>
-            </a:r>
-          </a:p>
-          <a:p>
-            <a:pPr algn="ctr"/>
-            <a:r>
-              <a:rPr lang="en-US" dirty="0" smtClean="0"/>
-              <a:t>(Java, Tomcat)</a:t>
+              <a:t>Session</a:t>
             </a:r>
             <a:endParaRPr lang="en-US" dirty="0"/>
           </a:p>
@@ -4645,14 +8505,14 @@
       </p:sp>
       <p:cxnSp>
         <p:nvCxnSpPr>
-          <p:cNvPr id="5" name="Straight Arrow Connector 4"/>
+          <p:cNvPr id="14" name="Straight Arrow Connector 13"/>
           <p:cNvCxnSpPr/>
           <p:nvPr/>
         </p:nvCxnSpPr>
         <p:spPr>
-          <a:xfrm flipV="1">
-            <a:off x="2396712" y="2536371"/>
-            <a:ext cx="1032288" cy="1197429"/>
+          <a:xfrm>
+            <a:off x="3547506" y="1927015"/>
+            <a:ext cx="0" cy="1212767"/>
           </a:xfrm>
           <a:prstGeom prst="straightConnector1">
             <a:avLst/>
@@ -4676,16 +8536,763 @@
           </a:fontRef>
         </p:style>
       </p:cxnSp>
-      <p:sp>
-        <p:nvSpPr>
-          <p:cNvPr id="7" name="TextBox 6"/>
+      <p:cxnSp>
+        <p:nvCxnSpPr>
+          <p:cNvPr id="16" name="Straight Arrow Connector 15"/>
+          <p:cNvCxnSpPr/>
+          <p:nvPr/>
+        </p:nvCxnSpPr>
+        <p:spPr>
+          <a:xfrm flipH="1" flipV="1">
+            <a:off x="4722667" y="1927015"/>
+            <a:ext cx="1734" cy="1212768"/>
+          </a:xfrm>
+          <a:prstGeom prst="straightConnector1">
+            <a:avLst/>
+          </a:prstGeom>
+          <a:ln w="57150">
+            <a:tailEnd type="arrow"/>
+          </a:ln>
+        </p:spPr>
+        <p:style>
+          <a:lnRef idx="1">
+            <a:schemeClr val="accent1"/>
+          </a:lnRef>
+          <a:fillRef idx="0">
+            <a:schemeClr val="accent1"/>
+          </a:fillRef>
+          <a:effectRef idx="0">
+            <a:schemeClr val="accent1"/>
+          </a:effectRef>
+          <a:fontRef idx="minor">
+            <a:schemeClr val="tx1"/>
+          </a:fontRef>
+        </p:style>
+      </p:cxnSp>
+      <p:sp>
+        <p:nvSpPr>
+          <p:cNvPr id="8" name="Rounded Rectangle 7"/>
+          <p:cNvSpPr/>
+          <p:nvPr/>
+        </p:nvSpPr>
+        <p:spPr>
+          <a:xfrm>
+            <a:off x="2963884" y="2295148"/>
+            <a:ext cx="1167245" cy="455221"/>
+          </a:xfrm>
+          <a:prstGeom prst="roundRect">
+            <a:avLst/>
+          </a:prstGeom>
+        </p:spPr>
+        <p:style>
+          <a:lnRef idx="1">
+            <a:schemeClr val="accent6"/>
+          </a:lnRef>
+          <a:fillRef idx="2">
+            <a:schemeClr val="accent6"/>
+          </a:fillRef>
+          <a:effectRef idx="1">
+            <a:schemeClr val="accent6"/>
+          </a:effectRef>
+          <a:fontRef idx="minor">
+            <a:schemeClr val="dk1"/>
+          </a:fontRef>
+        </p:style>
+        <p:txBody>
+          <a:bodyPr rtlCol="0" anchor="t" anchorCtr="0"/>
+          <a:lstStyle/>
+          <a:p>
+            <a:pPr algn="ctr"/>
+            <a:r>
+              <a:rPr lang="en-US" dirty="0" smtClean="0"/>
+              <a:t>Request</a:t>
+            </a:r>
+            <a:endParaRPr lang="en-US" dirty="0"/>
+          </a:p>
+        </p:txBody>
+      </p:sp>
+      <p:sp>
+        <p:nvSpPr>
+          <p:cNvPr id="9" name="Rounded Rectangle 8"/>
+          <p:cNvSpPr/>
+          <p:nvPr/>
+        </p:nvSpPr>
+        <p:spPr>
+          <a:xfrm>
+            <a:off x="4139045" y="2295149"/>
+            <a:ext cx="1167245" cy="455221"/>
+          </a:xfrm>
+          <a:prstGeom prst="roundRect">
+            <a:avLst/>
+          </a:prstGeom>
+        </p:spPr>
+        <p:style>
+          <a:lnRef idx="1">
+            <a:schemeClr val="accent6"/>
+          </a:lnRef>
+          <a:fillRef idx="2">
+            <a:schemeClr val="accent6"/>
+          </a:fillRef>
+          <a:effectRef idx="1">
+            <a:schemeClr val="accent6"/>
+          </a:effectRef>
+          <a:fontRef idx="minor">
+            <a:schemeClr val="dk1"/>
+          </a:fontRef>
+        </p:style>
+        <p:txBody>
+          <a:bodyPr rtlCol="0" anchor="t" anchorCtr="0"/>
+          <a:lstStyle/>
+          <a:p>
+            <a:pPr algn="ctr"/>
+            <a:r>
+              <a:rPr lang="en-US" dirty="0" smtClean="0"/>
+              <a:t>Response</a:t>
+            </a:r>
+            <a:endParaRPr lang="en-US" dirty="0"/>
+          </a:p>
+        </p:txBody>
+      </p:sp>
+      <p:cxnSp>
+        <p:nvCxnSpPr>
+          <p:cNvPr id="21" name="Elbow Connector 20"/>
+          <p:cNvCxnSpPr>
+            <a:endCxn id="10" idx="2"/>
+          </p:cNvCxnSpPr>
+          <p:nvPr/>
+        </p:nvCxnSpPr>
+        <p:spPr>
+          <a:xfrm rot="16200000" flipV="1">
+            <a:off x="712218" y="4529315"/>
+            <a:ext cx="1156694" cy="496711"/>
+          </a:xfrm>
+          <a:prstGeom prst="bentConnector3">
+            <a:avLst>
+              <a:gd name="adj1" fmla="val 64594"/>
+            </a:avLst>
+          </a:prstGeom>
+          <a:ln w="38100">
+            <a:prstDash val="sysDash"/>
+            <a:headEnd type="oval" w="med" len="med"/>
+            <a:tailEnd type="oval" w="med" len="med"/>
+          </a:ln>
+        </p:spPr>
+        <p:style>
+          <a:lnRef idx="1">
+            <a:schemeClr val="accent1"/>
+          </a:lnRef>
+          <a:fillRef idx="0">
+            <a:schemeClr val="accent1"/>
+          </a:fillRef>
+          <a:effectRef idx="0">
+            <a:schemeClr val="accent1"/>
+          </a:effectRef>
+          <a:fontRef idx="minor">
+            <a:schemeClr val="tx1"/>
+          </a:fontRef>
+        </p:style>
+      </p:cxnSp>
+      <p:cxnSp>
+        <p:nvCxnSpPr>
+          <p:cNvPr id="26" name="Elbow Connector 25"/>
+          <p:cNvCxnSpPr>
+            <a:stCxn id="10" idx="2"/>
+          </p:cNvCxnSpPr>
+          <p:nvPr/>
+        </p:nvCxnSpPr>
+        <p:spPr>
+          <a:xfrm rot="16200000" flipH="1">
+            <a:off x="1335224" y="3906309"/>
+            <a:ext cx="407391" cy="993420"/>
+          </a:xfrm>
+          <a:prstGeom prst="bentConnector2">
+            <a:avLst/>
+          </a:prstGeom>
+          <a:ln w="38100">
+            <a:prstDash val="sysDash"/>
+            <a:headEnd type="oval" w="med" len="med"/>
+            <a:tailEnd type="oval" w="med" len="med"/>
+          </a:ln>
+        </p:spPr>
+        <p:style>
+          <a:lnRef idx="1">
+            <a:schemeClr val="accent1"/>
+          </a:lnRef>
+          <a:fillRef idx="0">
+            <a:schemeClr val="accent1"/>
+          </a:fillRef>
+          <a:effectRef idx="0">
+            <a:schemeClr val="accent1"/>
+          </a:effectRef>
+          <a:fontRef idx="minor">
+            <a:schemeClr val="tx1"/>
+          </a:fontRef>
+        </p:style>
+      </p:cxnSp>
+      <p:sp>
+        <p:nvSpPr>
+          <p:cNvPr id="35" name="Rounded Rectangle 34"/>
+          <p:cNvSpPr/>
+          <p:nvPr/>
+        </p:nvSpPr>
+        <p:spPr>
+          <a:xfrm>
+            <a:off x="7619999" y="3147204"/>
+            <a:ext cx="1272639" cy="1897577"/>
+          </a:xfrm>
+          <a:prstGeom prst="roundRect">
+            <a:avLst/>
+          </a:prstGeom>
+        </p:spPr>
+        <p:style>
+          <a:lnRef idx="1">
+            <a:schemeClr val="accent2"/>
+          </a:lnRef>
+          <a:fillRef idx="2">
+            <a:schemeClr val="accent2"/>
+          </a:fillRef>
+          <a:effectRef idx="1">
+            <a:schemeClr val="accent2"/>
+          </a:effectRef>
+          <a:fontRef idx="minor">
+            <a:schemeClr val="dk1"/>
+          </a:fontRef>
+        </p:style>
+        <p:txBody>
+          <a:bodyPr rtlCol="0" anchor="t" anchorCtr="0"/>
+          <a:lstStyle/>
+          <a:p>
+            <a:pPr algn="ctr"/>
+            <a:r>
+              <a:rPr lang="en-US" dirty="0" smtClean="0"/>
+              <a:t>Identity</a:t>
+            </a:r>
+          </a:p>
+          <a:p>
+            <a:pPr algn="ctr"/>
+            <a:r>
+              <a:rPr lang="en-US" dirty="0" smtClean="0"/>
+              <a:t>Provider</a:t>
+            </a:r>
+            <a:endParaRPr lang="en-US" dirty="0"/>
+          </a:p>
+        </p:txBody>
+      </p:sp>
+      <p:sp>
+        <p:nvSpPr>
+          <p:cNvPr id="36" name="Rounded Rectangle 35"/>
+          <p:cNvSpPr/>
+          <p:nvPr/>
+        </p:nvSpPr>
+        <p:spPr>
+          <a:xfrm>
+            <a:off x="2667000" y="5965615"/>
+            <a:ext cx="1196438" cy="413160"/>
+          </a:xfrm>
+          <a:prstGeom prst="roundRect">
+            <a:avLst/>
+          </a:prstGeom>
+        </p:spPr>
+        <p:style>
+          <a:lnRef idx="1">
+            <a:schemeClr val="accent2"/>
+          </a:lnRef>
+          <a:fillRef idx="2">
+            <a:schemeClr val="accent2"/>
+          </a:fillRef>
+          <a:effectRef idx="1">
+            <a:schemeClr val="accent2"/>
+          </a:effectRef>
+          <a:fontRef idx="minor">
+            <a:schemeClr val="dk1"/>
+          </a:fontRef>
+        </p:style>
+        <p:txBody>
+          <a:bodyPr rtlCol="0" anchor="t" anchorCtr="0"/>
+          <a:lstStyle/>
+          <a:p>
+            <a:pPr algn="ctr"/>
+            <a:r>
+              <a:rPr lang="en-US" dirty="0" smtClean="0"/>
+              <a:t>challenge</a:t>
+            </a:r>
+            <a:endParaRPr lang="en-US" dirty="0"/>
+          </a:p>
+        </p:txBody>
+      </p:sp>
+      <p:cxnSp>
+        <p:nvCxnSpPr>
+          <p:cNvPr id="37" name="Straight Arrow Connector 36"/>
+          <p:cNvCxnSpPr/>
+          <p:nvPr/>
+        </p:nvCxnSpPr>
+        <p:spPr>
+          <a:xfrm flipH="1">
+            <a:off x="3368065" y="4600365"/>
+            <a:ext cx="1090485" cy="1352938"/>
+          </a:xfrm>
+          <a:prstGeom prst="straightConnector1">
+            <a:avLst/>
+          </a:prstGeom>
+          <a:ln w="57150">
+            <a:tailEnd type="arrow"/>
+          </a:ln>
+        </p:spPr>
+        <p:style>
+          <a:lnRef idx="1">
+            <a:schemeClr val="accent1"/>
+          </a:lnRef>
+          <a:fillRef idx="0">
+            <a:schemeClr val="accent1"/>
+          </a:fillRef>
+          <a:effectRef idx="0">
+            <a:schemeClr val="accent1"/>
+          </a:effectRef>
+          <a:fontRef idx="minor">
+            <a:schemeClr val="tx1"/>
+          </a:fontRef>
+        </p:style>
+      </p:cxnSp>
+      <p:cxnSp>
+        <p:nvCxnSpPr>
+          <p:cNvPr id="39" name="Straight Arrow Connector 38"/>
+          <p:cNvCxnSpPr/>
+          <p:nvPr/>
+        </p:nvCxnSpPr>
+        <p:spPr>
+          <a:xfrm flipV="1">
+            <a:off x="3702319" y="4594015"/>
+            <a:ext cx="1772517" cy="1371600"/>
+          </a:xfrm>
+          <a:prstGeom prst="straightConnector1">
+            <a:avLst/>
+          </a:prstGeom>
+          <a:ln w="57150">
+            <a:tailEnd type="arrow"/>
+          </a:ln>
+        </p:spPr>
+        <p:style>
+          <a:lnRef idx="1">
+            <a:schemeClr val="accent1"/>
+          </a:lnRef>
+          <a:fillRef idx="0">
+            <a:schemeClr val="accent1"/>
+          </a:fillRef>
+          <a:effectRef idx="0">
+            <a:schemeClr val="accent1"/>
+          </a:effectRef>
+          <a:fontRef idx="minor">
+            <a:schemeClr val="tx1"/>
+          </a:fontRef>
+        </p:style>
+      </p:cxnSp>
+      <p:cxnSp>
+        <p:nvCxnSpPr>
+          <p:cNvPr id="42" name="Straight Arrow Connector 41"/>
+          <p:cNvCxnSpPr/>
+          <p:nvPr/>
+        </p:nvCxnSpPr>
+        <p:spPr>
+          <a:xfrm>
+            <a:off x="6567919" y="4184067"/>
+            <a:ext cx="1052080" cy="27958"/>
+          </a:xfrm>
+          <a:prstGeom prst="straightConnector1">
+            <a:avLst/>
+          </a:prstGeom>
+          <a:ln w="57150">
+            <a:tailEnd type="arrow"/>
+          </a:ln>
+        </p:spPr>
+        <p:style>
+          <a:lnRef idx="1">
+            <a:schemeClr val="accent1"/>
+          </a:lnRef>
+          <a:fillRef idx="0">
+            <a:schemeClr val="accent1"/>
+          </a:fillRef>
+          <a:effectRef idx="0">
+            <a:schemeClr val="accent1"/>
+          </a:effectRef>
+          <a:fontRef idx="minor">
+            <a:schemeClr val="tx1"/>
+          </a:fontRef>
+        </p:style>
+      </p:cxnSp>
+      <p:sp>
+        <p:nvSpPr>
+          <p:cNvPr id="47" name="Rounded Rectangle 46"/>
+          <p:cNvSpPr/>
+          <p:nvPr/>
+        </p:nvSpPr>
+        <p:spPr>
+          <a:xfrm>
+            <a:off x="4028581" y="5955470"/>
+            <a:ext cx="1196438" cy="413160"/>
+          </a:xfrm>
+          <a:prstGeom prst="roundRect">
+            <a:avLst/>
+          </a:prstGeom>
+        </p:spPr>
+        <p:style>
+          <a:lnRef idx="1">
+            <a:schemeClr val="accent2"/>
+          </a:lnRef>
+          <a:fillRef idx="2">
+            <a:schemeClr val="accent2"/>
+          </a:fillRef>
+          <a:effectRef idx="1">
+            <a:schemeClr val="accent2"/>
+          </a:effectRef>
+          <a:fontRef idx="minor">
+            <a:schemeClr val="dk1"/>
+          </a:fontRef>
+        </p:style>
+        <p:txBody>
+          <a:bodyPr rtlCol="0" anchor="t" anchorCtr="0"/>
+          <a:lstStyle/>
+          <a:p>
+            <a:pPr algn="ctr"/>
+            <a:r>
+              <a:rPr lang="en-US" dirty="0" err="1" smtClean="0"/>
+              <a:t>userName</a:t>
+            </a:r>
+            <a:endParaRPr lang="en-US" dirty="0"/>
+          </a:p>
+        </p:txBody>
+      </p:sp>
+      <p:sp>
+        <p:nvSpPr>
+          <p:cNvPr id="48" name="Rounded Rectangle 47"/>
+          <p:cNvSpPr/>
+          <p:nvPr/>
+        </p:nvSpPr>
+        <p:spPr>
+          <a:xfrm>
+            <a:off x="5371481" y="5955470"/>
+            <a:ext cx="1196438" cy="413160"/>
+          </a:xfrm>
+          <a:prstGeom prst="roundRect">
+            <a:avLst/>
+          </a:prstGeom>
+        </p:spPr>
+        <p:style>
+          <a:lnRef idx="1">
+            <a:schemeClr val="accent2"/>
+          </a:lnRef>
+          <a:fillRef idx="2">
+            <a:schemeClr val="accent2"/>
+          </a:fillRef>
+          <a:effectRef idx="1">
+            <a:schemeClr val="accent2"/>
+          </a:effectRef>
+          <a:fontRef idx="minor">
+            <a:schemeClr val="dk1"/>
+          </a:fontRef>
+        </p:style>
+        <p:txBody>
+          <a:bodyPr rtlCol="0" anchor="t" anchorCtr="0"/>
+          <a:lstStyle/>
+          <a:p>
+            <a:pPr algn="ctr"/>
+            <a:r>
+              <a:rPr lang="en-US" dirty="0" err="1" smtClean="0"/>
+              <a:t>userId</a:t>
+            </a:r>
+            <a:endParaRPr lang="en-US" dirty="0"/>
+          </a:p>
+        </p:txBody>
+      </p:sp>
+      <p:sp>
+        <p:nvSpPr>
+          <p:cNvPr id="49" name="Oval 48"/>
+          <p:cNvSpPr/>
+          <p:nvPr/>
+        </p:nvSpPr>
+        <p:spPr>
+          <a:xfrm>
+            <a:off x="4609446" y="3756804"/>
+            <a:ext cx="217219" cy="214910"/>
+          </a:xfrm>
+          <a:prstGeom prst="ellipse">
+            <a:avLst/>
+          </a:prstGeom>
+        </p:spPr>
+        <p:style>
+          <a:lnRef idx="1">
+            <a:schemeClr val="accent4"/>
+          </a:lnRef>
+          <a:fillRef idx="2">
+            <a:schemeClr val="accent4"/>
+          </a:fillRef>
+          <a:effectRef idx="1">
+            <a:schemeClr val="accent4"/>
+          </a:effectRef>
+          <a:fontRef idx="minor">
+            <a:schemeClr val="dk1"/>
+          </a:fontRef>
+        </p:style>
+        <p:txBody>
+          <a:bodyPr rtlCol="0" anchor="ctr"/>
+          <a:lstStyle/>
+          <a:p>
+            <a:pPr algn="ctr"/>
+            <a:endParaRPr lang="en-US">
+              <a:solidFill>
+                <a:schemeClr val="dk1"/>
+              </a:solidFill>
+            </a:endParaRPr>
+          </a:p>
+        </p:txBody>
+      </p:sp>
+      <p:sp>
+        <p:nvSpPr>
+          <p:cNvPr id="50" name="Oval 49"/>
+          <p:cNvSpPr/>
+          <p:nvPr/>
+        </p:nvSpPr>
+        <p:spPr>
+          <a:xfrm>
+            <a:off x="5671024" y="3746657"/>
+            <a:ext cx="217219" cy="214910"/>
+          </a:xfrm>
+          <a:prstGeom prst="ellipse">
+            <a:avLst/>
+          </a:prstGeom>
+        </p:spPr>
+        <p:style>
+          <a:lnRef idx="1">
+            <a:schemeClr val="accent4"/>
+          </a:lnRef>
+          <a:fillRef idx="2">
+            <a:schemeClr val="accent4"/>
+          </a:fillRef>
+          <a:effectRef idx="1">
+            <a:schemeClr val="accent4"/>
+          </a:effectRef>
+          <a:fontRef idx="minor">
+            <a:schemeClr val="dk1"/>
+          </a:fontRef>
+        </p:style>
+        <p:txBody>
+          <a:bodyPr rtlCol="0" anchor="ctr"/>
+          <a:lstStyle/>
+          <a:p>
+            <a:pPr algn="ctr"/>
+            <a:endParaRPr lang="en-US">
+              <a:solidFill>
+                <a:schemeClr val="dk1"/>
+              </a:solidFill>
+            </a:endParaRPr>
+          </a:p>
+        </p:txBody>
+      </p:sp>
+      <p:sp>
+        <p:nvSpPr>
+          <p:cNvPr id="33" name="Rounded Rectangle 32"/>
+          <p:cNvSpPr/>
+          <p:nvPr/>
+        </p:nvSpPr>
+        <p:spPr>
+          <a:xfrm>
+            <a:off x="4234137" y="3984414"/>
+            <a:ext cx="1083402" cy="622301"/>
+          </a:xfrm>
+          <a:prstGeom prst="roundRect">
+            <a:avLst/>
+          </a:prstGeom>
+        </p:spPr>
+        <p:style>
+          <a:lnRef idx="1">
+            <a:schemeClr val="accent4"/>
+          </a:lnRef>
+          <a:fillRef idx="2">
+            <a:schemeClr val="accent4"/>
+          </a:fillRef>
+          <a:effectRef idx="1">
+            <a:schemeClr val="accent4"/>
+          </a:effectRef>
+          <a:fontRef idx="minor">
+            <a:schemeClr val="dk1"/>
+          </a:fontRef>
+        </p:style>
+        <p:txBody>
+          <a:bodyPr lIns="0" tIns="0" rIns="0" bIns="0" rtlCol="0" anchor="ctr"/>
+          <a:lstStyle/>
+          <a:p>
+            <a:pPr algn="ctr"/>
+            <a:r>
+              <a:rPr lang="en-US" dirty="0" smtClean="0"/>
+              <a:t>Gen</a:t>
+            </a:r>
+          </a:p>
+          <a:p>
+            <a:pPr algn="ctr"/>
+            <a:r>
+              <a:rPr lang="en-US" dirty="0" smtClean="0"/>
+              <a:t>Challenge</a:t>
+            </a:r>
+            <a:endParaRPr lang="en-US" dirty="0"/>
+          </a:p>
+        </p:txBody>
+      </p:sp>
+      <p:sp>
+        <p:nvSpPr>
+          <p:cNvPr id="34" name="Rounded Rectangle 33"/>
+          <p:cNvSpPr/>
+          <p:nvPr/>
+        </p:nvSpPr>
+        <p:spPr>
+          <a:xfrm>
+            <a:off x="5474836" y="3971714"/>
+            <a:ext cx="1093083" cy="622301"/>
+          </a:xfrm>
+          <a:prstGeom prst="roundRect">
+            <a:avLst/>
+          </a:prstGeom>
+        </p:spPr>
+        <p:style>
+          <a:lnRef idx="1">
+            <a:schemeClr val="accent4"/>
+          </a:lnRef>
+          <a:fillRef idx="2">
+            <a:schemeClr val="accent4"/>
+          </a:fillRef>
+          <a:effectRef idx="1">
+            <a:schemeClr val="accent4"/>
+          </a:effectRef>
+          <a:fontRef idx="minor">
+            <a:schemeClr val="dk1"/>
+          </a:fontRef>
+        </p:style>
+        <p:txBody>
+          <a:bodyPr lIns="0" tIns="0" rIns="0" bIns="0" rtlCol="0" anchor="ctr"/>
+          <a:lstStyle/>
+          <a:p>
+            <a:pPr algn="ctr"/>
+            <a:r>
+              <a:rPr lang="en-US" dirty="0"/>
+              <a:t>Verify</a:t>
+            </a:r>
+          </a:p>
+          <a:p>
+            <a:pPr algn="ctr"/>
+            <a:r>
+              <a:rPr lang="en-US" dirty="0"/>
+              <a:t>Token</a:t>
+            </a:r>
+          </a:p>
+        </p:txBody>
+      </p:sp>
+      <p:cxnSp>
+        <p:nvCxnSpPr>
+          <p:cNvPr id="51" name="Straight Arrow Connector 50"/>
+          <p:cNvCxnSpPr/>
+          <p:nvPr/>
+        </p:nvCxnSpPr>
+        <p:spPr>
+          <a:xfrm flipH="1">
+            <a:off x="4920590" y="4612677"/>
+            <a:ext cx="967653" cy="1342793"/>
+          </a:xfrm>
+          <a:prstGeom prst="straightConnector1">
+            <a:avLst/>
+          </a:prstGeom>
+          <a:ln w="57150">
+            <a:tailEnd type="arrow"/>
+          </a:ln>
+        </p:spPr>
+        <p:style>
+          <a:lnRef idx="1">
+            <a:schemeClr val="accent1"/>
+          </a:lnRef>
+          <a:fillRef idx="0">
+            <a:schemeClr val="accent1"/>
+          </a:fillRef>
+          <a:effectRef idx="0">
+            <a:schemeClr val="accent1"/>
+          </a:effectRef>
+          <a:fontRef idx="minor">
+            <a:schemeClr val="tx1"/>
+          </a:fontRef>
+        </p:style>
+      </p:cxnSp>
+      <p:cxnSp>
+        <p:nvCxnSpPr>
+          <p:cNvPr id="53" name="Straight Arrow Connector 52"/>
+          <p:cNvCxnSpPr/>
+          <p:nvPr/>
+        </p:nvCxnSpPr>
+        <p:spPr>
+          <a:xfrm flipH="1">
+            <a:off x="5817485" y="4612677"/>
+            <a:ext cx="409144" cy="1352938"/>
+          </a:xfrm>
+          <a:prstGeom prst="straightConnector1">
+            <a:avLst/>
+          </a:prstGeom>
+          <a:ln w="57150">
+            <a:tailEnd type="arrow"/>
+          </a:ln>
+        </p:spPr>
+        <p:style>
+          <a:lnRef idx="1">
+            <a:schemeClr val="accent1"/>
+          </a:lnRef>
+          <a:fillRef idx="0">
+            <a:schemeClr val="accent1"/>
+          </a:fillRef>
+          <a:effectRef idx="0">
+            <a:schemeClr val="accent1"/>
+          </a:effectRef>
+          <a:fontRef idx="minor">
+            <a:schemeClr val="tx1"/>
+          </a:fontRef>
+        </p:style>
+      </p:cxnSp>
+      <p:cxnSp>
+        <p:nvCxnSpPr>
+          <p:cNvPr id="58" name="Straight Arrow Connector 57"/>
+          <p:cNvCxnSpPr/>
+          <p:nvPr/>
+        </p:nvCxnSpPr>
+        <p:spPr>
+          <a:xfrm flipH="1">
+            <a:off x="6567919" y="4441616"/>
+            <a:ext cx="1052080" cy="0"/>
+          </a:xfrm>
+          <a:prstGeom prst="straightConnector1">
+            <a:avLst/>
+          </a:prstGeom>
+          <a:ln w="57150">
+            <a:tailEnd type="arrow"/>
+          </a:ln>
+        </p:spPr>
+        <p:style>
+          <a:lnRef idx="1">
+            <a:schemeClr val="accent1"/>
+          </a:lnRef>
+          <a:fillRef idx="0">
+            <a:schemeClr val="accent1"/>
+          </a:fillRef>
+          <a:effectRef idx="0">
+            <a:schemeClr val="accent1"/>
+          </a:effectRef>
+          <a:fontRef idx="minor">
+            <a:schemeClr val="tx1"/>
+          </a:fontRef>
+        </p:style>
+      </p:cxnSp>
+      <p:sp>
+        <p:nvSpPr>
+          <p:cNvPr id="61" name="TextBox 60"/>
           <p:cNvSpPr txBox="1"/>
           <p:nvPr/>
         </p:nvSpPr>
         <p:spPr>
           <a:xfrm>
-            <a:off x="1698171" y="2765753"/>
-            <a:ext cx="1114408" cy="369332"/>
+            <a:off x="6881474" y="3420937"/>
+            <a:ext cx="576825" cy="646331"/>
           </a:xfrm>
           <a:prstGeom prst="rect">
             <a:avLst/>
@@ -4700,16 +9307,403 @@
           <a:p>
             <a:r>
               <a:rPr lang="en-US" dirty="0" smtClean="0"/>
-              <a:t>Who Am I</a:t>
+              <a:t>http</a:t>
+            </a:r>
+          </a:p>
+          <a:p>
+            <a:r>
+              <a:rPr lang="en-US" dirty="0" err="1" smtClean="0"/>
+              <a:t>json</a:t>
             </a:r>
             <a:endParaRPr lang="en-US" dirty="0"/>
           </a:p>
         </p:txBody>
       </p:sp>
+      <p:sp>
+        <p:nvSpPr>
+          <p:cNvPr id="62" name="Rounded Rectangle 61"/>
+          <p:cNvSpPr/>
+          <p:nvPr/>
+        </p:nvSpPr>
+        <p:spPr>
+          <a:xfrm>
+            <a:off x="3364921" y="330531"/>
+            <a:ext cx="1524000" cy="457199"/>
+          </a:xfrm>
+          <a:prstGeom prst="roundRect">
+            <a:avLst/>
+          </a:prstGeom>
+        </p:spPr>
+        <p:style>
+          <a:lnRef idx="1">
+            <a:schemeClr val="accent2"/>
+          </a:lnRef>
+          <a:fillRef idx="2">
+            <a:schemeClr val="accent2"/>
+          </a:fillRef>
+          <a:effectRef idx="1">
+            <a:schemeClr val="accent2"/>
+          </a:effectRef>
+          <a:fontRef idx="minor">
+            <a:schemeClr val="dk1"/>
+          </a:fontRef>
+        </p:style>
+        <p:txBody>
+          <a:bodyPr rtlCol="0" anchor="t" anchorCtr="0"/>
+          <a:lstStyle/>
+          <a:p>
+            <a:pPr algn="ctr"/>
+            <a:r>
+              <a:rPr lang="en-US" dirty="0" smtClean="0"/>
+              <a:t>Client</a:t>
+            </a:r>
+            <a:endParaRPr lang="en-US" dirty="0"/>
+          </a:p>
+        </p:txBody>
+      </p:sp>
+      <p:cxnSp>
+        <p:nvCxnSpPr>
+          <p:cNvPr id="63" name="Straight Arrow Connector 62"/>
+          <p:cNvCxnSpPr>
+            <a:stCxn id="4" idx="0"/>
+          </p:cNvCxnSpPr>
+          <p:nvPr/>
+        </p:nvCxnSpPr>
+        <p:spPr>
+          <a:xfrm flipH="1" flipV="1">
+            <a:off x="4125187" y="787231"/>
+            <a:ext cx="5942" cy="606384"/>
+          </a:xfrm>
+          <a:prstGeom prst="straightConnector1">
+            <a:avLst/>
+          </a:prstGeom>
+          <a:ln w="57150">
+            <a:headEnd type="arrow" w="med" len="med"/>
+            <a:tailEnd type="arrow" w="med" len="med"/>
+          </a:ln>
+        </p:spPr>
+        <p:style>
+          <a:lnRef idx="1">
+            <a:schemeClr val="accent1"/>
+          </a:lnRef>
+          <a:fillRef idx="0">
+            <a:schemeClr val="accent1"/>
+          </a:fillRef>
+          <a:effectRef idx="0">
+            <a:schemeClr val="accent1"/>
+          </a:effectRef>
+          <a:fontRef idx="minor">
+            <a:schemeClr val="tx1"/>
+          </a:fontRef>
+        </p:style>
+      </p:cxnSp>
+      <p:cxnSp>
+        <p:nvCxnSpPr>
+          <p:cNvPr id="65" name="Elbow Connector 64"/>
+          <p:cNvCxnSpPr>
+            <a:stCxn id="62" idx="3"/>
+            <a:endCxn id="35" idx="0"/>
+          </p:cNvCxnSpPr>
+          <p:nvPr/>
+        </p:nvCxnSpPr>
+        <p:spPr>
+          <a:xfrm>
+            <a:off x="4888921" y="559131"/>
+            <a:ext cx="3367398" cy="2588073"/>
+          </a:xfrm>
+          <a:prstGeom prst="bentConnector2">
+            <a:avLst/>
+          </a:prstGeom>
+          <a:ln w="57150">
+            <a:headEnd type="arrow" w="med" len="med"/>
+            <a:tailEnd type="arrow" w="med" len="med"/>
+          </a:ln>
+        </p:spPr>
+        <p:style>
+          <a:lnRef idx="1">
+            <a:schemeClr val="accent1"/>
+          </a:lnRef>
+          <a:fillRef idx="0">
+            <a:schemeClr val="accent1"/>
+          </a:fillRef>
+          <a:effectRef idx="0">
+            <a:schemeClr val="accent1"/>
+          </a:effectRef>
+          <a:fontRef idx="minor">
+            <a:schemeClr val="tx1"/>
+          </a:fontRef>
+        </p:style>
+      </p:cxnSp>
+      <p:sp>
+        <p:nvSpPr>
+          <p:cNvPr id="68" name="TextBox 67"/>
+          <p:cNvSpPr txBox="1"/>
+          <p:nvPr/>
+        </p:nvSpPr>
+        <p:spPr>
+          <a:xfrm>
+            <a:off x="4340503" y="905757"/>
+            <a:ext cx="572593" cy="369332"/>
+          </a:xfrm>
+          <a:prstGeom prst="rect">
+            <a:avLst/>
+          </a:prstGeom>
+          <a:noFill/>
+        </p:spPr>
+        <p:txBody>
+          <a:bodyPr wrap="none" rtlCol="0">
+            <a:spAutoFit/>
+          </a:bodyPr>
+          <a:lstStyle/>
+          <a:p>
+            <a:r>
+              <a:rPr lang="en-US" dirty="0" err="1" smtClean="0"/>
+              <a:t>json</a:t>
+            </a:r>
+            <a:endParaRPr lang="en-US" dirty="0"/>
+          </a:p>
+        </p:txBody>
+      </p:sp>
+      <p:sp>
+        <p:nvSpPr>
+          <p:cNvPr id="69" name="TextBox 68"/>
+          <p:cNvSpPr txBox="1"/>
+          <p:nvPr/>
+        </p:nvSpPr>
+        <p:spPr>
+          <a:xfrm>
+            <a:off x="3312343" y="905757"/>
+            <a:ext cx="576825" cy="369332"/>
+          </a:xfrm>
+          <a:prstGeom prst="rect">
+            <a:avLst/>
+          </a:prstGeom>
+          <a:noFill/>
+        </p:spPr>
+        <p:txBody>
+          <a:bodyPr wrap="none" rtlCol="0">
+            <a:spAutoFit/>
+          </a:bodyPr>
+          <a:lstStyle/>
+          <a:p>
+            <a:r>
+              <a:rPr lang="en-US" dirty="0" smtClean="0"/>
+              <a:t>http</a:t>
+            </a:r>
+            <a:endParaRPr lang="en-US" dirty="0"/>
+          </a:p>
+        </p:txBody>
+      </p:sp>
+      <p:sp>
+        <p:nvSpPr>
+          <p:cNvPr id="38" name="Rounded Rectangle 37"/>
+          <p:cNvSpPr/>
+          <p:nvPr/>
+        </p:nvSpPr>
+        <p:spPr>
+          <a:xfrm>
+            <a:off x="3265034" y="3990376"/>
+            <a:ext cx="850321" cy="622301"/>
+          </a:xfrm>
+          <a:prstGeom prst="roundRect">
+            <a:avLst/>
+          </a:prstGeom>
+        </p:spPr>
+        <p:style>
+          <a:lnRef idx="1">
+            <a:schemeClr val="accent4"/>
+          </a:lnRef>
+          <a:fillRef idx="2">
+            <a:schemeClr val="accent4"/>
+          </a:fillRef>
+          <a:effectRef idx="1">
+            <a:schemeClr val="accent4"/>
+          </a:effectRef>
+          <a:fontRef idx="minor">
+            <a:schemeClr val="dk1"/>
+          </a:fontRef>
+        </p:style>
+        <p:txBody>
+          <a:bodyPr lIns="0" tIns="0" rIns="0" bIns="0" rtlCol="0" anchor="ctr"/>
+          <a:lstStyle/>
+          <a:p>
+            <a:pPr algn="ctr"/>
+            <a:r>
+              <a:rPr lang="en-US" dirty="0" smtClean="0"/>
+              <a:t>logout</a:t>
+            </a:r>
+            <a:endParaRPr lang="en-US" dirty="0"/>
+          </a:p>
+        </p:txBody>
+      </p:sp>
+      <p:sp>
+        <p:nvSpPr>
+          <p:cNvPr id="40" name="Oval 39"/>
+          <p:cNvSpPr/>
+          <p:nvPr/>
+        </p:nvSpPr>
+        <p:spPr>
+          <a:xfrm>
+            <a:off x="3605709" y="3768765"/>
+            <a:ext cx="217219" cy="214910"/>
+          </a:xfrm>
+          <a:prstGeom prst="ellipse">
+            <a:avLst/>
+          </a:prstGeom>
+        </p:spPr>
+        <p:style>
+          <a:lnRef idx="1">
+            <a:schemeClr val="accent4"/>
+          </a:lnRef>
+          <a:fillRef idx="2">
+            <a:schemeClr val="accent4"/>
+          </a:fillRef>
+          <a:effectRef idx="1">
+            <a:schemeClr val="accent4"/>
+          </a:effectRef>
+          <a:fontRef idx="minor">
+            <a:schemeClr val="dk1"/>
+          </a:fontRef>
+        </p:style>
+        <p:txBody>
+          <a:bodyPr rtlCol="0" anchor="ctr"/>
+          <a:lstStyle/>
+          <a:p>
+            <a:pPr algn="ctr"/>
+            <a:endParaRPr lang="en-US">
+              <a:solidFill>
+                <a:schemeClr val="dk1"/>
+              </a:solidFill>
+            </a:endParaRPr>
+          </a:p>
+        </p:txBody>
+      </p:sp>
+      <p:sp>
+        <p:nvSpPr>
+          <p:cNvPr id="52" name="Rounded Rectangle 51"/>
+          <p:cNvSpPr/>
+          <p:nvPr/>
+        </p:nvSpPr>
+        <p:spPr>
+          <a:xfrm>
+            <a:off x="2241839" y="3990375"/>
+            <a:ext cx="850321" cy="622301"/>
+          </a:xfrm>
+          <a:prstGeom prst="roundRect">
+            <a:avLst/>
+          </a:prstGeom>
+        </p:spPr>
+        <p:style>
+          <a:lnRef idx="1">
+            <a:schemeClr val="accent4"/>
+          </a:lnRef>
+          <a:fillRef idx="2">
+            <a:schemeClr val="accent4"/>
+          </a:fillRef>
+          <a:effectRef idx="1">
+            <a:schemeClr val="accent4"/>
+          </a:effectRef>
+          <a:fontRef idx="minor">
+            <a:schemeClr val="dk1"/>
+          </a:fontRef>
+        </p:style>
+        <p:txBody>
+          <a:bodyPr lIns="0" tIns="0" rIns="0" bIns="0" rtlCol="0" anchor="ctr"/>
+          <a:lstStyle/>
+          <a:p>
+            <a:pPr algn="ctr"/>
+            <a:r>
+              <a:rPr lang="en-US" dirty="0" smtClean="0"/>
+              <a:t>query</a:t>
+            </a:r>
+            <a:endParaRPr lang="en-US" dirty="0"/>
+          </a:p>
+        </p:txBody>
+      </p:sp>
+      <p:sp>
+        <p:nvSpPr>
+          <p:cNvPr id="54" name="Oval 53"/>
+          <p:cNvSpPr/>
+          <p:nvPr/>
+        </p:nvSpPr>
+        <p:spPr>
+          <a:xfrm>
+            <a:off x="2558389" y="3804902"/>
+            <a:ext cx="217219" cy="214910"/>
+          </a:xfrm>
+          <a:prstGeom prst="ellipse">
+            <a:avLst/>
+          </a:prstGeom>
+        </p:spPr>
+        <p:style>
+          <a:lnRef idx="1">
+            <a:schemeClr val="accent4"/>
+          </a:lnRef>
+          <a:fillRef idx="2">
+            <a:schemeClr val="accent4"/>
+          </a:fillRef>
+          <a:effectRef idx="1">
+            <a:schemeClr val="accent4"/>
+          </a:effectRef>
+          <a:fontRef idx="minor">
+            <a:schemeClr val="dk1"/>
+          </a:fontRef>
+        </p:style>
+        <p:txBody>
+          <a:bodyPr rtlCol="0" anchor="ctr"/>
+          <a:lstStyle/>
+          <a:p>
+            <a:pPr algn="ctr"/>
+            <a:endParaRPr lang="en-US">
+              <a:solidFill>
+                <a:schemeClr val="dk1"/>
+              </a:solidFill>
+            </a:endParaRPr>
+          </a:p>
+        </p:txBody>
+      </p:sp>
+      <p:cxnSp>
+        <p:nvCxnSpPr>
+          <p:cNvPr id="12" name="Elbow Connector 11"/>
+          <p:cNvCxnSpPr>
+            <a:stCxn id="10" idx="0"/>
+            <a:endCxn id="8" idx="1"/>
+          </p:cNvCxnSpPr>
+          <p:nvPr/>
+        </p:nvCxnSpPr>
+        <p:spPr>
+          <a:xfrm rot="5400000" flipH="1" flipV="1">
+            <a:off x="1392374" y="2172594"/>
+            <a:ext cx="1221344" cy="1921675"/>
+          </a:xfrm>
+          <a:prstGeom prst="bentConnector2">
+            <a:avLst/>
+          </a:prstGeom>
+          <a:ln w="38100">
+            <a:prstDash val="sysDash"/>
+            <a:headEnd type="oval" w="med" len="med"/>
+            <a:tailEnd type="oval" w="med" len="med"/>
+          </a:ln>
+        </p:spPr>
+        <p:style>
+          <a:lnRef idx="1">
+            <a:schemeClr val="accent1"/>
+          </a:lnRef>
+          <a:fillRef idx="0">
+            <a:schemeClr val="accent1"/>
+          </a:fillRef>
+          <a:effectRef idx="0">
+            <a:schemeClr val="accent1"/>
+          </a:effectRef>
+          <a:fontRef idx="minor">
+            <a:schemeClr val="tx1"/>
+          </a:fontRef>
+        </p:style>
+      </p:cxnSp>
     </p:spTree>
     <p:extLst>
       <p:ext uri="{BB962C8B-B14F-4D97-AF65-F5344CB8AC3E}">
-        <p14:creationId xmlns:p14="http://schemas.microsoft.com/office/powerpoint/2010/main" val="2313122781"/>
+        <p14:creationId xmlns:p14="http://schemas.microsoft.com/office/powerpoint/2010/main" val="3936641792"/>
       </p:ext>
     </p:extLst>
   </p:cSld>
@@ -4885,17 +9879,14 @@
       </p:sp>
       <p:cxnSp>
         <p:nvCxnSpPr>
-          <p:cNvPr id="8" name="Straight Arrow Connector 7"/>
-          <p:cNvCxnSpPr>
-            <a:stCxn id="3" idx="3"/>
-            <a:endCxn id="4" idx="1"/>
-          </p:cNvCxnSpPr>
+          <p:cNvPr id="5" name="Straight Arrow Connector 4"/>
+          <p:cNvCxnSpPr/>
           <p:nvPr/>
         </p:nvCxnSpPr>
         <p:spPr>
-          <a:xfrm>
-            <a:off x="3425412" y="4305300"/>
-            <a:ext cx="1723531" cy="0"/>
+          <a:xfrm flipV="1">
+            <a:off x="2396712" y="2536371"/>
+            <a:ext cx="1032288" cy="1197429"/>
           </a:xfrm>
           <a:prstGeom prst="straightConnector1">
             <a:avLst/>
@@ -4921,14 +9912,14 @@
       </p:cxnSp>
       <p:sp>
         <p:nvSpPr>
-          <p:cNvPr id="9" name="TextBox 8"/>
+          <p:cNvPr id="7" name="TextBox 6"/>
           <p:cNvSpPr txBox="1"/>
           <p:nvPr/>
         </p:nvSpPr>
         <p:spPr>
           <a:xfrm>
-            <a:off x="3425412" y="3352800"/>
-            <a:ext cx="1704249" cy="646331"/>
+            <a:off x="1698171" y="2765753"/>
+            <a:ext cx="1114408" cy="369332"/>
           </a:xfrm>
           <a:prstGeom prst="rect">
             <a:avLst/>
@@ -4941,17 +9932,9 @@
           </a:bodyPr>
           <a:lstStyle/>
           <a:p>
-            <a:pPr algn="ctr"/>
             <a:r>
               <a:rPr lang="en-US" dirty="0" smtClean="0"/>
-              <a:t>Query Whether </a:t>
-            </a:r>
-          </a:p>
-          <a:p>
-            <a:pPr algn="ctr"/>
-            <a:r>
-              <a:rPr lang="en-US" dirty="0" smtClean="0"/>
-              <a:t>Logged In</a:t>
+              <a:t>Who Am I</a:t>
             </a:r>
             <a:endParaRPr lang="en-US" dirty="0"/>
           </a:p>
@@ -4960,7 +9943,7 @@
     </p:spTree>
     <p:extLst>
       <p:ext uri="{BB962C8B-B14F-4D97-AF65-F5344CB8AC3E}">
-        <p14:creationId xmlns:p14="http://schemas.microsoft.com/office/powerpoint/2010/main" val="2045135783"/>
+        <p14:creationId xmlns:p14="http://schemas.microsoft.com/office/powerpoint/2010/main" val="2313122781"/>
       </p:ext>
     </p:extLst>
   </p:cSld>
@@ -5178,8 +10161,8 @@
         </p:nvSpPr>
         <p:spPr>
           <a:xfrm>
-            <a:off x="3529547" y="3352800"/>
-            <a:ext cx="1495987" cy="369332"/>
+            <a:off x="3425412" y="3352800"/>
+            <a:ext cx="1704249" cy="646331"/>
           </a:xfrm>
           <a:prstGeom prst="rect">
             <a:avLst/>
@@ -5195,7 +10178,14 @@
             <a:pPr algn="ctr"/>
             <a:r>
               <a:rPr lang="en-US" dirty="0" smtClean="0"/>
-              <a:t>Get Challenge</a:t>
+              <a:t>Query Whether </a:t>
+            </a:r>
+          </a:p>
+          <a:p>
+            <a:pPr algn="ctr"/>
+            <a:r>
+              <a:rPr lang="en-US" dirty="0" smtClean="0"/>
+              <a:t>Logged In</a:t>
             </a:r>
             <a:endParaRPr lang="en-US" dirty="0"/>
           </a:p>
@@ -5204,7 +10194,7 @@
     </p:spTree>
     <p:extLst>
       <p:ext uri="{BB962C8B-B14F-4D97-AF65-F5344CB8AC3E}">
-        <p14:creationId xmlns:p14="http://schemas.microsoft.com/office/powerpoint/2010/main" val="2191513171"/>
+        <p14:creationId xmlns:p14="http://schemas.microsoft.com/office/powerpoint/2010/main" val="2045135783"/>
       </p:ext>
     </p:extLst>
   </p:cSld>
@@ -5382,14 +10372,15 @@
         <p:nvCxnSpPr>
           <p:cNvPr id="8" name="Straight Arrow Connector 7"/>
           <p:cNvCxnSpPr>
-            <a:stCxn id="3" idx="0"/>
+            <a:stCxn id="3" idx="3"/>
+            <a:endCxn id="4" idx="1"/>
           </p:cNvCxnSpPr>
           <p:nvPr/>
         </p:nvCxnSpPr>
         <p:spPr>
-          <a:xfrm flipV="1">
-            <a:off x="2396712" y="2536372"/>
-            <a:ext cx="1028700" cy="1197428"/>
+          <a:xfrm>
+            <a:off x="3425412" y="4305300"/>
+            <a:ext cx="1723531" cy="0"/>
           </a:xfrm>
           <a:prstGeom prst="straightConnector1">
             <a:avLst/>
@@ -5421,8 +10412,8 @@
         </p:nvSpPr>
         <p:spPr>
           <a:xfrm>
-            <a:off x="1257421" y="2667000"/>
-            <a:ext cx="1868974" cy="646331"/>
+            <a:off x="3529547" y="3352800"/>
+            <a:ext cx="1495987" cy="369332"/>
           </a:xfrm>
           <a:prstGeom prst="rect">
             <a:avLst/>
@@ -5438,71 +10429,16 @@
             <a:pPr algn="ctr"/>
             <a:r>
               <a:rPr lang="en-US" dirty="0" smtClean="0"/>
-              <a:t>Deliver Challenge</a:t>
-            </a:r>
-          </a:p>
-          <a:p>
-            <a:pPr algn="ctr"/>
-            <a:r>
-              <a:rPr lang="en-US" dirty="0" smtClean="0"/>
-              <a:t>Generate Token    </a:t>
+              <a:t>Get Challenge</a:t>
             </a:r>
             <a:endParaRPr lang="en-US" dirty="0"/>
-          </a:p>
-        </p:txBody>
-      </p:sp>
-      <p:sp>
-        <p:nvSpPr>
-          <p:cNvPr id="7" name="Rounded Rectangle 6"/>
-          <p:cNvSpPr/>
-          <p:nvPr/>
-        </p:nvSpPr>
-        <p:spPr>
-          <a:xfrm>
-            <a:off x="5007428" y="1524000"/>
-            <a:ext cx="914401" cy="517069"/>
-          </a:xfrm>
-          <a:prstGeom prst="roundRect">
-            <a:avLst/>
-          </a:prstGeom>
-        </p:spPr>
-        <p:style>
-          <a:lnRef idx="1">
-            <a:schemeClr val="accent4"/>
-          </a:lnRef>
-          <a:fillRef idx="2">
-            <a:schemeClr val="accent4"/>
-          </a:fillRef>
-          <a:effectRef idx="1">
-            <a:schemeClr val="accent4"/>
-          </a:effectRef>
-          <a:fontRef idx="minor">
-            <a:schemeClr val="dk1"/>
-          </a:fontRef>
-        </p:style>
-        <p:txBody>
-          <a:bodyPr lIns="0" tIns="0" rIns="0" bIns="0" rtlCol="0" anchor="ctr"/>
-          <a:lstStyle/>
-          <a:p>
-            <a:pPr algn="ctr"/>
-            <a:r>
-              <a:rPr lang="en-US" sz="1400" dirty="0" smtClean="0"/>
-              <a:t>stored</a:t>
-            </a:r>
-          </a:p>
-          <a:p>
-            <a:pPr algn="ctr"/>
-            <a:r>
-              <a:rPr lang="en-US" sz="1400" dirty="0" smtClean="0"/>
-              <a:t>challenge</a:t>
-            </a:r>
           </a:p>
         </p:txBody>
       </p:sp>
     </p:spTree>
     <p:extLst>
       <p:ext uri="{BB962C8B-B14F-4D97-AF65-F5344CB8AC3E}">
-        <p14:creationId xmlns:p14="http://schemas.microsoft.com/office/powerpoint/2010/main" val="2874069660"/>
+        <p14:creationId xmlns:p14="http://schemas.microsoft.com/office/powerpoint/2010/main" val="2191513171"/>
       </p:ext>
     </p:extLst>
   </p:cSld>
@@ -5680,15 +10616,14 @@
         <p:nvCxnSpPr>
           <p:cNvPr id="8" name="Straight Arrow Connector 7"/>
           <p:cNvCxnSpPr>
-            <a:stCxn id="3" idx="3"/>
-            <a:endCxn id="4" idx="1"/>
+            <a:stCxn id="3" idx="0"/>
           </p:cNvCxnSpPr>
           <p:nvPr/>
         </p:nvCxnSpPr>
         <p:spPr>
-          <a:xfrm>
-            <a:off x="3425412" y="4305300"/>
-            <a:ext cx="1723531" cy="0"/>
+          <a:xfrm flipV="1">
+            <a:off x="2396712" y="2536372"/>
+            <a:ext cx="1028700" cy="1197428"/>
           </a:xfrm>
           <a:prstGeom prst="straightConnector1">
             <a:avLst/>
@@ -5720,8 +10655,8 @@
         </p:nvSpPr>
         <p:spPr>
           <a:xfrm>
-            <a:off x="3516677" y="3549134"/>
-            <a:ext cx="1540999" cy="369332"/>
+            <a:off x="1257421" y="2667000"/>
+            <a:ext cx="1868974" cy="646331"/>
           </a:xfrm>
           <a:prstGeom prst="rect">
             <a:avLst/>
@@ -5737,7 +10672,14 @@
             <a:pPr algn="ctr"/>
             <a:r>
               <a:rPr lang="en-US" dirty="0" smtClean="0"/>
-              <a:t>Verify Token    </a:t>
+              <a:t>Deliver Challenge</a:t>
+            </a:r>
+          </a:p>
+          <a:p>
+            <a:pPr algn="ctr"/>
+            <a:r>
+              <a:rPr lang="en-US" dirty="0" smtClean="0"/>
+              <a:t>Generate Token    </a:t>
             </a:r>
             <a:endParaRPr lang="en-US" dirty="0"/>
           </a:p>
@@ -5791,83 +10733,10 @@
           </a:p>
         </p:txBody>
       </p:sp>
-      <p:cxnSp>
-        <p:nvCxnSpPr>
-          <p:cNvPr id="10" name="Straight Arrow Connector 9"/>
-          <p:cNvCxnSpPr>
-            <a:stCxn id="4" idx="0"/>
-          </p:cNvCxnSpPr>
-          <p:nvPr/>
-        </p:nvCxnSpPr>
-        <p:spPr>
-          <a:xfrm flipH="1" flipV="1">
-            <a:off x="4800600" y="2536371"/>
-            <a:ext cx="1377043" cy="1197429"/>
-          </a:xfrm>
-          <a:prstGeom prst="straightConnector1">
-            <a:avLst/>
-          </a:prstGeom>
-          <a:ln w="57150">
-            <a:tailEnd type="arrow"/>
-          </a:ln>
-        </p:spPr>
-        <p:style>
-          <a:lnRef idx="1">
-            <a:schemeClr val="accent1"/>
-          </a:lnRef>
-          <a:fillRef idx="0">
-            <a:schemeClr val="accent1"/>
-          </a:fillRef>
-          <a:effectRef idx="0">
-            <a:schemeClr val="accent1"/>
-          </a:effectRef>
-          <a:fontRef idx="minor">
-            <a:schemeClr val="tx1"/>
-          </a:fontRef>
-        </p:style>
-      </p:cxnSp>
-      <p:sp>
-        <p:nvSpPr>
-          <p:cNvPr id="13" name="TextBox 12"/>
-          <p:cNvSpPr txBox="1"/>
-          <p:nvPr/>
-        </p:nvSpPr>
-        <p:spPr>
-          <a:xfrm>
-            <a:off x="5431971" y="2645229"/>
-            <a:ext cx="1703287" cy="646331"/>
-          </a:xfrm>
-          <a:prstGeom prst="rect">
-            <a:avLst/>
-          </a:prstGeom>
-          <a:noFill/>
-        </p:spPr>
-        <p:txBody>
-          <a:bodyPr wrap="none" rtlCol="0">
-            <a:spAutoFit/>
-          </a:bodyPr>
-          <a:lstStyle/>
-          <a:p>
-            <a:pPr algn="ctr"/>
-            <a:r>
-              <a:rPr lang="en-US" dirty="0" smtClean="0"/>
-              <a:t>Verify Challenge</a:t>
-            </a:r>
-          </a:p>
-          <a:p>
-            <a:pPr algn="ctr"/>
-            <a:r>
-              <a:rPr lang="en-US" dirty="0" smtClean="0"/>
-              <a:t>&amp; Token    </a:t>
-            </a:r>
-            <a:endParaRPr lang="en-US" dirty="0"/>
-          </a:p>
-        </p:txBody>
-      </p:sp>
     </p:spTree>
     <p:extLst>
       <p:ext uri="{BB962C8B-B14F-4D97-AF65-F5344CB8AC3E}">
-        <p14:creationId xmlns:p14="http://schemas.microsoft.com/office/powerpoint/2010/main" val="91116462"/>
+        <p14:creationId xmlns:p14="http://schemas.microsoft.com/office/powerpoint/2010/main" val="2874069660"/>
       </p:ext>
     </p:extLst>
   </p:cSld>
@@ -6043,14 +10912,17 @@
       </p:sp>
       <p:cxnSp>
         <p:nvCxnSpPr>
-          <p:cNvPr id="5" name="Straight Arrow Connector 4"/>
-          <p:cNvCxnSpPr/>
+          <p:cNvPr id="8" name="Straight Arrow Connector 7"/>
+          <p:cNvCxnSpPr>
+            <a:stCxn id="3" idx="3"/>
+            <a:endCxn id="4" idx="1"/>
+          </p:cNvCxnSpPr>
           <p:nvPr/>
         </p:nvCxnSpPr>
         <p:spPr>
-          <a:xfrm flipV="1">
-            <a:off x="2396712" y="2536371"/>
-            <a:ext cx="1032288" cy="1197429"/>
+          <a:xfrm>
+            <a:off x="3425412" y="4305300"/>
+            <a:ext cx="1723531" cy="0"/>
           </a:xfrm>
           <a:prstGeom prst="straightConnector1">
             <a:avLst/>
@@ -6076,14 +10948,14 @@
       </p:cxnSp>
       <p:sp>
         <p:nvSpPr>
-          <p:cNvPr id="7" name="TextBox 6"/>
+          <p:cNvPr id="9" name="TextBox 8"/>
           <p:cNvSpPr txBox="1"/>
           <p:nvPr/>
         </p:nvSpPr>
         <p:spPr>
           <a:xfrm>
-            <a:off x="1980572" y="2667000"/>
-            <a:ext cx="832279" cy="369332"/>
+            <a:off x="3516677" y="3549134"/>
+            <a:ext cx="1540999" cy="369332"/>
           </a:xfrm>
           <a:prstGeom prst="rect">
             <a:avLst/>
@@ -6096,27 +10968,75 @@
           </a:bodyPr>
           <a:lstStyle/>
           <a:p>
+            <a:pPr algn="ctr"/>
             <a:r>
               <a:rPr lang="en-US" dirty="0" smtClean="0"/>
-              <a:t>Logout</a:t>
+              <a:t>Verify Token    </a:t>
             </a:r>
             <a:endParaRPr lang="en-US" dirty="0"/>
+          </a:p>
+        </p:txBody>
+      </p:sp>
+      <p:sp>
+        <p:nvSpPr>
+          <p:cNvPr id="7" name="Rounded Rectangle 6"/>
+          <p:cNvSpPr/>
+          <p:nvPr/>
+        </p:nvSpPr>
+        <p:spPr>
+          <a:xfrm>
+            <a:off x="5007428" y="1524000"/>
+            <a:ext cx="914401" cy="517069"/>
+          </a:xfrm>
+          <a:prstGeom prst="roundRect">
+            <a:avLst/>
+          </a:prstGeom>
+        </p:spPr>
+        <p:style>
+          <a:lnRef idx="1">
+            <a:schemeClr val="accent4"/>
+          </a:lnRef>
+          <a:fillRef idx="2">
+            <a:schemeClr val="accent4"/>
+          </a:fillRef>
+          <a:effectRef idx="1">
+            <a:schemeClr val="accent4"/>
+          </a:effectRef>
+          <a:fontRef idx="minor">
+            <a:schemeClr val="dk1"/>
+          </a:fontRef>
+        </p:style>
+        <p:txBody>
+          <a:bodyPr lIns="0" tIns="0" rIns="0" bIns="0" rtlCol="0" anchor="ctr"/>
+          <a:lstStyle/>
+          <a:p>
+            <a:pPr algn="ctr"/>
+            <a:r>
+              <a:rPr lang="en-US" sz="1400" dirty="0" smtClean="0"/>
+              <a:t>stored</a:t>
+            </a:r>
+          </a:p>
+          <a:p>
+            <a:pPr algn="ctr"/>
+            <a:r>
+              <a:rPr lang="en-US" sz="1400" dirty="0" smtClean="0"/>
+              <a:t>challenge</a:t>
+            </a:r>
           </a:p>
         </p:txBody>
       </p:sp>
       <p:cxnSp>
         <p:nvCxnSpPr>
-          <p:cNvPr id="8" name="Straight Arrow Connector 7"/>
+          <p:cNvPr id="10" name="Straight Arrow Connector 9"/>
           <p:cNvCxnSpPr>
-            <a:stCxn id="3" idx="3"/>
-            <a:endCxn id="4" idx="1"/>
+            <a:stCxn id="4" idx="0"/>
           </p:cNvCxnSpPr>
           <p:nvPr/>
         </p:nvCxnSpPr>
         <p:spPr>
-          <a:xfrm>
-            <a:off x="3425412" y="4305300"/>
-            <a:ext cx="1723531" cy="0"/>
+          <a:xfrm flipH="1" flipV="1">
+            <a:off x="4800600" y="2536371"/>
+            <a:ext cx="1377043" cy="1197429"/>
           </a:xfrm>
           <a:prstGeom prst="straightConnector1">
             <a:avLst/>
@@ -6142,14 +11062,14 @@
       </p:cxnSp>
       <p:sp>
         <p:nvSpPr>
-          <p:cNvPr id="10" name="TextBox 9"/>
+          <p:cNvPr id="13" name="TextBox 12"/>
           <p:cNvSpPr txBox="1"/>
           <p:nvPr/>
         </p:nvSpPr>
         <p:spPr>
           <a:xfrm>
-            <a:off x="3871037" y="3733800"/>
-            <a:ext cx="832279" cy="369332"/>
+            <a:off x="5431971" y="2645229"/>
+            <a:ext cx="1703287" cy="646331"/>
           </a:xfrm>
           <a:prstGeom prst="rect">
             <a:avLst/>
@@ -6162,9 +11082,17 @@
           </a:bodyPr>
           <a:lstStyle/>
           <a:p>
+            <a:pPr algn="ctr"/>
             <a:r>
               <a:rPr lang="en-US" dirty="0" smtClean="0"/>
-              <a:t>Logout</a:t>
+              <a:t>Verify Challenge</a:t>
+            </a:r>
+          </a:p>
+          <a:p>
+            <a:pPr algn="ctr"/>
+            <a:r>
+              <a:rPr lang="en-US" dirty="0" smtClean="0"/>
+              <a:t>&amp; Token    </a:t>
             </a:r>
             <a:endParaRPr lang="en-US" dirty="0"/>
           </a:p>
@@ -6173,7 +11101,7 @@
     </p:spTree>
     <p:extLst>
       <p:ext uri="{BB962C8B-B14F-4D97-AF65-F5344CB8AC3E}">
-        <p14:creationId xmlns:p14="http://schemas.microsoft.com/office/powerpoint/2010/main" val="3398938763"/>
+        <p14:creationId xmlns:p14="http://schemas.microsoft.com/office/powerpoint/2010/main" val="91116462"/>
       </p:ext>
     </p:extLst>
   </p:cSld>
@@ -6200,6 +11128,312 @@
           <a:chExt cx="0" cy="0"/>
         </a:xfrm>
       </p:grpSpPr>
+      <p:sp>
+        <p:nvSpPr>
+          <p:cNvPr id="2" name="Rounded Rectangle 1"/>
+          <p:cNvSpPr/>
+          <p:nvPr/>
+        </p:nvSpPr>
+        <p:spPr>
+          <a:xfrm>
+            <a:off x="3124200" y="1393371"/>
+            <a:ext cx="2057400" cy="1143000"/>
+          </a:xfrm>
+          <a:prstGeom prst="roundRect">
+            <a:avLst/>
+          </a:prstGeom>
+        </p:spPr>
+        <p:style>
+          <a:lnRef idx="1">
+            <a:schemeClr val="accent5"/>
+          </a:lnRef>
+          <a:fillRef idx="2">
+            <a:schemeClr val="accent5"/>
+          </a:fillRef>
+          <a:effectRef idx="1">
+            <a:schemeClr val="accent5"/>
+          </a:effectRef>
+          <a:fontRef idx="minor">
+            <a:schemeClr val="dk1"/>
+          </a:fontRef>
+        </p:style>
+        <p:txBody>
+          <a:bodyPr rtlCol="0" anchor="ctr"/>
+          <a:lstStyle/>
+          <a:p>
+            <a:pPr algn="ctr"/>
+            <a:r>
+              <a:rPr lang="en-US" dirty="0" smtClean="0"/>
+              <a:t>Identity Provider</a:t>
+            </a:r>
+          </a:p>
+          <a:p>
+            <a:pPr algn="ctr"/>
+            <a:r>
+              <a:rPr lang="en-US" dirty="0" smtClean="0"/>
+              <a:t>(SSOFI)</a:t>
+            </a:r>
+            <a:endParaRPr lang="en-US" dirty="0"/>
+          </a:p>
+        </p:txBody>
+      </p:sp>
+      <p:sp>
+        <p:nvSpPr>
+          <p:cNvPr id="3" name="Rounded Rectangle 2"/>
+          <p:cNvSpPr/>
+          <p:nvPr/>
+        </p:nvSpPr>
+        <p:spPr>
+          <a:xfrm>
+            <a:off x="1368012" y="3733800"/>
+            <a:ext cx="2057400" cy="1143000"/>
+          </a:xfrm>
+          <a:prstGeom prst="roundRect">
+            <a:avLst/>
+          </a:prstGeom>
+        </p:spPr>
+        <p:style>
+          <a:lnRef idx="1">
+            <a:schemeClr val="accent5"/>
+          </a:lnRef>
+          <a:fillRef idx="2">
+            <a:schemeClr val="accent5"/>
+          </a:fillRef>
+          <a:effectRef idx="1">
+            <a:schemeClr val="accent5"/>
+          </a:effectRef>
+          <a:fontRef idx="minor">
+            <a:schemeClr val="dk1"/>
+          </a:fontRef>
+        </p:style>
+        <p:txBody>
+          <a:bodyPr rtlCol="0" anchor="ctr"/>
+          <a:lstStyle/>
+          <a:p>
+            <a:pPr algn="ctr"/>
+            <a:r>
+              <a:rPr lang="en-US" dirty="0" smtClean="0"/>
+              <a:t>Client</a:t>
+            </a:r>
+          </a:p>
+          <a:p>
+            <a:pPr algn="ctr"/>
+            <a:r>
+              <a:rPr lang="en-US" dirty="0" smtClean="0"/>
+              <a:t>(Angular JS)</a:t>
+            </a:r>
+            <a:endParaRPr lang="en-US" dirty="0"/>
+          </a:p>
+        </p:txBody>
+      </p:sp>
+      <p:sp>
+        <p:nvSpPr>
+          <p:cNvPr id="4" name="Rounded Rectangle 3"/>
+          <p:cNvSpPr/>
+          <p:nvPr/>
+        </p:nvSpPr>
+        <p:spPr>
+          <a:xfrm>
+            <a:off x="5148943" y="3733800"/>
+            <a:ext cx="2057400" cy="1143000"/>
+          </a:xfrm>
+          <a:prstGeom prst="roundRect">
+            <a:avLst/>
+          </a:prstGeom>
+        </p:spPr>
+        <p:style>
+          <a:lnRef idx="1">
+            <a:schemeClr val="accent5"/>
+          </a:lnRef>
+          <a:fillRef idx="2">
+            <a:schemeClr val="accent5"/>
+          </a:fillRef>
+          <a:effectRef idx="1">
+            <a:schemeClr val="accent5"/>
+          </a:effectRef>
+          <a:fontRef idx="minor">
+            <a:schemeClr val="dk1"/>
+          </a:fontRef>
+        </p:style>
+        <p:txBody>
+          <a:bodyPr rtlCol="0" anchor="ctr"/>
+          <a:lstStyle/>
+          <a:p>
+            <a:pPr algn="ctr"/>
+            <a:r>
+              <a:rPr lang="en-US" dirty="0" smtClean="0"/>
+              <a:t>Server</a:t>
+            </a:r>
+          </a:p>
+          <a:p>
+            <a:pPr algn="ctr"/>
+            <a:r>
+              <a:rPr lang="en-US" dirty="0" smtClean="0"/>
+              <a:t>(Java, Tomcat)</a:t>
+            </a:r>
+            <a:endParaRPr lang="en-US" dirty="0"/>
+          </a:p>
+        </p:txBody>
+      </p:sp>
+      <p:cxnSp>
+        <p:nvCxnSpPr>
+          <p:cNvPr id="5" name="Straight Arrow Connector 4"/>
+          <p:cNvCxnSpPr/>
+          <p:nvPr/>
+        </p:nvCxnSpPr>
+        <p:spPr>
+          <a:xfrm flipV="1">
+            <a:off x="2396712" y="2536371"/>
+            <a:ext cx="1032288" cy="1197429"/>
+          </a:xfrm>
+          <a:prstGeom prst="straightConnector1">
+            <a:avLst/>
+          </a:prstGeom>
+          <a:ln w="57150">
+            <a:tailEnd type="arrow"/>
+          </a:ln>
+        </p:spPr>
+        <p:style>
+          <a:lnRef idx="1">
+            <a:schemeClr val="accent1"/>
+          </a:lnRef>
+          <a:fillRef idx="0">
+            <a:schemeClr val="accent1"/>
+          </a:fillRef>
+          <a:effectRef idx="0">
+            <a:schemeClr val="accent1"/>
+          </a:effectRef>
+          <a:fontRef idx="minor">
+            <a:schemeClr val="tx1"/>
+          </a:fontRef>
+        </p:style>
+      </p:cxnSp>
+      <p:sp>
+        <p:nvSpPr>
+          <p:cNvPr id="7" name="TextBox 6"/>
+          <p:cNvSpPr txBox="1"/>
+          <p:nvPr/>
+        </p:nvSpPr>
+        <p:spPr>
+          <a:xfrm>
+            <a:off x="1980572" y="2667000"/>
+            <a:ext cx="832279" cy="369332"/>
+          </a:xfrm>
+          <a:prstGeom prst="rect">
+            <a:avLst/>
+          </a:prstGeom>
+          <a:noFill/>
+        </p:spPr>
+        <p:txBody>
+          <a:bodyPr wrap="none" rtlCol="0">
+            <a:spAutoFit/>
+          </a:bodyPr>
+          <a:lstStyle/>
+          <a:p>
+            <a:r>
+              <a:rPr lang="en-US" dirty="0" smtClean="0"/>
+              <a:t>Logout</a:t>
+            </a:r>
+            <a:endParaRPr lang="en-US" dirty="0"/>
+          </a:p>
+        </p:txBody>
+      </p:sp>
+      <p:cxnSp>
+        <p:nvCxnSpPr>
+          <p:cNvPr id="8" name="Straight Arrow Connector 7"/>
+          <p:cNvCxnSpPr>
+            <a:stCxn id="3" idx="3"/>
+            <a:endCxn id="4" idx="1"/>
+          </p:cNvCxnSpPr>
+          <p:nvPr/>
+        </p:nvCxnSpPr>
+        <p:spPr>
+          <a:xfrm>
+            <a:off x="3425412" y="4305300"/>
+            <a:ext cx="1723531" cy="0"/>
+          </a:xfrm>
+          <a:prstGeom prst="straightConnector1">
+            <a:avLst/>
+          </a:prstGeom>
+          <a:ln w="57150">
+            <a:tailEnd type="arrow"/>
+          </a:ln>
+        </p:spPr>
+        <p:style>
+          <a:lnRef idx="1">
+            <a:schemeClr val="accent1"/>
+          </a:lnRef>
+          <a:fillRef idx="0">
+            <a:schemeClr val="accent1"/>
+          </a:fillRef>
+          <a:effectRef idx="0">
+            <a:schemeClr val="accent1"/>
+          </a:effectRef>
+          <a:fontRef idx="minor">
+            <a:schemeClr val="tx1"/>
+          </a:fontRef>
+        </p:style>
+      </p:cxnSp>
+      <p:sp>
+        <p:nvSpPr>
+          <p:cNvPr id="10" name="TextBox 9"/>
+          <p:cNvSpPr txBox="1"/>
+          <p:nvPr/>
+        </p:nvSpPr>
+        <p:spPr>
+          <a:xfrm>
+            <a:off x="3871037" y="3733800"/>
+            <a:ext cx="832279" cy="369332"/>
+          </a:xfrm>
+          <a:prstGeom prst="rect">
+            <a:avLst/>
+          </a:prstGeom>
+          <a:noFill/>
+        </p:spPr>
+        <p:txBody>
+          <a:bodyPr wrap="none" rtlCol="0">
+            <a:spAutoFit/>
+          </a:bodyPr>
+          <a:lstStyle/>
+          <a:p>
+            <a:r>
+              <a:rPr lang="en-US" dirty="0" smtClean="0"/>
+              <a:t>Logout</a:t>
+            </a:r>
+            <a:endParaRPr lang="en-US" dirty="0"/>
+          </a:p>
+        </p:txBody>
+      </p:sp>
+    </p:spTree>
+    <p:extLst>
+      <p:ext uri="{BB962C8B-B14F-4D97-AF65-F5344CB8AC3E}">
+        <p14:creationId xmlns:p14="http://schemas.microsoft.com/office/powerpoint/2010/main" val="3398938763"/>
+      </p:ext>
+    </p:extLst>
+  </p:cSld>
+  <p:clrMapOvr>
+    <a:masterClrMapping/>
+  </p:clrMapOvr>
+</p:sld>
+</file>
+
+<file path=ppt/slides/slide9.xml><?xml version="1.0" encoding="utf-8"?>
+<p:sld xmlns:a="http://schemas.openxmlformats.org/drawingml/2006/main" xmlns:r="http://schemas.openxmlformats.org/officeDocument/2006/relationships" xmlns:p="http://schemas.openxmlformats.org/presentationml/2006/main">
+  <p:cSld>
+    <p:spTree>
+      <p:nvGrpSpPr>
+        <p:cNvPr id="1" name=""/>
+        <p:cNvGrpSpPr/>
+        <p:nvPr/>
+      </p:nvGrpSpPr>
+      <p:grpSpPr>
+        <a:xfrm>
+          <a:off x="0" y="0"/>
+          <a:ext cx="0" cy="0"/>
+          <a:chOff x="0" y="0"/>
+          <a:chExt cx="0" cy="0"/>
+        </a:xfrm>
+      </p:grpSpPr>
       <p:cxnSp>
         <p:nvCxnSpPr>
           <p:cNvPr id="5" name="Straight Arrow Connector 4"/>
@@ -6311,7 +11545,6 @@
               <a:rPr lang="en-US" sz="2400" dirty="0"/>
               <a:t>(SSOFI)</a:t>
             </a:r>
-            <a:endParaRPr lang="en-US" sz="2400" dirty="0"/>
           </a:p>
         </p:txBody>
       </p:sp>
@@ -6360,7 +11593,6 @@
               <a:rPr lang="en-US" sz="2400" dirty="0"/>
               <a:t>(JavaScript)</a:t>
             </a:r>
-            <a:endParaRPr lang="en-US" sz="2400" dirty="0"/>
           </a:p>
         </p:txBody>
       </p:sp>
@@ -6515,11 +11747,7 @@
           <a:p>
             <a:r>
               <a:rPr lang="en-US" sz="2400" dirty="0" smtClean="0"/>
-              <a:t>    being logged in</a:t>
-            </a:r>
-            <a:r>
-              <a:rPr lang="en-US" sz="2400" dirty="0" smtClean="0"/>
-              <a:t>    </a:t>
+              <a:t>    being logged in    </a:t>
             </a:r>
             <a:endParaRPr lang="en-US" sz="2400" dirty="0"/>
           </a:p>
@@ -6590,11 +11818,7 @@
             <a:pPr algn="ctr"/>
             <a:r>
               <a:rPr lang="en-US" sz="2400" dirty="0" smtClean="0"/>
-              <a:t>            6. Get identity</a:t>
-            </a:r>
-            <a:r>
-              <a:rPr lang="en-US" sz="2400" dirty="0" smtClean="0"/>
-              <a:t>   </a:t>
+              <a:t>            6. Get identity   </a:t>
             </a:r>
             <a:endParaRPr lang="en-US" sz="2400" dirty="0"/>
           </a:p>
@@ -6636,7 +11860,6 @@
               <a:rPr lang="en-US" sz="2400" dirty="0" smtClean="0"/>
               <a:t>   for Challenge</a:t>
             </a:r>
-            <a:endParaRPr lang="en-US" sz="2400" dirty="0" smtClean="0"/>
           </a:p>
           <a:p>
             <a:r>
@@ -6672,11 +11895,7 @@
             <a:pPr algn="ctr"/>
             <a:r>
               <a:rPr lang="en-US" sz="2400" dirty="0" smtClean="0"/>
-              <a:t>1. Get </a:t>
-            </a:r>
-            <a:r>
-              <a:rPr lang="en-US" sz="2400" dirty="0" smtClean="0"/>
-              <a:t>Challenge</a:t>
+              <a:t>1. Get Challenge</a:t>
             </a:r>
             <a:endParaRPr lang="en-US" sz="2400" dirty="0"/>
           </a:p>
@@ -7044,4 +12263,265 @@
   <a:objectDefaults/>
   <a:extraClrSchemeLst/>
 </a:theme>
+</file>
+
+<file path=ppt/theme/theme2.xml><?xml version="1.0" encoding="utf-8"?>
+<a:theme xmlns:a="http://schemas.openxmlformats.org/drawingml/2006/main" name="Office Theme">
+  <a:themeElements>
+    <a:clrScheme name="Office">
+      <a:dk1>
+        <a:sysClr val="windowText" lastClr="000000"/>
+      </a:dk1>
+      <a:lt1>
+        <a:sysClr val="window" lastClr="FFFFFF"/>
+      </a:lt1>
+      <a:dk2>
+        <a:srgbClr val="44546A"/>
+      </a:dk2>
+      <a:lt2>
+        <a:srgbClr val="E7E6E6"/>
+      </a:lt2>
+      <a:accent1>
+        <a:srgbClr val="5B9BD5"/>
+      </a:accent1>
+      <a:accent2>
+        <a:srgbClr val="ED7D31"/>
+      </a:accent2>
+      <a:accent3>
+        <a:srgbClr val="A5A5A5"/>
+      </a:accent3>
+      <a:accent4>
+        <a:srgbClr val="FFC000"/>
+      </a:accent4>
+      <a:accent5>
+        <a:srgbClr val="4472C4"/>
+      </a:accent5>
+      <a:accent6>
+        <a:srgbClr val="70AD47"/>
+      </a:accent6>
+      <a:hlink>
+        <a:srgbClr val="0563C1"/>
+      </a:hlink>
+      <a:folHlink>
+        <a:srgbClr val="954F72"/>
+      </a:folHlink>
+    </a:clrScheme>
+    <a:fontScheme name="Office">
+      <a:majorFont>
+        <a:latin typeface="Calibri Light" panose="020F0302020204030204"/>
+        <a:ea typeface=""/>
+        <a:cs typeface=""/>
+        <a:font script="Jpan" typeface="ＭＳ Ｐゴシック"/>
+        <a:font script="Hang" typeface="맑은 고딕"/>
+        <a:font script="Hans" typeface="宋体"/>
+        <a:font script="Hant" typeface="新細明體"/>
+        <a:font script="Arab" typeface="Times New Roman"/>
+        <a:font script="Hebr" typeface="Times New Roman"/>
+        <a:font script="Thai" typeface="Angsana New"/>
+        <a:font script="Ethi" typeface="Nyala"/>
+        <a:font script="Beng" typeface="Vrinda"/>
+        <a:font script="Gujr" typeface="Shruti"/>
+        <a:font script="Khmr" typeface="MoolBoran"/>
+        <a:font script="Knda" typeface="Tunga"/>
+        <a:font script="Guru" typeface="Raavi"/>
+        <a:font script="Cans" typeface="Euphemia"/>
+        <a:font script="Cher" typeface="Plantagenet Cherokee"/>
+        <a:font script="Yiii" typeface="Microsoft Yi Baiti"/>
+        <a:font script="Tibt" typeface="Microsoft Himalaya"/>
+        <a:font script="Thaa" typeface="MV Boli"/>
+        <a:font script="Deva" typeface="Mangal"/>
+        <a:font script="Telu" typeface="Gautami"/>
+        <a:font script="Taml" typeface="Latha"/>
+        <a:font script="Syrc" typeface="Estrangelo Edessa"/>
+        <a:font script="Orya" typeface="Kalinga"/>
+        <a:font script="Mlym" typeface="Kartika"/>
+        <a:font script="Laoo" typeface="DokChampa"/>
+        <a:font script="Sinh" typeface="Iskoola Pota"/>
+        <a:font script="Mong" typeface="Mongolian Baiti"/>
+        <a:font script="Viet" typeface="Times New Roman"/>
+        <a:font script="Uigh" typeface="Microsoft Uighur"/>
+        <a:font script="Geor" typeface="Sylfaen"/>
+      </a:majorFont>
+      <a:minorFont>
+        <a:latin typeface="Calibri" panose="020F0502020204030204"/>
+        <a:ea typeface=""/>
+        <a:cs typeface=""/>
+        <a:font script="Jpan" typeface="ＭＳ Ｐゴシック"/>
+        <a:font script="Hang" typeface="맑은 고딕"/>
+        <a:font script="Hans" typeface="宋体"/>
+        <a:font script="Hant" typeface="新細明體"/>
+        <a:font script="Arab" typeface="Arial"/>
+        <a:font script="Hebr" typeface="Arial"/>
+        <a:font script="Thai" typeface="Cordia New"/>
+        <a:font script="Ethi" typeface="Nyala"/>
+        <a:font script="Beng" typeface="Vrinda"/>
+        <a:font script="Gujr" typeface="Shruti"/>
+        <a:font script="Khmr" typeface="DaunPenh"/>
+        <a:font script="Knda" typeface="Tunga"/>
+        <a:font script="Guru" typeface="Raavi"/>
+        <a:font script="Cans" typeface="Euphemia"/>
+        <a:font script="Cher" typeface="Plantagenet Cherokee"/>
+        <a:font script="Yiii" typeface="Microsoft Yi Baiti"/>
+        <a:font script="Tibt" typeface="Microsoft Himalaya"/>
+        <a:font script="Thaa" typeface="MV Boli"/>
+        <a:font script="Deva" typeface="Mangal"/>
+        <a:font script="Telu" typeface="Gautami"/>
+        <a:font script="Taml" typeface="Latha"/>
+        <a:font script="Syrc" typeface="Estrangelo Edessa"/>
+        <a:font script="Orya" typeface="Kalinga"/>
+        <a:font script="Mlym" typeface="Kartika"/>
+        <a:font script="Laoo" typeface="DokChampa"/>
+        <a:font script="Sinh" typeface="Iskoola Pota"/>
+        <a:font script="Mong" typeface="Mongolian Baiti"/>
+        <a:font script="Viet" typeface="Arial"/>
+        <a:font script="Uigh" typeface="Microsoft Uighur"/>
+        <a:font script="Geor" typeface="Sylfaen"/>
+      </a:minorFont>
+    </a:fontScheme>
+    <a:fmtScheme name="Office">
+      <a:fillStyleLst>
+        <a:solidFill>
+          <a:schemeClr val="phClr"/>
+        </a:solidFill>
+        <a:gradFill rotWithShape="1">
+          <a:gsLst>
+            <a:gs pos="0">
+              <a:schemeClr val="phClr">
+                <a:lumMod val="110000"/>
+                <a:satMod val="105000"/>
+                <a:tint val="67000"/>
+              </a:schemeClr>
+            </a:gs>
+            <a:gs pos="50000">
+              <a:schemeClr val="phClr">
+                <a:lumMod val="105000"/>
+                <a:satMod val="103000"/>
+                <a:tint val="73000"/>
+              </a:schemeClr>
+            </a:gs>
+            <a:gs pos="100000">
+              <a:schemeClr val="phClr">
+                <a:lumMod val="105000"/>
+                <a:satMod val="109000"/>
+                <a:tint val="81000"/>
+              </a:schemeClr>
+            </a:gs>
+          </a:gsLst>
+          <a:lin ang="5400000" scaled="0"/>
+        </a:gradFill>
+        <a:gradFill rotWithShape="1">
+          <a:gsLst>
+            <a:gs pos="0">
+              <a:schemeClr val="phClr">
+                <a:satMod val="103000"/>
+                <a:lumMod val="102000"/>
+                <a:tint val="94000"/>
+              </a:schemeClr>
+            </a:gs>
+            <a:gs pos="50000">
+              <a:schemeClr val="phClr">
+                <a:satMod val="110000"/>
+                <a:lumMod val="100000"/>
+                <a:shade val="100000"/>
+              </a:schemeClr>
+            </a:gs>
+            <a:gs pos="100000">
+              <a:schemeClr val="phClr">
+                <a:lumMod val="99000"/>
+                <a:satMod val="120000"/>
+                <a:shade val="78000"/>
+              </a:schemeClr>
+            </a:gs>
+          </a:gsLst>
+          <a:lin ang="5400000" scaled="0"/>
+        </a:gradFill>
+      </a:fillStyleLst>
+      <a:lnStyleLst>
+        <a:ln w="6350" cap="flat" cmpd="sng" algn="ctr">
+          <a:solidFill>
+            <a:schemeClr val="phClr"/>
+          </a:solidFill>
+          <a:prstDash val="solid"/>
+          <a:miter lim="800000"/>
+        </a:ln>
+        <a:ln w="12700" cap="flat" cmpd="sng" algn="ctr">
+          <a:solidFill>
+            <a:schemeClr val="phClr"/>
+          </a:solidFill>
+          <a:prstDash val="solid"/>
+          <a:miter lim="800000"/>
+        </a:ln>
+        <a:ln w="19050" cap="flat" cmpd="sng" algn="ctr">
+          <a:solidFill>
+            <a:schemeClr val="phClr"/>
+          </a:solidFill>
+          <a:prstDash val="solid"/>
+          <a:miter lim="800000"/>
+        </a:ln>
+      </a:lnStyleLst>
+      <a:effectStyleLst>
+        <a:effectStyle>
+          <a:effectLst/>
+        </a:effectStyle>
+        <a:effectStyle>
+          <a:effectLst/>
+        </a:effectStyle>
+        <a:effectStyle>
+          <a:effectLst>
+            <a:outerShdw blurRad="57150" dist="19050" dir="5400000" algn="ctr" rotWithShape="0">
+              <a:srgbClr val="000000">
+                <a:alpha val="63000"/>
+              </a:srgbClr>
+            </a:outerShdw>
+          </a:effectLst>
+        </a:effectStyle>
+      </a:effectStyleLst>
+      <a:bgFillStyleLst>
+        <a:solidFill>
+          <a:schemeClr val="phClr"/>
+        </a:solidFill>
+        <a:solidFill>
+          <a:schemeClr val="phClr">
+            <a:tint val="95000"/>
+            <a:satMod val="170000"/>
+          </a:schemeClr>
+        </a:solidFill>
+        <a:gradFill rotWithShape="1">
+          <a:gsLst>
+            <a:gs pos="0">
+              <a:schemeClr val="phClr">
+                <a:tint val="93000"/>
+                <a:satMod val="150000"/>
+                <a:shade val="98000"/>
+                <a:lumMod val="102000"/>
+              </a:schemeClr>
+            </a:gs>
+            <a:gs pos="50000">
+              <a:schemeClr val="phClr">
+                <a:tint val="98000"/>
+                <a:satMod val="130000"/>
+                <a:shade val="90000"/>
+                <a:lumMod val="103000"/>
+              </a:schemeClr>
+            </a:gs>
+            <a:gs pos="100000">
+              <a:schemeClr val="phClr">
+                <a:shade val="63000"/>
+                <a:satMod val="120000"/>
+              </a:schemeClr>
+            </a:gs>
+          </a:gsLst>
+          <a:lin ang="5400000" scaled="0"/>
+        </a:gradFill>
+      </a:bgFillStyleLst>
+    </a:fmtScheme>
+  </a:themeElements>
+  <a:objectDefaults/>
+  <a:extraClrSchemeLst/>
+  <a:extLst>
+    <a:ext uri="{05A4C25C-085E-4340-85A3-A5531E510DB2}">
+      <thm15:themeFamily xmlns:thm15="http://schemas.microsoft.com/office/thememl/2012/main" name="Office Theme" id="{62F939B6-93AF-4DB8-9C6B-D6C7DFDC589F}" vid="{4A3C46E8-61CC-4603-A589-7422A47A8E4A}"/>
+    </a:ext>
+  </a:extLst>
+</a:theme>
 </file>